--- a/Documentation/Exam/Deminder.pptx
+++ b/Documentation/Exam/Deminder.pptx
@@ -5,7 +5,7 @@
     <p:sldMasterId id="2147483672" r:id="rId1"/>
   </p:sldMasterIdLst>
   <p:notesMasterIdLst>
-    <p:notesMasterId r:id="rId23"/>
+    <p:notesMasterId r:id="rId22"/>
   </p:notesMasterIdLst>
   <p:sldIdLst>
     <p:sldId id="256" r:id="rId2"/>
@@ -22,13 +22,12 @@
     <p:sldId id="266" r:id="rId13"/>
     <p:sldId id="267" r:id="rId14"/>
     <p:sldId id="269" r:id="rId15"/>
-    <p:sldId id="272" r:id="rId16"/>
-    <p:sldId id="270" r:id="rId17"/>
-    <p:sldId id="271" r:id="rId18"/>
-    <p:sldId id="274" r:id="rId19"/>
-    <p:sldId id="273" r:id="rId20"/>
-    <p:sldId id="275" r:id="rId21"/>
-    <p:sldId id="278" r:id="rId22"/>
+    <p:sldId id="270" r:id="rId16"/>
+    <p:sldId id="271" r:id="rId17"/>
+    <p:sldId id="273" r:id="rId18"/>
+    <p:sldId id="275" r:id="rId19"/>
+    <p:sldId id="272" r:id="rId20"/>
+    <p:sldId id="278" r:id="rId21"/>
   </p:sldIdLst>
   <p:sldSz cx="9144000" cy="6858000" type="screen4x3"/>
   <p:notesSz cx="6858000" cy="9144000"/>
@@ -127,6 +126,11 @@
       </a:defRPr>
     </a:lvl9pPr>
   </p:defaultTextStyle>
+  <p:extLst>
+    <p:ext uri="{EFAFB233-063F-42B5-8137-9DF3F51BA10A}">
+      <p15:sldGuideLst xmlns:p15="http://schemas.microsoft.com/office/powerpoint/2012/main"/>
+    </p:ext>
+  </p:extLst>
 </p:presentation>
 </file>
 
@@ -212,7 +216,7 @@
           <a:p>
             <a:fld id="{56ECE74A-8307-4784-B0BE-553539A4EDBA}" type="datetimeFigureOut">
               <a:rPr lang="de-DE" smtClean="0"/>
-              <a:t>06.12.2018</a:t>
+              <a:t>07.12.2018</a:t>
             </a:fld>
             <a:endParaRPr lang="de-DE"/>
           </a:p>
@@ -1274,7 +1278,7 @@
           <a:p>
             <a:fld id="{5CA7DE8C-A3CE-4981-9E9B-7A0DB774A843}" type="datetime1">
               <a:rPr lang="de-DE" smtClean="0"/>
-              <a:t>06.12.2018</a:t>
+              <a:t>07.12.2018</a:t>
             </a:fld>
             <a:endParaRPr lang="de-DE"/>
           </a:p>
@@ -1525,7 +1529,7 @@
           <a:p>
             <a:fld id="{5F894626-FFB2-4D9B-A01F-49AF21869109}" type="datetime1">
               <a:rPr lang="de-DE" smtClean="0"/>
-              <a:t>06.12.2018</a:t>
+              <a:t>07.12.2018</a:t>
             </a:fld>
             <a:endParaRPr lang="de-DE"/>
           </a:p>
@@ -1839,7 +1843,7 @@
           <a:p>
             <a:fld id="{E45B1F79-E52D-443D-AD32-A31AB6207CC0}" type="datetime1">
               <a:rPr lang="de-DE" smtClean="0"/>
-              <a:t>06.12.2018</a:t>
+              <a:t>07.12.2018</a:t>
             </a:fld>
             <a:endParaRPr lang="de-DE"/>
           </a:p>
@@ -2172,7 +2176,7 @@
           <a:p>
             <a:fld id="{8EA9CFC0-5164-42A0-B234-A086EDB561FA}" type="datetime1">
               <a:rPr lang="de-DE" smtClean="0"/>
-              <a:t>06.12.2018</a:t>
+              <a:t>07.12.2018</a:t>
             </a:fld>
             <a:endParaRPr lang="de-DE"/>
           </a:p>
@@ -2486,7 +2490,7 @@
           <a:p>
             <a:fld id="{8885C1BE-77FB-44DF-8045-0213FC99C993}" type="datetime1">
               <a:rPr lang="de-DE" smtClean="0"/>
-              <a:t>06.12.2018</a:t>
+              <a:t>07.12.2018</a:t>
             </a:fld>
             <a:endParaRPr lang="de-DE"/>
           </a:p>
@@ -2879,7 +2883,7 @@
           <a:p>
             <a:fld id="{6155D251-3140-4DC7-9784-481CAB56BF6F}" type="datetime1">
               <a:rPr lang="de-DE" smtClean="0"/>
-              <a:t>06.12.2018</a:t>
+              <a:t>07.12.2018</a:t>
             </a:fld>
             <a:endParaRPr lang="de-DE"/>
           </a:p>
@@ -3049,7 +3053,7 @@
           <a:p>
             <a:fld id="{EC85BEB1-19C5-4A75-900C-92C302E60940}" type="datetime1">
               <a:rPr lang="de-DE" smtClean="0"/>
-              <a:t>06.12.2018</a:t>
+              <a:t>07.12.2018</a:t>
             </a:fld>
             <a:endParaRPr lang="de-DE"/>
           </a:p>
@@ -3229,7 +3233,7 @@
           <a:p>
             <a:fld id="{4B7450DC-D1C0-4009-A9BF-7C35BD139E08}" type="datetime1">
               <a:rPr lang="de-DE" smtClean="0"/>
-              <a:t>06.12.2018</a:t>
+              <a:t>07.12.2018</a:t>
             </a:fld>
             <a:endParaRPr lang="de-DE"/>
           </a:p>
@@ -3399,7 +3403,7 @@
           <a:p>
             <a:fld id="{DA8B2EA5-17E6-4A38-A314-DC16BA404A95}" type="datetime1">
               <a:rPr lang="de-DE" smtClean="0"/>
-              <a:t>06.12.2018</a:t>
+              <a:t>07.12.2018</a:t>
             </a:fld>
             <a:endParaRPr lang="de-DE"/>
           </a:p>
@@ -3646,7 +3650,7 @@
           <a:p>
             <a:fld id="{04D00C69-C875-4075-AC19-0FF759CA95F4}" type="datetime1">
               <a:rPr lang="de-DE" smtClean="0"/>
-              <a:t>06.12.2018</a:t>
+              <a:t>07.12.2018</a:t>
             </a:fld>
             <a:endParaRPr lang="de-DE"/>
           </a:p>
@@ -3943,7 +3947,7 @@
           <a:p>
             <a:fld id="{683493C0-4555-4DD0-A97B-93D72800B210}" type="datetime1">
               <a:rPr lang="de-DE" smtClean="0"/>
-              <a:t>06.12.2018</a:t>
+              <a:t>07.12.2018</a:t>
             </a:fld>
             <a:endParaRPr lang="de-DE"/>
           </a:p>
@@ -4322,7 +4326,7 @@
           <a:p>
             <a:fld id="{835C58C1-2892-45E0-A572-73A811E021E2}" type="datetime1">
               <a:rPr lang="de-DE" smtClean="0"/>
-              <a:t>06.12.2018</a:t>
+              <a:t>07.12.2018</a:t>
             </a:fld>
             <a:endParaRPr lang="de-DE"/>
           </a:p>
@@ -4445,7 +4449,7 @@
           <a:p>
             <a:fld id="{DCBB6042-4CCE-4B93-902B-C340BAE22978}" type="datetime1">
               <a:rPr lang="de-DE" smtClean="0"/>
-              <a:t>06.12.2018</a:t>
+              <a:t>07.12.2018</a:t>
             </a:fld>
             <a:endParaRPr lang="de-DE"/>
           </a:p>
@@ -4540,7 +4544,7 @@
           <a:p>
             <a:fld id="{3211F59C-EF45-4617-B68D-58D2EBF69A0E}" type="datetime1">
               <a:rPr lang="de-DE" smtClean="0"/>
-              <a:t>06.12.2018</a:t>
+              <a:t>07.12.2018</a:t>
             </a:fld>
             <a:endParaRPr lang="de-DE"/>
           </a:p>
@@ -4795,7 +4799,7 @@
           <a:p>
             <a:fld id="{668C6B4C-05C9-4198-A6A8-E24006894198}" type="datetime1">
               <a:rPr lang="de-DE" smtClean="0"/>
-              <a:t>06.12.2018</a:t>
+              <a:t>07.12.2018</a:t>
             </a:fld>
             <a:endParaRPr lang="de-DE"/>
           </a:p>
@@ -5058,7 +5062,7 @@
           <a:p>
             <a:fld id="{2EACE91F-28F0-45AA-88CF-18EAFB45E74B}" type="datetime1">
               <a:rPr lang="de-DE" smtClean="0"/>
-              <a:t>06.12.2018</a:t>
+              <a:t>07.12.2018</a:t>
             </a:fld>
             <a:endParaRPr lang="de-DE"/>
           </a:p>
@@ -5872,7 +5876,7 @@
           <a:p>
             <a:fld id="{CC8C1A77-DA48-4182-8032-1D7760EAA6F5}" type="datetime1">
               <a:rPr lang="de-DE" smtClean="0"/>
-              <a:t>06.12.2018</a:t>
+              <a:t>07.12.2018</a:t>
             </a:fld>
             <a:endParaRPr lang="de-DE"/>
           </a:p>
@@ -6564,6 +6568,13 @@
   <p:clrMapOvr>
     <a:masterClrMapping/>
   </p:clrMapOvr>
+  <p:timing>
+    <p:tnLst>
+      <p:par>
+        <p:cTn id="1" dur="indefinite" restart="never" nodeType="tmRoot"/>
+      </p:par>
+    </p:tnLst>
+  </p:timing>
 </p:sld>
 </file>
 
@@ -6644,6 +6655,85 @@
           <a:p>
             <a:r>
               <a:rPr lang="de-DE" dirty="0" err="1" smtClean="0"/>
+              <a:t>Usage</a:t>
+            </a:r>
+            <a:r>
+              <a:rPr lang="de-DE" dirty="0" smtClean="0"/>
+              <a:t> </a:t>
+            </a:r>
+            <a:r>
+              <a:rPr lang="de-DE" dirty="0" err="1" smtClean="0"/>
+              <a:t>of</a:t>
+            </a:r>
+            <a:r>
+              <a:rPr lang="de-DE" dirty="0" smtClean="0"/>
+              <a:t> RUP </a:t>
+            </a:r>
+            <a:r>
+              <a:rPr lang="de-DE" dirty="0" err="1" smtClean="0"/>
+              <a:t>for</a:t>
+            </a:r>
+            <a:r>
+              <a:rPr lang="de-DE" dirty="0" smtClean="0"/>
+              <a:t> </a:t>
+            </a:r>
+            <a:r>
+              <a:rPr lang="de-DE" dirty="0" err="1" smtClean="0"/>
+              <a:t>clear</a:t>
+            </a:r>
+            <a:r>
+              <a:rPr lang="de-DE" dirty="0" smtClean="0"/>
+              <a:t> </a:t>
+            </a:r>
+            <a:r>
+              <a:rPr lang="de-DE" dirty="0" err="1" smtClean="0"/>
+              <a:t>roles</a:t>
+            </a:r>
+            <a:r>
+              <a:rPr lang="de-DE" dirty="0" smtClean="0"/>
+              <a:t> </a:t>
+            </a:r>
+            <a:r>
+              <a:rPr lang="de-DE" dirty="0" err="1" smtClean="0"/>
+              <a:t>of</a:t>
+            </a:r>
+            <a:r>
+              <a:rPr lang="de-DE" dirty="0" smtClean="0"/>
+              <a:t> </a:t>
+            </a:r>
+            <a:r>
+              <a:rPr lang="de-DE" dirty="0" err="1" smtClean="0"/>
+              <a:t>each</a:t>
+            </a:r>
+            <a:r>
+              <a:rPr lang="de-DE" dirty="0" smtClean="0"/>
+              <a:t> </a:t>
+            </a:r>
+            <a:r>
+              <a:rPr lang="de-DE" dirty="0" err="1" smtClean="0"/>
+              <a:t>member</a:t>
+            </a:r>
+            <a:r>
+              <a:rPr lang="de-DE" dirty="0" smtClean="0"/>
+              <a:t> </a:t>
+            </a:r>
+            <a:r>
+              <a:rPr lang="de-DE" dirty="0" err="1" smtClean="0"/>
+              <a:t>and</a:t>
+            </a:r>
+            <a:r>
+              <a:rPr lang="de-DE" dirty="0" smtClean="0"/>
+              <a:t> </a:t>
+            </a:r>
+            <a:r>
+              <a:rPr lang="de-DE" dirty="0" err="1" smtClean="0"/>
+              <a:t>structure</a:t>
+            </a:r>
+            <a:endParaRPr lang="de-DE" dirty="0"/>
+          </a:p>
+          <a:p>
+            <a:r>
+              <a:rPr lang="de-DE" dirty="0" err="1" smtClean="0"/>
               <a:t>Burndown</a:t>
             </a:r>
             <a:r>
@@ -6652,11 +6742,47 @@
             </a:r>
             <a:r>
               <a:rPr lang="de-DE" dirty="0" err="1" smtClean="0"/>
-              <a:t>chart</a:t>
-            </a:r>
-            <a:r>
-              <a:rPr lang="de-DE" dirty="0" smtClean="0"/>
-              <a:t>?</a:t>
+              <a:t>to</a:t>
+            </a:r>
+            <a:r>
+              <a:rPr lang="de-DE" dirty="0"/>
+              <a:t> </a:t>
+            </a:r>
+            <a:r>
+              <a:rPr lang="de-DE" dirty="0" err="1" smtClean="0"/>
+              <a:t>keep</a:t>
+            </a:r>
+            <a:r>
+              <a:rPr lang="de-DE" dirty="0" smtClean="0"/>
+              <a:t> </a:t>
+            </a:r>
+            <a:r>
+              <a:rPr lang="de-DE" dirty="0" err="1" smtClean="0"/>
+              <a:t>track</a:t>
+            </a:r>
+            <a:r>
+              <a:rPr lang="de-DE" dirty="0" smtClean="0"/>
+              <a:t> </a:t>
+            </a:r>
+            <a:r>
+              <a:rPr lang="de-DE" dirty="0" err="1" smtClean="0"/>
+              <a:t>of</a:t>
+            </a:r>
+            <a:r>
+              <a:rPr lang="de-DE" dirty="0" smtClean="0"/>
+              <a:t> </a:t>
+            </a:r>
+            <a:r>
+              <a:rPr lang="de-DE" dirty="0" err="1" smtClean="0"/>
+              <a:t>our</a:t>
+            </a:r>
+            <a:r>
+              <a:rPr lang="de-DE" dirty="0" smtClean="0"/>
+              <a:t> </a:t>
+            </a:r>
+            <a:r>
+              <a:rPr lang="de-DE" dirty="0" err="1" smtClean="0"/>
+              <a:t>progress</a:t>
             </a:r>
             <a:endParaRPr lang="de-DE" dirty="0"/>
           </a:p>
@@ -6753,6 +6879,13 @@
   <p:clrMapOvr>
     <a:masterClrMapping/>
   </p:clrMapOvr>
+  <p:timing>
+    <p:tnLst>
+      <p:par>
+        <p:cTn id="1" dur="indefinite" restart="never" nodeType="tmRoot"/>
+      </p:par>
+    </p:tnLst>
+  </p:timing>
 </p:sld>
 </file>
 
@@ -6793,16 +6926,8 @@
               <a:t>Iterative </a:t>
             </a:r>
             <a:r>
-              <a:rPr lang="de-DE" dirty="0" err="1"/>
+              <a:rPr lang="de-DE" dirty="0" err="1" smtClean="0"/>
               <a:t>Process</a:t>
-            </a:r>
-            <a:r>
-              <a:rPr lang="de-DE" dirty="0"/>
-              <a:t>, </a:t>
-            </a:r>
-            <a:r>
-              <a:rPr lang="de-DE" dirty="0" err="1"/>
-              <a:t>Why</a:t>
             </a:r>
             <a:endParaRPr lang="de-DE" dirty="0"/>
           </a:p>
@@ -6823,7 +6948,174 @@
           <a:bodyPr/>
           <a:lstStyle/>
           <a:p>
-            <a:endParaRPr lang="de-DE"/>
+            <a:r>
+              <a:rPr lang="de-DE" dirty="0" smtClean="0"/>
+              <a:t>Small </a:t>
+            </a:r>
+            <a:r>
+              <a:rPr lang="de-DE" dirty="0" err="1" smtClean="0"/>
+              <a:t>Scrum</a:t>
+            </a:r>
+            <a:r>
+              <a:rPr lang="de-DE" dirty="0" smtClean="0"/>
+              <a:t> </a:t>
+            </a:r>
+            <a:r>
+              <a:rPr lang="de-DE" dirty="0" err="1" smtClean="0"/>
+              <a:t>tasks</a:t>
+            </a:r>
+            <a:r>
+              <a:rPr lang="de-DE" dirty="0" smtClean="0"/>
+              <a:t> </a:t>
+            </a:r>
+            <a:r>
+              <a:rPr lang="de-DE" dirty="0" err="1" smtClean="0"/>
+              <a:t>to</a:t>
+            </a:r>
+            <a:r>
+              <a:rPr lang="de-DE" dirty="0" smtClean="0"/>
+              <a:t> </a:t>
+            </a:r>
+            <a:r>
+              <a:rPr lang="de-DE" dirty="0" err="1" smtClean="0"/>
+              <a:t>complete</a:t>
+            </a:r>
+            <a:r>
+              <a:rPr lang="de-DE" dirty="0" smtClean="0"/>
+              <a:t> a </a:t>
+            </a:r>
+            <a:r>
+              <a:rPr lang="de-DE" dirty="0" err="1" smtClean="0"/>
+              <a:t>objective</a:t>
+            </a:r>
+            <a:r>
+              <a:rPr lang="de-DE" dirty="0" smtClean="0"/>
+              <a:t> </a:t>
+            </a:r>
+            <a:r>
+              <a:rPr lang="de-DE" dirty="0" err="1" smtClean="0"/>
+              <a:t>set</a:t>
+            </a:r>
+            <a:r>
+              <a:rPr lang="de-DE" dirty="0" smtClean="0"/>
+              <a:t> </a:t>
+            </a:r>
+            <a:r>
+              <a:rPr lang="de-DE" dirty="0" err="1" smtClean="0"/>
+              <a:t>for</a:t>
+            </a:r>
+            <a:r>
+              <a:rPr lang="de-DE" dirty="0" smtClean="0"/>
+              <a:t> </a:t>
+            </a:r>
+            <a:r>
+              <a:rPr lang="de-DE" dirty="0" err="1" smtClean="0"/>
+              <a:t>our</a:t>
+            </a:r>
+            <a:r>
+              <a:rPr lang="de-DE" dirty="0" smtClean="0"/>
+              <a:t> </a:t>
+            </a:r>
+            <a:r>
+              <a:rPr lang="de-DE" dirty="0" err="1" smtClean="0"/>
+              <a:t>sprint</a:t>
+            </a:r>
+            <a:endParaRPr lang="de-DE" dirty="0" smtClean="0"/>
+          </a:p>
+          <a:p>
+            <a:r>
+              <a:rPr lang="de-DE" dirty="0" err="1" smtClean="0"/>
+              <a:t>Each</a:t>
+            </a:r>
+            <a:r>
+              <a:rPr lang="de-DE" dirty="0" smtClean="0"/>
+              <a:t> </a:t>
+            </a:r>
+            <a:r>
+              <a:rPr lang="de-DE" dirty="0" err="1" smtClean="0"/>
+              <a:t>task</a:t>
+            </a:r>
+            <a:r>
+              <a:rPr lang="de-DE" dirty="0" smtClean="0"/>
+              <a:t> </a:t>
+            </a:r>
+            <a:r>
+              <a:rPr lang="de-DE" dirty="0" err="1" smtClean="0"/>
+              <a:t>is</a:t>
+            </a:r>
+            <a:r>
+              <a:rPr lang="de-DE" dirty="0" smtClean="0"/>
+              <a:t> </a:t>
+            </a:r>
+            <a:r>
+              <a:rPr lang="de-DE" dirty="0" err="1" smtClean="0"/>
+              <a:t>complete</a:t>
+            </a:r>
+            <a:r>
+              <a:rPr lang="de-DE" dirty="0" smtClean="0"/>
+              <a:t> on </a:t>
+            </a:r>
+            <a:r>
+              <a:rPr lang="de-DE" dirty="0" err="1" smtClean="0"/>
+              <a:t>its</a:t>
+            </a:r>
+            <a:r>
+              <a:rPr lang="de-DE" dirty="0" smtClean="0"/>
+              <a:t> </a:t>
+            </a:r>
+            <a:r>
+              <a:rPr lang="de-DE" dirty="0" err="1" smtClean="0"/>
+              <a:t>own</a:t>
+            </a:r>
+            <a:r>
+              <a:rPr lang="de-DE" dirty="0" smtClean="0"/>
+              <a:t> </a:t>
+            </a:r>
+            <a:r>
+              <a:rPr lang="de-DE" dirty="0" err="1" smtClean="0"/>
+              <a:t>and</a:t>
+            </a:r>
+            <a:r>
+              <a:rPr lang="de-DE" dirty="0" smtClean="0"/>
+              <a:t> </a:t>
+            </a:r>
+            <a:r>
+              <a:rPr lang="de-DE" dirty="0" err="1" smtClean="0"/>
+              <a:t>contributes</a:t>
+            </a:r>
+            <a:r>
+              <a:rPr lang="de-DE" dirty="0" smtClean="0"/>
+              <a:t> </a:t>
+            </a:r>
+            <a:r>
+              <a:rPr lang="de-DE" dirty="0" err="1" smtClean="0"/>
+              <a:t>towards</a:t>
+            </a:r>
+            <a:r>
+              <a:rPr lang="de-DE" dirty="0" smtClean="0"/>
+              <a:t> </a:t>
+            </a:r>
+            <a:r>
+              <a:rPr lang="de-DE" dirty="0" err="1" smtClean="0"/>
+              <a:t>the</a:t>
+            </a:r>
+            <a:r>
+              <a:rPr lang="de-DE" dirty="0" smtClean="0"/>
+              <a:t> </a:t>
+            </a:r>
+            <a:r>
+              <a:rPr lang="de-DE" dirty="0" err="1" smtClean="0"/>
+              <a:t>sprint</a:t>
+            </a:r>
+            <a:r>
+              <a:rPr lang="de-DE" dirty="0" smtClean="0"/>
+              <a:t> </a:t>
+            </a:r>
+            <a:r>
+              <a:rPr lang="de-DE" dirty="0" err="1" smtClean="0"/>
+              <a:t>goal</a:t>
+            </a:r>
+            <a:endParaRPr lang="de-DE" dirty="0"/>
           </a:p>
         </p:txBody>
       </p:sp>
@@ -6918,6 +7210,13 @@
   <p:clrMapOvr>
     <a:masterClrMapping/>
   </p:clrMapOvr>
+  <p:timing>
+    <p:tnLst>
+      <p:par>
+        <p:cTn id="1" dur="indefinite" restart="never" nodeType="tmRoot"/>
+      </p:par>
+    </p:tnLst>
+  </p:timing>
 </p:sld>
 </file>
 
@@ -7105,6 +7404,13 @@
   <p:clrMapOvr>
     <a:masterClrMapping/>
   </p:clrMapOvr>
+  <p:timing>
+    <p:tnLst>
+      <p:par>
+        <p:cTn id="1" dur="indefinite" restart="never" nodeType="tmRoot"/>
+      </p:par>
+    </p:tnLst>
+  </p:timing>
 </p:sld>
 </file>
 
@@ -7245,6 +7551,13 @@
   <p:clrMapOvr>
     <a:masterClrMapping/>
   </p:clrMapOvr>
+  <p:timing>
+    <p:tnLst>
+      <p:par>
+        <p:cTn id="1" dur="indefinite" restart="never" nodeType="tmRoot"/>
+      </p:par>
+    </p:tnLst>
+  </p:timing>
 </p:sld>
 </file>
 
@@ -7412,6 +7725,13 @@
   <p:clrMapOvr>
     <a:masterClrMapping/>
   </p:clrMapOvr>
+  <p:timing>
+    <p:tnLst>
+      <p:par>
+        <p:cTn id="1" dur="indefinite" restart="never" nodeType="tmRoot"/>
+      </p:par>
+    </p:tnLst>
+  </p:timing>
 </p:sld>
 </file>
 
@@ -7434,12 +7754,12 @@
       </p:grpSpPr>
       <p:sp>
         <p:nvSpPr>
-          <p:cNvPr id="2" name="Titel 1"/>
-          <p:cNvSpPr>
-            <a:spLocks noGrp="1"/>
-          </p:cNvSpPr>
-          <p:nvPr>
-            <p:ph type="title"/>
+          <p:cNvPr id="4" name="Titel 3"/>
+          <p:cNvSpPr>
+            <a:spLocks noGrp="1"/>
+          </p:cNvSpPr>
+          <p:nvPr>
+            <p:ph type="ctrTitle"/>
           </p:nvPr>
         </p:nvSpPr>
         <p:spPr/>
@@ -7449,24 +7769,19 @@
           <a:p>
             <a:r>
               <a:rPr lang="de-DE" dirty="0"/>
-              <a:t> </a:t>
-            </a:r>
-            <a:r>
-              <a:rPr lang="de-DE" dirty="0" smtClean="0"/>
-              <a:t>Future</a:t>
-            </a:r>
-            <a:endParaRPr lang="de-DE" dirty="0"/>
-          </a:p>
-        </p:txBody>
-      </p:sp>
-      <p:sp>
-        <p:nvSpPr>
-          <p:cNvPr id="3" name="Inhaltsplatzhalter 2"/>
-          <p:cNvSpPr>
-            <a:spLocks noGrp="1"/>
-          </p:cNvSpPr>
-          <p:nvPr>
-            <p:ph idx="1"/>
+              <a:t>Quality </a:t>
+            </a:r>
+          </a:p>
+        </p:txBody>
+      </p:sp>
+      <p:sp>
+        <p:nvSpPr>
+          <p:cNvPr id="5" name="Untertitel 4"/>
+          <p:cNvSpPr>
+            <a:spLocks noGrp="1"/>
+          </p:cNvSpPr>
+          <p:nvPr>
+            <p:ph type="subTitle" idx="1"/>
           </p:nvPr>
         </p:nvSpPr>
         <p:spPr/>
@@ -7474,6 +7789,1091 @@
           <a:bodyPr/>
           <a:lstStyle/>
           <a:p>
+            <a:endParaRPr lang="de-DE"/>
+          </a:p>
+        </p:txBody>
+      </p:sp>
+      <p:sp>
+        <p:nvSpPr>
+          <p:cNvPr id="8" name="Fußzeilenplatzhalter 4"/>
+          <p:cNvSpPr>
+            <a:spLocks noGrp="1"/>
+          </p:cNvSpPr>
+          <p:nvPr>
+            <p:ph type="ftr" sz="quarter" idx="11"/>
+          </p:nvPr>
+        </p:nvSpPr>
+        <p:spPr>
+          <a:xfrm>
+            <a:off x="514064" y="6481456"/>
+            <a:ext cx="6347713" cy="365125"/>
+          </a:xfrm>
+        </p:spPr>
+        <p:txBody>
+          <a:bodyPr/>
+          <a:lstStyle/>
+          <a:p>
+            <a:pPr algn="r"/>
+            <a:r>
+              <a:rPr lang="de-DE" dirty="0" smtClean="0">
+                <a:solidFill>
+                  <a:schemeClr val="bg1">
+                    <a:lumMod val="65000"/>
+                  </a:schemeClr>
+                </a:solidFill>
+              </a:rPr>
+              <a:t>Thomas Malina – Tillmann </a:t>
+            </a:r>
+            <a:r>
+              <a:rPr lang="de-DE" dirty="0" err="1" smtClean="0">
+                <a:solidFill>
+                  <a:schemeClr val="bg1">
+                    <a:lumMod val="65000"/>
+                  </a:schemeClr>
+                </a:solidFill>
+              </a:rPr>
+              <a:t>Nünninghof</a:t>
+            </a:r>
+            <a:r>
+              <a:rPr lang="de-DE" dirty="0" smtClean="0">
+                <a:solidFill>
+                  <a:schemeClr val="bg1">
+                    <a:lumMod val="65000"/>
+                  </a:schemeClr>
+                </a:solidFill>
+              </a:rPr>
+              <a:t> – Natalie </a:t>
+            </a:r>
+            <a:r>
+              <a:rPr lang="de-DE" dirty="0" err="1" smtClean="0">
+                <a:solidFill>
+                  <a:schemeClr val="bg1">
+                    <a:lumMod val="65000"/>
+                  </a:schemeClr>
+                </a:solidFill>
+              </a:rPr>
+              <a:t>Busam</a:t>
+            </a:r>
+            <a:r>
+              <a:rPr lang="de-DE" dirty="0" smtClean="0">
+                <a:solidFill>
+                  <a:schemeClr val="bg1">
+                    <a:lumMod val="65000"/>
+                  </a:schemeClr>
+                </a:solidFill>
+              </a:rPr>
+              <a:t> – Lea Wegner </a:t>
+            </a:r>
+            <a:endParaRPr lang="de-DE" dirty="0">
+              <a:solidFill>
+                <a:schemeClr val="bg1">
+                  <a:lumMod val="65000"/>
+                </a:schemeClr>
+              </a:solidFill>
+            </a:endParaRPr>
+          </a:p>
+        </p:txBody>
+      </p:sp>
+      <p:pic>
+        <p:nvPicPr>
+          <p:cNvPr id="9" name="Grafik 8"/>
+          <p:cNvPicPr>
+            <a:picLocks noChangeAspect="1"/>
+          </p:cNvPicPr>
+          <p:nvPr/>
+        </p:nvPicPr>
+        <p:blipFill>
+          <a:blip r:embed="rId2" cstate="print">
+            <a:extLst>
+              <a:ext uri="{28A0092B-C50C-407E-A947-70E740481C1C}">
+                <a14:useLocalDpi xmlns:a14="http://schemas.microsoft.com/office/drawing/2010/main" val="0"/>
+              </a:ext>
+            </a:extLst>
+          </a:blip>
+          <a:stretch>
+            <a:fillRect/>
+          </a:stretch>
+        </p:blipFill>
+        <p:spPr>
+          <a:xfrm rot="1292348">
+            <a:off x="7694207" y="329556"/>
+            <a:ext cx="1098266" cy="1231701"/>
+          </a:xfrm>
+          <a:prstGeom prst="rect">
+            <a:avLst/>
+          </a:prstGeom>
+        </p:spPr>
+      </p:pic>
+    </p:spTree>
+    <p:extLst>
+      <p:ext uri="{BB962C8B-B14F-4D97-AF65-F5344CB8AC3E}">
+        <p14:creationId xmlns:p14="http://schemas.microsoft.com/office/powerpoint/2010/main" val="2849236645"/>
+      </p:ext>
+    </p:extLst>
+  </p:cSld>
+  <p:clrMapOvr>
+    <a:masterClrMapping/>
+  </p:clrMapOvr>
+  <p:timing>
+    <p:tnLst>
+      <p:par>
+        <p:cTn id="1" dur="indefinite" restart="never" nodeType="tmRoot"/>
+      </p:par>
+    </p:tnLst>
+  </p:timing>
+</p:sld>
+</file>
+
+<file path=ppt/slides/slide16.xml><?xml version="1.0" encoding="utf-8"?>
+<p:sld xmlns:a="http://schemas.openxmlformats.org/drawingml/2006/main" xmlns:r="http://schemas.openxmlformats.org/officeDocument/2006/relationships" xmlns:p="http://schemas.openxmlformats.org/presentationml/2006/main">
+  <p:cSld>
+    <p:spTree>
+      <p:nvGrpSpPr>
+        <p:cNvPr id="1" name=""/>
+        <p:cNvGrpSpPr/>
+        <p:nvPr/>
+      </p:nvGrpSpPr>
+      <p:grpSpPr>
+        <a:xfrm>
+          <a:off x="0" y="0"/>
+          <a:ext cx="0" cy="0"/>
+          <a:chOff x="0" y="0"/>
+          <a:chExt cx="0" cy="0"/>
+        </a:xfrm>
+      </p:grpSpPr>
+      <p:sp>
+        <p:nvSpPr>
+          <p:cNvPr id="2" name="Titel 1"/>
+          <p:cNvSpPr>
+            <a:spLocks noGrp="1"/>
+          </p:cNvSpPr>
+          <p:nvPr>
+            <p:ph type="title"/>
+          </p:nvPr>
+        </p:nvSpPr>
+        <p:spPr/>
+        <p:txBody>
+          <a:bodyPr/>
+          <a:lstStyle/>
+          <a:p>
+            <a:r>
+              <a:rPr lang="de-DE" dirty="0" err="1"/>
+              <a:t>Architecture</a:t>
+            </a:r>
+            <a:r>
+              <a:rPr lang="de-DE" dirty="0"/>
+              <a:t> </a:t>
+            </a:r>
+          </a:p>
+        </p:txBody>
+      </p:sp>
+      <p:sp>
+        <p:nvSpPr>
+          <p:cNvPr id="3" name="Inhaltsplatzhalter 2"/>
+          <p:cNvSpPr>
+            <a:spLocks noGrp="1"/>
+          </p:cNvSpPr>
+          <p:nvPr>
+            <p:ph idx="1"/>
+          </p:nvPr>
+        </p:nvSpPr>
+        <p:spPr>
+          <a:xfrm>
+            <a:off x="609599" y="2160590"/>
+            <a:ext cx="6347714" cy="3986713"/>
+          </a:xfrm>
+        </p:spPr>
+        <p:txBody>
+          <a:bodyPr>
+            <a:normAutofit/>
+          </a:bodyPr>
+          <a:lstStyle/>
+          <a:p>
+            <a:r>
+              <a:rPr lang="de-DE" dirty="0" err="1" smtClean="0"/>
+              <a:t>No</a:t>
+            </a:r>
+            <a:r>
+              <a:rPr lang="de-DE" dirty="0" smtClean="0"/>
+              <a:t> </a:t>
+            </a:r>
+            <a:r>
+              <a:rPr lang="de-DE" dirty="0" err="1" smtClean="0"/>
+              <a:t>server</a:t>
+            </a:r>
+            <a:r>
+              <a:rPr lang="de-DE" dirty="0" smtClean="0"/>
+              <a:t>, </a:t>
+            </a:r>
+            <a:r>
+              <a:rPr lang="de-DE" dirty="0" err="1" smtClean="0"/>
+              <a:t>only</a:t>
+            </a:r>
+            <a:r>
+              <a:rPr lang="de-DE" dirty="0" smtClean="0"/>
+              <a:t> a </a:t>
+            </a:r>
+            <a:r>
+              <a:rPr lang="de-DE" dirty="0" err="1" smtClean="0"/>
+              <a:t>client</a:t>
+            </a:r>
+            <a:r>
+              <a:rPr lang="de-DE" dirty="0" smtClean="0"/>
+              <a:t> </a:t>
+            </a:r>
+            <a:r>
+              <a:rPr lang="de-DE" dirty="0" err="1" smtClean="0"/>
+              <a:t>side</a:t>
+            </a:r>
+            <a:r>
+              <a:rPr lang="de-DE" dirty="0" smtClean="0"/>
+              <a:t> </a:t>
+            </a:r>
+            <a:r>
+              <a:rPr lang="de-DE" dirty="0" err="1" smtClean="0"/>
+              <a:t>which</a:t>
+            </a:r>
+            <a:r>
+              <a:rPr lang="de-DE" dirty="0" smtClean="0"/>
+              <a:t> </a:t>
+            </a:r>
+            <a:r>
+              <a:rPr lang="de-DE" dirty="0" err="1" smtClean="0"/>
+              <a:t>uses</a:t>
+            </a:r>
+            <a:r>
+              <a:rPr lang="de-DE" dirty="0" smtClean="0"/>
+              <a:t> MVC</a:t>
+            </a:r>
+          </a:p>
+          <a:p>
+            <a:r>
+              <a:rPr lang="de-DE" dirty="0" err="1" smtClean="0"/>
+              <a:t>Written</a:t>
+            </a:r>
+            <a:r>
+              <a:rPr lang="de-DE" dirty="0" smtClean="0"/>
+              <a:t> in Java </a:t>
+            </a:r>
+            <a:r>
+              <a:rPr lang="de-DE" dirty="0" err="1" smtClean="0"/>
+              <a:t>for</a:t>
+            </a:r>
+            <a:r>
+              <a:rPr lang="de-DE" dirty="0" smtClean="0"/>
+              <a:t> </a:t>
+            </a:r>
+            <a:r>
+              <a:rPr lang="de-DE" dirty="0" err="1" smtClean="0"/>
+              <a:t>android</a:t>
+            </a:r>
+            <a:endParaRPr lang="de-DE" dirty="0" smtClean="0"/>
+          </a:p>
+          <a:p>
+            <a:pPr marL="0" indent="0">
+              <a:buNone/>
+            </a:pPr>
+            <a:r>
+              <a:rPr lang="de-DE" b="1" dirty="0" smtClean="0"/>
+              <a:t>Model View Controller</a:t>
+            </a:r>
+          </a:p>
+          <a:p>
+            <a:r>
+              <a:rPr lang="de-DE" dirty="0" smtClean="0"/>
+              <a:t>Goal: </a:t>
+            </a:r>
+            <a:r>
+              <a:rPr lang="de-DE" dirty="0" err="1" smtClean="0"/>
+              <a:t>seperate</a:t>
+            </a:r>
+            <a:r>
+              <a:rPr lang="de-DE" dirty="0" smtClean="0"/>
+              <a:t> </a:t>
+            </a:r>
+            <a:r>
+              <a:rPr lang="de-DE" dirty="0" err="1" smtClean="0"/>
+              <a:t>view</a:t>
+            </a:r>
+            <a:r>
+              <a:rPr lang="de-DE" dirty="0" smtClean="0"/>
+              <a:t> </a:t>
+            </a:r>
+            <a:r>
+              <a:rPr lang="de-DE" dirty="0" err="1" smtClean="0"/>
+              <a:t>from</a:t>
+            </a:r>
+            <a:r>
+              <a:rPr lang="de-DE" dirty="0" smtClean="0"/>
+              <a:t> </a:t>
+            </a:r>
+            <a:r>
+              <a:rPr lang="de-DE" dirty="0" err="1" smtClean="0"/>
+              <a:t>logic</a:t>
+            </a:r>
+            <a:endParaRPr lang="de-DE" dirty="0"/>
+          </a:p>
+          <a:p>
+            <a:r>
+              <a:rPr lang="de-DE" dirty="0" smtClean="0"/>
+              <a:t>Controller </a:t>
+            </a:r>
+            <a:r>
+              <a:rPr lang="de-DE" dirty="0" err="1" smtClean="0"/>
+              <a:t>takes</a:t>
+            </a:r>
+            <a:r>
+              <a:rPr lang="de-DE" dirty="0" smtClean="0"/>
+              <a:t> care </a:t>
+            </a:r>
+            <a:r>
+              <a:rPr lang="de-DE" dirty="0" err="1" smtClean="0"/>
+              <a:t>of</a:t>
+            </a:r>
+            <a:r>
+              <a:rPr lang="de-DE" dirty="0" smtClean="0"/>
+              <a:t> </a:t>
+            </a:r>
+            <a:r>
+              <a:rPr lang="de-DE" dirty="0" err="1" smtClean="0"/>
+              <a:t>handling</a:t>
+            </a:r>
+            <a:r>
+              <a:rPr lang="de-DE" dirty="0" smtClean="0"/>
+              <a:t> </a:t>
+            </a:r>
+            <a:br>
+              <a:rPr lang="de-DE" dirty="0" smtClean="0"/>
+            </a:br>
+            <a:r>
+              <a:rPr lang="de-DE" dirty="0" err="1" smtClean="0"/>
+              <a:t>actions</a:t>
+            </a:r>
+            <a:r>
+              <a:rPr lang="de-DE" dirty="0" smtClean="0"/>
+              <a:t> </a:t>
+            </a:r>
+            <a:r>
+              <a:rPr lang="de-DE" dirty="0" err="1" smtClean="0"/>
+              <a:t>by</a:t>
+            </a:r>
+            <a:r>
+              <a:rPr lang="de-DE" dirty="0" smtClean="0"/>
+              <a:t> </a:t>
+            </a:r>
+            <a:r>
+              <a:rPr lang="de-DE" dirty="0" err="1" smtClean="0"/>
+              <a:t>the</a:t>
+            </a:r>
+            <a:r>
+              <a:rPr lang="de-DE" dirty="0" smtClean="0"/>
+              <a:t> </a:t>
+            </a:r>
+            <a:r>
+              <a:rPr lang="de-DE" dirty="0" err="1" smtClean="0"/>
+              <a:t>user</a:t>
+            </a:r>
+            <a:endParaRPr lang="de-DE" dirty="0" smtClean="0"/>
+          </a:p>
+          <a:p>
+            <a:r>
+              <a:rPr lang="de-DE" dirty="0" smtClean="0"/>
+              <a:t>Models </a:t>
+            </a:r>
+            <a:r>
+              <a:rPr lang="de-DE" dirty="0" err="1" smtClean="0"/>
+              <a:t>contain</a:t>
+            </a:r>
+            <a:r>
+              <a:rPr lang="de-DE" dirty="0" smtClean="0"/>
+              <a:t> </a:t>
+            </a:r>
+            <a:r>
+              <a:rPr lang="de-DE" dirty="0" err="1" smtClean="0"/>
+              <a:t>the</a:t>
+            </a:r>
+            <a:r>
+              <a:rPr lang="de-DE" dirty="0" smtClean="0"/>
+              <a:t> </a:t>
+            </a:r>
+            <a:r>
+              <a:rPr lang="de-DE" dirty="0" err="1" smtClean="0"/>
+              <a:t>data</a:t>
+            </a:r>
+            <a:r>
+              <a:rPr lang="de-DE" dirty="0" smtClean="0"/>
+              <a:t> </a:t>
+            </a:r>
+            <a:r>
+              <a:rPr lang="de-DE" dirty="0" err="1" smtClean="0"/>
+              <a:t>that</a:t>
+            </a:r>
+            <a:r>
+              <a:rPr lang="de-DE" dirty="0" smtClean="0"/>
+              <a:t> </a:t>
+            </a:r>
+            <a:r>
+              <a:rPr lang="de-DE" dirty="0" err="1" smtClean="0"/>
+              <a:t>is</a:t>
+            </a:r>
+            <a:r>
+              <a:rPr lang="de-DE" dirty="0" smtClean="0"/>
+              <a:t> </a:t>
+            </a:r>
+            <a:br>
+              <a:rPr lang="de-DE" dirty="0" smtClean="0"/>
+            </a:br>
+            <a:r>
+              <a:rPr lang="de-DE" dirty="0" err="1" smtClean="0"/>
+              <a:t>displayed</a:t>
+            </a:r>
+            <a:r>
+              <a:rPr lang="de-DE" dirty="0" smtClean="0"/>
+              <a:t> in </a:t>
+            </a:r>
+            <a:r>
+              <a:rPr lang="de-DE" dirty="0" err="1" smtClean="0"/>
+              <a:t>the</a:t>
+            </a:r>
+            <a:r>
+              <a:rPr lang="de-DE" dirty="0" smtClean="0"/>
+              <a:t> </a:t>
+            </a:r>
+            <a:r>
+              <a:rPr lang="de-DE" dirty="0" err="1" smtClean="0"/>
+              <a:t>views</a:t>
+            </a:r>
+            <a:endParaRPr lang="de-DE" dirty="0" smtClean="0"/>
+          </a:p>
+          <a:p>
+            <a:pPr marL="0" indent="0">
+              <a:buNone/>
+            </a:pPr>
+            <a:r>
+              <a:rPr lang="de-DE" b="1" dirty="0" smtClean="0"/>
+              <a:t>Data Storage</a:t>
+            </a:r>
+          </a:p>
+          <a:p>
+            <a:r>
+              <a:rPr lang="de-DE" dirty="0" smtClean="0"/>
+              <a:t>Deadlines </a:t>
+            </a:r>
+            <a:r>
+              <a:rPr lang="de-DE" dirty="0" err="1" smtClean="0"/>
+              <a:t>stored</a:t>
+            </a:r>
+            <a:r>
+              <a:rPr lang="de-DE" dirty="0" smtClean="0"/>
+              <a:t> on </a:t>
+            </a:r>
+            <a:r>
+              <a:rPr lang="de-DE" dirty="0" err="1" smtClean="0"/>
+              <a:t>the</a:t>
+            </a:r>
+            <a:r>
+              <a:rPr lang="de-DE" dirty="0" smtClean="0"/>
+              <a:t> </a:t>
+            </a:r>
+            <a:r>
+              <a:rPr lang="de-DE" dirty="0" err="1" smtClean="0"/>
+              <a:t>phone</a:t>
+            </a:r>
+            <a:r>
+              <a:rPr lang="de-DE" dirty="0" smtClean="0"/>
+              <a:t> </a:t>
+            </a:r>
+            <a:r>
+              <a:rPr lang="de-DE" dirty="0" err="1" smtClean="0"/>
+              <a:t>drive</a:t>
+            </a:r>
+            <a:endParaRPr lang="de-DE" dirty="0"/>
+          </a:p>
+        </p:txBody>
+      </p:sp>
+      <p:pic>
+        <p:nvPicPr>
+          <p:cNvPr id="6" name="Grafik 5"/>
+          <p:cNvPicPr>
+            <a:picLocks noChangeAspect="1"/>
+          </p:cNvPicPr>
+          <p:nvPr/>
+        </p:nvPicPr>
+        <p:blipFill>
+          <a:blip r:embed="rId2"/>
+          <a:stretch>
+            <a:fillRect/>
+          </a:stretch>
+        </p:blipFill>
+        <p:spPr>
+          <a:xfrm>
+            <a:off x="4598880" y="3023861"/>
+            <a:ext cx="2747001" cy="2362954"/>
+          </a:xfrm>
+          <a:prstGeom prst="rect">
+            <a:avLst/>
+          </a:prstGeom>
+        </p:spPr>
+      </p:pic>
+      <p:sp>
+        <p:nvSpPr>
+          <p:cNvPr id="7" name="Fußzeilenplatzhalter 4"/>
+          <p:cNvSpPr>
+            <a:spLocks noGrp="1"/>
+          </p:cNvSpPr>
+          <p:nvPr>
+            <p:ph type="ftr" sz="quarter" idx="11"/>
+          </p:nvPr>
+        </p:nvSpPr>
+        <p:spPr>
+          <a:xfrm>
+            <a:off x="514064" y="6481456"/>
+            <a:ext cx="6347713" cy="365125"/>
+          </a:xfrm>
+        </p:spPr>
+        <p:txBody>
+          <a:bodyPr/>
+          <a:lstStyle/>
+          <a:p>
+            <a:pPr algn="r"/>
+            <a:r>
+              <a:rPr lang="de-DE" dirty="0" smtClean="0">
+                <a:solidFill>
+                  <a:schemeClr val="bg1">
+                    <a:lumMod val="65000"/>
+                  </a:schemeClr>
+                </a:solidFill>
+              </a:rPr>
+              <a:t>Thomas Malina – Tillmann </a:t>
+            </a:r>
+            <a:r>
+              <a:rPr lang="de-DE" dirty="0" err="1" smtClean="0">
+                <a:solidFill>
+                  <a:schemeClr val="bg1">
+                    <a:lumMod val="65000"/>
+                  </a:schemeClr>
+                </a:solidFill>
+              </a:rPr>
+              <a:t>Nünninghof</a:t>
+            </a:r>
+            <a:r>
+              <a:rPr lang="de-DE" dirty="0" smtClean="0">
+                <a:solidFill>
+                  <a:schemeClr val="bg1">
+                    <a:lumMod val="65000"/>
+                  </a:schemeClr>
+                </a:solidFill>
+              </a:rPr>
+              <a:t> – Natalie </a:t>
+            </a:r>
+            <a:r>
+              <a:rPr lang="de-DE" dirty="0" err="1" smtClean="0">
+                <a:solidFill>
+                  <a:schemeClr val="bg1">
+                    <a:lumMod val="65000"/>
+                  </a:schemeClr>
+                </a:solidFill>
+              </a:rPr>
+              <a:t>Busam</a:t>
+            </a:r>
+            <a:r>
+              <a:rPr lang="de-DE" dirty="0" smtClean="0">
+                <a:solidFill>
+                  <a:schemeClr val="bg1">
+                    <a:lumMod val="65000"/>
+                  </a:schemeClr>
+                </a:solidFill>
+              </a:rPr>
+              <a:t> – Lea Wegner </a:t>
+            </a:r>
+            <a:endParaRPr lang="de-DE" dirty="0">
+              <a:solidFill>
+                <a:schemeClr val="bg1">
+                  <a:lumMod val="65000"/>
+                </a:schemeClr>
+              </a:solidFill>
+            </a:endParaRPr>
+          </a:p>
+        </p:txBody>
+      </p:sp>
+    </p:spTree>
+    <p:extLst>
+      <p:ext uri="{BB962C8B-B14F-4D97-AF65-F5344CB8AC3E}">
+        <p14:creationId xmlns:p14="http://schemas.microsoft.com/office/powerpoint/2010/main" val="2876498202"/>
+      </p:ext>
+    </p:extLst>
+  </p:cSld>
+  <p:clrMapOvr>
+    <a:masterClrMapping/>
+  </p:clrMapOvr>
+  <p:timing>
+    <p:tnLst>
+      <p:par>
+        <p:cTn id="1" dur="indefinite" restart="never" nodeType="tmRoot"/>
+      </p:par>
+    </p:tnLst>
+  </p:timing>
+</p:sld>
+</file>
+
+<file path=ppt/slides/slide17.xml><?xml version="1.0" encoding="utf-8"?>
+<p:sld xmlns:a="http://schemas.openxmlformats.org/drawingml/2006/main" xmlns:r="http://schemas.openxmlformats.org/officeDocument/2006/relationships" xmlns:p="http://schemas.openxmlformats.org/presentationml/2006/main">
+  <p:cSld>
+    <p:spTree>
+      <p:nvGrpSpPr>
+        <p:cNvPr id="1" name=""/>
+        <p:cNvGrpSpPr/>
+        <p:nvPr/>
+      </p:nvGrpSpPr>
+      <p:grpSpPr>
+        <a:xfrm>
+          <a:off x="0" y="0"/>
+          <a:ext cx="0" cy="0"/>
+          <a:chOff x="0" y="0"/>
+          <a:chExt cx="0" cy="0"/>
+        </a:xfrm>
+      </p:grpSpPr>
+      <p:sp>
+        <p:nvSpPr>
+          <p:cNvPr id="2" name="Titel 1"/>
+          <p:cNvSpPr>
+            <a:spLocks noGrp="1"/>
+          </p:cNvSpPr>
+          <p:nvPr>
+            <p:ph type="title"/>
+          </p:nvPr>
+        </p:nvSpPr>
+        <p:spPr/>
+        <p:txBody>
+          <a:bodyPr/>
+          <a:lstStyle/>
+          <a:p>
+            <a:r>
+              <a:rPr lang="de-DE" dirty="0"/>
+              <a:t>Automation </a:t>
+            </a:r>
+          </a:p>
+        </p:txBody>
+      </p:sp>
+      <p:sp>
+        <p:nvSpPr>
+          <p:cNvPr id="3" name="Inhaltsplatzhalter 2"/>
+          <p:cNvSpPr>
+            <a:spLocks noGrp="1"/>
+          </p:cNvSpPr>
+          <p:nvPr>
+            <p:ph idx="1"/>
+          </p:nvPr>
+        </p:nvSpPr>
+        <p:spPr/>
+        <p:txBody>
+          <a:bodyPr/>
+          <a:lstStyle/>
+          <a:p>
+            <a:r>
+              <a:rPr lang="de-DE" dirty="0" err="1" smtClean="0"/>
+              <a:t>Automatic</a:t>
+            </a:r>
+            <a:r>
+              <a:rPr lang="de-DE" dirty="0" smtClean="0"/>
+              <a:t> time </a:t>
+            </a:r>
+            <a:r>
+              <a:rPr lang="de-DE" dirty="0" err="1" smtClean="0"/>
+              <a:t>tracking</a:t>
+            </a:r>
+            <a:endParaRPr lang="de-DE" dirty="0" smtClean="0"/>
+          </a:p>
+          <a:p>
+            <a:r>
+              <a:rPr lang="de-DE" dirty="0" err="1" smtClean="0"/>
+              <a:t>Automatic</a:t>
+            </a:r>
+            <a:r>
+              <a:rPr lang="de-DE" dirty="0" smtClean="0"/>
+              <a:t> </a:t>
+            </a:r>
+            <a:r>
+              <a:rPr lang="de-DE" dirty="0" err="1" smtClean="0"/>
+              <a:t>tests</a:t>
+            </a:r>
+            <a:endParaRPr lang="de-DE" dirty="0" smtClean="0"/>
+          </a:p>
+          <a:p>
+            <a:r>
+              <a:rPr lang="de-DE" dirty="0" err="1" smtClean="0"/>
+              <a:t>Automatic</a:t>
+            </a:r>
+            <a:r>
+              <a:rPr lang="de-DE" dirty="0" smtClean="0"/>
+              <a:t> </a:t>
+            </a:r>
+            <a:r>
+              <a:rPr lang="de-DE" dirty="0" err="1" smtClean="0"/>
+              <a:t>deployment</a:t>
+            </a:r>
+            <a:endParaRPr lang="de-DE" dirty="0"/>
+          </a:p>
+        </p:txBody>
+      </p:sp>
+      <p:sp>
+        <p:nvSpPr>
+          <p:cNvPr id="6" name="Fußzeilenplatzhalter 4"/>
+          <p:cNvSpPr>
+            <a:spLocks noGrp="1"/>
+          </p:cNvSpPr>
+          <p:nvPr>
+            <p:ph type="ftr" sz="quarter" idx="11"/>
+          </p:nvPr>
+        </p:nvSpPr>
+        <p:spPr>
+          <a:xfrm>
+            <a:off x="514064" y="6481456"/>
+            <a:ext cx="6347713" cy="365125"/>
+          </a:xfrm>
+        </p:spPr>
+        <p:txBody>
+          <a:bodyPr/>
+          <a:lstStyle/>
+          <a:p>
+            <a:pPr algn="r"/>
+            <a:r>
+              <a:rPr lang="de-DE" dirty="0" smtClean="0">
+                <a:solidFill>
+                  <a:schemeClr val="bg1">
+                    <a:lumMod val="65000"/>
+                  </a:schemeClr>
+                </a:solidFill>
+              </a:rPr>
+              <a:t>Thomas Malina – Tillmann </a:t>
+            </a:r>
+            <a:r>
+              <a:rPr lang="de-DE" dirty="0" err="1" smtClean="0">
+                <a:solidFill>
+                  <a:schemeClr val="bg1">
+                    <a:lumMod val="65000"/>
+                  </a:schemeClr>
+                </a:solidFill>
+              </a:rPr>
+              <a:t>Nünninghof</a:t>
+            </a:r>
+            <a:r>
+              <a:rPr lang="de-DE" dirty="0" smtClean="0">
+                <a:solidFill>
+                  <a:schemeClr val="bg1">
+                    <a:lumMod val="65000"/>
+                  </a:schemeClr>
+                </a:solidFill>
+              </a:rPr>
+              <a:t> – Natalie </a:t>
+            </a:r>
+            <a:r>
+              <a:rPr lang="de-DE" dirty="0" err="1" smtClean="0">
+                <a:solidFill>
+                  <a:schemeClr val="bg1">
+                    <a:lumMod val="65000"/>
+                  </a:schemeClr>
+                </a:solidFill>
+              </a:rPr>
+              <a:t>Busam</a:t>
+            </a:r>
+            <a:r>
+              <a:rPr lang="de-DE" dirty="0" smtClean="0">
+                <a:solidFill>
+                  <a:schemeClr val="bg1">
+                    <a:lumMod val="65000"/>
+                  </a:schemeClr>
+                </a:solidFill>
+              </a:rPr>
+              <a:t> – Lea Wegner </a:t>
+            </a:r>
+            <a:endParaRPr lang="de-DE" dirty="0">
+              <a:solidFill>
+                <a:schemeClr val="bg1">
+                  <a:lumMod val="65000"/>
+                </a:schemeClr>
+              </a:solidFill>
+            </a:endParaRPr>
+          </a:p>
+        </p:txBody>
+      </p:sp>
+    </p:spTree>
+    <p:extLst>
+      <p:ext uri="{BB962C8B-B14F-4D97-AF65-F5344CB8AC3E}">
+        <p14:creationId xmlns:p14="http://schemas.microsoft.com/office/powerpoint/2010/main" val="430773424"/>
+      </p:ext>
+    </p:extLst>
+  </p:cSld>
+  <p:clrMapOvr>
+    <a:masterClrMapping/>
+  </p:clrMapOvr>
+  <p:timing>
+    <p:tnLst>
+      <p:par>
+        <p:cTn id="1" dur="indefinite" restart="never" nodeType="tmRoot"/>
+      </p:par>
+    </p:tnLst>
+  </p:timing>
+</p:sld>
+</file>
+
+<file path=ppt/slides/slide18.xml><?xml version="1.0" encoding="utf-8"?>
+<p:sld xmlns:a="http://schemas.openxmlformats.org/drawingml/2006/main" xmlns:r="http://schemas.openxmlformats.org/officeDocument/2006/relationships" xmlns:p="http://schemas.openxmlformats.org/presentationml/2006/main">
+  <p:cSld>
+    <p:spTree>
+      <p:nvGrpSpPr>
+        <p:cNvPr id="1" name=""/>
+        <p:cNvGrpSpPr/>
+        <p:nvPr/>
+      </p:nvGrpSpPr>
+      <p:grpSpPr>
+        <a:xfrm>
+          <a:off x="0" y="0"/>
+          <a:ext cx="0" cy="0"/>
+          <a:chOff x="0" y="0"/>
+          <a:chExt cx="0" cy="0"/>
+        </a:xfrm>
+      </p:grpSpPr>
+      <p:sp>
+        <p:nvSpPr>
+          <p:cNvPr id="2" name="Titel 1"/>
+          <p:cNvSpPr>
+            <a:spLocks noGrp="1"/>
+          </p:cNvSpPr>
+          <p:nvPr>
+            <p:ph type="title"/>
+          </p:nvPr>
+        </p:nvSpPr>
+        <p:spPr/>
+        <p:txBody>
+          <a:bodyPr/>
+          <a:lstStyle/>
+          <a:p>
+            <a:r>
+              <a:rPr lang="de-DE" dirty="0" err="1"/>
+              <a:t>Testing</a:t>
+            </a:r>
+            <a:endParaRPr lang="de-DE" dirty="0"/>
+          </a:p>
+        </p:txBody>
+      </p:sp>
+      <p:sp>
+        <p:nvSpPr>
+          <p:cNvPr id="3" name="Inhaltsplatzhalter 2"/>
+          <p:cNvSpPr>
+            <a:spLocks noGrp="1"/>
+          </p:cNvSpPr>
+          <p:nvPr>
+            <p:ph idx="1"/>
+          </p:nvPr>
+        </p:nvSpPr>
+        <p:spPr/>
+        <p:txBody>
+          <a:bodyPr/>
+          <a:lstStyle/>
+          <a:p>
+            <a:r>
+              <a:rPr lang="de-DE" dirty="0" smtClean="0"/>
+              <a:t>Feature </a:t>
+            </a:r>
+            <a:r>
+              <a:rPr lang="de-DE" dirty="0" err="1" smtClean="0"/>
+              <a:t>test</a:t>
+            </a:r>
+            <a:r>
+              <a:rPr lang="de-DE" dirty="0" smtClean="0"/>
+              <a:t> </a:t>
+            </a:r>
+            <a:r>
+              <a:rPr lang="de-DE" dirty="0" err="1" smtClean="0"/>
+              <a:t>with</a:t>
+            </a:r>
+            <a:r>
+              <a:rPr lang="de-DE" dirty="0" smtClean="0"/>
+              <a:t> Espresso Framework</a:t>
+            </a:r>
+            <a:endParaRPr lang="de-DE" dirty="0"/>
+          </a:p>
+          <a:p>
+            <a:endParaRPr lang="de-DE" dirty="0" smtClean="0"/>
+          </a:p>
+          <a:p>
+            <a:r>
+              <a:rPr lang="de-DE" dirty="0" smtClean="0"/>
+              <a:t>*</a:t>
+            </a:r>
+            <a:r>
+              <a:rPr lang="de-DE" dirty="0" err="1" smtClean="0"/>
+              <a:t>video</a:t>
+            </a:r>
+            <a:r>
+              <a:rPr lang="de-DE" dirty="0" smtClean="0"/>
+              <a:t> einfügen*</a:t>
+            </a:r>
+            <a:endParaRPr lang="de-DE" dirty="0"/>
+          </a:p>
+        </p:txBody>
+      </p:sp>
+      <p:sp>
+        <p:nvSpPr>
+          <p:cNvPr id="6" name="Fußzeilenplatzhalter 4"/>
+          <p:cNvSpPr>
+            <a:spLocks noGrp="1"/>
+          </p:cNvSpPr>
+          <p:nvPr>
+            <p:ph type="ftr" sz="quarter" idx="11"/>
+          </p:nvPr>
+        </p:nvSpPr>
+        <p:spPr>
+          <a:xfrm>
+            <a:off x="514064" y="6481456"/>
+            <a:ext cx="6347713" cy="365125"/>
+          </a:xfrm>
+        </p:spPr>
+        <p:txBody>
+          <a:bodyPr/>
+          <a:lstStyle/>
+          <a:p>
+            <a:pPr algn="r"/>
+            <a:r>
+              <a:rPr lang="de-DE" dirty="0" smtClean="0">
+                <a:solidFill>
+                  <a:schemeClr val="bg1">
+                    <a:lumMod val="65000"/>
+                  </a:schemeClr>
+                </a:solidFill>
+              </a:rPr>
+              <a:t>Thomas Malina – Tillmann </a:t>
+            </a:r>
+            <a:r>
+              <a:rPr lang="de-DE" dirty="0" err="1" smtClean="0">
+                <a:solidFill>
+                  <a:schemeClr val="bg1">
+                    <a:lumMod val="65000"/>
+                  </a:schemeClr>
+                </a:solidFill>
+              </a:rPr>
+              <a:t>Nünninghof</a:t>
+            </a:r>
+            <a:r>
+              <a:rPr lang="de-DE" dirty="0" smtClean="0">
+                <a:solidFill>
+                  <a:schemeClr val="bg1">
+                    <a:lumMod val="65000"/>
+                  </a:schemeClr>
+                </a:solidFill>
+              </a:rPr>
+              <a:t> – Natalie </a:t>
+            </a:r>
+            <a:r>
+              <a:rPr lang="de-DE" dirty="0" err="1" smtClean="0">
+                <a:solidFill>
+                  <a:schemeClr val="bg1">
+                    <a:lumMod val="65000"/>
+                  </a:schemeClr>
+                </a:solidFill>
+              </a:rPr>
+              <a:t>Busam</a:t>
+            </a:r>
+            <a:r>
+              <a:rPr lang="de-DE" dirty="0" smtClean="0">
+                <a:solidFill>
+                  <a:schemeClr val="bg1">
+                    <a:lumMod val="65000"/>
+                  </a:schemeClr>
+                </a:solidFill>
+              </a:rPr>
+              <a:t> – Lea Wegner </a:t>
+            </a:r>
+            <a:endParaRPr lang="de-DE" dirty="0">
+              <a:solidFill>
+                <a:schemeClr val="bg1">
+                  <a:lumMod val="65000"/>
+                </a:schemeClr>
+              </a:solidFill>
+            </a:endParaRPr>
+          </a:p>
+        </p:txBody>
+      </p:sp>
+    </p:spTree>
+    <p:extLst>
+      <p:ext uri="{BB962C8B-B14F-4D97-AF65-F5344CB8AC3E}">
+        <p14:creationId xmlns:p14="http://schemas.microsoft.com/office/powerpoint/2010/main" val="2025256867"/>
+      </p:ext>
+    </p:extLst>
+  </p:cSld>
+  <p:clrMapOvr>
+    <a:masterClrMapping/>
+  </p:clrMapOvr>
+  <p:timing>
+    <p:tnLst>
+      <p:par>
+        <p:cTn id="1" dur="indefinite" restart="never" nodeType="tmRoot"/>
+      </p:par>
+    </p:tnLst>
+  </p:timing>
+</p:sld>
+</file>
+
+<file path=ppt/slides/slide19.xml><?xml version="1.0" encoding="utf-8"?>
+<p:sld xmlns:a="http://schemas.openxmlformats.org/drawingml/2006/main" xmlns:r="http://schemas.openxmlformats.org/officeDocument/2006/relationships" xmlns:p="http://schemas.openxmlformats.org/presentationml/2006/main">
+  <p:cSld>
+    <p:spTree>
+      <p:nvGrpSpPr>
+        <p:cNvPr id="1" name=""/>
+        <p:cNvGrpSpPr/>
+        <p:nvPr/>
+      </p:nvGrpSpPr>
+      <p:grpSpPr>
+        <a:xfrm>
+          <a:off x="0" y="0"/>
+          <a:ext cx="0" cy="0"/>
+          <a:chOff x="0" y="0"/>
+          <a:chExt cx="0" cy="0"/>
+        </a:xfrm>
+      </p:grpSpPr>
+      <p:sp>
+        <p:nvSpPr>
+          <p:cNvPr id="2" name="Titel 1"/>
+          <p:cNvSpPr>
+            <a:spLocks noGrp="1"/>
+          </p:cNvSpPr>
+          <p:nvPr>
+            <p:ph type="title"/>
+          </p:nvPr>
+        </p:nvSpPr>
+        <p:spPr/>
+        <p:txBody>
+          <a:bodyPr/>
+          <a:lstStyle/>
+          <a:p>
+            <a:r>
+              <a:rPr lang="de-DE" dirty="0"/>
+              <a:t> </a:t>
+            </a:r>
+            <a:r>
+              <a:rPr lang="de-DE" dirty="0" smtClean="0"/>
+              <a:t>Future</a:t>
+            </a:r>
+            <a:endParaRPr lang="de-DE" dirty="0"/>
+          </a:p>
+        </p:txBody>
+      </p:sp>
+      <p:sp>
+        <p:nvSpPr>
+          <p:cNvPr id="3" name="Inhaltsplatzhalter 2"/>
+          <p:cNvSpPr>
+            <a:spLocks noGrp="1"/>
+          </p:cNvSpPr>
+          <p:nvPr>
+            <p:ph idx="1"/>
+          </p:nvPr>
+        </p:nvSpPr>
+        <p:spPr/>
+        <p:txBody>
+          <a:bodyPr/>
+          <a:lstStyle/>
+          <a:p>
             <a:r>
               <a:rPr lang="de-DE" dirty="0" err="1" smtClean="0"/>
               <a:t>Widget</a:t>
@@ -7498,6 +8898,14 @@
             </a:r>
             <a:r>
               <a:rPr lang="de-DE" dirty="0" err="1" smtClean="0"/>
+              <a:t>deadline</a:t>
+            </a:r>
+            <a:r>
+              <a:rPr lang="de-DE" dirty="0" smtClean="0"/>
+              <a:t> </a:t>
+            </a:r>
+            <a:r>
+              <a:rPr lang="de-DE" dirty="0" err="1" smtClean="0"/>
               <a:t>list</a:t>
             </a:r>
             <a:r>
@@ -7533,7 +8941,7 @@
             </a:r>
             <a:r>
               <a:rPr lang="de-DE" dirty="0" err="1" smtClean="0"/>
-              <a:t>deadline</a:t>
+              <a:t>deadlines</a:t>
             </a:r>
             <a:endParaRPr lang="de-DE" dirty="0" smtClean="0"/>
           </a:p>
@@ -7663,1037 +9071,13 @@
   <p:clrMapOvr>
     <a:masterClrMapping/>
   </p:clrMapOvr>
-</p:sld>
-</file>
-
-<file path=ppt/slides/slide16.xml><?xml version="1.0" encoding="utf-8"?>
-<p:sld xmlns:a="http://schemas.openxmlformats.org/drawingml/2006/main" xmlns:r="http://schemas.openxmlformats.org/officeDocument/2006/relationships" xmlns:p="http://schemas.openxmlformats.org/presentationml/2006/main">
-  <p:cSld>
-    <p:spTree>
-      <p:nvGrpSpPr>
-        <p:cNvPr id="1" name=""/>
-        <p:cNvGrpSpPr/>
-        <p:nvPr/>
-      </p:nvGrpSpPr>
-      <p:grpSpPr>
-        <a:xfrm>
-          <a:off x="0" y="0"/>
-          <a:ext cx="0" cy="0"/>
-          <a:chOff x="0" y="0"/>
-          <a:chExt cx="0" cy="0"/>
-        </a:xfrm>
-      </p:grpSpPr>
-      <p:sp>
-        <p:nvSpPr>
-          <p:cNvPr id="4" name="Titel 3"/>
-          <p:cNvSpPr>
-            <a:spLocks noGrp="1"/>
-          </p:cNvSpPr>
-          <p:nvPr>
-            <p:ph type="ctrTitle"/>
-          </p:nvPr>
-        </p:nvSpPr>
-        <p:spPr/>
-        <p:txBody>
-          <a:bodyPr/>
-          <a:lstStyle/>
-          <a:p>
-            <a:r>
-              <a:rPr lang="de-DE" dirty="0"/>
-              <a:t>Quality </a:t>
-            </a:r>
-            <a:endParaRPr lang="de-DE" dirty="0"/>
-          </a:p>
-        </p:txBody>
-      </p:sp>
-      <p:sp>
-        <p:nvSpPr>
-          <p:cNvPr id="5" name="Untertitel 4"/>
-          <p:cNvSpPr>
-            <a:spLocks noGrp="1"/>
-          </p:cNvSpPr>
-          <p:nvPr>
-            <p:ph type="subTitle" idx="1"/>
-          </p:nvPr>
-        </p:nvSpPr>
-        <p:spPr/>
-        <p:txBody>
-          <a:bodyPr/>
-          <a:lstStyle/>
-          <a:p>
-            <a:endParaRPr lang="de-DE"/>
-          </a:p>
-        </p:txBody>
-      </p:sp>
-      <p:sp>
-        <p:nvSpPr>
-          <p:cNvPr id="8" name="Fußzeilenplatzhalter 4"/>
-          <p:cNvSpPr>
-            <a:spLocks noGrp="1"/>
-          </p:cNvSpPr>
-          <p:nvPr>
-            <p:ph type="ftr" sz="quarter" idx="11"/>
-          </p:nvPr>
-        </p:nvSpPr>
-        <p:spPr>
-          <a:xfrm>
-            <a:off x="514064" y="6481456"/>
-            <a:ext cx="6347713" cy="365125"/>
-          </a:xfrm>
-        </p:spPr>
-        <p:txBody>
-          <a:bodyPr/>
-          <a:lstStyle/>
-          <a:p>
-            <a:pPr algn="r"/>
-            <a:r>
-              <a:rPr lang="de-DE" dirty="0" smtClean="0">
-                <a:solidFill>
-                  <a:schemeClr val="bg1">
-                    <a:lumMod val="65000"/>
-                  </a:schemeClr>
-                </a:solidFill>
-              </a:rPr>
-              <a:t>Thomas Malina – Tillmann </a:t>
-            </a:r>
-            <a:r>
-              <a:rPr lang="de-DE" dirty="0" err="1" smtClean="0">
-                <a:solidFill>
-                  <a:schemeClr val="bg1">
-                    <a:lumMod val="65000"/>
-                  </a:schemeClr>
-                </a:solidFill>
-              </a:rPr>
-              <a:t>Nünninghof</a:t>
-            </a:r>
-            <a:r>
-              <a:rPr lang="de-DE" dirty="0" smtClean="0">
-                <a:solidFill>
-                  <a:schemeClr val="bg1">
-                    <a:lumMod val="65000"/>
-                  </a:schemeClr>
-                </a:solidFill>
-              </a:rPr>
-              <a:t> – Natalie </a:t>
-            </a:r>
-            <a:r>
-              <a:rPr lang="de-DE" dirty="0" err="1" smtClean="0">
-                <a:solidFill>
-                  <a:schemeClr val="bg1">
-                    <a:lumMod val="65000"/>
-                  </a:schemeClr>
-                </a:solidFill>
-              </a:rPr>
-              <a:t>Busam</a:t>
-            </a:r>
-            <a:r>
-              <a:rPr lang="de-DE" dirty="0" smtClean="0">
-                <a:solidFill>
-                  <a:schemeClr val="bg1">
-                    <a:lumMod val="65000"/>
-                  </a:schemeClr>
-                </a:solidFill>
-              </a:rPr>
-              <a:t> – Lea Wegner </a:t>
-            </a:r>
-            <a:endParaRPr lang="de-DE" dirty="0">
-              <a:solidFill>
-                <a:schemeClr val="bg1">
-                  <a:lumMod val="65000"/>
-                </a:schemeClr>
-              </a:solidFill>
-            </a:endParaRPr>
-          </a:p>
-        </p:txBody>
-      </p:sp>
-      <p:pic>
-        <p:nvPicPr>
-          <p:cNvPr id="9" name="Grafik 8"/>
-          <p:cNvPicPr>
-            <a:picLocks noChangeAspect="1"/>
-          </p:cNvPicPr>
-          <p:nvPr/>
-        </p:nvPicPr>
-        <p:blipFill>
-          <a:blip r:embed="rId2" cstate="print">
-            <a:extLst>
-              <a:ext uri="{28A0092B-C50C-407E-A947-70E740481C1C}">
-                <a14:useLocalDpi xmlns:a14="http://schemas.microsoft.com/office/drawing/2010/main" val="0"/>
-              </a:ext>
-            </a:extLst>
-          </a:blip>
-          <a:stretch>
-            <a:fillRect/>
-          </a:stretch>
-        </p:blipFill>
-        <p:spPr>
-          <a:xfrm rot="1292348">
-            <a:off x="7694207" y="329556"/>
-            <a:ext cx="1098266" cy="1231701"/>
-          </a:xfrm>
-          <a:prstGeom prst="rect">
-            <a:avLst/>
-          </a:prstGeom>
-        </p:spPr>
-      </p:pic>
-    </p:spTree>
-    <p:extLst>
-      <p:ext uri="{BB962C8B-B14F-4D97-AF65-F5344CB8AC3E}">
-        <p14:creationId xmlns:p14="http://schemas.microsoft.com/office/powerpoint/2010/main" val="2849236645"/>
-      </p:ext>
-    </p:extLst>
-  </p:cSld>
-  <p:clrMapOvr>
-    <a:masterClrMapping/>
-  </p:clrMapOvr>
-</p:sld>
-</file>
-
-<file path=ppt/slides/slide17.xml><?xml version="1.0" encoding="utf-8"?>
-<p:sld xmlns:a="http://schemas.openxmlformats.org/drawingml/2006/main" xmlns:r="http://schemas.openxmlformats.org/officeDocument/2006/relationships" xmlns:p="http://schemas.openxmlformats.org/presentationml/2006/main">
-  <p:cSld>
-    <p:spTree>
-      <p:nvGrpSpPr>
-        <p:cNvPr id="1" name=""/>
-        <p:cNvGrpSpPr/>
-        <p:nvPr/>
-      </p:nvGrpSpPr>
-      <p:grpSpPr>
-        <a:xfrm>
-          <a:off x="0" y="0"/>
-          <a:ext cx="0" cy="0"/>
-          <a:chOff x="0" y="0"/>
-          <a:chExt cx="0" cy="0"/>
-        </a:xfrm>
-      </p:grpSpPr>
-      <p:sp>
-        <p:nvSpPr>
-          <p:cNvPr id="2" name="Titel 1"/>
-          <p:cNvSpPr>
-            <a:spLocks noGrp="1"/>
-          </p:cNvSpPr>
-          <p:nvPr>
-            <p:ph type="title"/>
-          </p:nvPr>
-        </p:nvSpPr>
-        <p:spPr/>
-        <p:txBody>
-          <a:bodyPr/>
-          <a:lstStyle/>
-          <a:p>
-            <a:r>
-              <a:rPr lang="de-DE" dirty="0" err="1"/>
-              <a:t>Architecture</a:t>
-            </a:r>
-            <a:r>
-              <a:rPr lang="de-DE" dirty="0"/>
-              <a:t> </a:t>
-            </a:r>
-            <a:endParaRPr lang="de-DE" dirty="0"/>
-          </a:p>
-        </p:txBody>
-      </p:sp>
-      <p:sp>
-        <p:nvSpPr>
-          <p:cNvPr id="3" name="Inhaltsplatzhalter 2"/>
-          <p:cNvSpPr>
-            <a:spLocks noGrp="1"/>
-          </p:cNvSpPr>
-          <p:nvPr>
-            <p:ph idx="1"/>
-          </p:nvPr>
-        </p:nvSpPr>
-        <p:spPr>
-          <a:xfrm>
-            <a:off x="609599" y="2160590"/>
-            <a:ext cx="6347714" cy="3986713"/>
-          </a:xfrm>
-        </p:spPr>
-        <p:txBody>
-          <a:bodyPr>
-            <a:normAutofit lnSpcReduction="10000"/>
-          </a:bodyPr>
-          <a:lstStyle/>
-          <a:p>
-            <a:r>
-              <a:rPr lang="de-DE" dirty="0" err="1" smtClean="0"/>
-              <a:t>No</a:t>
-            </a:r>
-            <a:r>
-              <a:rPr lang="de-DE" dirty="0" smtClean="0"/>
-              <a:t> </a:t>
-            </a:r>
-            <a:r>
-              <a:rPr lang="de-DE" dirty="0" err="1" smtClean="0"/>
-              <a:t>server</a:t>
-            </a:r>
-            <a:r>
-              <a:rPr lang="de-DE" dirty="0" smtClean="0"/>
-              <a:t>, </a:t>
-            </a:r>
-            <a:r>
-              <a:rPr lang="de-DE" dirty="0" err="1" smtClean="0"/>
-              <a:t>only</a:t>
-            </a:r>
-            <a:r>
-              <a:rPr lang="de-DE" dirty="0" smtClean="0"/>
-              <a:t> a </a:t>
-            </a:r>
-            <a:r>
-              <a:rPr lang="de-DE" dirty="0" err="1" smtClean="0"/>
-              <a:t>client</a:t>
-            </a:r>
-            <a:r>
-              <a:rPr lang="de-DE" dirty="0" smtClean="0"/>
-              <a:t> </a:t>
-            </a:r>
-            <a:r>
-              <a:rPr lang="de-DE" dirty="0" err="1" smtClean="0"/>
-              <a:t>side</a:t>
-            </a:r>
-            <a:r>
-              <a:rPr lang="de-DE" dirty="0" smtClean="0"/>
-              <a:t> </a:t>
-            </a:r>
-            <a:r>
-              <a:rPr lang="de-DE" dirty="0" err="1" smtClean="0"/>
-              <a:t>which</a:t>
-            </a:r>
-            <a:r>
-              <a:rPr lang="de-DE" dirty="0" smtClean="0"/>
-              <a:t> </a:t>
-            </a:r>
-            <a:r>
-              <a:rPr lang="de-DE" dirty="0" err="1" smtClean="0"/>
-              <a:t>uses</a:t>
-            </a:r>
-            <a:r>
-              <a:rPr lang="de-DE" dirty="0" smtClean="0"/>
-              <a:t> MVC</a:t>
-            </a:r>
-          </a:p>
-          <a:p>
-            <a:r>
-              <a:rPr lang="de-DE" dirty="0" err="1" smtClean="0"/>
-              <a:t>Written</a:t>
-            </a:r>
-            <a:r>
-              <a:rPr lang="de-DE" dirty="0" smtClean="0"/>
-              <a:t> in Java </a:t>
-            </a:r>
-            <a:r>
-              <a:rPr lang="de-DE" dirty="0" err="1" smtClean="0"/>
-              <a:t>and</a:t>
-            </a:r>
-            <a:r>
-              <a:rPr lang="de-DE" dirty="0" smtClean="0"/>
-              <a:t> </a:t>
-            </a:r>
-            <a:r>
-              <a:rPr lang="de-DE" dirty="0" err="1" smtClean="0"/>
-              <a:t>uses</a:t>
-            </a:r>
-            <a:r>
-              <a:rPr lang="de-DE" dirty="0" smtClean="0"/>
-              <a:t> </a:t>
-            </a:r>
-            <a:r>
-              <a:rPr lang="de-DE" dirty="0" err="1" smtClean="0"/>
-              <a:t>the</a:t>
-            </a:r>
-            <a:r>
-              <a:rPr lang="de-DE" dirty="0" smtClean="0"/>
-              <a:t> </a:t>
-            </a:r>
-            <a:r>
-              <a:rPr lang="de-DE" dirty="0" err="1" smtClean="0"/>
-              <a:t>icalendar</a:t>
-            </a:r>
-            <a:r>
-              <a:rPr lang="de-DE" dirty="0" smtClean="0"/>
-              <a:t> </a:t>
-            </a:r>
-            <a:r>
-              <a:rPr lang="de-DE" dirty="0" err="1" smtClean="0"/>
-              <a:t>format</a:t>
-            </a:r>
-            <a:r>
-              <a:rPr lang="de-DE" dirty="0" smtClean="0"/>
-              <a:t> </a:t>
-            </a:r>
-            <a:r>
-              <a:rPr lang="de-DE" dirty="0" err="1" smtClean="0"/>
-              <a:t>for</a:t>
-            </a:r>
-            <a:r>
-              <a:rPr lang="de-DE" dirty="0" smtClean="0"/>
-              <a:t> </a:t>
-            </a:r>
-            <a:r>
-              <a:rPr lang="de-DE" dirty="0" err="1" smtClean="0"/>
-              <a:t>storing</a:t>
-            </a:r>
-            <a:r>
-              <a:rPr lang="de-DE" dirty="0" smtClean="0"/>
-              <a:t> </a:t>
-            </a:r>
-            <a:r>
-              <a:rPr lang="de-DE" dirty="0" err="1" smtClean="0"/>
-              <a:t>deadlines</a:t>
-            </a:r>
-            <a:endParaRPr lang="de-DE" dirty="0" smtClean="0"/>
-          </a:p>
-          <a:p>
-            <a:pPr marL="0" indent="0">
-              <a:buNone/>
-            </a:pPr>
-            <a:r>
-              <a:rPr lang="de-DE" b="1" dirty="0" smtClean="0"/>
-              <a:t>Model View Controller</a:t>
-            </a:r>
-          </a:p>
-          <a:p>
-            <a:r>
-              <a:rPr lang="de-DE" dirty="0" smtClean="0"/>
-              <a:t>Goal: </a:t>
-            </a:r>
-            <a:r>
-              <a:rPr lang="de-DE" dirty="0" err="1" smtClean="0"/>
-              <a:t>seperate</a:t>
-            </a:r>
-            <a:r>
-              <a:rPr lang="de-DE" dirty="0" smtClean="0"/>
-              <a:t> </a:t>
-            </a:r>
-            <a:r>
-              <a:rPr lang="de-DE" dirty="0" err="1" smtClean="0"/>
-              <a:t>view</a:t>
-            </a:r>
-            <a:r>
-              <a:rPr lang="de-DE" dirty="0" smtClean="0"/>
-              <a:t> </a:t>
-            </a:r>
-            <a:r>
-              <a:rPr lang="de-DE" dirty="0" err="1" smtClean="0"/>
-              <a:t>from</a:t>
-            </a:r>
-            <a:r>
-              <a:rPr lang="de-DE" dirty="0" smtClean="0"/>
-              <a:t> </a:t>
-            </a:r>
-            <a:r>
-              <a:rPr lang="de-DE" dirty="0" err="1" smtClean="0"/>
-              <a:t>logic</a:t>
-            </a:r>
-            <a:endParaRPr lang="de-DE" dirty="0"/>
-          </a:p>
-          <a:p>
-            <a:r>
-              <a:rPr lang="de-DE" dirty="0" smtClean="0"/>
-              <a:t>Controller </a:t>
-            </a:r>
-            <a:r>
-              <a:rPr lang="de-DE" dirty="0" err="1" smtClean="0"/>
-              <a:t>takes</a:t>
-            </a:r>
-            <a:r>
-              <a:rPr lang="de-DE" dirty="0" smtClean="0"/>
-              <a:t> care </a:t>
-            </a:r>
-            <a:r>
-              <a:rPr lang="de-DE" dirty="0" err="1" smtClean="0"/>
-              <a:t>of</a:t>
-            </a:r>
-            <a:r>
-              <a:rPr lang="de-DE" dirty="0" smtClean="0"/>
-              <a:t> </a:t>
-            </a:r>
-            <a:r>
-              <a:rPr lang="de-DE" dirty="0" err="1" smtClean="0"/>
-              <a:t>handling</a:t>
-            </a:r>
-            <a:r>
-              <a:rPr lang="de-DE" dirty="0" smtClean="0"/>
-              <a:t> </a:t>
-            </a:r>
-            <a:br>
-              <a:rPr lang="de-DE" dirty="0" smtClean="0"/>
-            </a:br>
-            <a:r>
-              <a:rPr lang="de-DE" dirty="0" err="1" smtClean="0"/>
-              <a:t>actions</a:t>
-            </a:r>
-            <a:r>
-              <a:rPr lang="de-DE" dirty="0" smtClean="0"/>
-              <a:t> </a:t>
-            </a:r>
-            <a:r>
-              <a:rPr lang="de-DE" dirty="0" err="1" smtClean="0"/>
-              <a:t>by</a:t>
-            </a:r>
-            <a:r>
-              <a:rPr lang="de-DE" dirty="0" smtClean="0"/>
-              <a:t> </a:t>
-            </a:r>
-            <a:r>
-              <a:rPr lang="de-DE" dirty="0" err="1" smtClean="0"/>
-              <a:t>the</a:t>
-            </a:r>
-            <a:r>
-              <a:rPr lang="de-DE" dirty="0" smtClean="0"/>
-              <a:t> </a:t>
-            </a:r>
-            <a:r>
-              <a:rPr lang="de-DE" dirty="0" err="1" smtClean="0"/>
-              <a:t>user</a:t>
-            </a:r>
-            <a:endParaRPr lang="de-DE" dirty="0" smtClean="0"/>
-          </a:p>
-          <a:p>
-            <a:r>
-              <a:rPr lang="de-DE" dirty="0" smtClean="0"/>
-              <a:t>Models </a:t>
-            </a:r>
-            <a:r>
-              <a:rPr lang="de-DE" dirty="0" err="1" smtClean="0"/>
-              <a:t>contain</a:t>
-            </a:r>
-            <a:r>
-              <a:rPr lang="de-DE" dirty="0" smtClean="0"/>
-              <a:t> </a:t>
-            </a:r>
-            <a:r>
-              <a:rPr lang="de-DE" dirty="0" err="1" smtClean="0"/>
-              <a:t>the</a:t>
-            </a:r>
-            <a:r>
-              <a:rPr lang="de-DE" dirty="0" smtClean="0"/>
-              <a:t> </a:t>
-            </a:r>
-            <a:r>
-              <a:rPr lang="de-DE" dirty="0" err="1" smtClean="0"/>
-              <a:t>data</a:t>
-            </a:r>
-            <a:r>
-              <a:rPr lang="de-DE" dirty="0" smtClean="0"/>
-              <a:t> </a:t>
-            </a:r>
-            <a:r>
-              <a:rPr lang="de-DE" dirty="0" err="1" smtClean="0"/>
-              <a:t>that</a:t>
-            </a:r>
-            <a:r>
-              <a:rPr lang="de-DE" dirty="0" smtClean="0"/>
-              <a:t> </a:t>
-            </a:r>
-            <a:r>
-              <a:rPr lang="de-DE" dirty="0" err="1" smtClean="0"/>
-              <a:t>is</a:t>
-            </a:r>
-            <a:r>
-              <a:rPr lang="de-DE" dirty="0" smtClean="0"/>
-              <a:t> </a:t>
-            </a:r>
-            <a:br>
-              <a:rPr lang="de-DE" dirty="0" smtClean="0"/>
-            </a:br>
-            <a:r>
-              <a:rPr lang="de-DE" dirty="0" err="1" smtClean="0"/>
-              <a:t>displayed</a:t>
-            </a:r>
-            <a:r>
-              <a:rPr lang="de-DE" dirty="0" smtClean="0"/>
-              <a:t> in </a:t>
-            </a:r>
-            <a:r>
-              <a:rPr lang="de-DE" dirty="0" err="1" smtClean="0"/>
-              <a:t>the</a:t>
-            </a:r>
-            <a:r>
-              <a:rPr lang="de-DE" dirty="0" smtClean="0"/>
-              <a:t> </a:t>
-            </a:r>
-            <a:r>
-              <a:rPr lang="de-DE" dirty="0" err="1" smtClean="0"/>
-              <a:t>views</a:t>
-            </a:r>
-            <a:endParaRPr lang="de-DE" dirty="0" smtClean="0"/>
-          </a:p>
-          <a:p>
-            <a:pPr marL="0" indent="0">
-              <a:buNone/>
-            </a:pPr>
-            <a:r>
-              <a:rPr lang="de-DE" b="1" dirty="0" smtClean="0"/>
-              <a:t>Data Storage</a:t>
-            </a:r>
-          </a:p>
-          <a:p>
-            <a:r>
-              <a:rPr lang="de-DE" dirty="0" err="1" smtClean="0"/>
-              <a:t>Icalendar</a:t>
-            </a:r>
-            <a:r>
-              <a:rPr lang="de-DE" dirty="0" smtClean="0"/>
-              <a:t> </a:t>
-            </a:r>
-            <a:r>
-              <a:rPr lang="de-DE" dirty="0" err="1" smtClean="0"/>
-              <a:t>format</a:t>
-            </a:r>
-            <a:r>
-              <a:rPr lang="de-DE" dirty="0" smtClean="0"/>
-              <a:t> on </a:t>
-            </a:r>
-            <a:r>
-              <a:rPr lang="de-DE" dirty="0" err="1" smtClean="0"/>
-              <a:t>the</a:t>
-            </a:r>
-            <a:r>
-              <a:rPr lang="de-DE" dirty="0" smtClean="0"/>
-              <a:t> </a:t>
-            </a:r>
-            <a:r>
-              <a:rPr lang="de-DE" dirty="0" err="1" smtClean="0"/>
-              <a:t>phone</a:t>
-            </a:r>
-            <a:r>
-              <a:rPr lang="de-DE" dirty="0" smtClean="0"/>
-              <a:t> </a:t>
-            </a:r>
-            <a:r>
-              <a:rPr lang="de-DE" dirty="0" err="1" smtClean="0"/>
-              <a:t>drive</a:t>
-            </a:r>
-            <a:endParaRPr lang="de-DE" dirty="0"/>
-          </a:p>
-        </p:txBody>
-      </p:sp>
-      <p:pic>
-        <p:nvPicPr>
-          <p:cNvPr id="6" name="Grafik 5"/>
-          <p:cNvPicPr>
-            <a:picLocks noChangeAspect="1"/>
-          </p:cNvPicPr>
-          <p:nvPr/>
-        </p:nvPicPr>
-        <p:blipFill>
-          <a:blip r:embed="rId2"/>
-          <a:stretch>
-            <a:fillRect/>
-          </a:stretch>
-        </p:blipFill>
-        <p:spPr>
-          <a:xfrm>
-            <a:off x="4598880" y="3023861"/>
-            <a:ext cx="2747001" cy="2362954"/>
-          </a:xfrm>
-          <a:prstGeom prst="rect">
-            <a:avLst/>
-          </a:prstGeom>
-        </p:spPr>
-      </p:pic>
-      <p:sp>
-        <p:nvSpPr>
-          <p:cNvPr id="7" name="Fußzeilenplatzhalter 4"/>
-          <p:cNvSpPr>
-            <a:spLocks noGrp="1"/>
-          </p:cNvSpPr>
-          <p:nvPr>
-            <p:ph type="ftr" sz="quarter" idx="11"/>
-          </p:nvPr>
-        </p:nvSpPr>
-        <p:spPr>
-          <a:xfrm>
-            <a:off x="514064" y="6481456"/>
-            <a:ext cx="6347713" cy="365125"/>
-          </a:xfrm>
-        </p:spPr>
-        <p:txBody>
-          <a:bodyPr/>
-          <a:lstStyle/>
-          <a:p>
-            <a:pPr algn="r"/>
-            <a:r>
-              <a:rPr lang="de-DE" dirty="0" smtClean="0">
-                <a:solidFill>
-                  <a:schemeClr val="bg1">
-                    <a:lumMod val="65000"/>
-                  </a:schemeClr>
-                </a:solidFill>
-              </a:rPr>
-              <a:t>Thomas Malina – Tillmann </a:t>
-            </a:r>
-            <a:r>
-              <a:rPr lang="de-DE" dirty="0" err="1" smtClean="0">
-                <a:solidFill>
-                  <a:schemeClr val="bg1">
-                    <a:lumMod val="65000"/>
-                  </a:schemeClr>
-                </a:solidFill>
-              </a:rPr>
-              <a:t>Nünninghof</a:t>
-            </a:r>
-            <a:r>
-              <a:rPr lang="de-DE" dirty="0" smtClean="0">
-                <a:solidFill>
-                  <a:schemeClr val="bg1">
-                    <a:lumMod val="65000"/>
-                  </a:schemeClr>
-                </a:solidFill>
-              </a:rPr>
-              <a:t> – Natalie </a:t>
-            </a:r>
-            <a:r>
-              <a:rPr lang="de-DE" dirty="0" err="1" smtClean="0">
-                <a:solidFill>
-                  <a:schemeClr val="bg1">
-                    <a:lumMod val="65000"/>
-                  </a:schemeClr>
-                </a:solidFill>
-              </a:rPr>
-              <a:t>Busam</a:t>
-            </a:r>
-            <a:r>
-              <a:rPr lang="de-DE" dirty="0" smtClean="0">
-                <a:solidFill>
-                  <a:schemeClr val="bg1">
-                    <a:lumMod val="65000"/>
-                  </a:schemeClr>
-                </a:solidFill>
-              </a:rPr>
-              <a:t> – Lea Wegner </a:t>
-            </a:r>
-            <a:endParaRPr lang="de-DE" dirty="0">
-              <a:solidFill>
-                <a:schemeClr val="bg1">
-                  <a:lumMod val="65000"/>
-                </a:schemeClr>
-              </a:solidFill>
-            </a:endParaRPr>
-          </a:p>
-        </p:txBody>
-      </p:sp>
-    </p:spTree>
-    <p:extLst>
-      <p:ext uri="{BB962C8B-B14F-4D97-AF65-F5344CB8AC3E}">
-        <p14:creationId xmlns:p14="http://schemas.microsoft.com/office/powerpoint/2010/main" val="2876498202"/>
-      </p:ext>
-    </p:extLst>
-  </p:cSld>
-  <p:clrMapOvr>
-    <a:masterClrMapping/>
-  </p:clrMapOvr>
-</p:sld>
-</file>
-
-<file path=ppt/slides/slide18.xml><?xml version="1.0" encoding="utf-8"?>
-<p:sld xmlns:a="http://schemas.openxmlformats.org/drawingml/2006/main" xmlns:r="http://schemas.openxmlformats.org/officeDocument/2006/relationships" xmlns:p="http://schemas.openxmlformats.org/presentationml/2006/main">
-  <p:cSld>
-    <p:spTree>
-      <p:nvGrpSpPr>
-        <p:cNvPr id="1" name=""/>
-        <p:cNvGrpSpPr/>
-        <p:nvPr/>
-      </p:nvGrpSpPr>
-      <p:grpSpPr>
-        <a:xfrm>
-          <a:off x="0" y="0"/>
-          <a:ext cx="0" cy="0"/>
-          <a:chOff x="0" y="0"/>
-          <a:chExt cx="0" cy="0"/>
-        </a:xfrm>
-      </p:grpSpPr>
-      <p:sp>
-        <p:nvSpPr>
-          <p:cNvPr id="2" name="Titel 1"/>
-          <p:cNvSpPr>
-            <a:spLocks noGrp="1"/>
-          </p:cNvSpPr>
-          <p:nvPr>
-            <p:ph type="title"/>
-          </p:nvPr>
-        </p:nvSpPr>
-        <p:spPr/>
-        <p:txBody>
-          <a:bodyPr/>
-          <a:lstStyle/>
-          <a:p>
-            <a:r>
-              <a:rPr lang="de-DE" dirty="0" err="1"/>
-              <a:t>Configuration</a:t>
-            </a:r>
-            <a:r>
-              <a:rPr lang="de-DE" dirty="0"/>
-              <a:t> </a:t>
-            </a:r>
-            <a:endParaRPr lang="de-DE" dirty="0"/>
-          </a:p>
-        </p:txBody>
-      </p:sp>
-      <p:sp>
-        <p:nvSpPr>
-          <p:cNvPr id="3" name="Inhaltsplatzhalter 2"/>
-          <p:cNvSpPr>
-            <a:spLocks noGrp="1"/>
-          </p:cNvSpPr>
-          <p:nvPr>
-            <p:ph idx="1"/>
-          </p:nvPr>
-        </p:nvSpPr>
-        <p:spPr/>
-        <p:txBody>
-          <a:bodyPr/>
-          <a:lstStyle/>
-          <a:p>
-            <a:endParaRPr lang="de-DE"/>
-          </a:p>
-        </p:txBody>
-      </p:sp>
-      <p:sp>
-        <p:nvSpPr>
-          <p:cNvPr id="6" name="Fußzeilenplatzhalter 4"/>
-          <p:cNvSpPr>
-            <a:spLocks noGrp="1"/>
-          </p:cNvSpPr>
-          <p:nvPr>
-            <p:ph type="ftr" sz="quarter" idx="11"/>
-          </p:nvPr>
-        </p:nvSpPr>
-        <p:spPr>
-          <a:xfrm>
-            <a:off x="514064" y="6481456"/>
-            <a:ext cx="6347713" cy="365125"/>
-          </a:xfrm>
-        </p:spPr>
-        <p:txBody>
-          <a:bodyPr/>
-          <a:lstStyle/>
-          <a:p>
-            <a:pPr algn="r"/>
-            <a:r>
-              <a:rPr lang="de-DE" dirty="0" smtClean="0">
-                <a:solidFill>
-                  <a:schemeClr val="bg1">
-                    <a:lumMod val="65000"/>
-                  </a:schemeClr>
-                </a:solidFill>
-              </a:rPr>
-              <a:t>Thomas Malina – Tillmann </a:t>
-            </a:r>
-            <a:r>
-              <a:rPr lang="de-DE" dirty="0" err="1" smtClean="0">
-                <a:solidFill>
-                  <a:schemeClr val="bg1">
-                    <a:lumMod val="65000"/>
-                  </a:schemeClr>
-                </a:solidFill>
-              </a:rPr>
-              <a:t>Nünninghof</a:t>
-            </a:r>
-            <a:r>
-              <a:rPr lang="de-DE" dirty="0" smtClean="0">
-                <a:solidFill>
-                  <a:schemeClr val="bg1">
-                    <a:lumMod val="65000"/>
-                  </a:schemeClr>
-                </a:solidFill>
-              </a:rPr>
-              <a:t> – Natalie </a:t>
-            </a:r>
-            <a:r>
-              <a:rPr lang="de-DE" dirty="0" err="1" smtClean="0">
-                <a:solidFill>
-                  <a:schemeClr val="bg1">
-                    <a:lumMod val="65000"/>
-                  </a:schemeClr>
-                </a:solidFill>
-              </a:rPr>
-              <a:t>Busam</a:t>
-            </a:r>
-            <a:r>
-              <a:rPr lang="de-DE" dirty="0" smtClean="0">
-                <a:solidFill>
-                  <a:schemeClr val="bg1">
-                    <a:lumMod val="65000"/>
-                  </a:schemeClr>
-                </a:solidFill>
-              </a:rPr>
-              <a:t> – Lea Wegner </a:t>
-            </a:r>
-            <a:endParaRPr lang="de-DE" dirty="0">
-              <a:solidFill>
-                <a:schemeClr val="bg1">
-                  <a:lumMod val="65000"/>
-                </a:schemeClr>
-              </a:solidFill>
-            </a:endParaRPr>
-          </a:p>
-        </p:txBody>
-      </p:sp>
-    </p:spTree>
-    <p:extLst>
-      <p:ext uri="{BB962C8B-B14F-4D97-AF65-F5344CB8AC3E}">
-        <p14:creationId xmlns:p14="http://schemas.microsoft.com/office/powerpoint/2010/main" val="1969030387"/>
-      </p:ext>
-    </p:extLst>
-  </p:cSld>
-  <p:clrMapOvr>
-    <a:masterClrMapping/>
-  </p:clrMapOvr>
-</p:sld>
-</file>
-
-<file path=ppt/slides/slide19.xml><?xml version="1.0" encoding="utf-8"?>
-<p:sld xmlns:a="http://schemas.openxmlformats.org/drawingml/2006/main" xmlns:r="http://schemas.openxmlformats.org/officeDocument/2006/relationships" xmlns:p="http://schemas.openxmlformats.org/presentationml/2006/main">
-  <p:cSld>
-    <p:spTree>
-      <p:nvGrpSpPr>
-        <p:cNvPr id="1" name=""/>
-        <p:cNvGrpSpPr/>
-        <p:nvPr/>
-      </p:nvGrpSpPr>
-      <p:grpSpPr>
-        <a:xfrm>
-          <a:off x="0" y="0"/>
-          <a:ext cx="0" cy="0"/>
-          <a:chOff x="0" y="0"/>
-          <a:chExt cx="0" cy="0"/>
-        </a:xfrm>
-      </p:grpSpPr>
-      <p:sp>
-        <p:nvSpPr>
-          <p:cNvPr id="2" name="Titel 1"/>
-          <p:cNvSpPr>
-            <a:spLocks noGrp="1"/>
-          </p:cNvSpPr>
-          <p:nvPr>
-            <p:ph type="title"/>
-          </p:nvPr>
-        </p:nvSpPr>
-        <p:spPr/>
-        <p:txBody>
-          <a:bodyPr/>
-          <a:lstStyle/>
-          <a:p>
-            <a:r>
-              <a:rPr lang="de-DE" dirty="0"/>
-              <a:t>Automation </a:t>
-            </a:r>
-            <a:endParaRPr lang="de-DE" dirty="0"/>
-          </a:p>
-        </p:txBody>
-      </p:sp>
-      <p:sp>
-        <p:nvSpPr>
-          <p:cNvPr id="3" name="Inhaltsplatzhalter 2"/>
-          <p:cNvSpPr>
-            <a:spLocks noGrp="1"/>
-          </p:cNvSpPr>
-          <p:nvPr>
-            <p:ph idx="1"/>
-          </p:nvPr>
-        </p:nvSpPr>
-        <p:spPr/>
-        <p:txBody>
-          <a:bodyPr/>
-          <a:lstStyle/>
-          <a:p>
-            <a:endParaRPr lang="de-DE"/>
-          </a:p>
-        </p:txBody>
-      </p:sp>
-      <p:sp>
-        <p:nvSpPr>
-          <p:cNvPr id="6" name="Fußzeilenplatzhalter 4"/>
-          <p:cNvSpPr>
-            <a:spLocks noGrp="1"/>
-          </p:cNvSpPr>
-          <p:nvPr>
-            <p:ph type="ftr" sz="quarter" idx="11"/>
-          </p:nvPr>
-        </p:nvSpPr>
-        <p:spPr>
-          <a:xfrm>
-            <a:off x="514064" y="6481456"/>
-            <a:ext cx="6347713" cy="365125"/>
-          </a:xfrm>
-        </p:spPr>
-        <p:txBody>
-          <a:bodyPr/>
-          <a:lstStyle/>
-          <a:p>
-            <a:pPr algn="r"/>
-            <a:r>
-              <a:rPr lang="de-DE" dirty="0" smtClean="0">
-                <a:solidFill>
-                  <a:schemeClr val="bg1">
-                    <a:lumMod val="65000"/>
-                  </a:schemeClr>
-                </a:solidFill>
-              </a:rPr>
-              <a:t>Thomas Malina – Tillmann </a:t>
-            </a:r>
-            <a:r>
-              <a:rPr lang="de-DE" dirty="0" err="1" smtClean="0">
-                <a:solidFill>
-                  <a:schemeClr val="bg1">
-                    <a:lumMod val="65000"/>
-                  </a:schemeClr>
-                </a:solidFill>
-              </a:rPr>
-              <a:t>Nünninghof</a:t>
-            </a:r>
-            <a:r>
-              <a:rPr lang="de-DE" dirty="0" smtClean="0">
-                <a:solidFill>
-                  <a:schemeClr val="bg1">
-                    <a:lumMod val="65000"/>
-                  </a:schemeClr>
-                </a:solidFill>
-              </a:rPr>
-              <a:t> – Natalie </a:t>
-            </a:r>
-            <a:r>
-              <a:rPr lang="de-DE" dirty="0" err="1" smtClean="0">
-                <a:solidFill>
-                  <a:schemeClr val="bg1">
-                    <a:lumMod val="65000"/>
-                  </a:schemeClr>
-                </a:solidFill>
-              </a:rPr>
-              <a:t>Busam</a:t>
-            </a:r>
-            <a:r>
-              <a:rPr lang="de-DE" dirty="0" smtClean="0">
-                <a:solidFill>
-                  <a:schemeClr val="bg1">
-                    <a:lumMod val="65000"/>
-                  </a:schemeClr>
-                </a:solidFill>
-              </a:rPr>
-              <a:t> – Lea Wegner </a:t>
-            </a:r>
-            <a:endParaRPr lang="de-DE" dirty="0">
-              <a:solidFill>
-                <a:schemeClr val="bg1">
-                  <a:lumMod val="65000"/>
-                </a:schemeClr>
-              </a:solidFill>
-            </a:endParaRPr>
-          </a:p>
-        </p:txBody>
-      </p:sp>
-    </p:spTree>
-    <p:extLst>
-      <p:ext uri="{BB962C8B-B14F-4D97-AF65-F5344CB8AC3E}">
-        <p14:creationId xmlns:p14="http://schemas.microsoft.com/office/powerpoint/2010/main" val="430773424"/>
-      </p:ext>
-    </p:extLst>
-  </p:cSld>
-  <p:clrMapOvr>
-    <a:masterClrMapping/>
-  </p:clrMapOvr>
+  <p:timing>
+    <p:tnLst>
+      <p:par>
+        <p:cTn id="1" dur="indefinite" restart="never" nodeType="tmRoot"/>
+      </p:par>
+    </p:tnLst>
+  </p:timing>
 </p:sld>
 </file>
 
@@ -8901,167 +9285,17 @@
   <p:clrMapOvr>
     <a:masterClrMapping/>
   </p:clrMapOvr>
+  <p:timing>
+    <p:tnLst>
+      <p:par>
+        <p:cTn id="1" dur="indefinite" restart="never" nodeType="tmRoot"/>
+      </p:par>
+    </p:tnLst>
+  </p:timing>
 </p:sld>
 </file>
 
 <file path=ppt/slides/slide20.xml><?xml version="1.0" encoding="utf-8"?>
-<p:sld xmlns:a="http://schemas.openxmlformats.org/drawingml/2006/main" xmlns:r="http://schemas.openxmlformats.org/officeDocument/2006/relationships" xmlns:p="http://schemas.openxmlformats.org/presentationml/2006/main">
-  <p:cSld>
-    <p:spTree>
-      <p:nvGrpSpPr>
-        <p:cNvPr id="1" name=""/>
-        <p:cNvGrpSpPr/>
-        <p:nvPr/>
-      </p:nvGrpSpPr>
-      <p:grpSpPr>
-        <a:xfrm>
-          <a:off x="0" y="0"/>
-          <a:ext cx="0" cy="0"/>
-          <a:chOff x="0" y="0"/>
-          <a:chExt cx="0" cy="0"/>
-        </a:xfrm>
-      </p:grpSpPr>
-      <p:sp>
-        <p:nvSpPr>
-          <p:cNvPr id="2" name="Titel 1"/>
-          <p:cNvSpPr>
-            <a:spLocks noGrp="1"/>
-          </p:cNvSpPr>
-          <p:nvPr>
-            <p:ph type="title"/>
-          </p:nvPr>
-        </p:nvSpPr>
-        <p:spPr/>
-        <p:txBody>
-          <a:bodyPr/>
-          <a:lstStyle/>
-          <a:p>
-            <a:r>
-              <a:rPr lang="de-DE" dirty="0" err="1"/>
-              <a:t>Testing</a:t>
-            </a:r>
-            <a:endParaRPr lang="de-DE" dirty="0"/>
-          </a:p>
-        </p:txBody>
-      </p:sp>
-      <p:sp>
-        <p:nvSpPr>
-          <p:cNvPr id="3" name="Inhaltsplatzhalter 2"/>
-          <p:cNvSpPr>
-            <a:spLocks noGrp="1"/>
-          </p:cNvSpPr>
-          <p:nvPr>
-            <p:ph idx="1"/>
-          </p:nvPr>
-        </p:nvSpPr>
-        <p:spPr/>
-        <p:txBody>
-          <a:bodyPr/>
-          <a:lstStyle/>
-          <a:p>
-            <a:r>
-              <a:rPr lang="de-DE" dirty="0" smtClean="0"/>
-              <a:t>Espresso Test Framework</a:t>
-            </a:r>
-            <a:endParaRPr lang="de-DE" dirty="0"/>
-          </a:p>
-        </p:txBody>
-      </p:sp>
-      <p:sp>
-        <p:nvSpPr>
-          <p:cNvPr id="6" name="Fußzeilenplatzhalter 4"/>
-          <p:cNvSpPr>
-            <a:spLocks noGrp="1"/>
-          </p:cNvSpPr>
-          <p:nvPr>
-            <p:ph type="ftr" sz="quarter" idx="11"/>
-          </p:nvPr>
-        </p:nvSpPr>
-        <p:spPr>
-          <a:xfrm>
-            <a:off x="514064" y="6481456"/>
-            <a:ext cx="6347713" cy="365125"/>
-          </a:xfrm>
-        </p:spPr>
-        <p:txBody>
-          <a:bodyPr/>
-          <a:lstStyle/>
-          <a:p>
-            <a:pPr algn="r"/>
-            <a:r>
-              <a:rPr lang="de-DE" dirty="0" smtClean="0">
-                <a:solidFill>
-                  <a:schemeClr val="bg1">
-                    <a:lumMod val="65000"/>
-                  </a:schemeClr>
-                </a:solidFill>
-              </a:rPr>
-              <a:t>Thomas Malina – Tillmann </a:t>
-            </a:r>
-            <a:r>
-              <a:rPr lang="de-DE" dirty="0" err="1" smtClean="0">
-                <a:solidFill>
-                  <a:schemeClr val="bg1">
-                    <a:lumMod val="65000"/>
-                  </a:schemeClr>
-                </a:solidFill>
-              </a:rPr>
-              <a:t>Nünninghof</a:t>
-            </a:r>
-            <a:r>
-              <a:rPr lang="de-DE" dirty="0" smtClean="0">
-                <a:solidFill>
-                  <a:schemeClr val="bg1">
-                    <a:lumMod val="65000"/>
-                  </a:schemeClr>
-                </a:solidFill>
-              </a:rPr>
-              <a:t> – Natalie </a:t>
-            </a:r>
-            <a:r>
-              <a:rPr lang="de-DE" dirty="0" err="1" smtClean="0">
-                <a:solidFill>
-                  <a:schemeClr val="bg1">
-                    <a:lumMod val="65000"/>
-                  </a:schemeClr>
-                </a:solidFill>
-              </a:rPr>
-              <a:t>Busam</a:t>
-            </a:r>
-            <a:r>
-              <a:rPr lang="de-DE" dirty="0" smtClean="0">
-                <a:solidFill>
-                  <a:schemeClr val="bg1">
-                    <a:lumMod val="65000"/>
-                  </a:schemeClr>
-                </a:solidFill>
-              </a:rPr>
-              <a:t> – Lea Wegner </a:t>
-            </a:r>
-            <a:endParaRPr lang="de-DE" dirty="0">
-              <a:solidFill>
-                <a:schemeClr val="bg1">
-                  <a:lumMod val="65000"/>
-                </a:schemeClr>
-              </a:solidFill>
-            </a:endParaRPr>
-          </a:p>
-        </p:txBody>
-      </p:sp>
-    </p:spTree>
-    <p:extLst>
-      <p:ext uri="{BB962C8B-B14F-4D97-AF65-F5344CB8AC3E}">
-        <p14:creationId xmlns:p14="http://schemas.microsoft.com/office/powerpoint/2010/main" val="2025256867"/>
-      </p:ext>
-    </p:extLst>
-  </p:cSld>
-  <p:clrMapOvr>
-    <a:masterClrMapping/>
-  </p:clrMapOvr>
-</p:sld>
-</file>
-
-<file path=ppt/slides/slide21.xml><?xml version="1.0" encoding="utf-8"?>
 <p:sld xmlns:a="http://schemas.openxmlformats.org/drawingml/2006/main" xmlns:r="http://schemas.openxmlformats.org/officeDocument/2006/relationships" xmlns:p="http://schemas.openxmlformats.org/presentationml/2006/main">
   <p:cSld>
     <p:spTree>
@@ -9273,6 +9507,13 @@
   <p:clrMapOvr>
     <a:masterClrMapping/>
   </p:clrMapOvr>
+  <p:timing>
+    <p:tnLst>
+      <p:par>
+        <p:cTn id="1" dur="indefinite" restart="never" nodeType="tmRoot"/>
+      </p:par>
+    </p:tnLst>
+  </p:timing>
 </p:sld>
 </file>
 
@@ -9878,20 +10119,8 @@
               <a:t> </a:t>
             </a:r>
             <a:r>
-              <a:rPr lang="de-DE" dirty="0" err="1" smtClean="0"/>
-              <a:t>recurring</a:t>
-            </a:r>
-            <a:r>
-              <a:rPr lang="de-DE" dirty="0" smtClean="0"/>
-              <a:t> </a:t>
-            </a:r>
-            <a:r>
-              <a:rPr lang="de-DE" dirty="0" err="1" smtClean="0"/>
-              <a:t>and</a:t>
-            </a:r>
-            <a:r>
-              <a:rPr lang="de-DE" dirty="0" smtClean="0"/>
-              <a:t> check </a:t>
+              <a:rPr lang="de-DE" dirty="0" smtClean="0"/>
+              <a:t>check </a:t>
             </a:r>
             <a:r>
               <a:rPr lang="de-DE" dirty="0" err="1" smtClean="0"/>
@@ -9910,7 +10139,7 @@
         <p:spPr>
           <a:xfrm>
             <a:off x="2498757" y="4576673"/>
-            <a:ext cx="4023989" cy="923330"/>
+            <a:ext cx="4023989" cy="1477328"/>
           </a:xfrm>
           <a:prstGeom prst="rect">
             <a:avLst/>
@@ -9922,6 +10151,57 @@
             <a:spAutoFit/>
           </a:bodyPr>
           <a:lstStyle/>
+          <a:p>
+            <a:pPr marL="285750" indent="-285750">
+              <a:buFont typeface="Wingdings" panose="05000000000000000000" pitchFamily="2" charset="2"/>
+              <a:buChar char="Ø"/>
+            </a:pPr>
+            <a:r>
+              <a:rPr lang="de-DE" dirty="0" err="1" smtClean="0"/>
+              <a:t>Possibility</a:t>
+            </a:r>
+            <a:r>
+              <a:rPr lang="de-DE" dirty="0" smtClean="0"/>
+              <a:t> </a:t>
+            </a:r>
+            <a:r>
+              <a:rPr lang="de-DE" dirty="0" err="1" smtClean="0"/>
+              <a:t>to</a:t>
+            </a:r>
+            <a:r>
+              <a:rPr lang="de-DE" dirty="0"/>
+              <a:t> </a:t>
+            </a:r>
+            <a:r>
+              <a:rPr lang="de-DE" dirty="0" err="1" smtClean="0"/>
+              <a:t>set</a:t>
+            </a:r>
+            <a:r>
+              <a:rPr lang="de-DE" dirty="0" smtClean="0"/>
+              <a:t> </a:t>
+            </a:r>
+            <a:r>
+              <a:rPr lang="de-DE" dirty="0" err="1" smtClean="0"/>
+              <a:t>deadlines</a:t>
+            </a:r>
+            <a:r>
+              <a:rPr lang="de-DE" dirty="0" smtClean="0"/>
+              <a:t> </a:t>
+            </a:r>
+            <a:r>
+              <a:rPr lang="de-DE" dirty="0" err="1" smtClean="0"/>
+              <a:t>as</a:t>
+            </a:r>
+            <a:r>
+              <a:rPr lang="de-DE" dirty="0" smtClean="0"/>
+              <a:t> </a:t>
+            </a:r>
+            <a:r>
+              <a:rPr lang="de-DE" dirty="0" err="1" smtClean="0"/>
+              <a:t>recurring</a:t>
+            </a:r>
+            <a:endParaRPr lang="de-DE" dirty="0"/>
+          </a:p>
           <a:p>
             <a:pPr marL="285750" indent="-285750">
               <a:buFont typeface="Wingdings" panose="05000000000000000000" pitchFamily="2" charset="2"/>
@@ -10610,6 +10890,13 @@
   <p:clrMapOvr>
     <a:masterClrMapping/>
   </p:clrMapOvr>
+  <p:timing>
+    <p:tnLst>
+      <p:par>
+        <p:cTn id="1" dur="indefinite" restart="never" nodeType="tmRoot"/>
+      </p:par>
+    </p:tnLst>
+  </p:timing>
 </p:sld>
 </file>
 
@@ -10727,11 +11014,19 @@
               <a:t> time, </a:t>
             </a:r>
             <a:r>
-              <a:rPr lang="de-DE" dirty="0" err="1"/>
+              <a:rPr lang="de-DE" dirty="0" err="1" smtClean="0"/>
+              <a:t>app</a:t>
+            </a:r>
+            <a:r>
+              <a:rPr lang="de-DE" dirty="0" smtClean="0"/>
+              <a:t> </a:t>
+            </a:r>
+            <a:r>
+              <a:rPr lang="de-DE" dirty="0" err="1" smtClean="0"/>
               <a:t>always</a:t>
             </a:r>
             <a:r>
-              <a:rPr lang="de-DE" dirty="0"/>
+              <a:rPr lang="de-DE" dirty="0" smtClean="0"/>
               <a:t> </a:t>
             </a:r>
             <a:r>
@@ -11010,6 +11305,13 @@
   <p:clrMapOvr>
     <a:masterClrMapping/>
   </p:clrMapOvr>
+  <p:timing>
+    <p:tnLst>
+      <p:par>
+        <p:cTn id="1" dur="indefinite" restart="never" nodeType="tmRoot"/>
+      </p:par>
+    </p:tnLst>
+  </p:timing>
 </p:sld>
 </file>
 
@@ -11070,7 +11372,7 @@
         <p:spPr/>
         <p:txBody>
           <a:bodyPr>
-            <a:normAutofit fontScale="92500" lnSpcReduction="10000"/>
+            <a:normAutofit/>
           </a:bodyPr>
           <a:lstStyle/>
           <a:p>
@@ -11148,12 +11450,16 @@
           </a:p>
           <a:p>
             <a:r>
-              <a:rPr lang="en-US" i="1" dirty="0"/>
-              <a:t>Scrum</a:t>
+              <a:rPr lang="en-US" dirty="0" smtClean="0"/>
+              <a:t>breaks </a:t>
             </a:r>
             <a:r>
               <a:rPr lang="en-US" dirty="0"/>
-              <a:t> is a collaborative Agile development framework that breaks large processes down into small pieces in order to streamline efficiency.</a:t>
+              <a:t>large processes down into small pieces in order to streamline </a:t>
+            </a:r>
+            <a:r>
+              <a:rPr lang="en-US" dirty="0" smtClean="0"/>
+              <a:t>efficiency</a:t>
             </a:r>
             <a:endParaRPr lang="de-DE" b="1" dirty="0" smtClean="0"/>
           </a:p>
@@ -11298,6 +11604,13 @@
   <p:clrMapOvr>
     <a:masterClrMapping/>
   </p:clrMapOvr>
+  <p:timing>
+    <p:tnLst>
+      <p:par>
+        <p:cTn id="1" dur="indefinite" restart="never" nodeType="tmRoot"/>
+      </p:par>
+    </p:tnLst>
+  </p:timing>
 </p:sld>
 </file>
 
@@ -11337,7 +11650,6 @@
               <a:rPr lang="de-DE" dirty="0"/>
               <a:t> Project Management</a:t>
             </a:r>
-            <a:endParaRPr lang="de-DE" dirty="0"/>
           </a:p>
         </p:txBody>
       </p:sp>
@@ -11358,7 +11670,15 @@
           <a:p>
             <a:r>
               <a:rPr lang="en-US" dirty="0"/>
-              <a:t>access our task list in out IDE, Android </a:t>
+              <a:t>access our task list in </a:t>
+            </a:r>
+            <a:r>
+              <a:rPr lang="en-US" dirty="0" smtClean="0"/>
+              <a:t>our </a:t>
+            </a:r>
+            <a:r>
+              <a:rPr lang="en-US" dirty="0"/>
+              <a:t>IDE, Android </a:t>
             </a:r>
             <a:r>
               <a:rPr lang="en-US" dirty="0" smtClean="0"/>
@@ -11368,7 +11688,15 @@
           <a:p>
             <a:r>
               <a:rPr lang="en-US" dirty="0"/>
-              <a:t>track the time one of our team is working on a specific </a:t>
+              <a:t>track the time one of our </a:t>
+            </a:r>
+            <a:r>
+              <a:rPr lang="en-US" dirty="0" smtClean="0"/>
+              <a:t>team members </a:t>
+            </a:r>
+            <a:r>
+              <a:rPr lang="en-US" dirty="0"/>
+              <a:t>is working on a specific </a:t>
             </a:r>
             <a:r>
               <a:rPr lang="en-US" dirty="0" smtClean="0"/>
@@ -11377,8 +11705,16 @@
           </a:p>
           <a:p>
             <a:r>
+              <a:rPr lang="en-US" dirty="0" smtClean="0"/>
+              <a:t>Contributing </a:t>
+            </a:r>
+            <a:r>
+              <a:rPr lang="en-US" dirty="0" smtClean="0"/>
+              <a:t>to </a:t>
+            </a:r>
+            <a:r>
               <a:rPr lang="en-US" dirty="0"/>
-              <a:t>We can contribute to our </a:t>
+              <a:t>our </a:t>
             </a:r>
             <a:r>
               <a:rPr lang="en-US" dirty="0" err="1"/>
@@ -11386,7 +11722,11 @@
             </a:r>
             <a:r>
               <a:rPr lang="en-US" dirty="0"/>
-              <a:t> repository via Android Studio directly, too.</a:t>
+              <a:t> repository via Android Studio </a:t>
+            </a:r>
+            <a:r>
+              <a:rPr lang="en-US" dirty="0" smtClean="0"/>
+              <a:t>directly</a:t>
             </a:r>
             <a:endParaRPr lang="de-DE" dirty="0"/>
           </a:p>
@@ -11483,6 +11823,13 @@
   <p:clrMapOvr>
     <a:masterClrMapping/>
   </p:clrMapOvr>
+  <p:timing>
+    <p:tnLst>
+      <p:par>
+        <p:cTn id="1" dur="indefinite" restart="never" nodeType="tmRoot"/>
+      </p:par>
+    </p:tnLst>
+  </p:timing>
 </p:sld>
 </file>
 

--- a/Documentation/Exam/Deminder.pptx
+++ b/Documentation/Exam/Deminder.pptx
@@ -5,7 +5,7 @@
     <p:sldMasterId id="2147483672" r:id="rId1"/>
   </p:sldMasterIdLst>
   <p:notesMasterIdLst>
-    <p:notesMasterId r:id="rId22"/>
+    <p:notesMasterId r:id="rId23"/>
   </p:notesMasterIdLst>
   <p:sldIdLst>
     <p:sldId id="256" r:id="rId2"/>
@@ -19,15 +19,16 @@
     <p:sldId id="262" r:id="rId10"/>
     <p:sldId id="263" r:id="rId11"/>
     <p:sldId id="265" r:id="rId12"/>
-    <p:sldId id="266" r:id="rId13"/>
-    <p:sldId id="267" r:id="rId14"/>
-    <p:sldId id="269" r:id="rId15"/>
-    <p:sldId id="270" r:id="rId16"/>
-    <p:sldId id="271" r:id="rId17"/>
-    <p:sldId id="273" r:id="rId18"/>
-    <p:sldId id="275" r:id="rId19"/>
-    <p:sldId id="272" r:id="rId20"/>
-    <p:sldId id="278" r:id="rId21"/>
+    <p:sldId id="279" r:id="rId13"/>
+    <p:sldId id="266" r:id="rId14"/>
+    <p:sldId id="267" r:id="rId15"/>
+    <p:sldId id="269" r:id="rId16"/>
+    <p:sldId id="270" r:id="rId17"/>
+    <p:sldId id="271" r:id="rId18"/>
+    <p:sldId id="273" r:id="rId19"/>
+    <p:sldId id="275" r:id="rId20"/>
+    <p:sldId id="272" r:id="rId21"/>
+    <p:sldId id="278" r:id="rId22"/>
   </p:sldIdLst>
   <p:sldSz cx="9144000" cy="6858000" type="screen4x3"/>
   <p:notesSz cx="6858000" cy="9144000"/>
@@ -216,7 +217,7 @@
           <a:p>
             <a:fld id="{56ECE74A-8307-4784-B0BE-553539A4EDBA}" type="datetimeFigureOut">
               <a:rPr lang="de-DE" smtClean="0"/>
-              <a:t>07.12.2018</a:t>
+              <a:t>12.12.2018</a:t>
             </a:fld>
             <a:endParaRPr lang="de-DE"/>
           </a:p>
@@ -1278,7 +1279,7 @@
           <a:p>
             <a:fld id="{5CA7DE8C-A3CE-4981-9E9B-7A0DB774A843}" type="datetime1">
               <a:rPr lang="de-DE" smtClean="0"/>
-              <a:t>07.12.2018</a:t>
+              <a:t>12.12.2018</a:t>
             </a:fld>
             <a:endParaRPr lang="de-DE"/>
           </a:p>
@@ -1529,7 +1530,7 @@
           <a:p>
             <a:fld id="{5F894626-FFB2-4D9B-A01F-49AF21869109}" type="datetime1">
               <a:rPr lang="de-DE" smtClean="0"/>
-              <a:t>07.12.2018</a:t>
+              <a:t>12.12.2018</a:t>
             </a:fld>
             <a:endParaRPr lang="de-DE"/>
           </a:p>
@@ -1843,7 +1844,7 @@
           <a:p>
             <a:fld id="{E45B1F79-E52D-443D-AD32-A31AB6207CC0}" type="datetime1">
               <a:rPr lang="de-DE" smtClean="0"/>
-              <a:t>07.12.2018</a:t>
+              <a:t>12.12.2018</a:t>
             </a:fld>
             <a:endParaRPr lang="de-DE"/>
           </a:p>
@@ -2176,7 +2177,7 @@
           <a:p>
             <a:fld id="{8EA9CFC0-5164-42A0-B234-A086EDB561FA}" type="datetime1">
               <a:rPr lang="de-DE" smtClean="0"/>
-              <a:t>07.12.2018</a:t>
+              <a:t>12.12.2018</a:t>
             </a:fld>
             <a:endParaRPr lang="de-DE"/>
           </a:p>
@@ -2490,7 +2491,7 @@
           <a:p>
             <a:fld id="{8885C1BE-77FB-44DF-8045-0213FC99C993}" type="datetime1">
               <a:rPr lang="de-DE" smtClean="0"/>
-              <a:t>07.12.2018</a:t>
+              <a:t>12.12.2018</a:t>
             </a:fld>
             <a:endParaRPr lang="de-DE"/>
           </a:p>
@@ -2883,7 +2884,7 @@
           <a:p>
             <a:fld id="{6155D251-3140-4DC7-9784-481CAB56BF6F}" type="datetime1">
               <a:rPr lang="de-DE" smtClean="0"/>
-              <a:t>07.12.2018</a:t>
+              <a:t>12.12.2018</a:t>
             </a:fld>
             <a:endParaRPr lang="de-DE"/>
           </a:p>
@@ -3053,7 +3054,7 @@
           <a:p>
             <a:fld id="{EC85BEB1-19C5-4A75-900C-92C302E60940}" type="datetime1">
               <a:rPr lang="de-DE" smtClean="0"/>
-              <a:t>07.12.2018</a:t>
+              <a:t>12.12.2018</a:t>
             </a:fld>
             <a:endParaRPr lang="de-DE"/>
           </a:p>
@@ -3233,7 +3234,7 @@
           <a:p>
             <a:fld id="{4B7450DC-D1C0-4009-A9BF-7C35BD139E08}" type="datetime1">
               <a:rPr lang="de-DE" smtClean="0"/>
-              <a:t>07.12.2018</a:t>
+              <a:t>12.12.2018</a:t>
             </a:fld>
             <a:endParaRPr lang="de-DE"/>
           </a:p>
@@ -3403,7 +3404,7 @@
           <a:p>
             <a:fld id="{DA8B2EA5-17E6-4A38-A314-DC16BA404A95}" type="datetime1">
               <a:rPr lang="de-DE" smtClean="0"/>
-              <a:t>07.12.2018</a:t>
+              <a:t>12.12.2018</a:t>
             </a:fld>
             <a:endParaRPr lang="de-DE"/>
           </a:p>
@@ -3650,7 +3651,7 @@
           <a:p>
             <a:fld id="{04D00C69-C875-4075-AC19-0FF759CA95F4}" type="datetime1">
               <a:rPr lang="de-DE" smtClean="0"/>
-              <a:t>07.12.2018</a:t>
+              <a:t>12.12.2018</a:t>
             </a:fld>
             <a:endParaRPr lang="de-DE"/>
           </a:p>
@@ -3947,7 +3948,7 @@
           <a:p>
             <a:fld id="{683493C0-4555-4DD0-A97B-93D72800B210}" type="datetime1">
               <a:rPr lang="de-DE" smtClean="0"/>
-              <a:t>07.12.2018</a:t>
+              <a:t>12.12.2018</a:t>
             </a:fld>
             <a:endParaRPr lang="de-DE"/>
           </a:p>
@@ -4326,7 +4327,7 @@
           <a:p>
             <a:fld id="{835C58C1-2892-45E0-A572-73A811E021E2}" type="datetime1">
               <a:rPr lang="de-DE" smtClean="0"/>
-              <a:t>07.12.2018</a:t>
+              <a:t>12.12.2018</a:t>
             </a:fld>
             <a:endParaRPr lang="de-DE"/>
           </a:p>
@@ -4449,7 +4450,7 @@
           <a:p>
             <a:fld id="{DCBB6042-4CCE-4B93-902B-C340BAE22978}" type="datetime1">
               <a:rPr lang="de-DE" smtClean="0"/>
-              <a:t>07.12.2018</a:t>
+              <a:t>12.12.2018</a:t>
             </a:fld>
             <a:endParaRPr lang="de-DE"/>
           </a:p>
@@ -4544,7 +4545,7 @@
           <a:p>
             <a:fld id="{3211F59C-EF45-4617-B68D-58D2EBF69A0E}" type="datetime1">
               <a:rPr lang="de-DE" smtClean="0"/>
-              <a:t>07.12.2018</a:t>
+              <a:t>12.12.2018</a:t>
             </a:fld>
             <a:endParaRPr lang="de-DE"/>
           </a:p>
@@ -4799,7 +4800,7 @@
           <a:p>
             <a:fld id="{668C6B4C-05C9-4198-A6A8-E24006894198}" type="datetime1">
               <a:rPr lang="de-DE" smtClean="0"/>
-              <a:t>07.12.2018</a:t>
+              <a:t>12.12.2018</a:t>
             </a:fld>
             <a:endParaRPr lang="de-DE"/>
           </a:p>
@@ -5062,7 +5063,7 @@
           <a:p>
             <a:fld id="{2EACE91F-28F0-45AA-88CF-18EAFB45E74B}" type="datetime1">
               <a:rPr lang="de-DE" smtClean="0"/>
-              <a:t>07.12.2018</a:t>
+              <a:t>12.12.2018</a:t>
             </a:fld>
             <a:endParaRPr lang="de-DE"/>
           </a:p>
@@ -5876,7 +5877,7 @@
           <a:p>
             <a:fld id="{CC8C1A77-DA48-4182-8032-1D7760EAA6F5}" type="datetime1">
               <a:rPr lang="de-DE" smtClean="0"/>
-              <a:t>07.12.2018</a:t>
+              <a:t>12.12.2018</a:t>
             </a:fld>
             <a:endParaRPr lang="de-DE"/>
           </a:p>
@@ -7239,6 +7240,96 @@
       </p:grpSpPr>
       <p:sp>
         <p:nvSpPr>
+          <p:cNvPr id="2" name="Titel 1"/>
+          <p:cNvSpPr>
+            <a:spLocks noGrp="1"/>
+          </p:cNvSpPr>
+          <p:nvPr>
+            <p:ph type="title"/>
+          </p:nvPr>
+        </p:nvSpPr>
+        <p:spPr/>
+        <p:txBody>
+          <a:bodyPr/>
+          <a:lstStyle/>
+          <a:p>
+            <a:r>
+              <a:rPr lang="de-DE" dirty="0" err="1"/>
+              <a:t>Cumulative</a:t>
+            </a:r>
+            <a:r>
+              <a:rPr lang="de-DE" dirty="0"/>
+              <a:t> </a:t>
+            </a:r>
+            <a:r>
+              <a:rPr lang="de-DE" dirty="0" smtClean="0"/>
+              <a:t>Chart</a:t>
+            </a:r>
+            <a:endParaRPr lang="de-DE" dirty="0"/>
+          </a:p>
+        </p:txBody>
+      </p:sp>
+      <p:pic>
+        <p:nvPicPr>
+          <p:cNvPr id="4" name="Inhaltsplatzhalter 3"/>
+          <p:cNvPicPr>
+            <a:picLocks noGrp="1" noChangeAspect="1"/>
+          </p:cNvPicPr>
+          <p:nvPr>
+            <p:ph idx="1"/>
+          </p:nvPr>
+        </p:nvPicPr>
+        <p:blipFill>
+          <a:blip r:embed="rId2" cstate="print">
+            <a:extLst>
+              <a:ext uri="{28A0092B-C50C-407E-A947-70E740481C1C}">
+                <a14:useLocalDpi xmlns:a14="http://schemas.microsoft.com/office/drawing/2010/main" val="0"/>
+              </a:ext>
+            </a:extLst>
+          </a:blip>
+          <a:stretch>
+            <a:fillRect/>
+          </a:stretch>
+        </p:blipFill>
+        <p:spPr>
+          <a:xfrm>
+            <a:off x="348742" y="1868986"/>
+            <a:ext cx="6758439" cy="4142854"/>
+          </a:xfrm>
+        </p:spPr>
+      </p:pic>
+    </p:spTree>
+    <p:extLst>
+      <p:ext uri="{BB962C8B-B14F-4D97-AF65-F5344CB8AC3E}">
+        <p14:creationId xmlns:p14="http://schemas.microsoft.com/office/powerpoint/2010/main" val="3812226947"/>
+      </p:ext>
+    </p:extLst>
+  </p:cSld>
+  <p:clrMapOvr>
+    <a:masterClrMapping/>
+  </p:clrMapOvr>
+</p:sld>
+</file>
+
+<file path=ppt/slides/slide13.xml><?xml version="1.0" encoding="utf-8"?>
+<p:sld xmlns:a="http://schemas.openxmlformats.org/drawingml/2006/main" xmlns:r="http://schemas.openxmlformats.org/officeDocument/2006/relationships" xmlns:p="http://schemas.openxmlformats.org/presentationml/2006/main">
+  <p:cSld>
+    <p:spTree>
+      <p:nvGrpSpPr>
+        <p:cNvPr id="1" name=""/>
+        <p:cNvGrpSpPr/>
+        <p:nvPr/>
+      </p:nvGrpSpPr>
+      <p:grpSpPr>
+        <a:xfrm>
+          <a:off x="0" y="0"/>
+          <a:ext cx="0" cy="0"/>
+          <a:chOff x="0" y="0"/>
+          <a:chExt cx="0" cy="0"/>
+        </a:xfrm>
+      </p:grpSpPr>
+      <p:sp>
+        <p:nvSpPr>
           <p:cNvPr id="4" name="Titel 3"/>
           <p:cNvSpPr>
             <a:spLocks noGrp="1"/>
@@ -7414,7 +7505,7 @@
 </p:sld>
 </file>
 
-<file path=ppt/slides/slide13.xml><?xml version="1.0" encoding="utf-8"?>
+<file path=ppt/slides/slide14.xml><?xml version="1.0" encoding="utf-8"?>
 <p:sld xmlns:a="http://schemas.openxmlformats.org/drawingml/2006/main" xmlns:r="http://schemas.openxmlformats.org/officeDocument/2006/relationships" xmlns:p="http://schemas.openxmlformats.org/presentationml/2006/main">
   <p:cSld>
     <p:spTree>
@@ -7561,7 +7652,7 @@
 </p:sld>
 </file>
 
-<file path=ppt/slides/slide14.xml><?xml version="1.0" encoding="utf-8"?>
+<file path=ppt/slides/slide15.xml><?xml version="1.0" encoding="utf-8"?>
 <p:sld xmlns:a="http://schemas.openxmlformats.org/drawingml/2006/main" xmlns:r="http://schemas.openxmlformats.org/officeDocument/2006/relationships" xmlns:p="http://schemas.openxmlformats.org/presentationml/2006/main">
   <p:cSld>
     <p:spTree>
@@ -7735,7 +7826,7 @@
 </p:sld>
 </file>
 
-<file path=ppt/slides/slide15.xml><?xml version="1.0" encoding="utf-8"?>
+<file path=ppt/slides/slide16.xml><?xml version="1.0" encoding="utf-8"?>
 <p:sld xmlns:a="http://schemas.openxmlformats.org/drawingml/2006/main" xmlns:r="http://schemas.openxmlformats.org/officeDocument/2006/relationships" xmlns:p="http://schemas.openxmlformats.org/presentationml/2006/main">
   <p:cSld>
     <p:spTree>
@@ -7924,7 +8015,7 @@
 </p:sld>
 </file>
 
-<file path=ppt/slides/slide16.xml><?xml version="1.0" encoding="utf-8"?>
+<file path=ppt/slides/slide17.xml><?xml version="1.0" encoding="utf-8"?>
 <p:sld xmlns:a="http://schemas.openxmlformats.org/drawingml/2006/main" xmlns:r="http://schemas.openxmlformats.org/officeDocument/2006/relationships" xmlns:p="http://schemas.openxmlformats.org/presentationml/2006/main">
   <p:cSld>
     <p:spTree>
@@ -8400,207 +8491,6 @@
     <p:extLst>
       <p:ext uri="{BB962C8B-B14F-4D97-AF65-F5344CB8AC3E}">
         <p14:creationId xmlns:p14="http://schemas.microsoft.com/office/powerpoint/2010/main" val="2876498202"/>
-      </p:ext>
-    </p:extLst>
-  </p:cSld>
-  <p:clrMapOvr>
-    <a:masterClrMapping/>
-  </p:clrMapOvr>
-  <p:timing>
-    <p:tnLst>
-      <p:par>
-        <p:cTn id="1" dur="indefinite" restart="never" nodeType="tmRoot"/>
-      </p:par>
-    </p:tnLst>
-  </p:timing>
-</p:sld>
-</file>
-
-<file path=ppt/slides/slide17.xml><?xml version="1.0" encoding="utf-8"?>
-<p:sld xmlns:a="http://schemas.openxmlformats.org/drawingml/2006/main" xmlns:r="http://schemas.openxmlformats.org/officeDocument/2006/relationships" xmlns:p="http://schemas.openxmlformats.org/presentationml/2006/main">
-  <p:cSld>
-    <p:spTree>
-      <p:nvGrpSpPr>
-        <p:cNvPr id="1" name=""/>
-        <p:cNvGrpSpPr/>
-        <p:nvPr/>
-      </p:nvGrpSpPr>
-      <p:grpSpPr>
-        <a:xfrm>
-          <a:off x="0" y="0"/>
-          <a:ext cx="0" cy="0"/>
-          <a:chOff x="0" y="0"/>
-          <a:chExt cx="0" cy="0"/>
-        </a:xfrm>
-      </p:grpSpPr>
-      <p:sp>
-        <p:nvSpPr>
-          <p:cNvPr id="2" name="Titel 1"/>
-          <p:cNvSpPr>
-            <a:spLocks noGrp="1"/>
-          </p:cNvSpPr>
-          <p:nvPr>
-            <p:ph type="title"/>
-          </p:nvPr>
-        </p:nvSpPr>
-        <p:spPr/>
-        <p:txBody>
-          <a:bodyPr/>
-          <a:lstStyle/>
-          <a:p>
-            <a:r>
-              <a:rPr lang="de-DE" dirty="0"/>
-              <a:t>Automation </a:t>
-            </a:r>
-          </a:p>
-        </p:txBody>
-      </p:sp>
-      <p:sp>
-        <p:nvSpPr>
-          <p:cNvPr id="3" name="Inhaltsplatzhalter 2"/>
-          <p:cNvSpPr>
-            <a:spLocks noGrp="1"/>
-          </p:cNvSpPr>
-          <p:nvPr>
-            <p:ph idx="1"/>
-          </p:nvPr>
-        </p:nvSpPr>
-        <p:spPr/>
-        <p:txBody>
-          <a:bodyPr/>
-          <a:lstStyle/>
-          <a:p>
-            <a:r>
-              <a:rPr lang="de-DE" dirty="0" err="1" smtClean="0"/>
-              <a:t>Automatic</a:t>
-            </a:r>
-            <a:r>
-              <a:rPr lang="de-DE" dirty="0" smtClean="0"/>
-              <a:t> time </a:t>
-            </a:r>
-            <a:r>
-              <a:rPr lang="de-DE" dirty="0" err="1" smtClean="0"/>
-              <a:t>tracking</a:t>
-            </a:r>
-            <a:endParaRPr lang="de-DE" dirty="0" smtClean="0"/>
-          </a:p>
-          <a:p>
-            <a:r>
-              <a:rPr lang="de-DE" dirty="0" err="1" smtClean="0"/>
-              <a:t>Automatic</a:t>
-            </a:r>
-            <a:r>
-              <a:rPr lang="de-DE" dirty="0" smtClean="0"/>
-              <a:t> </a:t>
-            </a:r>
-            <a:r>
-              <a:rPr lang="de-DE" dirty="0" err="1" smtClean="0"/>
-              <a:t>tests</a:t>
-            </a:r>
-            <a:endParaRPr lang="de-DE" dirty="0" smtClean="0"/>
-          </a:p>
-          <a:p>
-            <a:r>
-              <a:rPr lang="de-DE" dirty="0" err="1" smtClean="0"/>
-              <a:t>Automatic</a:t>
-            </a:r>
-            <a:r>
-              <a:rPr lang="de-DE" dirty="0" smtClean="0"/>
-              <a:t> </a:t>
-            </a:r>
-            <a:r>
-              <a:rPr lang="de-DE" dirty="0" err="1" smtClean="0"/>
-              <a:t>deployment</a:t>
-            </a:r>
-            <a:endParaRPr lang="de-DE" dirty="0"/>
-          </a:p>
-        </p:txBody>
-      </p:sp>
-      <p:sp>
-        <p:nvSpPr>
-          <p:cNvPr id="6" name="Fußzeilenplatzhalter 4"/>
-          <p:cNvSpPr>
-            <a:spLocks noGrp="1"/>
-          </p:cNvSpPr>
-          <p:nvPr>
-            <p:ph type="ftr" sz="quarter" idx="11"/>
-          </p:nvPr>
-        </p:nvSpPr>
-        <p:spPr>
-          <a:xfrm>
-            <a:off x="514064" y="6481456"/>
-            <a:ext cx="6347713" cy="365125"/>
-          </a:xfrm>
-        </p:spPr>
-        <p:txBody>
-          <a:bodyPr/>
-          <a:lstStyle/>
-          <a:p>
-            <a:pPr algn="r"/>
-            <a:r>
-              <a:rPr lang="de-DE" dirty="0" smtClean="0">
-                <a:solidFill>
-                  <a:schemeClr val="bg1">
-                    <a:lumMod val="65000"/>
-                  </a:schemeClr>
-                </a:solidFill>
-              </a:rPr>
-              <a:t>Thomas Malina – Tillmann </a:t>
-            </a:r>
-            <a:r>
-              <a:rPr lang="de-DE" dirty="0" err="1" smtClean="0">
-                <a:solidFill>
-                  <a:schemeClr val="bg1">
-                    <a:lumMod val="65000"/>
-                  </a:schemeClr>
-                </a:solidFill>
-              </a:rPr>
-              <a:t>Nünninghof</a:t>
-            </a:r>
-            <a:r>
-              <a:rPr lang="de-DE" dirty="0" smtClean="0">
-                <a:solidFill>
-                  <a:schemeClr val="bg1">
-                    <a:lumMod val="65000"/>
-                  </a:schemeClr>
-                </a:solidFill>
-              </a:rPr>
-              <a:t> – Natalie </a:t>
-            </a:r>
-            <a:r>
-              <a:rPr lang="de-DE" dirty="0" err="1" smtClean="0">
-                <a:solidFill>
-                  <a:schemeClr val="bg1">
-                    <a:lumMod val="65000"/>
-                  </a:schemeClr>
-                </a:solidFill>
-              </a:rPr>
-              <a:t>Busam</a:t>
-            </a:r>
-            <a:r>
-              <a:rPr lang="de-DE" dirty="0" smtClean="0">
-                <a:solidFill>
-                  <a:schemeClr val="bg1">
-                    <a:lumMod val="65000"/>
-                  </a:schemeClr>
-                </a:solidFill>
-              </a:rPr>
-              <a:t> – Lea Wegner </a:t>
-            </a:r>
-            <a:endParaRPr lang="de-DE" dirty="0">
-              <a:solidFill>
-                <a:schemeClr val="bg1">
-                  <a:lumMod val="65000"/>
-                </a:schemeClr>
-              </a:solidFill>
-            </a:endParaRPr>
-          </a:p>
-        </p:txBody>
-      </p:sp>
-    </p:spTree>
-    <p:extLst>
-      <p:ext uri="{BB962C8B-B14F-4D97-AF65-F5344CB8AC3E}">
-        <p14:creationId xmlns:p14="http://schemas.microsoft.com/office/powerpoint/2010/main" val="430773424"/>
       </p:ext>
     </p:extLst>
   </p:cSld>
@@ -8650,10 +8540,9 @@
           <a:lstStyle/>
           <a:p>
             <a:r>
-              <a:rPr lang="de-DE" dirty="0" err="1"/>
-              <a:t>Testing</a:t>
-            </a:r>
-            <a:endParaRPr lang="de-DE" dirty="0"/>
+              <a:rPr lang="de-DE" dirty="0"/>
+              <a:t>Automation </a:t>
+            </a:r>
           </a:p>
         </p:txBody>
       </p:sp>
@@ -8673,42 +8562,46 @@
           <a:lstStyle/>
           <a:p>
             <a:r>
-              <a:rPr lang="de-DE" dirty="0" smtClean="0"/>
-              <a:t>Feature </a:t>
-            </a:r>
-            <a:r>
-              <a:rPr lang="de-DE" dirty="0" err="1" smtClean="0"/>
-              <a:t>test</a:t>
-            </a:r>
-            <a:r>
-              <a:rPr lang="de-DE" dirty="0" smtClean="0"/>
-              <a:t> </a:t>
-            </a:r>
-            <a:r>
-              <a:rPr lang="de-DE" dirty="0" err="1" smtClean="0"/>
-              <a:t>with</a:t>
-            </a:r>
-            <a:r>
-              <a:rPr lang="de-DE" dirty="0" smtClean="0"/>
-              <a:t> Espresso Framework</a:t>
-            </a:r>
-            <a:endParaRPr lang="de-DE" dirty="0"/>
-          </a:p>
-          <a:p>
+              <a:rPr lang="de-DE" dirty="0" err="1" smtClean="0"/>
+              <a:t>Automatic</a:t>
+            </a:r>
+            <a:r>
+              <a:rPr lang="de-DE" dirty="0" smtClean="0"/>
+              <a:t> time </a:t>
+            </a:r>
+            <a:r>
+              <a:rPr lang="de-DE" dirty="0" err="1" smtClean="0"/>
+              <a:t>tracking</a:t>
+            </a:r>
             <a:endParaRPr lang="de-DE" dirty="0" smtClean="0"/>
           </a:p>
           <a:p>
             <a:r>
-              <a:rPr lang="de-DE" dirty="0" smtClean="0"/>
-              <a:t>*</a:t>
-            </a:r>
-            <a:r>
-              <a:rPr lang="de-DE" dirty="0" err="1" smtClean="0"/>
-              <a:t>video</a:t>
-            </a:r>
-            <a:r>
-              <a:rPr lang="de-DE" dirty="0" smtClean="0"/>
-              <a:t> einfügen*</a:t>
+              <a:rPr lang="de-DE" dirty="0" err="1" smtClean="0"/>
+              <a:t>Automatic</a:t>
+            </a:r>
+            <a:r>
+              <a:rPr lang="de-DE" dirty="0" smtClean="0"/>
+              <a:t> </a:t>
+            </a:r>
+            <a:r>
+              <a:rPr lang="de-DE" dirty="0" err="1" smtClean="0"/>
+              <a:t>tests</a:t>
+            </a:r>
+            <a:endParaRPr lang="de-DE" dirty="0" smtClean="0"/>
+          </a:p>
+          <a:p>
+            <a:r>
+              <a:rPr lang="de-DE" dirty="0" err="1" smtClean="0"/>
+              <a:t>Automatic</a:t>
+            </a:r>
+            <a:r>
+              <a:rPr lang="de-DE" dirty="0" smtClean="0"/>
+              <a:t> </a:t>
+            </a:r>
+            <a:r>
+              <a:rPr lang="de-DE" dirty="0" err="1" smtClean="0"/>
+              <a:t>deployment</a:t>
             </a:r>
             <a:endParaRPr lang="de-DE" dirty="0"/>
           </a:p>
@@ -8798,7 +8691,7 @@
     </p:spTree>
     <p:extLst>
       <p:ext uri="{BB962C8B-B14F-4D97-AF65-F5344CB8AC3E}">
-        <p14:creationId xmlns:p14="http://schemas.microsoft.com/office/powerpoint/2010/main" val="2025256867"/>
+        <p14:creationId xmlns:p14="http://schemas.microsoft.com/office/powerpoint/2010/main" val="430773424"/>
       </p:ext>
     </p:extLst>
   </p:cSld>
@@ -8816,6 +8709,509 @@
 </file>
 
 <file path=ppt/slides/slide19.xml><?xml version="1.0" encoding="utf-8"?>
+<p:sld xmlns:a="http://schemas.openxmlformats.org/drawingml/2006/main" xmlns:r="http://schemas.openxmlformats.org/officeDocument/2006/relationships" xmlns:p="http://schemas.openxmlformats.org/presentationml/2006/main">
+  <p:cSld>
+    <p:spTree>
+      <p:nvGrpSpPr>
+        <p:cNvPr id="1" name=""/>
+        <p:cNvGrpSpPr/>
+        <p:nvPr/>
+      </p:nvGrpSpPr>
+      <p:grpSpPr>
+        <a:xfrm>
+          <a:off x="0" y="0"/>
+          <a:ext cx="0" cy="0"/>
+          <a:chOff x="0" y="0"/>
+          <a:chExt cx="0" cy="0"/>
+        </a:xfrm>
+      </p:grpSpPr>
+      <p:sp>
+        <p:nvSpPr>
+          <p:cNvPr id="2" name="Titel 1"/>
+          <p:cNvSpPr>
+            <a:spLocks noGrp="1"/>
+          </p:cNvSpPr>
+          <p:nvPr>
+            <p:ph type="title"/>
+          </p:nvPr>
+        </p:nvSpPr>
+        <p:spPr/>
+        <p:txBody>
+          <a:bodyPr/>
+          <a:lstStyle/>
+          <a:p>
+            <a:r>
+              <a:rPr lang="de-DE" dirty="0" err="1"/>
+              <a:t>Testing</a:t>
+            </a:r>
+            <a:endParaRPr lang="de-DE" dirty="0"/>
+          </a:p>
+        </p:txBody>
+      </p:sp>
+      <p:sp>
+        <p:nvSpPr>
+          <p:cNvPr id="3" name="Inhaltsplatzhalter 2"/>
+          <p:cNvSpPr>
+            <a:spLocks noGrp="1"/>
+          </p:cNvSpPr>
+          <p:nvPr>
+            <p:ph idx="1"/>
+          </p:nvPr>
+        </p:nvSpPr>
+        <p:spPr/>
+        <p:txBody>
+          <a:bodyPr/>
+          <a:lstStyle/>
+          <a:p>
+            <a:r>
+              <a:rPr lang="de-DE" dirty="0" smtClean="0"/>
+              <a:t>Feature </a:t>
+            </a:r>
+            <a:r>
+              <a:rPr lang="de-DE" dirty="0" err="1" smtClean="0"/>
+              <a:t>test</a:t>
+            </a:r>
+            <a:r>
+              <a:rPr lang="de-DE" dirty="0" smtClean="0"/>
+              <a:t> </a:t>
+            </a:r>
+            <a:r>
+              <a:rPr lang="de-DE" dirty="0" err="1" smtClean="0"/>
+              <a:t>with</a:t>
+            </a:r>
+            <a:r>
+              <a:rPr lang="de-DE" dirty="0" smtClean="0"/>
+              <a:t> Espresso Framework</a:t>
+            </a:r>
+            <a:endParaRPr lang="de-DE" dirty="0"/>
+          </a:p>
+          <a:p>
+            <a:endParaRPr lang="de-DE" dirty="0" smtClean="0"/>
+          </a:p>
+        </p:txBody>
+      </p:sp>
+      <p:sp>
+        <p:nvSpPr>
+          <p:cNvPr id="6" name="Fußzeilenplatzhalter 4"/>
+          <p:cNvSpPr>
+            <a:spLocks noGrp="1"/>
+          </p:cNvSpPr>
+          <p:nvPr>
+            <p:ph type="ftr" sz="quarter" idx="11"/>
+          </p:nvPr>
+        </p:nvSpPr>
+        <p:spPr>
+          <a:xfrm>
+            <a:off x="514064" y="6481456"/>
+            <a:ext cx="6347713" cy="365125"/>
+          </a:xfrm>
+        </p:spPr>
+        <p:txBody>
+          <a:bodyPr/>
+          <a:lstStyle/>
+          <a:p>
+            <a:pPr algn="r"/>
+            <a:r>
+              <a:rPr lang="de-DE" dirty="0" smtClean="0">
+                <a:solidFill>
+                  <a:schemeClr val="bg1">
+                    <a:lumMod val="65000"/>
+                  </a:schemeClr>
+                </a:solidFill>
+              </a:rPr>
+              <a:t>Thomas Malina – Tillmann </a:t>
+            </a:r>
+            <a:r>
+              <a:rPr lang="de-DE" dirty="0" err="1" smtClean="0">
+                <a:solidFill>
+                  <a:schemeClr val="bg1">
+                    <a:lumMod val="65000"/>
+                  </a:schemeClr>
+                </a:solidFill>
+              </a:rPr>
+              <a:t>Nünninghof</a:t>
+            </a:r>
+            <a:r>
+              <a:rPr lang="de-DE" dirty="0" smtClean="0">
+                <a:solidFill>
+                  <a:schemeClr val="bg1">
+                    <a:lumMod val="65000"/>
+                  </a:schemeClr>
+                </a:solidFill>
+              </a:rPr>
+              <a:t> – Natalie </a:t>
+            </a:r>
+            <a:r>
+              <a:rPr lang="de-DE" dirty="0" err="1" smtClean="0">
+                <a:solidFill>
+                  <a:schemeClr val="bg1">
+                    <a:lumMod val="65000"/>
+                  </a:schemeClr>
+                </a:solidFill>
+              </a:rPr>
+              <a:t>Busam</a:t>
+            </a:r>
+            <a:r>
+              <a:rPr lang="de-DE" dirty="0" smtClean="0">
+                <a:solidFill>
+                  <a:schemeClr val="bg1">
+                    <a:lumMod val="65000"/>
+                  </a:schemeClr>
+                </a:solidFill>
+              </a:rPr>
+              <a:t> – Lea Wegner </a:t>
+            </a:r>
+            <a:endParaRPr lang="de-DE" dirty="0">
+              <a:solidFill>
+                <a:schemeClr val="bg1">
+                  <a:lumMod val="65000"/>
+                </a:schemeClr>
+              </a:solidFill>
+            </a:endParaRPr>
+          </a:p>
+        </p:txBody>
+      </p:sp>
+      <p:pic>
+        <p:nvPicPr>
+          <p:cNvPr id="4" name="demindertests">
+            <a:hlinkClick r:id="" action="ppaction://media"/>
+          </p:cNvPr>
+          <p:cNvPicPr>
+            <a:picLocks noChangeAspect="1"/>
+          </p:cNvPicPr>
+          <p:nvPr>
+            <a:videoFile r:link="rId2"/>
+            <p:extLst>
+              <p:ext uri="{DAA4B4D4-6D71-4841-9C94-3DE7FCFB9230}">
+                <p14:media xmlns:p14="http://schemas.microsoft.com/office/powerpoint/2010/main" r:embed="rId1"/>
+              </p:ext>
+            </p:extLst>
+          </p:nvPr>
+        </p:nvPicPr>
+        <p:blipFill>
+          <a:blip r:embed="rId4"/>
+          <a:stretch>
+            <a:fillRect/>
+          </a:stretch>
+        </p:blipFill>
+        <p:spPr>
+          <a:xfrm>
+            <a:off x="671631" y="2670862"/>
+            <a:ext cx="5660930" cy="3185517"/>
+          </a:xfrm>
+          <a:prstGeom prst="rect">
+            <a:avLst/>
+          </a:prstGeom>
+        </p:spPr>
+      </p:pic>
+    </p:spTree>
+    <p:extLst>
+      <p:ext uri="{BB962C8B-B14F-4D97-AF65-F5344CB8AC3E}">
+        <p14:creationId xmlns:p14="http://schemas.microsoft.com/office/powerpoint/2010/main" val="2025256867"/>
+      </p:ext>
+    </p:extLst>
+  </p:cSld>
+  <p:clrMapOvr>
+    <a:masterClrMapping/>
+  </p:clrMapOvr>
+  <p:timing>
+    <p:tnLst>
+      <p:par>
+        <p:cTn id="1" dur="indefinite" restart="never" nodeType="tmRoot">
+          <p:childTnLst>
+            <p:seq concurrent="1" nextAc="seek">
+              <p:cTn id="2" restart="whenNotActive" fill="hold" evtFilter="cancelBubble" nodeType="interactiveSeq">
+                <p:stCondLst>
+                  <p:cond evt="onClick" delay="0">
+                    <p:tgtEl>
+                      <p:spTgt spid="4"/>
+                    </p:tgtEl>
+                  </p:cond>
+                </p:stCondLst>
+                <p:endSync evt="end" delay="0">
+                  <p:rtn val="all"/>
+                </p:endSync>
+                <p:childTnLst>
+                  <p:par>
+                    <p:cTn id="3" fill="hold">
+                      <p:stCondLst>
+                        <p:cond delay="0"/>
+                      </p:stCondLst>
+                      <p:childTnLst>
+                        <p:par>
+                          <p:cTn id="4" fill="hold">
+                            <p:stCondLst>
+                              <p:cond delay="0"/>
+                            </p:stCondLst>
+                            <p:childTnLst>
+                              <p:par>
+                                <p:cTn id="5" presetID="2" presetClass="mediacall" presetSubtype="0" fill="hold" nodeType="clickEffect">
+                                  <p:stCondLst>
+                                    <p:cond delay="0"/>
+                                  </p:stCondLst>
+                                  <p:childTnLst>
+                                    <p:cmd type="call" cmd="togglePause">
+                                      <p:cBhvr>
+                                        <p:cTn id="6" dur="1" fill="hold"/>
+                                        <p:tgtEl>
+                                          <p:spTgt spid="4"/>
+                                        </p:tgtEl>
+                                      </p:cBhvr>
+                                    </p:cmd>
+                                  </p:childTnLst>
+                                </p:cTn>
+                              </p:par>
+                            </p:childTnLst>
+                          </p:cTn>
+                        </p:par>
+                      </p:childTnLst>
+                    </p:cTn>
+                  </p:par>
+                </p:childTnLst>
+              </p:cTn>
+              <p:nextCondLst>
+                <p:cond evt="onClick" delay="0">
+                  <p:tgtEl>
+                    <p:spTgt spid="4"/>
+                  </p:tgtEl>
+                </p:cond>
+              </p:nextCondLst>
+            </p:seq>
+            <p:video>
+              <p:cMediaNode vol="80000">
+                <p:cTn id="7" fill="hold" display="0">
+                  <p:stCondLst>
+                    <p:cond delay="indefinite"/>
+                  </p:stCondLst>
+                </p:cTn>
+                <p:tgtEl>
+                  <p:spTgt spid="4"/>
+                </p:tgtEl>
+              </p:cMediaNode>
+            </p:video>
+          </p:childTnLst>
+        </p:cTn>
+      </p:par>
+    </p:tnLst>
+  </p:timing>
+</p:sld>
+</file>
+
+<file path=ppt/slides/slide2.xml><?xml version="1.0" encoding="utf-8"?>
+<p:sld xmlns:a="http://schemas.openxmlformats.org/drawingml/2006/main" xmlns:r="http://schemas.openxmlformats.org/officeDocument/2006/relationships" xmlns:p="http://schemas.openxmlformats.org/presentationml/2006/main">
+  <p:cSld>
+    <p:spTree>
+      <p:nvGrpSpPr>
+        <p:cNvPr id="1" name=""/>
+        <p:cNvGrpSpPr/>
+        <p:nvPr/>
+      </p:nvGrpSpPr>
+      <p:grpSpPr>
+        <a:xfrm>
+          <a:off x="0" y="0"/>
+          <a:ext cx="0" cy="0"/>
+          <a:chOff x="0" y="0"/>
+          <a:chExt cx="0" cy="0"/>
+        </a:xfrm>
+      </p:grpSpPr>
+      <p:sp>
+        <p:nvSpPr>
+          <p:cNvPr id="5" name="Titel 4"/>
+          <p:cNvSpPr>
+            <a:spLocks noGrp="1"/>
+          </p:cNvSpPr>
+          <p:nvPr>
+            <p:ph type="title"/>
+          </p:nvPr>
+        </p:nvSpPr>
+        <p:spPr/>
+        <p:txBody>
+          <a:bodyPr>
+            <a:normAutofit/>
+          </a:bodyPr>
+          <a:lstStyle/>
+          <a:p>
+            <a:r>
+              <a:rPr lang="de-DE" sz="4400" dirty="0" smtClean="0"/>
+              <a:t>Table </a:t>
+            </a:r>
+            <a:r>
+              <a:rPr lang="de-DE" sz="4400" dirty="0" err="1" smtClean="0"/>
+              <a:t>of</a:t>
+            </a:r>
+            <a:r>
+              <a:rPr lang="de-DE" sz="4400" dirty="0" smtClean="0"/>
+              <a:t> </a:t>
+            </a:r>
+            <a:r>
+              <a:rPr lang="de-DE" sz="4400" dirty="0" err="1" smtClean="0"/>
+              <a:t>contents</a:t>
+            </a:r>
+            <a:endParaRPr lang="de-DE" sz="4400" dirty="0"/>
+          </a:p>
+        </p:txBody>
+      </p:sp>
+      <p:sp>
+        <p:nvSpPr>
+          <p:cNvPr id="6" name="Inhaltsplatzhalter 5"/>
+          <p:cNvSpPr>
+            <a:spLocks noGrp="1"/>
+          </p:cNvSpPr>
+          <p:nvPr>
+            <p:ph idx="1"/>
+          </p:nvPr>
+        </p:nvSpPr>
+        <p:spPr/>
+        <p:txBody>
+          <a:bodyPr>
+            <a:normAutofit/>
+          </a:bodyPr>
+          <a:lstStyle/>
+          <a:p>
+            <a:r>
+              <a:rPr lang="de-DE" sz="2400" dirty="0" err="1" smtClean="0"/>
+              <a:t>Understand</a:t>
+            </a:r>
+            <a:r>
+              <a:rPr lang="de-DE" sz="2400" dirty="0" smtClean="0"/>
+              <a:t> </a:t>
+            </a:r>
+            <a:r>
+              <a:rPr lang="de-DE" sz="2400" dirty="0" err="1" smtClean="0"/>
+              <a:t>business</a:t>
+            </a:r>
+            <a:r>
+              <a:rPr lang="de-DE" sz="2400" dirty="0" smtClean="0"/>
+              <a:t> </a:t>
+            </a:r>
+            <a:r>
+              <a:rPr lang="de-DE" sz="2400" dirty="0" err="1" smtClean="0"/>
+              <a:t>need</a:t>
+            </a:r>
+            <a:endParaRPr lang="de-DE" sz="2400" dirty="0" smtClean="0"/>
+          </a:p>
+          <a:p>
+            <a:r>
+              <a:rPr lang="de-DE" sz="2400" dirty="0" smtClean="0"/>
+              <a:t>Technical </a:t>
+            </a:r>
+            <a:r>
+              <a:rPr lang="de-DE" sz="2400" dirty="0" err="1" smtClean="0"/>
+              <a:t>Ability</a:t>
+            </a:r>
+            <a:endParaRPr lang="de-DE" sz="2400" dirty="0" smtClean="0"/>
+          </a:p>
+          <a:p>
+            <a:r>
+              <a:rPr lang="de-DE" sz="2400" dirty="0" smtClean="0"/>
+              <a:t>Quality</a:t>
+            </a:r>
+            <a:endParaRPr lang="de-DE" sz="2400" dirty="0"/>
+          </a:p>
+        </p:txBody>
+      </p:sp>
+      <p:sp>
+        <p:nvSpPr>
+          <p:cNvPr id="7" name="Fußzeilenplatzhalter 4"/>
+          <p:cNvSpPr>
+            <a:spLocks noGrp="1"/>
+          </p:cNvSpPr>
+          <p:nvPr>
+            <p:ph type="ftr" sz="quarter" idx="11"/>
+          </p:nvPr>
+        </p:nvSpPr>
+        <p:spPr>
+          <a:xfrm>
+            <a:off x="514064" y="6481456"/>
+            <a:ext cx="6347713" cy="365125"/>
+          </a:xfrm>
+        </p:spPr>
+        <p:txBody>
+          <a:bodyPr/>
+          <a:lstStyle/>
+          <a:p>
+            <a:pPr algn="r"/>
+            <a:r>
+              <a:rPr lang="de-DE" dirty="0" smtClean="0">
+                <a:solidFill>
+                  <a:schemeClr val="bg1">
+                    <a:lumMod val="65000"/>
+                  </a:schemeClr>
+                </a:solidFill>
+              </a:rPr>
+              <a:t>Thomas Malina – Tillmann </a:t>
+            </a:r>
+            <a:r>
+              <a:rPr lang="de-DE" dirty="0" err="1" smtClean="0">
+                <a:solidFill>
+                  <a:schemeClr val="bg1">
+                    <a:lumMod val="65000"/>
+                  </a:schemeClr>
+                </a:solidFill>
+              </a:rPr>
+              <a:t>Nünninghof</a:t>
+            </a:r>
+            <a:r>
+              <a:rPr lang="de-DE" dirty="0" smtClean="0">
+                <a:solidFill>
+                  <a:schemeClr val="bg1">
+                    <a:lumMod val="65000"/>
+                  </a:schemeClr>
+                </a:solidFill>
+              </a:rPr>
+              <a:t> – Natalie </a:t>
+            </a:r>
+            <a:r>
+              <a:rPr lang="de-DE" dirty="0" err="1" smtClean="0">
+                <a:solidFill>
+                  <a:schemeClr val="bg1">
+                    <a:lumMod val="65000"/>
+                  </a:schemeClr>
+                </a:solidFill>
+              </a:rPr>
+              <a:t>Busam</a:t>
+            </a:r>
+            <a:r>
+              <a:rPr lang="de-DE" dirty="0" smtClean="0">
+                <a:solidFill>
+                  <a:schemeClr val="bg1">
+                    <a:lumMod val="65000"/>
+                  </a:schemeClr>
+                </a:solidFill>
+              </a:rPr>
+              <a:t> – Lea Wegner </a:t>
+            </a:r>
+            <a:endParaRPr lang="de-DE" dirty="0">
+              <a:solidFill>
+                <a:schemeClr val="bg1">
+                  <a:lumMod val="65000"/>
+                </a:schemeClr>
+              </a:solidFill>
+            </a:endParaRPr>
+          </a:p>
+        </p:txBody>
+      </p:sp>
+    </p:spTree>
+    <p:extLst>
+      <p:ext uri="{BB962C8B-B14F-4D97-AF65-F5344CB8AC3E}">
+        <p14:creationId xmlns:p14="http://schemas.microsoft.com/office/powerpoint/2010/main" val="3137701692"/>
+      </p:ext>
+    </p:extLst>
+  </p:cSld>
+  <p:clrMapOvr>
+    <a:masterClrMapping/>
+  </p:clrMapOvr>
+  <p:timing>
+    <p:tnLst>
+      <p:par>
+        <p:cTn id="1" dur="indefinite" restart="never" nodeType="tmRoot"/>
+      </p:par>
+    </p:tnLst>
+  </p:timing>
+</p:sld>
+</file>
+
+<file path=ppt/slides/slide20.xml><?xml version="1.0" encoding="utf-8"?>
 <p:sld xmlns:a="http://schemas.openxmlformats.org/drawingml/2006/main" xmlns:r="http://schemas.openxmlformats.org/officeDocument/2006/relationships" xmlns:p="http://schemas.openxmlformats.org/presentationml/2006/main">
   <p:cSld>
     <p:spTree>
@@ -9081,7 +9477,7 @@
 </p:sld>
 </file>
 
-<file path=ppt/slides/slide2.xml><?xml version="1.0" encoding="utf-8"?>
+<file path=ppt/slides/slide21.xml><?xml version="1.0" encoding="utf-8"?>
 <p:sld xmlns:a="http://schemas.openxmlformats.org/drawingml/2006/main" xmlns:r="http://schemas.openxmlformats.org/officeDocument/2006/relationships" xmlns:p="http://schemas.openxmlformats.org/presentationml/2006/main">
   <p:cSld>
     <p:spTree>
@@ -9100,233 +9496,19 @@
       </p:grpSpPr>
       <p:sp>
         <p:nvSpPr>
-          <p:cNvPr id="5" name="Titel 4"/>
-          <p:cNvSpPr>
-            <a:spLocks noGrp="1"/>
-          </p:cNvSpPr>
-          <p:nvPr>
-            <p:ph type="title"/>
+          <p:cNvPr id="4" name="Titel 3"/>
+          <p:cNvSpPr>
+            <a:spLocks noGrp="1"/>
+          </p:cNvSpPr>
+          <p:nvPr>
+            <p:ph type="ctrTitle"/>
           </p:nvPr>
         </p:nvSpPr>
         <p:spPr/>
-        <p:txBody>
-          <a:bodyPr>
-            <a:normAutofit/>
-          </a:bodyPr>
-          <a:lstStyle/>
-          <a:p>
-            <a:r>
-              <a:rPr lang="de-DE" sz="4400" dirty="0" smtClean="0"/>
-              <a:t>Table </a:t>
-            </a:r>
-            <a:r>
-              <a:rPr lang="de-DE" sz="4400" dirty="0" err="1" smtClean="0"/>
-              <a:t>of</a:t>
-            </a:r>
-            <a:r>
-              <a:rPr lang="de-DE" sz="4400" dirty="0" smtClean="0"/>
-              <a:t> </a:t>
-            </a:r>
-            <a:r>
-              <a:rPr lang="de-DE" sz="4400" dirty="0" err="1" smtClean="0"/>
-              <a:t>contents</a:t>
-            </a:r>
-            <a:endParaRPr lang="de-DE" sz="4400" dirty="0"/>
-          </a:p>
-        </p:txBody>
-      </p:sp>
-      <p:sp>
-        <p:nvSpPr>
-          <p:cNvPr id="6" name="Inhaltsplatzhalter 5"/>
-          <p:cNvSpPr>
-            <a:spLocks noGrp="1"/>
-          </p:cNvSpPr>
-          <p:nvPr>
-            <p:ph idx="1"/>
-          </p:nvPr>
-        </p:nvSpPr>
-        <p:spPr/>
-        <p:txBody>
-          <a:bodyPr>
-            <a:normAutofit/>
-          </a:bodyPr>
-          <a:lstStyle/>
-          <a:p>
-            <a:r>
-              <a:rPr lang="de-DE" sz="2400" dirty="0" err="1" smtClean="0"/>
-              <a:t>Understand</a:t>
-            </a:r>
-            <a:r>
-              <a:rPr lang="de-DE" sz="2400" dirty="0" smtClean="0"/>
-              <a:t> </a:t>
-            </a:r>
-            <a:r>
-              <a:rPr lang="de-DE" sz="2400" dirty="0" err="1" smtClean="0"/>
-              <a:t>business</a:t>
-            </a:r>
-            <a:r>
-              <a:rPr lang="de-DE" sz="2400" dirty="0" smtClean="0"/>
-              <a:t> </a:t>
-            </a:r>
-            <a:r>
-              <a:rPr lang="de-DE" sz="2400" dirty="0" err="1" smtClean="0"/>
-              <a:t>need</a:t>
-            </a:r>
-            <a:endParaRPr lang="de-DE" sz="2400" dirty="0" smtClean="0"/>
-          </a:p>
-          <a:p>
-            <a:r>
-              <a:rPr lang="de-DE" sz="2400" dirty="0" smtClean="0"/>
-              <a:t>Technical </a:t>
-            </a:r>
-            <a:r>
-              <a:rPr lang="de-DE" sz="2400" dirty="0" err="1" smtClean="0"/>
-              <a:t>Ability</a:t>
-            </a:r>
-            <a:endParaRPr lang="de-DE" sz="2400" dirty="0" smtClean="0"/>
-          </a:p>
-          <a:p>
-            <a:r>
-              <a:rPr lang="de-DE" sz="2400" dirty="0" smtClean="0"/>
-              <a:t>Quality</a:t>
-            </a:r>
-            <a:endParaRPr lang="de-DE" sz="2400" dirty="0"/>
-          </a:p>
-        </p:txBody>
-      </p:sp>
-      <p:sp>
-        <p:nvSpPr>
-          <p:cNvPr id="7" name="Fußzeilenplatzhalter 4"/>
-          <p:cNvSpPr>
-            <a:spLocks noGrp="1"/>
-          </p:cNvSpPr>
-          <p:nvPr>
-            <p:ph type="ftr" sz="quarter" idx="11"/>
-          </p:nvPr>
-        </p:nvSpPr>
-        <p:spPr>
-          <a:xfrm>
-            <a:off x="514064" y="6481456"/>
-            <a:ext cx="6347713" cy="365125"/>
-          </a:xfrm>
-        </p:spPr>
         <p:txBody>
           <a:bodyPr/>
           <a:lstStyle/>
           <a:p>
-            <a:pPr algn="r"/>
-            <a:r>
-              <a:rPr lang="de-DE" dirty="0" smtClean="0">
-                <a:solidFill>
-                  <a:schemeClr val="bg1">
-                    <a:lumMod val="65000"/>
-                  </a:schemeClr>
-                </a:solidFill>
-              </a:rPr>
-              <a:t>Thomas Malina – Tillmann </a:t>
-            </a:r>
-            <a:r>
-              <a:rPr lang="de-DE" dirty="0" err="1" smtClean="0">
-                <a:solidFill>
-                  <a:schemeClr val="bg1">
-                    <a:lumMod val="65000"/>
-                  </a:schemeClr>
-                </a:solidFill>
-              </a:rPr>
-              <a:t>Nünninghof</a:t>
-            </a:r>
-            <a:r>
-              <a:rPr lang="de-DE" dirty="0" smtClean="0">
-                <a:solidFill>
-                  <a:schemeClr val="bg1">
-                    <a:lumMod val="65000"/>
-                  </a:schemeClr>
-                </a:solidFill>
-              </a:rPr>
-              <a:t> – Natalie </a:t>
-            </a:r>
-            <a:r>
-              <a:rPr lang="de-DE" dirty="0" err="1" smtClean="0">
-                <a:solidFill>
-                  <a:schemeClr val="bg1">
-                    <a:lumMod val="65000"/>
-                  </a:schemeClr>
-                </a:solidFill>
-              </a:rPr>
-              <a:t>Busam</a:t>
-            </a:r>
-            <a:r>
-              <a:rPr lang="de-DE" dirty="0" smtClean="0">
-                <a:solidFill>
-                  <a:schemeClr val="bg1">
-                    <a:lumMod val="65000"/>
-                  </a:schemeClr>
-                </a:solidFill>
-              </a:rPr>
-              <a:t> – Lea Wegner </a:t>
-            </a:r>
-            <a:endParaRPr lang="de-DE" dirty="0">
-              <a:solidFill>
-                <a:schemeClr val="bg1">
-                  <a:lumMod val="65000"/>
-                </a:schemeClr>
-              </a:solidFill>
-            </a:endParaRPr>
-          </a:p>
-        </p:txBody>
-      </p:sp>
-    </p:spTree>
-    <p:extLst>
-      <p:ext uri="{BB962C8B-B14F-4D97-AF65-F5344CB8AC3E}">
-        <p14:creationId xmlns:p14="http://schemas.microsoft.com/office/powerpoint/2010/main" val="3137701692"/>
-      </p:ext>
-    </p:extLst>
-  </p:cSld>
-  <p:clrMapOvr>
-    <a:masterClrMapping/>
-  </p:clrMapOvr>
-  <p:timing>
-    <p:tnLst>
-      <p:par>
-        <p:cTn id="1" dur="indefinite" restart="never" nodeType="tmRoot"/>
-      </p:par>
-    </p:tnLst>
-  </p:timing>
-</p:sld>
-</file>
-
-<file path=ppt/slides/slide20.xml><?xml version="1.0" encoding="utf-8"?>
-<p:sld xmlns:a="http://schemas.openxmlformats.org/drawingml/2006/main" xmlns:r="http://schemas.openxmlformats.org/officeDocument/2006/relationships" xmlns:p="http://schemas.openxmlformats.org/presentationml/2006/main">
-  <p:cSld>
-    <p:spTree>
-      <p:nvGrpSpPr>
-        <p:cNvPr id="1" name=""/>
-        <p:cNvGrpSpPr/>
-        <p:nvPr/>
-      </p:nvGrpSpPr>
-      <p:grpSpPr>
-        <a:xfrm>
-          <a:off x="0" y="0"/>
-          <a:ext cx="0" cy="0"/>
-          <a:chOff x="0" y="0"/>
-          <a:chExt cx="0" cy="0"/>
-        </a:xfrm>
-      </p:grpSpPr>
-      <p:sp>
-        <p:nvSpPr>
-          <p:cNvPr id="4" name="Titel 3"/>
-          <p:cNvSpPr>
-            <a:spLocks noGrp="1"/>
-          </p:cNvSpPr>
-          <p:nvPr>
-            <p:ph type="ctrTitle"/>
-          </p:nvPr>
-        </p:nvSpPr>
-        <p:spPr/>
-        <p:txBody>
-          <a:bodyPr/>
-          <a:lstStyle/>
-          <a:p>
             <a:r>
               <a:rPr lang="de-DE" dirty="0" err="1" smtClean="0"/>
               <a:t>Thank</a:t>
@@ -9341,46 +9523,31 @@
             </a:r>
             <a:r>
               <a:rPr lang="de-DE" dirty="0" smtClean="0"/>
+              <a:t> </a:t>
+            </a:r>
+            <a:r>
+              <a:rPr lang="de-DE" dirty="0" err="1" smtClean="0"/>
+              <a:t>for</a:t>
+            </a:r>
+            <a:r>
+              <a:rPr lang="de-DE" dirty="0" smtClean="0"/>
+              <a:t> </a:t>
+            </a:r>
+            <a:r>
+              <a:rPr lang="de-DE" dirty="0" err="1" smtClean="0"/>
+              <a:t>your</a:t>
+            </a:r>
+            <a:r>
+              <a:rPr lang="de-DE" dirty="0" smtClean="0"/>
+              <a:t> </a:t>
+            </a:r>
+            <a:r>
+              <a:rPr lang="de-DE" dirty="0" err="1" smtClean="0"/>
+              <a:t>attention</a:t>
+            </a:r>
+            <a:r>
+              <a:rPr lang="de-DE" dirty="0" smtClean="0"/>
               <a:t>!</a:t>
-            </a:r>
-            <a:endParaRPr lang="de-DE" dirty="0"/>
-          </a:p>
-        </p:txBody>
-      </p:sp>
-      <p:sp>
-        <p:nvSpPr>
-          <p:cNvPr id="5" name="Untertitel 4"/>
-          <p:cNvSpPr>
-            <a:spLocks noGrp="1"/>
-          </p:cNvSpPr>
-          <p:nvPr>
-            <p:ph type="subTitle" idx="1"/>
-          </p:nvPr>
-        </p:nvSpPr>
-        <p:spPr/>
-        <p:txBody>
-          <a:bodyPr/>
-          <a:lstStyle/>
-          <a:p>
-            <a:r>
-              <a:rPr lang="de-DE" dirty="0" err="1" smtClean="0"/>
-              <a:t>For</a:t>
-            </a:r>
-            <a:r>
-              <a:rPr lang="de-DE" dirty="0" smtClean="0"/>
-              <a:t> </a:t>
-            </a:r>
-            <a:r>
-              <a:rPr lang="de-DE" dirty="0" err="1" smtClean="0"/>
-              <a:t>you</a:t>
-            </a:r>
-            <a:r>
-              <a:rPr lang="de-DE" dirty="0" smtClean="0"/>
-              <a:t> </a:t>
-            </a:r>
-            <a:r>
-              <a:rPr lang="de-DE" dirty="0" err="1" smtClean="0"/>
-              <a:t>attention</a:t>
             </a:r>
             <a:endParaRPr lang="de-DE" dirty="0"/>
           </a:p>
@@ -9497,6 +9664,25 @@
           </a:prstGeom>
         </p:spPr>
       </p:pic>
+      <p:sp>
+        <p:nvSpPr>
+          <p:cNvPr id="2" name="Untertitel 1"/>
+          <p:cNvSpPr>
+            <a:spLocks noGrp="1"/>
+          </p:cNvSpPr>
+          <p:nvPr>
+            <p:ph type="subTitle" idx="1"/>
+          </p:nvPr>
+        </p:nvSpPr>
+        <p:spPr/>
+        <p:txBody>
+          <a:bodyPr/>
+          <a:lstStyle/>
+          <a:p>
+            <a:endParaRPr lang="de-DE"/>
+          </a:p>
+        </p:txBody>
+      </p:sp>
     </p:spTree>
     <p:extLst>
       <p:ext uri="{BB962C8B-B14F-4D97-AF65-F5344CB8AC3E}">
@@ -10116,11 +10302,7 @@
             </a:r>
             <a:r>
               <a:rPr lang="de-DE" dirty="0" smtClean="0"/>
-              <a:t> </a:t>
-            </a:r>
-            <a:r>
-              <a:rPr lang="de-DE" dirty="0" smtClean="0"/>
-              <a:t>check </a:t>
+              <a:t> check </a:t>
             </a:r>
             <a:r>
               <a:rPr lang="de-DE" dirty="0" err="1" smtClean="0"/>
@@ -11706,11 +11888,7 @@
           <a:p>
             <a:r>
               <a:rPr lang="en-US" dirty="0" smtClean="0"/>
-              <a:t>Contributing </a:t>
-            </a:r>
-            <a:r>
-              <a:rPr lang="en-US" dirty="0" smtClean="0"/>
-              <a:t>to </a:t>
+              <a:t>Contributing to </a:t>
             </a:r>
             <a:r>
               <a:rPr lang="en-US" dirty="0"/>

--- a/Documentation/Exam/Deminder.pptx
+++ b/Documentation/Exam/Deminder.pptx
@@ -74,7 +74,7 @@
       </p:grpSpPr>
       <p:sp>
         <p:nvSpPr>
-          <p:cNvPr id="48" name="PlaceHolder 1"/>
+          <p:cNvPr id="45" name="PlaceHolder 1"/>
           <p:cNvSpPr>
             <a:spLocks noGrp="1"/>
           </p:cNvSpPr>
@@ -85,7 +85,7 @@
         <p:spPr>
           <a:xfrm>
             <a:off x="1130760" y="2404440"/>
-            <a:ext cx="5826240" cy="1645920"/>
+            <a:ext cx="5825880" cy="1645560"/>
           </a:xfrm>
           <a:prstGeom prst="rect">
             <a:avLst/>
@@ -94,18 +94,16 @@
         <p:txBody>
           <a:bodyPr lIns="0" rIns="0" tIns="0" bIns="0" anchor="ctr"/>
           <a:p>
-            <a:endParaRPr b="0" lang="de-DE" sz="1800" spc="-1" strike="noStrike">
-              <a:solidFill>
-                <a:srgbClr val="000000"/>
-              </a:solidFill>
-              <a:latin typeface="Trebuchet MS"/>
-            </a:endParaRPr>
-          </a:p>
-        </p:txBody>
-      </p:sp>
-      <p:sp>
-        <p:nvSpPr>
-          <p:cNvPr id="49" name="PlaceHolder 2"/>
+            <a:pPr algn="ctr"/>
+            <a:endParaRPr b="0" lang="de-DE" sz="4400" spc="-1" strike="noStrike">
+              <a:latin typeface="Arial"/>
+            </a:endParaRPr>
+          </a:p>
+        </p:txBody>
+      </p:sp>
+      <p:sp>
+        <p:nvSpPr>
+          <p:cNvPr id="46" name="PlaceHolder 2"/>
           <p:cNvSpPr>
             <a:spLocks noGrp="1"/>
           </p:cNvSpPr>
@@ -127,18 +125,15 @@
             <a:normAutofit/>
           </a:bodyPr>
           <a:p>
-            <a:endParaRPr b="0" lang="de-DE" sz="1800" spc="-1" strike="noStrike">
-              <a:solidFill>
-                <a:srgbClr val="404040"/>
-              </a:solidFill>
-              <a:latin typeface="Trebuchet MS"/>
-            </a:endParaRPr>
-          </a:p>
-        </p:txBody>
-      </p:sp>
-      <p:sp>
-        <p:nvSpPr>
-          <p:cNvPr id="50" name="PlaceHolder 3"/>
+            <a:endParaRPr b="0" lang="de-DE" sz="3200" spc="-1" strike="noStrike">
+              <a:latin typeface="Arial"/>
+            </a:endParaRPr>
+          </a:p>
+        </p:txBody>
+      </p:sp>
+      <p:sp>
+        <p:nvSpPr>
+          <p:cNvPr id="47" name="PlaceHolder 3"/>
           <p:cNvSpPr>
             <a:spLocks noGrp="1"/>
           </p:cNvSpPr>
@@ -160,11 +155,8 @@
             <a:normAutofit/>
           </a:bodyPr>
           <a:p>
-            <a:endParaRPr b="0" lang="de-DE" sz="1800" spc="-1" strike="noStrike">
-              <a:solidFill>
-                <a:srgbClr val="404040"/>
-              </a:solidFill>
-              <a:latin typeface="Trebuchet MS"/>
+            <a:endParaRPr b="0" lang="de-DE" sz="3200" spc="-1" strike="noStrike">
+              <a:latin typeface="Arial"/>
             </a:endParaRPr>
           </a:p>
         </p:txBody>
@@ -193,7 +185,7 @@
       </p:grpSpPr>
       <p:sp>
         <p:nvSpPr>
-          <p:cNvPr id="51" name="PlaceHolder 1"/>
+          <p:cNvPr id="48" name="PlaceHolder 1"/>
           <p:cNvSpPr>
             <a:spLocks noGrp="1"/>
           </p:cNvSpPr>
@@ -204,7 +196,7 @@
         <p:spPr>
           <a:xfrm>
             <a:off x="1130760" y="2404440"/>
-            <a:ext cx="5826240" cy="1645920"/>
+            <a:ext cx="5825880" cy="1645560"/>
           </a:xfrm>
           <a:prstGeom prst="rect">
             <a:avLst/>
@@ -213,18 +205,16 @@
         <p:txBody>
           <a:bodyPr lIns="0" rIns="0" tIns="0" bIns="0" anchor="ctr"/>
           <a:p>
-            <a:endParaRPr b="0" lang="de-DE" sz="1800" spc="-1" strike="noStrike">
-              <a:solidFill>
-                <a:srgbClr val="000000"/>
-              </a:solidFill>
-              <a:latin typeface="Trebuchet MS"/>
-            </a:endParaRPr>
-          </a:p>
-        </p:txBody>
-      </p:sp>
-      <p:sp>
-        <p:nvSpPr>
-          <p:cNvPr id="52" name="PlaceHolder 2"/>
+            <a:pPr algn="ctr"/>
+            <a:endParaRPr b="0" lang="de-DE" sz="4400" spc="-1" strike="noStrike">
+              <a:latin typeface="Arial"/>
+            </a:endParaRPr>
+          </a:p>
+        </p:txBody>
+      </p:sp>
+      <p:sp>
+        <p:nvSpPr>
+          <p:cNvPr id="49" name="PlaceHolder 2"/>
           <p:cNvSpPr>
             <a:spLocks noGrp="1"/>
           </p:cNvSpPr>
@@ -246,18 +236,15 @@
             <a:normAutofit/>
           </a:bodyPr>
           <a:p>
-            <a:endParaRPr b="0" lang="de-DE" sz="1800" spc="-1" strike="noStrike">
-              <a:solidFill>
-                <a:srgbClr val="404040"/>
-              </a:solidFill>
-              <a:latin typeface="Trebuchet MS"/>
-            </a:endParaRPr>
-          </a:p>
-        </p:txBody>
-      </p:sp>
-      <p:sp>
-        <p:nvSpPr>
-          <p:cNvPr id="53" name="PlaceHolder 3"/>
+            <a:endParaRPr b="0" lang="de-DE" sz="3200" spc="-1" strike="noStrike">
+              <a:latin typeface="Arial"/>
+            </a:endParaRPr>
+          </a:p>
+        </p:txBody>
+      </p:sp>
+      <p:sp>
+        <p:nvSpPr>
+          <p:cNvPr id="50" name="PlaceHolder 3"/>
           <p:cNvSpPr>
             <a:spLocks noGrp="1"/>
           </p:cNvSpPr>
@@ -279,18 +266,15 @@
             <a:normAutofit/>
           </a:bodyPr>
           <a:p>
-            <a:endParaRPr b="0" lang="de-DE" sz="1800" spc="-1" strike="noStrike">
-              <a:solidFill>
-                <a:srgbClr val="404040"/>
-              </a:solidFill>
-              <a:latin typeface="Trebuchet MS"/>
-            </a:endParaRPr>
-          </a:p>
-        </p:txBody>
-      </p:sp>
-      <p:sp>
-        <p:nvSpPr>
-          <p:cNvPr id="54" name="PlaceHolder 4"/>
+            <a:endParaRPr b="0" lang="de-DE" sz="3200" spc="-1" strike="noStrike">
+              <a:latin typeface="Arial"/>
+            </a:endParaRPr>
+          </a:p>
+        </p:txBody>
+      </p:sp>
+      <p:sp>
+        <p:nvSpPr>
+          <p:cNvPr id="51" name="PlaceHolder 4"/>
           <p:cNvSpPr>
             <a:spLocks noGrp="1"/>
           </p:cNvSpPr>
@@ -312,18 +296,15 @@
             <a:normAutofit/>
           </a:bodyPr>
           <a:p>
-            <a:endParaRPr b="0" lang="de-DE" sz="1800" spc="-1" strike="noStrike">
-              <a:solidFill>
-                <a:srgbClr val="404040"/>
-              </a:solidFill>
-              <a:latin typeface="Trebuchet MS"/>
-            </a:endParaRPr>
-          </a:p>
-        </p:txBody>
-      </p:sp>
-      <p:sp>
-        <p:nvSpPr>
-          <p:cNvPr id="55" name="PlaceHolder 5"/>
+            <a:endParaRPr b="0" lang="de-DE" sz="3200" spc="-1" strike="noStrike">
+              <a:latin typeface="Arial"/>
+            </a:endParaRPr>
+          </a:p>
+        </p:txBody>
+      </p:sp>
+      <p:sp>
+        <p:nvSpPr>
+          <p:cNvPr id="52" name="PlaceHolder 5"/>
           <p:cNvSpPr>
             <a:spLocks noGrp="1"/>
           </p:cNvSpPr>
@@ -345,11 +326,8 @@
             <a:normAutofit/>
           </a:bodyPr>
           <a:p>
-            <a:endParaRPr b="0" lang="de-DE" sz="1800" spc="-1" strike="noStrike">
-              <a:solidFill>
-                <a:srgbClr val="404040"/>
-              </a:solidFill>
-              <a:latin typeface="Trebuchet MS"/>
+            <a:endParaRPr b="0" lang="de-DE" sz="3200" spc="-1" strike="noStrike">
+              <a:latin typeface="Arial"/>
             </a:endParaRPr>
           </a:p>
         </p:txBody>
@@ -378,7 +356,7 @@
       </p:grpSpPr>
       <p:sp>
         <p:nvSpPr>
-          <p:cNvPr id="56" name="PlaceHolder 1"/>
+          <p:cNvPr id="53" name="PlaceHolder 1"/>
           <p:cNvSpPr>
             <a:spLocks noGrp="1"/>
           </p:cNvSpPr>
@@ -389,7 +367,7 @@
         <p:spPr>
           <a:xfrm>
             <a:off x="1130760" y="2404440"/>
-            <a:ext cx="5826240" cy="1645920"/>
+            <a:ext cx="5825880" cy="1645560"/>
           </a:xfrm>
           <a:prstGeom prst="rect">
             <a:avLst/>
@@ -398,18 +376,16 @@
         <p:txBody>
           <a:bodyPr lIns="0" rIns="0" tIns="0" bIns="0" anchor="ctr"/>
           <a:p>
-            <a:endParaRPr b="0" lang="de-DE" sz="1800" spc="-1" strike="noStrike">
-              <a:solidFill>
-                <a:srgbClr val="000000"/>
-              </a:solidFill>
-              <a:latin typeface="Trebuchet MS"/>
-            </a:endParaRPr>
-          </a:p>
-        </p:txBody>
-      </p:sp>
-      <p:sp>
-        <p:nvSpPr>
-          <p:cNvPr id="57" name="PlaceHolder 2"/>
+            <a:pPr algn="ctr"/>
+            <a:endParaRPr b="0" lang="de-DE" sz="4400" spc="-1" strike="noStrike">
+              <a:latin typeface="Arial"/>
+            </a:endParaRPr>
+          </a:p>
+        </p:txBody>
+      </p:sp>
+      <p:sp>
+        <p:nvSpPr>
+          <p:cNvPr id="54" name="PlaceHolder 2"/>
           <p:cNvSpPr>
             <a:spLocks noGrp="1"/>
           </p:cNvSpPr>
@@ -431,18 +407,15 @@
             <a:normAutofit/>
           </a:bodyPr>
           <a:p>
-            <a:endParaRPr b="0" lang="de-DE" sz="1800" spc="-1" strike="noStrike">
-              <a:solidFill>
-                <a:srgbClr val="404040"/>
-              </a:solidFill>
-              <a:latin typeface="Trebuchet MS"/>
-            </a:endParaRPr>
-          </a:p>
-        </p:txBody>
-      </p:sp>
-      <p:sp>
-        <p:nvSpPr>
-          <p:cNvPr id="58" name="PlaceHolder 3"/>
+            <a:endParaRPr b="0" lang="de-DE" sz="3200" spc="-1" strike="noStrike">
+              <a:latin typeface="Arial"/>
+            </a:endParaRPr>
+          </a:p>
+        </p:txBody>
+      </p:sp>
+      <p:sp>
+        <p:nvSpPr>
+          <p:cNvPr id="55" name="PlaceHolder 3"/>
           <p:cNvSpPr>
             <a:spLocks noGrp="1"/>
           </p:cNvSpPr>
@@ -464,18 +437,15 @@
             <a:normAutofit/>
           </a:bodyPr>
           <a:p>
-            <a:endParaRPr b="0" lang="de-DE" sz="1800" spc="-1" strike="noStrike">
-              <a:solidFill>
-                <a:srgbClr val="404040"/>
-              </a:solidFill>
-              <a:latin typeface="Trebuchet MS"/>
-            </a:endParaRPr>
-          </a:p>
-        </p:txBody>
-      </p:sp>
-      <p:sp>
-        <p:nvSpPr>
-          <p:cNvPr id="59" name="PlaceHolder 4"/>
+            <a:endParaRPr b="0" lang="de-DE" sz="3200" spc="-1" strike="noStrike">
+              <a:latin typeface="Arial"/>
+            </a:endParaRPr>
+          </a:p>
+        </p:txBody>
+      </p:sp>
+      <p:sp>
+        <p:nvSpPr>
+          <p:cNvPr id="56" name="PlaceHolder 4"/>
           <p:cNvSpPr>
             <a:spLocks noGrp="1"/>
           </p:cNvSpPr>
@@ -497,18 +467,15 @@
             <a:normAutofit/>
           </a:bodyPr>
           <a:p>
-            <a:endParaRPr b="0" lang="de-DE" sz="1800" spc="-1" strike="noStrike">
-              <a:solidFill>
-                <a:srgbClr val="404040"/>
-              </a:solidFill>
-              <a:latin typeface="Trebuchet MS"/>
-            </a:endParaRPr>
-          </a:p>
-        </p:txBody>
-      </p:sp>
-      <p:sp>
-        <p:nvSpPr>
-          <p:cNvPr id="60" name="PlaceHolder 5"/>
+            <a:endParaRPr b="0" lang="de-DE" sz="3200" spc="-1" strike="noStrike">
+              <a:latin typeface="Arial"/>
+            </a:endParaRPr>
+          </a:p>
+        </p:txBody>
+      </p:sp>
+      <p:sp>
+        <p:nvSpPr>
+          <p:cNvPr id="57" name="PlaceHolder 5"/>
           <p:cNvSpPr>
             <a:spLocks noGrp="1"/>
           </p:cNvSpPr>
@@ -530,18 +497,15 @@
             <a:normAutofit/>
           </a:bodyPr>
           <a:p>
-            <a:endParaRPr b="0" lang="de-DE" sz="1800" spc="-1" strike="noStrike">
-              <a:solidFill>
-                <a:srgbClr val="404040"/>
-              </a:solidFill>
-              <a:latin typeface="Trebuchet MS"/>
-            </a:endParaRPr>
-          </a:p>
-        </p:txBody>
-      </p:sp>
-      <p:sp>
-        <p:nvSpPr>
-          <p:cNvPr id="61" name="PlaceHolder 6"/>
+            <a:endParaRPr b="0" lang="de-DE" sz="3200" spc="-1" strike="noStrike">
+              <a:latin typeface="Arial"/>
+            </a:endParaRPr>
+          </a:p>
+        </p:txBody>
+      </p:sp>
+      <p:sp>
+        <p:nvSpPr>
+          <p:cNvPr id="58" name="PlaceHolder 6"/>
           <p:cNvSpPr>
             <a:spLocks noGrp="1"/>
           </p:cNvSpPr>
@@ -563,18 +527,15 @@
             <a:normAutofit/>
           </a:bodyPr>
           <a:p>
-            <a:endParaRPr b="0" lang="de-DE" sz="1800" spc="-1" strike="noStrike">
-              <a:solidFill>
-                <a:srgbClr val="404040"/>
-              </a:solidFill>
-              <a:latin typeface="Trebuchet MS"/>
-            </a:endParaRPr>
-          </a:p>
-        </p:txBody>
-      </p:sp>
-      <p:sp>
-        <p:nvSpPr>
-          <p:cNvPr id="62" name="PlaceHolder 7"/>
+            <a:endParaRPr b="0" lang="de-DE" sz="3200" spc="-1" strike="noStrike">
+              <a:latin typeface="Arial"/>
+            </a:endParaRPr>
+          </a:p>
+        </p:txBody>
+      </p:sp>
+      <p:sp>
+        <p:nvSpPr>
+          <p:cNvPr id="59" name="PlaceHolder 7"/>
           <p:cNvSpPr>
             <a:spLocks noGrp="1"/>
           </p:cNvSpPr>
@@ -596,11 +557,8 @@
             <a:normAutofit/>
           </a:bodyPr>
           <a:p>
-            <a:endParaRPr b="0" lang="de-DE" sz="1800" spc="-1" strike="noStrike">
-              <a:solidFill>
-                <a:srgbClr val="404040"/>
-              </a:solidFill>
-              <a:latin typeface="Trebuchet MS"/>
+            <a:endParaRPr b="0" lang="de-DE" sz="3200" spc="-1" strike="noStrike">
+              <a:latin typeface="Arial"/>
             </a:endParaRPr>
           </a:p>
         </p:txBody>
@@ -651,7 +609,7 @@
       </p:grpSpPr>
       <p:sp>
         <p:nvSpPr>
-          <p:cNvPr id="79" name="PlaceHolder 1"/>
+          <p:cNvPr id="73" name="PlaceHolder 1"/>
           <p:cNvSpPr>
             <a:spLocks noGrp="1"/>
           </p:cNvSpPr>
@@ -662,7 +620,7 @@
         <p:spPr>
           <a:xfrm>
             <a:off x="1130760" y="2404440"/>
-            <a:ext cx="5826240" cy="1645920"/>
+            <a:ext cx="5825880" cy="1645560"/>
           </a:xfrm>
           <a:prstGeom prst="rect">
             <a:avLst/>
@@ -671,18 +629,16 @@
         <p:txBody>
           <a:bodyPr lIns="0" rIns="0" tIns="0" bIns="0" anchor="ctr"/>
           <a:p>
-            <a:endParaRPr b="0" lang="de-DE" sz="1800" spc="-1" strike="noStrike">
-              <a:solidFill>
-                <a:srgbClr val="000000"/>
-              </a:solidFill>
-              <a:latin typeface="Trebuchet MS"/>
-            </a:endParaRPr>
-          </a:p>
-        </p:txBody>
-      </p:sp>
-      <p:sp>
-        <p:nvSpPr>
-          <p:cNvPr id="80" name="PlaceHolder 2"/>
+            <a:pPr algn="ctr"/>
+            <a:endParaRPr b="0" lang="de-DE" sz="4400" spc="-1" strike="noStrike">
+              <a:latin typeface="Arial"/>
+            </a:endParaRPr>
+          </a:p>
+        </p:txBody>
+      </p:sp>
+      <p:sp>
+        <p:nvSpPr>
+          <p:cNvPr id="74" name="PlaceHolder 2"/>
           <p:cNvSpPr>
             <a:spLocks noGrp="1"/>
           </p:cNvSpPr>
@@ -733,7 +689,7 @@
       </p:grpSpPr>
       <p:sp>
         <p:nvSpPr>
-          <p:cNvPr id="81" name="PlaceHolder 1"/>
+          <p:cNvPr id="75" name="PlaceHolder 1"/>
           <p:cNvSpPr>
             <a:spLocks noGrp="1"/>
           </p:cNvSpPr>
@@ -744,7 +700,7 @@
         <p:spPr>
           <a:xfrm>
             <a:off x="1130760" y="2404440"/>
-            <a:ext cx="5826240" cy="1645920"/>
+            <a:ext cx="5825880" cy="1645560"/>
           </a:xfrm>
           <a:prstGeom prst="rect">
             <a:avLst/>
@@ -753,18 +709,16 @@
         <p:txBody>
           <a:bodyPr lIns="0" rIns="0" tIns="0" bIns="0" anchor="ctr"/>
           <a:p>
-            <a:endParaRPr b="0" lang="de-DE" sz="1800" spc="-1" strike="noStrike">
-              <a:solidFill>
-                <a:srgbClr val="000000"/>
-              </a:solidFill>
-              <a:latin typeface="Trebuchet MS"/>
-            </a:endParaRPr>
-          </a:p>
-        </p:txBody>
-      </p:sp>
-      <p:sp>
-        <p:nvSpPr>
-          <p:cNvPr id="82" name="PlaceHolder 2"/>
+            <a:pPr algn="ctr"/>
+            <a:endParaRPr b="0" lang="de-DE" sz="4400" spc="-1" strike="noStrike">
+              <a:latin typeface="Arial"/>
+            </a:endParaRPr>
+          </a:p>
+        </p:txBody>
+      </p:sp>
+      <p:sp>
+        <p:nvSpPr>
+          <p:cNvPr id="76" name="PlaceHolder 2"/>
           <p:cNvSpPr>
             <a:spLocks noGrp="1"/>
           </p:cNvSpPr>
@@ -786,11 +740,8 @@
             <a:normAutofit/>
           </a:bodyPr>
           <a:p>
-            <a:endParaRPr b="0" lang="de-DE" sz="1800" spc="-1" strike="noStrike">
-              <a:solidFill>
-                <a:srgbClr val="404040"/>
-              </a:solidFill>
-              <a:latin typeface="Trebuchet MS"/>
+            <a:endParaRPr b="0" lang="de-DE" sz="3200" spc="-1" strike="noStrike">
+              <a:latin typeface="Arial"/>
             </a:endParaRPr>
           </a:p>
         </p:txBody>
@@ -819,7 +770,7 @@
       </p:grpSpPr>
       <p:sp>
         <p:nvSpPr>
-          <p:cNvPr id="83" name="PlaceHolder 1"/>
+          <p:cNvPr id="77" name="PlaceHolder 1"/>
           <p:cNvSpPr>
             <a:spLocks noGrp="1"/>
           </p:cNvSpPr>
@@ -830,7 +781,7 @@
         <p:spPr>
           <a:xfrm>
             <a:off x="1130760" y="2404440"/>
-            <a:ext cx="5826240" cy="1645920"/>
+            <a:ext cx="5825880" cy="1645560"/>
           </a:xfrm>
           <a:prstGeom prst="rect">
             <a:avLst/>
@@ -839,18 +790,16 @@
         <p:txBody>
           <a:bodyPr lIns="0" rIns="0" tIns="0" bIns="0" anchor="ctr"/>
           <a:p>
-            <a:endParaRPr b="0" lang="de-DE" sz="1800" spc="-1" strike="noStrike">
-              <a:solidFill>
-                <a:srgbClr val="000000"/>
-              </a:solidFill>
-              <a:latin typeface="Trebuchet MS"/>
-            </a:endParaRPr>
-          </a:p>
-        </p:txBody>
-      </p:sp>
-      <p:sp>
-        <p:nvSpPr>
-          <p:cNvPr id="84" name="PlaceHolder 2"/>
+            <a:pPr algn="ctr"/>
+            <a:endParaRPr b="0" lang="de-DE" sz="4400" spc="-1" strike="noStrike">
+              <a:latin typeface="Arial"/>
+            </a:endParaRPr>
+          </a:p>
+        </p:txBody>
+      </p:sp>
+      <p:sp>
+        <p:nvSpPr>
+          <p:cNvPr id="78" name="PlaceHolder 2"/>
           <p:cNvSpPr>
             <a:spLocks noGrp="1"/>
           </p:cNvSpPr>
@@ -872,18 +821,15 @@
             <a:normAutofit/>
           </a:bodyPr>
           <a:p>
-            <a:endParaRPr b="0" lang="de-DE" sz="1800" spc="-1" strike="noStrike">
-              <a:solidFill>
-                <a:srgbClr val="404040"/>
-              </a:solidFill>
-              <a:latin typeface="Trebuchet MS"/>
-            </a:endParaRPr>
-          </a:p>
-        </p:txBody>
-      </p:sp>
-      <p:sp>
-        <p:nvSpPr>
-          <p:cNvPr id="85" name="PlaceHolder 3"/>
+            <a:endParaRPr b="0" lang="de-DE" sz="3200" spc="-1" strike="noStrike">
+              <a:latin typeface="Arial"/>
+            </a:endParaRPr>
+          </a:p>
+        </p:txBody>
+      </p:sp>
+      <p:sp>
+        <p:nvSpPr>
+          <p:cNvPr id="79" name="PlaceHolder 3"/>
           <p:cNvSpPr>
             <a:spLocks noGrp="1"/>
           </p:cNvSpPr>
@@ -905,11 +851,8 @@
             <a:normAutofit/>
           </a:bodyPr>
           <a:p>
-            <a:endParaRPr b="0" lang="de-DE" sz="1800" spc="-1" strike="noStrike">
-              <a:solidFill>
-                <a:srgbClr val="404040"/>
-              </a:solidFill>
-              <a:latin typeface="Trebuchet MS"/>
+            <a:endParaRPr b="0" lang="de-DE" sz="3200" spc="-1" strike="noStrike">
+              <a:latin typeface="Arial"/>
             </a:endParaRPr>
           </a:p>
         </p:txBody>
@@ -938,7 +881,7 @@
       </p:grpSpPr>
       <p:sp>
         <p:nvSpPr>
-          <p:cNvPr id="86" name="PlaceHolder 1"/>
+          <p:cNvPr id="80" name="PlaceHolder 1"/>
           <p:cNvSpPr>
             <a:spLocks noGrp="1"/>
           </p:cNvSpPr>
@@ -949,7 +892,7 @@
         <p:spPr>
           <a:xfrm>
             <a:off x="1130760" y="2404440"/>
-            <a:ext cx="5826240" cy="1645920"/>
+            <a:ext cx="5825880" cy="1645560"/>
           </a:xfrm>
           <a:prstGeom prst="rect">
             <a:avLst/>
@@ -958,11 +901,9 @@
         <p:txBody>
           <a:bodyPr lIns="0" rIns="0" tIns="0" bIns="0" anchor="ctr"/>
           <a:p>
-            <a:endParaRPr b="0" lang="de-DE" sz="1800" spc="-1" strike="noStrike">
-              <a:solidFill>
-                <a:srgbClr val="000000"/>
-              </a:solidFill>
-              <a:latin typeface="Trebuchet MS"/>
+            <a:pPr algn="ctr"/>
+            <a:endParaRPr b="0" lang="de-DE" sz="4400" spc="-1" strike="noStrike">
+              <a:latin typeface="Arial"/>
             </a:endParaRPr>
           </a:p>
         </p:txBody>
@@ -991,7 +932,7 @@
       </p:grpSpPr>
       <p:sp>
         <p:nvSpPr>
-          <p:cNvPr id="87" name="PlaceHolder 1"/>
+          <p:cNvPr id="81" name="PlaceHolder 1"/>
           <p:cNvSpPr>
             <a:spLocks noGrp="1"/>
           </p:cNvSpPr>
@@ -1002,7 +943,7 @@
         <p:spPr>
           <a:xfrm>
             <a:off x="1130760" y="2404440"/>
-            <a:ext cx="5826240" cy="7630920"/>
+            <a:ext cx="5825880" cy="7629120"/>
           </a:xfrm>
           <a:prstGeom prst="rect">
             <a:avLst/>
@@ -1042,7 +983,7 @@
       </p:grpSpPr>
       <p:sp>
         <p:nvSpPr>
-          <p:cNvPr id="88" name="PlaceHolder 1"/>
+          <p:cNvPr id="82" name="PlaceHolder 1"/>
           <p:cNvSpPr>
             <a:spLocks noGrp="1"/>
           </p:cNvSpPr>
@@ -1053,7 +994,7 @@
         <p:spPr>
           <a:xfrm>
             <a:off x="1130760" y="2404440"/>
-            <a:ext cx="5826240" cy="1645920"/>
+            <a:ext cx="5825880" cy="1645560"/>
           </a:xfrm>
           <a:prstGeom prst="rect">
             <a:avLst/>
@@ -1062,18 +1003,16 @@
         <p:txBody>
           <a:bodyPr lIns="0" rIns="0" tIns="0" bIns="0" anchor="ctr"/>
           <a:p>
-            <a:endParaRPr b="0" lang="de-DE" sz="1800" spc="-1" strike="noStrike">
-              <a:solidFill>
-                <a:srgbClr val="000000"/>
-              </a:solidFill>
-              <a:latin typeface="Trebuchet MS"/>
-            </a:endParaRPr>
-          </a:p>
-        </p:txBody>
-      </p:sp>
-      <p:sp>
-        <p:nvSpPr>
-          <p:cNvPr id="89" name="PlaceHolder 2"/>
+            <a:pPr algn="ctr"/>
+            <a:endParaRPr b="0" lang="de-DE" sz="4400" spc="-1" strike="noStrike">
+              <a:latin typeface="Arial"/>
+            </a:endParaRPr>
+          </a:p>
+        </p:txBody>
+      </p:sp>
+      <p:sp>
+        <p:nvSpPr>
+          <p:cNvPr id="83" name="PlaceHolder 2"/>
           <p:cNvSpPr>
             <a:spLocks noGrp="1"/>
           </p:cNvSpPr>
@@ -1095,18 +1034,15 @@
             <a:normAutofit/>
           </a:bodyPr>
           <a:p>
-            <a:endParaRPr b="0" lang="de-DE" sz="1800" spc="-1" strike="noStrike">
-              <a:solidFill>
-                <a:srgbClr val="404040"/>
-              </a:solidFill>
-              <a:latin typeface="Trebuchet MS"/>
-            </a:endParaRPr>
-          </a:p>
-        </p:txBody>
-      </p:sp>
-      <p:sp>
-        <p:nvSpPr>
-          <p:cNvPr id="90" name="PlaceHolder 3"/>
+            <a:endParaRPr b="0" lang="de-DE" sz="3200" spc="-1" strike="noStrike">
+              <a:latin typeface="Arial"/>
+            </a:endParaRPr>
+          </a:p>
+        </p:txBody>
+      </p:sp>
+      <p:sp>
+        <p:nvSpPr>
+          <p:cNvPr id="84" name="PlaceHolder 3"/>
           <p:cNvSpPr>
             <a:spLocks noGrp="1"/>
           </p:cNvSpPr>
@@ -1128,18 +1064,15 @@
             <a:normAutofit/>
           </a:bodyPr>
           <a:p>
-            <a:endParaRPr b="0" lang="de-DE" sz="1800" spc="-1" strike="noStrike">
-              <a:solidFill>
-                <a:srgbClr val="404040"/>
-              </a:solidFill>
-              <a:latin typeface="Trebuchet MS"/>
-            </a:endParaRPr>
-          </a:p>
-        </p:txBody>
-      </p:sp>
-      <p:sp>
-        <p:nvSpPr>
-          <p:cNvPr id="91" name="PlaceHolder 4"/>
+            <a:endParaRPr b="0" lang="de-DE" sz="3200" spc="-1" strike="noStrike">
+              <a:latin typeface="Arial"/>
+            </a:endParaRPr>
+          </a:p>
+        </p:txBody>
+      </p:sp>
+      <p:sp>
+        <p:nvSpPr>
+          <p:cNvPr id="85" name="PlaceHolder 4"/>
           <p:cNvSpPr>
             <a:spLocks noGrp="1"/>
           </p:cNvSpPr>
@@ -1161,11 +1094,8 @@
             <a:normAutofit/>
           </a:bodyPr>
           <a:p>
-            <a:endParaRPr b="0" lang="de-DE" sz="1800" spc="-1" strike="noStrike">
-              <a:solidFill>
-                <a:srgbClr val="404040"/>
-              </a:solidFill>
-              <a:latin typeface="Trebuchet MS"/>
+            <a:endParaRPr b="0" lang="de-DE" sz="3200" spc="-1" strike="noStrike">
+              <a:latin typeface="Arial"/>
             </a:endParaRPr>
           </a:p>
         </p:txBody>
@@ -1194,7 +1124,7 @@
       </p:grpSpPr>
       <p:sp>
         <p:nvSpPr>
-          <p:cNvPr id="27" name="PlaceHolder 1"/>
+          <p:cNvPr id="24" name="PlaceHolder 1"/>
           <p:cNvSpPr>
             <a:spLocks noGrp="1"/>
           </p:cNvSpPr>
@@ -1205,7 +1135,7 @@
         <p:spPr>
           <a:xfrm>
             <a:off x="1130760" y="2404440"/>
-            <a:ext cx="5826240" cy="1645920"/>
+            <a:ext cx="5825880" cy="1645560"/>
           </a:xfrm>
           <a:prstGeom prst="rect">
             <a:avLst/>
@@ -1214,18 +1144,16 @@
         <p:txBody>
           <a:bodyPr lIns="0" rIns="0" tIns="0" bIns="0" anchor="ctr"/>
           <a:p>
-            <a:endParaRPr b="0" lang="de-DE" sz="1800" spc="-1" strike="noStrike">
-              <a:solidFill>
-                <a:srgbClr val="000000"/>
-              </a:solidFill>
-              <a:latin typeface="Trebuchet MS"/>
-            </a:endParaRPr>
-          </a:p>
-        </p:txBody>
-      </p:sp>
-      <p:sp>
-        <p:nvSpPr>
-          <p:cNvPr id="28" name="PlaceHolder 2"/>
+            <a:pPr algn="ctr"/>
+            <a:endParaRPr b="0" lang="de-DE" sz="4400" spc="-1" strike="noStrike">
+              <a:latin typeface="Arial"/>
+            </a:endParaRPr>
+          </a:p>
+        </p:txBody>
+      </p:sp>
+      <p:sp>
+        <p:nvSpPr>
+          <p:cNvPr id="25" name="PlaceHolder 2"/>
           <p:cNvSpPr>
             <a:spLocks noGrp="1"/>
           </p:cNvSpPr>
@@ -1276,7 +1204,7 @@
       </p:grpSpPr>
       <p:sp>
         <p:nvSpPr>
-          <p:cNvPr id="92" name="PlaceHolder 1"/>
+          <p:cNvPr id="86" name="PlaceHolder 1"/>
           <p:cNvSpPr>
             <a:spLocks noGrp="1"/>
           </p:cNvSpPr>
@@ -1287,7 +1215,7 @@
         <p:spPr>
           <a:xfrm>
             <a:off x="1130760" y="2404440"/>
-            <a:ext cx="5826240" cy="1645920"/>
+            <a:ext cx="5825880" cy="1645560"/>
           </a:xfrm>
           <a:prstGeom prst="rect">
             <a:avLst/>
@@ -1296,18 +1224,16 @@
         <p:txBody>
           <a:bodyPr lIns="0" rIns="0" tIns="0" bIns="0" anchor="ctr"/>
           <a:p>
-            <a:endParaRPr b="0" lang="de-DE" sz="1800" spc="-1" strike="noStrike">
-              <a:solidFill>
-                <a:srgbClr val="000000"/>
-              </a:solidFill>
-              <a:latin typeface="Trebuchet MS"/>
-            </a:endParaRPr>
-          </a:p>
-        </p:txBody>
-      </p:sp>
-      <p:sp>
-        <p:nvSpPr>
-          <p:cNvPr id="93" name="PlaceHolder 2"/>
+            <a:pPr algn="ctr"/>
+            <a:endParaRPr b="0" lang="de-DE" sz="4400" spc="-1" strike="noStrike">
+              <a:latin typeface="Arial"/>
+            </a:endParaRPr>
+          </a:p>
+        </p:txBody>
+      </p:sp>
+      <p:sp>
+        <p:nvSpPr>
+          <p:cNvPr id="87" name="PlaceHolder 2"/>
           <p:cNvSpPr>
             <a:spLocks noGrp="1"/>
           </p:cNvSpPr>
@@ -1329,18 +1255,15 @@
             <a:normAutofit/>
           </a:bodyPr>
           <a:p>
-            <a:endParaRPr b="0" lang="de-DE" sz="1800" spc="-1" strike="noStrike">
-              <a:solidFill>
-                <a:srgbClr val="404040"/>
-              </a:solidFill>
-              <a:latin typeface="Trebuchet MS"/>
-            </a:endParaRPr>
-          </a:p>
-        </p:txBody>
-      </p:sp>
-      <p:sp>
-        <p:nvSpPr>
-          <p:cNvPr id="94" name="PlaceHolder 3"/>
+            <a:endParaRPr b="0" lang="de-DE" sz="3200" spc="-1" strike="noStrike">
+              <a:latin typeface="Arial"/>
+            </a:endParaRPr>
+          </a:p>
+        </p:txBody>
+      </p:sp>
+      <p:sp>
+        <p:nvSpPr>
+          <p:cNvPr id="88" name="PlaceHolder 3"/>
           <p:cNvSpPr>
             <a:spLocks noGrp="1"/>
           </p:cNvSpPr>
@@ -1362,18 +1285,15 @@
             <a:normAutofit/>
           </a:bodyPr>
           <a:p>
-            <a:endParaRPr b="0" lang="de-DE" sz="1800" spc="-1" strike="noStrike">
-              <a:solidFill>
-                <a:srgbClr val="404040"/>
-              </a:solidFill>
-              <a:latin typeface="Trebuchet MS"/>
-            </a:endParaRPr>
-          </a:p>
-        </p:txBody>
-      </p:sp>
-      <p:sp>
-        <p:nvSpPr>
-          <p:cNvPr id="95" name="PlaceHolder 4"/>
+            <a:endParaRPr b="0" lang="de-DE" sz="3200" spc="-1" strike="noStrike">
+              <a:latin typeface="Arial"/>
+            </a:endParaRPr>
+          </a:p>
+        </p:txBody>
+      </p:sp>
+      <p:sp>
+        <p:nvSpPr>
+          <p:cNvPr id="89" name="PlaceHolder 4"/>
           <p:cNvSpPr>
             <a:spLocks noGrp="1"/>
           </p:cNvSpPr>
@@ -1395,11 +1315,8 @@
             <a:normAutofit/>
           </a:bodyPr>
           <a:p>
-            <a:endParaRPr b="0" lang="de-DE" sz="1800" spc="-1" strike="noStrike">
-              <a:solidFill>
-                <a:srgbClr val="404040"/>
-              </a:solidFill>
-              <a:latin typeface="Trebuchet MS"/>
+            <a:endParaRPr b="0" lang="de-DE" sz="3200" spc="-1" strike="noStrike">
+              <a:latin typeface="Arial"/>
             </a:endParaRPr>
           </a:p>
         </p:txBody>
@@ -1428,7 +1345,7 @@
       </p:grpSpPr>
       <p:sp>
         <p:nvSpPr>
-          <p:cNvPr id="96" name="PlaceHolder 1"/>
+          <p:cNvPr id="90" name="PlaceHolder 1"/>
           <p:cNvSpPr>
             <a:spLocks noGrp="1"/>
           </p:cNvSpPr>
@@ -1439,7 +1356,7 @@
         <p:spPr>
           <a:xfrm>
             <a:off x="1130760" y="2404440"/>
-            <a:ext cx="5826240" cy="1645920"/>
+            <a:ext cx="5825880" cy="1645560"/>
           </a:xfrm>
           <a:prstGeom prst="rect">
             <a:avLst/>
@@ -1448,18 +1365,16 @@
         <p:txBody>
           <a:bodyPr lIns="0" rIns="0" tIns="0" bIns="0" anchor="ctr"/>
           <a:p>
-            <a:endParaRPr b="0" lang="de-DE" sz="1800" spc="-1" strike="noStrike">
-              <a:solidFill>
-                <a:srgbClr val="000000"/>
-              </a:solidFill>
-              <a:latin typeface="Trebuchet MS"/>
-            </a:endParaRPr>
-          </a:p>
-        </p:txBody>
-      </p:sp>
-      <p:sp>
-        <p:nvSpPr>
-          <p:cNvPr id="97" name="PlaceHolder 2"/>
+            <a:pPr algn="ctr"/>
+            <a:endParaRPr b="0" lang="de-DE" sz="4400" spc="-1" strike="noStrike">
+              <a:latin typeface="Arial"/>
+            </a:endParaRPr>
+          </a:p>
+        </p:txBody>
+      </p:sp>
+      <p:sp>
+        <p:nvSpPr>
+          <p:cNvPr id="91" name="PlaceHolder 2"/>
           <p:cNvSpPr>
             <a:spLocks noGrp="1"/>
           </p:cNvSpPr>
@@ -1481,18 +1396,15 @@
             <a:normAutofit/>
           </a:bodyPr>
           <a:p>
-            <a:endParaRPr b="0" lang="de-DE" sz="1800" spc="-1" strike="noStrike">
-              <a:solidFill>
-                <a:srgbClr val="404040"/>
-              </a:solidFill>
-              <a:latin typeface="Trebuchet MS"/>
-            </a:endParaRPr>
-          </a:p>
-        </p:txBody>
-      </p:sp>
-      <p:sp>
-        <p:nvSpPr>
-          <p:cNvPr id="98" name="PlaceHolder 3"/>
+            <a:endParaRPr b="0" lang="de-DE" sz="3200" spc="-1" strike="noStrike">
+              <a:latin typeface="Arial"/>
+            </a:endParaRPr>
+          </a:p>
+        </p:txBody>
+      </p:sp>
+      <p:sp>
+        <p:nvSpPr>
+          <p:cNvPr id="92" name="PlaceHolder 3"/>
           <p:cNvSpPr>
             <a:spLocks noGrp="1"/>
           </p:cNvSpPr>
@@ -1514,18 +1426,15 @@
             <a:normAutofit/>
           </a:bodyPr>
           <a:p>
-            <a:endParaRPr b="0" lang="de-DE" sz="1800" spc="-1" strike="noStrike">
-              <a:solidFill>
-                <a:srgbClr val="404040"/>
-              </a:solidFill>
-              <a:latin typeface="Trebuchet MS"/>
-            </a:endParaRPr>
-          </a:p>
-        </p:txBody>
-      </p:sp>
-      <p:sp>
-        <p:nvSpPr>
-          <p:cNvPr id="99" name="PlaceHolder 4"/>
+            <a:endParaRPr b="0" lang="de-DE" sz="3200" spc="-1" strike="noStrike">
+              <a:latin typeface="Arial"/>
+            </a:endParaRPr>
+          </a:p>
+        </p:txBody>
+      </p:sp>
+      <p:sp>
+        <p:nvSpPr>
+          <p:cNvPr id="93" name="PlaceHolder 4"/>
           <p:cNvSpPr>
             <a:spLocks noGrp="1"/>
           </p:cNvSpPr>
@@ -1547,11 +1456,8 @@
             <a:normAutofit/>
           </a:bodyPr>
           <a:p>
-            <a:endParaRPr b="0" lang="de-DE" sz="1800" spc="-1" strike="noStrike">
-              <a:solidFill>
-                <a:srgbClr val="404040"/>
-              </a:solidFill>
-              <a:latin typeface="Trebuchet MS"/>
+            <a:endParaRPr b="0" lang="de-DE" sz="3200" spc="-1" strike="noStrike">
+              <a:latin typeface="Arial"/>
             </a:endParaRPr>
           </a:p>
         </p:txBody>
@@ -1580,7 +1486,7 @@
       </p:grpSpPr>
       <p:sp>
         <p:nvSpPr>
-          <p:cNvPr id="100" name="PlaceHolder 1"/>
+          <p:cNvPr id="94" name="PlaceHolder 1"/>
           <p:cNvSpPr>
             <a:spLocks noGrp="1"/>
           </p:cNvSpPr>
@@ -1591,7 +1497,7 @@
         <p:spPr>
           <a:xfrm>
             <a:off x="1130760" y="2404440"/>
-            <a:ext cx="5826240" cy="1645920"/>
+            <a:ext cx="5825880" cy="1645560"/>
           </a:xfrm>
           <a:prstGeom prst="rect">
             <a:avLst/>
@@ -1600,18 +1506,16 @@
         <p:txBody>
           <a:bodyPr lIns="0" rIns="0" tIns="0" bIns="0" anchor="ctr"/>
           <a:p>
-            <a:endParaRPr b="0" lang="de-DE" sz="1800" spc="-1" strike="noStrike">
-              <a:solidFill>
-                <a:srgbClr val="000000"/>
-              </a:solidFill>
-              <a:latin typeface="Trebuchet MS"/>
-            </a:endParaRPr>
-          </a:p>
-        </p:txBody>
-      </p:sp>
-      <p:sp>
-        <p:nvSpPr>
-          <p:cNvPr id="101" name="PlaceHolder 2"/>
+            <a:pPr algn="ctr"/>
+            <a:endParaRPr b="0" lang="de-DE" sz="4400" spc="-1" strike="noStrike">
+              <a:latin typeface="Arial"/>
+            </a:endParaRPr>
+          </a:p>
+        </p:txBody>
+      </p:sp>
+      <p:sp>
+        <p:nvSpPr>
+          <p:cNvPr id="95" name="PlaceHolder 2"/>
           <p:cNvSpPr>
             <a:spLocks noGrp="1"/>
           </p:cNvSpPr>
@@ -1633,18 +1537,15 @@
             <a:normAutofit/>
           </a:bodyPr>
           <a:p>
-            <a:endParaRPr b="0" lang="de-DE" sz="1800" spc="-1" strike="noStrike">
-              <a:solidFill>
-                <a:srgbClr val="404040"/>
-              </a:solidFill>
-              <a:latin typeface="Trebuchet MS"/>
-            </a:endParaRPr>
-          </a:p>
-        </p:txBody>
-      </p:sp>
-      <p:sp>
-        <p:nvSpPr>
-          <p:cNvPr id="102" name="PlaceHolder 3"/>
+            <a:endParaRPr b="0" lang="de-DE" sz="3200" spc="-1" strike="noStrike">
+              <a:latin typeface="Arial"/>
+            </a:endParaRPr>
+          </a:p>
+        </p:txBody>
+      </p:sp>
+      <p:sp>
+        <p:nvSpPr>
+          <p:cNvPr id="96" name="PlaceHolder 3"/>
           <p:cNvSpPr>
             <a:spLocks noGrp="1"/>
           </p:cNvSpPr>
@@ -1666,11 +1567,8 @@
             <a:normAutofit/>
           </a:bodyPr>
           <a:p>
-            <a:endParaRPr b="0" lang="de-DE" sz="1800" spc="-1" strike="noStrike">
-              <a:solidFill>
-                <a:srgbClr val="404040"/>
-              </a:solidFill>
-              <a:latin typeface="Trebuchet MS"/>
+            <a:endParaRPr b="0" lang="de-DE" sz="3200" spc="-1" strike="noStrike">
+              <a:latin typeface="Arial"/>
             </a:endParaRPr>
           </a:p>
         </p:txBody>
@@ -1699,7 +1597,7 @@
       </p:grpSpPr>
       <p:sp>
         <p:nvSpPr>
-          <p:cNvPr id="103" name="PlaceHolder 1"/>
+          <p:cNvPr id="97" name="PlaceHolder 1"/>
           <p:cNvSpPr>
             <a:spLocks noGrp="1"/>
           </p:cNvSpPr>
@@ -1710,7 +1608,7 @@
         <p:spPr>
           <a:xfrm>
             <a:off x="1130760" y="2404440"/>
-            <a:ext cx="5826240" cy="1645920"/>
+            <a:ext cx="5825880" cy="1645560"/>
           </a:xfrm>
           <a:prstGeom prst="rect">
             <a:avLst/>
@@ -1719,18 +1617,16 @@
         <p:txBody>
           <a:bodyPr lIns="0" rIns="0" tIns="0" bIns="0" anchor="ctr"/>
           <a:p>
-            <a:endParaRPr b="0" lang="de-DE" sz="1800" spc="-1" strike="noStrike">
-              <a:solidFill>
-                <a:srgbClr val="000000"/>
-              </a:solidFill>
-              <a:latin typeface="Trebuchet MS"/>
-            </a:endParaRPr>
-          </a:p>
-        </p:txBody>
-      </p:sp>
-      <p:sp>
-        <p:nvSpPr>
-          <p:cNvPr id="104" name="PlaceHolder 2"/>
+            <a:pPr algn="ctr"/>
+            <a:endParaRPr b="0" lang="de-DE" sz="4400" spc="-1" strike="noStrike">
+              <a:latin typeface="Arial"/>
+            </a:endParaRPr>
+          </a:p>
+        </p:txBody>
+      </p:sp>
+      <p:sp>
+        <p:nvSpPr>
+          <p:cNvPr id="98" name="PlaceHolder 2"/>
           <p:cNvSpPr>
             <a:spLocks noGrp="1"/>
           </p:cNvSpPr>
@@ -1752,18 +1648,15 @@
             <a:normAutofit/>
           </a:bodyPr>
           <a:p>
-            <a:endParaRPr b="0" lang="de-DE" sz="1800" spc="-1" strike="noStrike">
-              <a:solidFill>
-                <a:srgbClr val="404040"/>
-              </a:solidFill>
-              <a:latin typeface="Trebuchet MS"/>
-            </a:endParaRPr>
-          </a:p>
-        </p:txBody>
-      </p:sp>
-      <p:sp>
-        <p:nvSpPr>
-          <p:cNvPr id="105" name="PlaceHolder 3"/>
+            <a:endParaRPr b="0" lang="de-DE" sz="3200" spc="-1" strike="noStrike">
+              <a:latin typeface="Arial"/>
+            </a:endParaRPr>
+          </a:p>
+        </p:txBody>
+      </p:sp>
+      <p:sp>
+        <p:nvSpPr>
+          <p:cNvPr id="99" name="PlaceHolder 3"/>
           <p:cNvSpPr>
             <a:spLocks noGrp="1"/>
           </p:cNvSpPr>
@@ -1785,18 +1678,15 @@
             <a:normAutofit/>
           </a:bodyPr>
           <a:p>
-            <a:endParaRPr b="0" lang="de-DE" sz="1800" spc="-1" strike="noStrike">
-              <a:solidFill>
-                <a:srgbClr val="404040"/>
-              </a:solidFill>
-              <a:latin typeface="Trebuchet MS"/>
-            </a:endParaRPr>
-          </a:p>
-        </p:txBody>
-      </p:sp>
-      <p:sp>
-        <p:nvSpPr>
-          <p:cNvPr id="106" name="PlaceHolder 4"/>
+            <a:endParaRPr b="0" lang="de-DE" sz="3200" spc="-1" strike="noStrike">
+              <a:latin typeface="Arial"/>
+            </a:endParaRPr>
+          </a:p>
+        </p:txBody>
+      </p:sp>
+      <p:sp>
+        <p:nvSpPr>
+          <p:cNvPr id="100" name="PlaceHolder 4"/>
           <p:cNvSpPr>
             <a:spLocks noGrp="1"/>
           </p:cNvSpPr>
@@ -1818,18 +1708,15 @@
             <a:normAutofit/>
           </a:bodyPr>
           <a:p>
-            <a:endParaRPr b="0" lang="de-DE" sz="1800" spc="-1" strike="noStrike">
-              <a:solidFill>
-                <a:srgbClr val="404040"/>
-              </a:solidFill>
-              <a:latin typeface="Trebuchet MS"/>
-            </a:endParaRPr>
-          </a:p>
-        </p:txBody>
-      </p:sp>
-      <p:sp>
-        <p:nvSpPr>
-          <p:cNvPr id="107" name="PlaceHolder 5"/>
+            <a:endParaRPr b="0" lang="de-DE" sz="3200" spc="-1" strike="noStrike">
+              <a:latin typeface="Arial"/>
+            </a:endParaRPr>
+          </a:p>
+        </p:txBody>
+      </p:sp>
+      <p:sp>
+        <p:nvSpPr>
+          <p:cNvPr id="101" name="PlaceHolder 5"/>
           <p:cNvSpPr>
             <a:spLocks noGrp="1"/>
           </p:cNvSpPr>
@@ -1851,11 +1738,8 @@
             <a:normAutofit/>
           </a:bodyPr>
           <a:p>
-            <a:endParaRPr b="0" lang="de-DE" sz="1800" spc="-1" strike="noStrike">
-              <a:solidFill>
-                <a:srgbClr val="404040"/>
-              </a:solidFill>
-              <a:latin typeface="Trebuchet MS"/>
+            <a:endParaRPr b="0" lang="de-DE" sz="3200" spc="-1" strike="noStrike">
+              <a:latin typeface="Arial"/>
             </a:endParaRPr>
           </a:p>
         </p:txBody>
@@ -1884,7 +1768,7 @@
       </p:grpSpPr>
       <p:sp>
         <p:nvSpPr>
-          <p:cNvPr id="108" name="PlaceHolder 1"/>
+          <p:cNvPr id="102" name="PlaceHolder 1"/>
           <p:cNvSpPr>
             <a:spLocks noGrp="1"/>
           </p:cNvSpPr>
@@ -1895,7 +1779,7 @@
         <p:spPr>
           <a:xfrm>
             <a:off x="1130760" y="2404440"/>
-            <a:ext cx="5826240" cy="1645920"/>
+            <a:ext cx="5825880" cy="1645560"/>
           </a:xfrm>
           <a:prstGeom prst="rect">
             <a:avLst/>
@@ -1904,18 +1788,16 @@
         <p:txBody>
           <a:bodyPr lIns="0" rIns="0" tIns="0" bIns="0" anchor="ctr"/>
           <a:p>
-            <a:endParaRPr b="0" lang="de-DE" sz="1800" spc="-1" strike="noStrike">
-              <a:solidFill>
-                <a:srgbClr val="000000"/>
-              </a:solidFill>
-              <a:latin typeface="Trebuchet MS"/>
-            </a:endParaRPr>
-          </a:p>
-        </p:txBody>
-      </p:sp>
-      <p:sp>
-        <p:nvSpPr>
-          <p:cNvPr id="109" name="PlaceHolder 2"/>
+            <a:pPr algn="ctr"/>
+            <a:endParaRPr b="0" lang="de-DE" sz="4400" spc="-1" strike="noStrike">
+              <a:latin typeface="Arial"/>
+            </a:endParaRPr>
+          </a:p>
+        </p:txBody>
+      </p:sp>
+      <p:sp>
+        <p:nvSpPr>
+          <p:cNvPr id="103" name="PlaceHolder 2"/>
           <p:cNvSpPr>
             <a:spLocks noGrp="1"/>
           </p:cNvSpPr>
@@ -1937,18 +1819,15 @@
             <a:normAutofit/>
           </a:bodyPr>
           <a:p>
-            <a:endParaRPr b="0" lang="de-DE" sz="1800" spc="-1" strike="noStrike">
-              <a:solidFill>
-                <a:srgbClr val="404040"/>
-              </a:solidFill>
-              <a:latin typeface="Trebuchet MS"/>
-            </a:endParaRPr>
-          </a:p>
-        </p:txBody>
-      </p:sp>
-      <p:sp>
-        <p:nvSpPr>
-          <p:cNvPr id="110" name="PlaceHolder 3"/>
+            <a:endParaRPr b="0" lang="de-DE" sz="3200" spc="-1" strike="noStrike">
+              <a:latin typeface="Arial"/>
+            </a:endParaRPr>
+          </a:p>
+        </p:txBody>
+      </p:sp>
+      <p:sp>
+        <p:nvSpPr>
+          <p:cNvPr id="104" name="PlaceHolder 3"/>
           <p:cNvSpPr>
             <a:spLocks noGrp="1"/>
           </p:cNvSpPr>
@@ -1970,18 +1849,15 @@
             <a:normAutofit/>
           </a:bodyPr>
           <a:p>
-            <a:endParaRPr b="0" lang="de-DE" sz="1800" spc="-1" strike="noStrike">
-              <a:solidFill>
-                <a:srgbClr val="404040"/>
-              </a:solidFill>
-              <a:latin typeface="Trebuchet MS"/>
-            </a:endParaRPr>
-          </a:p>
-        </p:txBody>
-      </p:sp>
-      <p:sp>
-        <p:nvSpPr>
-          <p:cNvPr id="111" name="PlaceHolder 4"/>
+            <a:endParaRPr b="0" lang="de-DE" sz="3200" spc="-1" strike="noStrike">
+              <a:latin typeface="Arial"/>
+            </a:endParaRPr>
+          </a:p>
+        </p:txBody>
+      </p:sp>
+      <p:sp>
+        <p:nvSpPr>
+          <p:cNvPr id="105" name="PlaceHolder 4"/>
           <p:cNvSpPr>
             <a:spLocks noGrp="1"/>
           </p:cNvSpPr>
@@ -2003,18 +1879,15 @@
             <a:normAutofit/>
           </a:bodyPr>
           <a:p>
-            <a:endParaRPr b="0" lang="de-DE" sz="1800" spc="-1" strike="noStrike">
-              <a:solidFill>
-                <a:srgbClr val="404040"/>
-              </a:solidFill>
-              <a:latin typeface="Trebuchet MS"/>
-            </a:endParaRPr>
-          </a:p>
-        </p:txBody>
-      </p:sp>
-      <p:sp>
-        <p:nvSpPr>
-          <p:cNvPr id="112" name="PlaceHolder 5"/>
+            <a:endParaRPr b="0" lang="de-DE" sz="3200" spc="-1" strike="noStrike">
+              <a:latin typeface="Arial"/>
+            </a:endParaRPr>
+          </a:p>
+        </p:txBody>
+      </p:sp>
+      <p:sp>
+        <p:nvSpPr>
+          <p:cNvPr id="106" name="PlaceHolder 5"/>
           <p:cNvSpPr>
             <a:spLocks noGrp="1"/>
           </p:cNvSpPr>
@@ -2036,18 +1909,15 @@
             <a:normAutofit/>
           </a:bodyPr>
           <a:p>
-            <a:endParaRPr b="0" lang="de-DE" sz="1800" spc="-1" strike="noStrike">
-              <a:solidFill>
-                <a:srgbClr val="404040"/>
-              </a:solidFill>
-              <a:latin typeface="Trebuchet MS"/>
-            </a:endParaRPr>
-          </a:p>
-        </p:txBody>
-      </p:sp>
-      <p:sp>
-        <p:nvSpPr>
-          <p:cNvPr id="113" name="PlaceHolder 6"/>
+            <a:endParaRPr b="0" lang="de-DE" sz="3200" spc="-1" strike="noStrike">
+              <a:latin typeface="Arial"/>
+            </a:endParaRPr>
+          </a:p>
+        </p:txBody>
+      </p:sp>
+      <p:sp>
+        <p:nvSpPr>
+          <p:cNvPr id="107" name="PlaceHolder 6"/>
           <p:cNvSpPr>
             <a:spLocks noGrp="1"/>
           </p:cNvSpPr>
@@ -2069,18 +1939,15 @@
             <a:normAutofit/>
           </a:bodyPr>
           <a:p>
-            <a:endParaRPr b="0" lang="de-DE" sz="1800" spc="-1" strike="noStrike">
-              <a:solidFill>
-                <a:srgbClr val="404040"/>
-              </a:solidFill>
-              <a:latin typeface="Trebuchet MS"/>
-            </a:endParaRPr>
-          </a:p>
-        </p:txBody>
-      </p:sp>
-      <p:sp>
-        <p:nvSpPr>
-          <p:cNvPr id="114" name="PlaceHolder 7"/>
+            <a:endParaRPr b="0" lang="de-DE" sz="3200" spc="-1" strike="noStrike">
+              <a:latin typeface="Arial"/>
+            </a:endParaRPr>
+          </a:p>
+        </p:txBody>
+      </p:sp>
+      <p:sp>
+        <p:nvSpPr>
+          <p:cNvPr id="108" name="PlaceHolder 7"/>
           <p:cNvSpPr>
             <a:spLocks noGrp="1"/>
           </p:cNvSpPr>
@@ -2102,11 +1969,8 @@
             <a:normAutofit/>
           </a:bodyPr>
           <a:p>
-            <a:endParaRPr b="0" lang="de-DE" sz="1800" spc="-1" strike="noStrike">
-              <a:solidFill>
-                <a:srgbClr val="404040"/>
-              </a:solidFill>
-              <a:latin typeface="Trebuchet MS"/>
+            <a:endParaRPr b="0" lang="de-DE" sz="3200" spc="-1" strike="noStrike">
+              <a:latin typeface="Arial"/>
             </a:endParaRPr>
           </a:p>
         </p:txBody>
@@ -2135,7 +1999,7 @@
       </p:grpSpPr>
       <p:sp>
         <p:nvSpPr>
-          <p:cNvPr id="29" name="PlaceHolder 1"/>
+          <p:cNvPr id="26" name="PlaceHolder 1"/>
           <p:cNvSpPr>
             <a:spLocks noGrp="1"/>
           </p:cNvSpPr>
@@ -2146,7 +2010,7 @@
         <p:spPr>
           <a:xfrm>
             <a:off x="1130760" y="2404440"/>
-            <a:ext cx="5826240" cy="1645920"/>
+            <a:ext cx="5825880" cy="1645560"/>
           </a:xfrm>
           <a:prstGeom prst="rect">
             <a:avLst/>
@@ -2155,18 +2019,16 @@
         <p:txBody>
           <a:bodyPr lIns="0" rIns="0" tIns="0" bIns="0" anchor="ctr"/>
           <a:p>
-            <a:endParaRPr b="0" lang="de-DE" sz="1800" spc="-1" strike="noStrike">
-              <a:solidFill>
-                <a:srgbClr val="000000"/>
-              </a:solidFill>
-              <a:latin typeface="Trebuchet MS"/>
-            </a:endParaRPr>
-          </a:p>
-        </p:txBody>
-      </p:sp>
-      <p:sp>
-        <p:nvSpPr>
-          <p:cNvPr id="30" name="PlaceHolder 2"/>
+            <a:pPr algn="ctr"/>
+            <a:endParaRPr b="0" lang="de-DE" sz="4400" spc="-1" strike="noStrike">
+              <a:latin typeface="Arial"/>
+            </a:endParaRPr>
+          </a:p>
+        </p:txBody>
+      </p:sp>
+      <p:sp>
+        <p:nvSpPr>
+          <p:cNvPr id="27" name="PlaceHolder 2"/>
           <p:cNvSpPr>
             <a:spLocks noGrp="1"/>
           </p:cNvSpPr>
@@ -2188,11 +2050,8 @@
             <a:normAutofit/>
           </a:bodyPr>
           <a:p>
-            <a:endParaRPr b="0" lang="de-DE" sz="1800" spc="-1" strike="noStrike">
-              <a:solidFill>
-                <a:srgbClr val="404040"/>
-              </a:solidFill>
-              <a:latin typeface="Trebuchet MS"/>
+            <a:endParaRPr b="0" lang="de-DE" sz="3200" spc="-1" strike="noStrike">
+              <a:latin typeface="Arial"/>
             </a:endParaRPr>
           </a:p>
         </p:txBody>
@@ -2221,7 +2080,7 @@
       </p:grpSpPr>
       <p:sp>
         <p:nvSpPr>
-          <p:cNvPr id="31" name="PlaceHolder 1"/>
+          <p:cNvPr id="28" name="PlaceHolder 1"/>
           <p:cNvSpPr>
             <a:spLocks noGrp="1"/>
           </p:cNvSpPr>
@@ -2232,7 +2091,7 @@
         <p:spPr>
           <a:xfrm>
             <a:off x="1130760" y="2404440"/>
-            <a:ext cx="5826240" cy="1645920"/>
+            <a:ext cx="5825880" cy="1645560"/>
           </a:xfrm>
           <a:prstGeom prst="rect">
             <a:avLst/>
@@ -2241,18 +2100,16 @@
         <p:txBody>
           <a:bodyPr lIns="0" rIns="0" tIns="0" bIns="0" anchor="ctr"/>
           <a:p>
-            <a:endParaRPr b="0" lang="de-DE" sz="1800" spc="-1" strike="noStrike">
-              <a:solidFill>
-                <a:srgbClr val="000000"/>
-              </a:solidFill>
-              <a:latin typeface="Trebuchet MS"/>
-            </a:endParaRPr>
-          </a:p>
-        </p:txBody>
-      </p:sp>
-      <p:sp>
-        <p:nvSpPr>
-          <p:cNvPr id="32" name="PlaceHolder 2"/>
+            <a:pPr algn="ctr"/>
+            <a:endParaRPr b="0" lang="de-DE" sz="4400" spc="-1" strike="noStrike">
+              <a:latin typeface="Arial"/>
+            </a:endParaRPr>
+          </a:p>
+        </p:txBody>
+      </p:sp>
+      <p:sp>
+        <p:nvSpPr>
+          <p:cNvPr id="29" name="PlaceHolder 2"/>
           <p:cNvSpPr>
             <a:spLocks noGrp="1"/>
           </p:cNvSpPr>
@@ -2274,18 +2131,15 @@
             <a:normAutofit/>
           </a:bodyPr>
           <a:p>
-            <a:endParaRPr b="0" lang="de-DE" sz="1800" spc="-1" strike="noStrike">
-              <a:solidFill>
-                <a:srgbClr val="404040"/>
-              </a:solidFill>
-              <a:latin typeface="Trebuchet MS"/>
-            </a:endParaRPr>
-          </a:p>
-        </p:txBody>
-      </p:sp>
-      <p:sp>
-        <p:nvSpPr>
-          <p:cNvPr id="33" name="PlaceHolder 3"/>
+            <a:endParaRPr b="0" lang="de-DE" sz="3200" spc="-1" strike="noStrike">
+              <a:latin typeface="Arial"/>
+            </a:endParaRPr>
+          </a:p>
+        </p:txBody>
+      </p:sp>
+      <p:sp>
+        <p:nvSpPr>
+          <p:cNvPr id="30" name="PlaceHolder 3"/>
           <p:cNvSpPr>
             <a:spLocks noGrp="1"/>
           </p:cNvSpPr>
@@ -2307,11 +2161,8 @@
             <a:normAutofit/>
           </a:bodyPr>
           <a:p>
-            <a:endParaRPr b="0" lang="de-DE" sz="1800" spc="-1" strike="noStrike">
-              <a:solidFill>
-                <a:srgbClr val="404040"/>
-              </a:solidFill>
-              <a:latin typeface="Trebuchet MS"/>
+            <a:endParaRPr b="0" lang="de-DE" sz="3200" spc="-1" strike="noStrike">
+              <a:latin typeface="Arial"/>
             </a:endParaRPr>
           </a:p>
         </p:txBody>
@@ -2340,7 +2191,7 @@
       </p:grpSpPr>
       <p:sp>
         <p:nvSpPr>
-          <p:cNvPr id="34" name="PlaceHolder 1"/>
+          <p:cNvPr id="31" name="PlaceHolder 1"/>
           <p:cNvSpPr>
             <a:spLocks noGrp="1"/>
           </p:cNvSpPr>
@@ -2351,7 +2202,7 @@
         <p:spPr>
           <a:xfrm>
             <a:off x="1130760" y="2404440"/>
-            <a:ext cx="5826240" cy="1645920"/>
+            <a:ext cx="5825880" cy="1645560"/>
           </a:xfrm>
           <a:prstGeom prst="rect">
             <a:avLst/>
@@ -2360,11 +2211,9 @@
         <p:txBody>
           <a:bodyPr lIns="0" rIns="0" tIns="0" bIns="0" anchor="ctr"/>
           <a:p>
-            <a:endParaRPr b="0" lang="de-DE" sz="1800" spc="-1" strike="noStrike">
-              <a:solidFill>
-                <a:srgbClr val="000000"/>
-              </a:solidFill>
-              <a:latin typeface="Trebuchet MS"/>
+            <a:pPr algn="ctr"/>
+            <a:endParaRPr b="0" lang="de-DE" sz="4400" spc="-1" strike="noStrike">
+              <a:latin typeface="Arial"/>
             </a:endParaRPr>
           </a:p>
         </p:txBody>
@@ -2393,7 +2242,7 @@
       </p:grpSpPr>
       <p:sp>
         <p:nvSpPr>
-          <p:cNvPr id="35" name="PlaceHolder 1"/>
+          <p:cNvPr id="32" name="PlaceHolder 1"/>
           <p:cNvSpPr>
             <a:spLocks noGrp="1"/>
           </p:cNvSpPr>
@@ -2404,7 +2253,7 @@
         <p:spPr>
           <a:xfrm>
             <a:off x="1130760" y="2404440"/>
-            <a:ext cx="5826240" cy="7630920"/>
+            <a:ext cx="5825880" cy="7629120"/>
           </a:xfrm>
           <a:prstGeom prst="rect">
             <a:avLst/>
@@ -2444,7 +2293,7 @@
       </p:grpSpPr>
       <p:sp>
         <p:nvSpPr>
-          <p:cNvPr id="36" name="PlaceHolder 1"/>
+          <p:cNvPr id="33" name="PlaceHolder 1"/>
           <p:cNvSpPr>
             <a:spLocks noGrp="1"/>
           </p:cNvSpPr>
@@ -2455,7 +2304,7 @@
         <p:spPr>
           <a:xfrm>
             <a:off x="1130760" y="2404440"/>
-            <a:ext cx="5826240" cy="1645920"/>
+            <a:ext cx="5825880" cy="1645560"/>
           </a:xfrm>
           <a:prstGeom prst="rect">
             <a:avLst/>
@@ -2464,18 +2313,16 @@
         <p:txBody>
           <a:bodyPr lIns="0" rIns="0" tIns="0" bIns="0" anchor="ctr"/>
           <a:p>
-            <a:endParaRPr b="0" lang="de-DE" sz="1800" spc="-1" strike="noStrike">
-              <a:solidFill>
-                <a:srgbClr val="000000"/>
-              </a:solidFill>
-              <a:latin typeface="Trebuchet MS"/>
-            </a:endParaRPr>
-          </a:p>
-        </p:txBody>
-      </p:sp>
-      <p:sp>
-        <p:nvSpPr>
-          <p:cNvPr id="37" name="PlaceHolder 2"/>
+            <a:pPr algn="ctr"/>
+            <a:endParaRPr b="0" lang="de-DE" sz="4400" spc="-1" strike="noStrike">
+              <a:latin typeface="Arial"/>
+            </a:endParaRPr>
+          </a:p>
+        </p:txBody>
+      </p:sp>
+      <p:sp>
+        <p:nvSpPr>
+          <p:cNvPr id="34" name="PlaceHolder 2"/>
           <p:cNvSpPr>
             <a:spLocks noGrp="1"/>
           </p:cNvSpPr>
@@ -2497,18 +2344,15 @@
             <a:normAutofit/>
           </a:bodyPr>
           <a:p>
-            <a:endParaRPr b="0" lang="de-DE" sz="1800" spc="-1" strike="noStrike">
-              <a:solidFill>
-                <a:srgbClr val="404040"/>
-              </a:solidFill>
-              <a:latin typeface="Trebuchet MS"/>
-            </a:endParaRPr>
-          </a:p>
-        </p:txBody>
-      </p:sp>
-      <p:sp>
-        <p:nvSpPr>
-          <p:cNvPr id="38" name="PlaceHolder 3"/>
+            <a:endParaRPr b="0" lang="de-DE" sz="3200" spc="-1" strike="noStrike">
+              <a:latin typeface="Arial"/>
+            </a:endParaRPr>
+          </a:p>
+        </p:txBody>
+      </p:sp>
+      <p:sp>
+        <p:nvSpPr>
+          <p:cNvPr id="35" name="PlaceHolder 3"/>
           <p:cNvSpPr>
             <a:spLocks noGrp="1"/>
           </p:cNvSpPr>
@@ -2530,18 +2374,15 @@
             <a:normAutofit/>
           </a:bodyPr>
           <a:p>
-            <a:endParaRPr b="0" lang="de-DE" sz="1800" spc="-1" strike="noStrike">
-              <a:solidFill>
-                <a:srgbClr val="404040"/>
-              </a:solidFill>
-              <a:latin typeface="Trebuchet MS"/>
-            </a:endParaRPr>
-          </a:p>
-        </p:txBody>
-      </p:sp>
-      <p:sp>
-        <p:nvSpPr>
-          <p:cNvPr id="39" name="PlaceHolder 4"/>
+            <a:endParaRPr b="0" lang="de-DE" sz="3200" spc="-1" strike="noStrike">
+              <a:latin typeface="Arial"/>
+            </a:endParaRPr>
+          </a:p>
+        </p:txBody>
+      </p:sp>
+      <p:sp>
+        <p:nvSpPr>
+          <p:cNvPr id="36" name="PlaceHolder 4"/>
           <p:cNvSpPr>
             <a:spLocks noGrp="1"/>
           </p:cNvSpPr>
@@ -2563,11 +2404,8 @@
             <a:normAutofit/>
           </a:bodyPr>
           <a:p>
-            <a:endParaRPr b="0" lang="de-DE" sz="1800" spc="-1" strike="noStrike">
-              <a:solidFill>
-                <a:srgbClr val="404040"/>
-              </a:solidFill>
-              <a:latin typeface="Trebuchet MS"/>
+            <a:endParaRPr b="0" lang="de-DE" sz="3200" spc="-1" strike="noStrike">
+              <a:latin typeface="Arial"/>
             </a:endParaRPr>
           </a:p>
         </p:txBody>
@@ -2596,7 +2434,7 @@
       </p:grpSpPr>
       <p:sp>
         <p:nvSpPr>
-          <p:cNvPr id="40" name="PlaceHolder 1"/>
+          <p:cNvPr id="37" name="PlaceHolder 1"/>
           <p:cNvSpPr>
             <a:spLocks noGrp="1"/>
           </p:cNvSpPr>
@@ -2607,7 +2445,7 @@
         <p:spPr>
           <a:xfrm>
             <a:off x="1130760" y="2404440"/>
-            <a:ext cx="5826240" cy="1645920"/>
+            <a:ext cx="5825880" cy="1645560"/>
           </a:xfrm>
           <a:prstGeom prst="rect">
             <a:avLst/>
@@ -2616,18 +2454,16 @@
         <p:txBody>
           <a:bodyPr lIns="0" rIns="0" tIns="0" bIns="0" anchor="ctr"/>
           <a:p>
-            <a:endParaRPr b="0" lang="de-DE" sz="1800" spc="-1" strike="noStrike">
-              <a:solidFill>
-                <a:srgbClr val="000000"/>
-              </a:solidFill>
-              <a:latin typeface="Trebuchet MS"/>
-            </a:endParaRPr>
-          </a:p>
-        </p:txBody>
-      </p:sp>
-      <p:sp>
-        <p:nvSpPr>
-          <p:cNvPr id="41" name="PlaceHolder 2"/>
+            <a:pPr algn="ctr"/>
+            <a:endParaRPr b="0" lang="de-DE" sz="4400" spc="-1" strike="noStrike">
+              <a:latin typeface="Arial"/>
+            </a:endParaRPr>
+          </a:p>
+        </p:txBody>
+      </p:sp>
+      <p:sp>
+        <p:nvSpPr>
+          <p:cNvPr id="38" name="PlaceHolder 2"/>
           <p:cNvSpPr>
             <a:spLocks noGrp="1"/>
           </p:cNvSpPr>
@@ -2649,18 +2485,15 @@
             <a:normAutofit/>
           </a:bodyPr>
           <a:p>
-            <a:endParaRPr b="0" lang="de-DE" sz="1800" spc="-1" strike="noStrike">
-              <a:solidFill>
-                <a:srgbClr val="404040"/>
-              </a:solidFill>
-              <a:latin typeface="Trebuchet MS"/>
-            </a:endParaRPr>
-          </a:p>
-        </p:txBody>
-      </p:sp>
-      <p:sp>
-        <p:nvSpPr>
-          <p:cNvPr id="42" name="PlaceHolder 3"/>
+            <a:endParaRPr b="0" lang="de-DE" sz="3200" spc="-1" strike="noStrike">
+              <a:latin typeface="Arial"/>
+            </a:endParaRPr>
+          </a:p>
+        </p:txBody>
+      </p:sp>
+      <p:sp>
+        <p:nvSpPr>
+          <p:cNvPr id="39" name="PlaceHolder 3"/>
           <p:cNvSpPr>
             <a:spLocks noGrp="1"/>
           </p:cNvSpPr>
@@ -2682,18 +2515,15 @@
             <a:normAutofit/>
           </a:bodyPr>
           <a:p>
-            <a:endParaRPr b="0" lang="de-DE" sz="1800" spc="-1" strike="noStrike">
-              <a:solidFill>
-                <a:srgbClr val="404040"/>
-              </a:solidFill>
-              <a:latin typeface="Trebuchet MS"/>
-            </a:endParaRPr>
-          </a:p>
-        </p:txBody>
-      </p:sp>
-      <p:sp>
-        <p:nvSpPr>
-          <p:cNvPr id="43" name="PlaceHolder 4"/>
+            <a:endParaRPr b="0" lang="de-DE" sz="3200" spc="-1" strike="noStrike">
+              <a:latin typeface="Arial"/>
+            </a:endParaRPr>
+          </a:p>
+        </p:txBody>
+      </p:sp>
+      <p:sp>
+        <p:nvSpPr>
+          <p:cNvPr id="40" name="PlaceHolder 4"/>
           <p:cNvSpPr>
             <a:spLocks noGrp="1"/>
           </p:cNvSpPr>
@@ -2715,11 +2545,8 @@
             <a:normAutofit/>
           </a:bodyPr>
           <a:p>
-            <a:endParaRPr b="0" lang="de-DE" sz="1800" spc="-1" strike="noStrike">
-              <a:solidFill>
-                <a:srgbClr val="404040"/>
-              </a:solidFill>
-              <a:latin typeface="Trebuchet MS"/>
+            <a:endParaRPr b="0" lang="de-DE" sz="3200" spc="-1" strike="noStrike">
+              <a:latin typeface="Arial"/>
             </a:endParaRPr>
           </a:p>
         </p:txBody>
@@ -2748,7 +2575,7 @@
       </p:grpSpPr>
       <p:sp>
         <p:nvSpPr>
-          <p:cNvPr id="44" name="PlaceHolder 1"/>
+          <p:cNvPr id="41" name="PlaceHolder 1"/>
           <p:cNvSpPr>
             <a:spLocks noGrp="1"/>
           </p:cNvSpPr>
@@ -2759,7 +2586,7 @@
         <p:spPr>
           <a:xfrm>
             <a:off x="1130760" y="2404440"/>
-            <a:ext cx="5826240" cy="1645920"/>
+            <a:ext cx="5825880" cy="1645560"/>
           </a:xfrm>
           <a:prstGeom prst="rect">
             <a:avLst/>
@@ -2768,18 +2595,16 @@
         <p:txBody>
           <a:bodyPr lIns="0" rIns="0" tIns="0" bIns="0" anchor="ctr"/>
           <a:p>
-            <a:endParaRPr b="0" lang="de-DE" sz="1800" spc="-1" strike="noStrike">
-              <a:solidFill>
-                <a:srgbClr val="000000"/>
-              </a:solidFill>
-              <a:latin typeface="Trebuchet MS"/>
-            </a:endParaRPr>
-          </a:p>
-        </p:txBody>
-      </p:sp>
-      <p:sp>
-        <p:nvSpPr>
-          <p:cNvPr id="45" name="PlaceHolder 2"/>
+            <a:pPr algn="ctr"/>
+            <a:endParaRPr b="0" lang="de-DE" sz="4400" spc="-1" strike="noStrike">
+              <a:latin typeface="Arial"/>
+            </a:endParaRPr>
+          </a:p>
+        </p:txBody>
+      </p:sp>
+      <p:sp>
+        <p:nvSpPr>
+          <p:cNvPr id="42" name="PlaceHolder 2"/>
           <p:cNvSpPr>
             <a:spLocks noGrp="1"/>
           </p:cNvSpPr>
@@ -2801,18 +2626,15 @@
             <a:normAutofit/>
           </a:bodyPr>
           <a:p>
-            <a:endParaRPr b="0" lang="de-DE" sz="1800" spc="-1" strike="noStrike">
-              <a:solidFill>
-                <a:srgbClr val="404040"/>
-              </a:solidFill>
-              <a:latin typeface="Trebuchet MS"/>
-            </a:endParaRPr>
-          </a:p>
-        </p:txBody>
-      </p:sp>
-      <p:sp>
-        <p:nvSpPr>
-          <p:cNvPr id="46" name="PlaceHolder 3"/>
+            <a:endParaRPr b="0" lang="de-DE" sz="3200" spc="-1" strike="noStrike">
+              <a:latin typeface="Arial"/>
+            </a:endParaRPr>
+          </a:p>
+        </p:txBody>
+      </p:sp>
+      <p:sp>
+        <p:nvSpPr>
+          <p:cNvPr id="43" name="PlaceHolder 3"/>
           <p:cNvSpPr>
             <a:spLocks noGrp="1"/>
           </p:cNvSpPr>
@@ -2834,18 +2656,15 @@
             <a:normAutofit/>
           </a:bodyPr>
           <a:p>
-            <a:endParaRPr b="0" lang="de-DE" sz="1800" spc="-1" strike="noStrike">
-              <a:solidFill>
-                <a:srgbClr val="404040"/>
-              </a:solidFill>
-              <a:latin typeface="Trebuchet MS"/>
-            </a:endParaRPr>
-          </a:p>
-        </p:txBody>
-      </p:sp>
-      <p:sp>
-        <p:nvSpPr>
-          <p:cNvPr id="47" name="PlaceHolder 4"/>
+            <a:endParaRPr b="0" lang="de-DE" sz="3200" spc="-1" strike="noStrike">
+              <a:latin typeface="Arial"/>
+            </a:endParaRPr>
+          </a:p>
+        </p:txBody>
+      </p:sp>
+      <p:sp>
+        <p:nvSpPr>
+          <p:cNvPr id="44" name="PlaceHolder 4"/>
           <p:cNvSpPr>
             <a:spLocks noGrp="1"/>
           </p:cNvSpPr>
@@ -2867,11 +2686,8 @@
             <a:normAutofit/>
           </a:bodyPr>
           <a:p>
-            <a:endParaRPr b="0" lang="de-DE" sz="1800" spc="-1" strike="noStrike">
-              <a:solidFill>
-                <a:srgbClr val="404040"/>
-              </a:solidFill>
-              <a:latin typeface="Trebuchet MS"/>
+            <a:endParaRPr b="0" lang="de-DE" sz="3200" spc="-1" strike="noStrike">
+              <a:latin typeface="Arial"/>
             </a:endParaRPr>
           </a:p>
         </p:txBody>
@@ -2914,9 +2730,9 @@
         <p:grpSpPr>
           <a:xfrm>
             <a:off x="-8640" y="-8640"/>
-            <a:ext cx="9169560" cy="6874920"/>
+            <a:ext cx="9169200" cy="6874560"/>
             <a:chOff x="-8640" y="-8640"/>
-            <a:chExt cx="9169560" cy="6874920"/>
+            <a:chExt cx="9169200" cy="6874560"/>
           </a:xfrm>
         </p:grpSpPr>
         <p:sp>
@@ -2928,7 +2744,7 @@
           <p:spPr>
             <a:xfrm>
               <a:off x="-8640" y="4013280"/>
-              <a:ext cx="456840" cy="2853000"/>
+              <a:ext cx="456480" cy="2852640"/>
             </a:xfrm>
             <a:custGeom>
               <a:avLst/>
@@ -3065,7 +2881,7 @@
           <p:spPr>
             <a:xfrm>
               <a:off x="6891840" y="0"/>
-              <a:ext cx="2269080" cy="6866280"/>
+              <a:ext cx="2268720" cy="6865920"/>
             </a:xfrm>
             <a:custGeom>
               <a:avLst/>
@@ -3133,7 +2949,7 @@
           <p:spPr>
             <a:xfrm>
               <a:off x="7205040" y="-8640"/>
-              <a:ext cx="1947960" cy="6866280"/>
+              <a:ext cx="1947600" cy="6865920"/>
             </a:xfrm>
             <a:custGeom>
               <a:avLst/>
@@ -3201,7 +3017,7 @@
           <p:spPr>
             <a:xfrm>
               <a:off x="6638040" y="3920040"/>
-              <a:ext cx="2513160" cy="2937600"/>
+              <a:ext cx="2512800" cy="2937240"/>
             </a:xfrm>
             <a:custGeom>
               <a:avLst/>
@@ -3266,7 +3082,7 @@
           <p:spPr>
             <a:xfrm>
               <a:off x="7010280" y="-8640"/>
-              <a:ext cx="2142360" cy="6866280"/>
+              <a:ext cx="2142000" cy="6865920"/>
             </a:xfrm>
             <a:custGeom>
               <a:avLst/>
@@ -3333,7 +3149,7 @@
           <p:spPr>
             <a:xfrm>
               <a:off x="8295840" y="-8640"/>
-              <a:ext cx="857160" cy="6866280"/>
+              <a:ext cx="856800" cy="6865920"/>
             </a:xfrm>
             <a:custGeom>
               <a:avLst/>
@@ -3403,7 +3219,7 @@
           <p:spPr>
             <a:xfrm>
               <a:off x="8077320" y="-8640"/>
-              <a:ext cx="1066320" cy="6866280"/>
+              <a:ext cx="1065960" cy="6865920"/>
             </a:xfrm>
             <a:custGeom>
               <a:avLst/>
@@ -3471,7 +3287,7 @@
           <p:spPr>
             <a:xfrm>
               <a:off x="8060400" y="4893840"/>
-              <a:ext cx="1093680" cy="1963800"/>
+              <a:ext cx="1093320" cy="1963440"/>
             </a:xfrm>
             <a:custGeom>
               <a:avLst/>
@@ -3537,9 +3353,9 @@
         <p:grpSpPr>
           <a:xfrm>
             <a:off x="-8640" y="-8640"/>
-            <a:ext cx="9169560" cy="6874920"/>
+            <a:ext cx="9169200" cy="6874560"/>
             <a:chOff x="-8640" y="-8640"/>
-            <a:chExt cx="9169560" cy="6874920"/>
+            <a:chExt cx="9169200" cy="6874560"/>
           </a:xfrm>
         </p:grpSpPr>
         <p:sp>
@@ -3623,7 +3439,7 @@
           <p:spPr>
             <a:xfrm>
               <a:off x="6891840" y="0"/>
-              <a:ext cx="2269080" cy="6866280"/>
+              <a:ext cx="2268720" cy="6865920"/>
             </a:xfrm>
             <a:custGeom>
               <a:avLst/>
@@ -3691,7 +3507,7 @@
           <p:spPr>
             <a:xfrm>
               <a:off x="7205040" y="-8640"/>
-              <a:ext cx="1947960" cy="6866280"/>
+              <a:ext cx="1947600" cy="6865920"/>
             </a:xfrm>
             <a:custGeom>
               <a:avLst/>
@@ -3759,7 +3575,7 @@
           <p:spPr>
             <a:xfrm>
               <a:off x="6638040" y="3920040"/>
-              <a:ext cx="2513160" cy="2937600"/>
+              <a:ext cx="2512800" cy="2937240"/>
             </a:xfrm>
             <a:custGeom>
               <a:avLst/>
@@ -3824,7 +3640,7 @@
           <p:spPr>
             <a:xfrm>
               <a:off x="7010280" y="-8640"/>
-              <a:ext cx="2142360" cy="6866280"/>
+              <a:ext cx="2142000" cy="6865920"/>
             </a:xfrm>
             <a:custGeom>
               <a:avLst/>
@@ -3891,7 +3707,7 @@
           <p:spPr>
             <a:xfrm>
               <a:off x="8295840" y="-8640"/>
-              <a:ext cx="857160" cy="6866280"/>
+              <a:ext cx="856800" cy="6865920"/>
             </a:xfrm>
             <a:custGeom>
               <a:avLst/>
@@ -3961,7 +3777,7 @@
           <p:spPr>
             <a:xfrm>
               <a:off x="8077320" y="-8640"/>
-              <a:ext cx="1066320" cy="6866280"/>
+              <a:ext cx="1065960" cy="6865920"/>
             </a:xfrm>
             <a:custGeom>
               <a:avLst/>
@@ -4029,7 +3845,7 @@
           <p:spPr>
             <a:xfrm>
               <a:off x="8060400" y="4893840"/>
-              <a:ext cx="1093680" cy="1963800"/>
+              <a:ext cx="1093320" cy="1963440"/>
             </a:xfrm>
             <a:custGeom>
               <a:avLst/>
@@ -4094,7 +3910,7 @@
           <p:spPr>
             <a:xfrm>
               <a:off x="-8640" y="-8640"/>
-              <a:ext cx="863280" cy="5697720"/>
+              <a:ext cx="862920" cy="5697360"/>
             </a:xfrm>
             <a:custGeom>
               <a:avLst/>
@@ -4165,34 +3981,23 @@
         <p:spPr>
           <a:xfrm>
             <a:off x="1130760" y="2404440"/>
-            <a:ext cx="5826240" cy="1645920"/>
-          </a:xfrm>
-          <a:prstGeom prst="rect">
-            <a:avLst/>
-          </a:prstGeom>
-        </p:spPr>
-        <p:txBody>
-          <a:bodyPr anchor="b"/>
-          <a:p>
-            <a:pPr algn="r">
-              <a:lnSpc>
-                <a:spcPct val="100000"/>
-              </a:lnSpc>
-            </a:pPr>
-            <a:r>
-              <a:rPr b="0" lang="de-DE" sz="5400" spc="-1" strike="noStrike">
-                <a:solidFill>
-                  <a:srgbClr val="d34817"/>
-                </a:solidFill>
-                <a:latin typeface="Trebuchet MS"/>
-              </a:rPr>
-              <a:t>Titelmasterformat durch Klicken bearbeiten</a:t>
-            </a:r>
-            <a:endParaRPr b="0" lang="de-DE" sz="5400" spc="-1" strike="noStrike">
-              <a:solidFill>
-                <a:srgbClr val="000000"/>
-              </a:solidFill>
-              <a:latin typeface="Trebuchet MS"/>
+            <a:ext cx="5825880" cy="1645560"/>
+          </a:xfrm>
+          <a:prstGeom prst="rect">
+            <a:avLst/>
+          </a:prstGeom>
+        </p:spPr>
+        <p:txBody>
+          <a:bodyPr lIns="0" rIns="0" tIns="0" bIns="0" anchor="ctr"/>
+          <a:p>
+            <a:r>
+              <a:rPr b="0" lang="de-DE" sz="1800" spc="-1" strike="noStrike">
+                <a:latin typeface="Arial"/>
+              </a:rPr>
+              <a:t>Click to edit the title text format</a:t>
+            </a:r>
+            <a:endParaRPr b="0" lang="de-DE" sz="1800" spc="-1" strike="noStrike">
+              <a:latin typeface="Arial"/>
             </a:endParaRPr>
           </a:p>
         </p:txBody>
@@ -4200,118 +4005,6 @@
       <p:sp>
         <p:nvSpPr>
           <p:cNvPr id="23" name="PlaceHolder 24"/>
-          <p:cNvSpPr>
-            <a:spLocks noGrp="1"/>
-          </p:cNvSpPr>
-          <p:nvPr>
-            <p:ph type="dt"/>
-          </p:nvPr>
-        </p:nvSpPr>
-        <p:spPr>
-          <a:xfrm>
-            <a:off x="5405400" y="6041520"/>
-            <a:ext cx="683640" cy="364680"/>
-          </a:xfrm>
-          <a:prstGeom prst="rect">
-            <a:avLst/>
-          </a:prstGeom>
-        </p:spPr>
-        <p:txBody>
-          <a:bodyPr anchor="ctr"/>
-          <a:p>
-            <a:pPr algn="r">
-              <a:lnSpc>
-                <a:spcPct val="100000"/>
-              </a:lnSpc>
-            </a:pPr>
-            <a:fld id="{3B590198-5843-4399-9B1C-EEE81557A915}" type="datetime1">
-              <a:rPr b="0" lang="de-DE" sz="900" spc="-1" strike="noStrike">
-                <a:solidFill>
-                  <a:srgbClr val="8b8b8b"/>
-                </a:solidFill>
-                <a:latin typeface="Trebuchet MS"/>
-              </a:rPr>
-              <a:t>13.12.2018</a:t>
-            </a:fld>
-            <a:endParaRPr b="0" lang="de-DE" sz="900" spc="-1" strike="noStrike">
-              <a:latin typeface="Times New Roman"/>
-            </a:endParaRPr>
-          </a:p>
-        </p:txBody>
-      </p:sp>
-      <p:sp>
-        <p:nvSpPr>
-          <p:cNvPr id="24" name="PlaceHolder 25"/>
-          <p:cNvSpPr>
-            <a:spLocks noGrp="1"/>
-          </p:cNvSpPr>
-          <p:nvPr>
-            <p:ph type="ftr"/>
-          </p:nvPr>
-        </p:nvSpPr>
-        <p:spPr>
-          <a:xfrm>
-            <a:off x="609480" y="6041520"/>
-            <a:ext cx="4622760" cy="364680"/>
-          </a:xfrm>
-          <a:prstGeom prst="rect">
-            <a:avLst/>
-          </a:prstGeom>
-        </p:spPr>
-        <p:txBody>
-          <a:bodyPr anchor="ctr"/>
-          <a:p>
-            <a:endParaRPr b="0" lang="de-DE" sz="2400" spc="-1" strike="noStrike">
-              <a:latin typeface="Times New Roman"/>
-            </a:endParaRPr>
-          </a:p>
-        </p:txBody>
-      </p:sp>
-      <p:sp>
-        <p:nvSpPr>
-          <p:cNvPr id="25" name="PlaceHolder 26"/>
-          <p:cNvSpPr>
-            <a:spLocks noGrp="1"/>
-          </p:cNvSpPr>
-          <p:nvPr>
-            <p:ph type="sldNum"/>
-          </p:nvPr>
-        </p:nvSpPr>
-        <p:spPr>
-          <a:xfrm>
-            <a:off x="6444720" y="6041520"/>
-            <a:ext cx="512280" cy="364680"/>
-          </a:xfrm>
-          <a:prstGeom prst="rect">
-            <a:avLst/>
-          </a:prstGeom>
-        </p:spPr>
-        <p:txBody>
-          <a:bodyPr anchor="ctr"/>
-          <a:p>
-            <a:pPr algn="r">
-              <a:lnSpc>
-                <a:spcPct val="100000"/>
-              </a:lnSpc>
-            </a:pPr>
-            <a:fld id="{FD564B85-5140-4F06-9ECA-F173A820AAD7}" type="slidenum">
-              <a:rPr b="0" lang="de-DE" sz="900" spc="-1" strike="noStrike">
-                <a:solidFill>
-                  <a:srgbClr val="d34817"/>
-                </a:solidFill>
-                <a:latin typeface="Trebuchet MS"/>
-              </a:rPr>
-              <a:t>&lt;number&gt;</a:t>
-            </a:fld>
-            <a:endParaRPr b="0" lang="de-DE" sz="900" spc="-1" strike="noStrike">
-              <a:latin typeface="Times New Roman"/>
-            </a:endParaRPr>
-          </a:p>
-        </p:txBody>
-      </p:sp>
-      <p:sp>
-        <p:nvSpPr>
-          <p:cNvPr id="26" name="PlaceHolder 27"/>
           <p:cNvSpPr>
             <a:spLocks noGrp="1"/>
           </p:cNvSpPr>
@@ -4345,19 +4038,13 @@
               <a:buChar char=""/>
             </a:pPr>
             <a:r>
-              <a:rPr b="0" lang="de-DE" sz="1800" spc="-1" strike="noStrike">
-                <a:solidFill>
-                  <a:srgbClr val="404040"/>
-                </a:solidFill>
-                <a:latin typeface="Trebuchet MS"/>
+              <a:rPr b="0" lang="de-DE" sz="3200" spc="-1" strike="noStrike">
+                <a:latin typeface="Arial"/>
               </a:rPr>
               <a:t>Click to edit the outline text format</a:t>
             </a:r>
-            <a:endParaRPr b="0" lang="de-DE" sz="1800" spc="-1" strike="noStrike">
-              <a:solidFill>
-                <a:srgbClr val="404040"/>
-              </a:solidFill>
-              <a:latin typeface="Trebuchet MS"/>
+            <a:endParaRPr b="0" lang="de-DE" sz="3200" spc="-1" strike="noStrike">
+              <a:latin typeface="Arial"/>
             </a:endParaRPr>
           </a:p>
           <a:p>
@@ -4373,19 +4060,13 @@
               <a:buChar char=""/>
             </a:pPr>
             <a:r>
-              <a:rPr b="0" lang="de-DE" sz="1400" spc="-1" strike="noStrike">
-                <a:solidFill>
-                  <a:srgbClr val="404040"/>
-                </a:solidFill>
-                <a:latin typeface="Trebuchet MS"/>
+              <a:rPr b="0" lang="de-DE" sz="2800" spc="-1" strike="noStrike">
+                <a:latin typeface="Arial"/>
               </a:rPr>
               <a:t>Second Outline Level</a:t>
             </a:r>
-            <a:endParaRPr b="0" lang="de-DE" sz="1400" spc="-1" strike="noStrike">
-              <a:solidFill>
-                <a:srgbClr val="404040"/>
-              </a:solidFill>
-              <a:latin typeface="Trebuchet MS"/>
+            <a:endParaRPr b="0" lang="de-DE" sz="2800" spc="-1" strike="noStrike">
+              <a:latin typeface="Arial"/>
             </a:endParaRPr>
           </a:p>
           <a:p>
@@ -4401,19 +4082,13 @@
               <a:buChar char=""/>
             </a:pPr>
             <a:r>
-              <a:rPr b="0" lang="de-DE" sz="1200" spc="-1" strike="noStrike">
-                <a:solidFill>
-                  <a:srgbClr val="404040"/>
-                </a:solidFill>
-                <a:latin typeface="Trebuchet MS"/>
+              <a:rPr b="0" lang="de-DE" sz="2400" spc="-1" strike="noStrike">
+                <a:latin typeface="Arial"/>
               </a:rPr>
               <a:t>Third Outline Level</a:t>
             </a:r>
-            <a:endParaRPr b="0" lang="de-DE" sz="1200" spc="-1" strike="noStrike">
-              <a:solidFill>
-                <a:srgbClr val="404040"/>
-              </a:solidFill>
-              <a:latin typeface="Trebuchet MS"/>
+            <a:endParaRPr b="0" lang="de-DE" sz="2400" spc="-1" strike="noStrike">
+              <a:latin typeface="Arial"/>
             </a:endParaRPr>
           </a:p>
           <a:p>
@@ -4429,19 +4104,13 @@
               <a:buChar char=""/>
             </a:pPr>
             <a:r>
-              <a:rPr b="0" lang="de-DE" sz="1200" spc="-1" strike="noStrike">
-                <a:solidFill>
-                  <a:srgbClr val="404040"/>
-                </a:solidFill>
-                <a:latin typeface="Trebuchet MS"/>
+              <a:rPr b="0" lang="de-DE" sz="2000" spc="-1" strike="noStrike">
+                <a:latin typeface="Arial"/>
               </a:rPr>
               <a:t>Fourth Outline Level</a:t>
             </a:r>
-            <a:endParaRPr b="0" lang="de-DE" sz="1200" spc="-1" strike="noStrike">
-              <a:solidFill>
-                <a:srgbClr val="404040"/>
-              </a:solidFill>
-              <a:latin typeface="Trebuchet MS"/>
+            <a:endParaRPr b="0" lang="de-DE" sz="2000" spc="-1" strike="noStrike">
+              <a:latin typeface="Arial"/>
             </a:endParaRPr>
           </a:p>
           <a:p>
@@ -4458,18 +4127,12 @@
             </a:pPr>
             <a:r>
               <a:rPr b="0" lang="de-DE" sz="2000" spc="-1" strike="noStrike">
-                <a:solidFill>
-                  <a:srgbClr val="404040"/>
-                </a:solidFill>
-                <a:latin typeface="Trebuchet MS"/>
+                <a:latin typeface="Arial"/>
               </a:rPr>
               <a:t>Fifth Outline Level</a:t>
             </a:r>
             <a:endParaRPr b="0" lang="de-DE" sz="2000" spc="-1" strike="noStrike">
-              <a:solidFill>
-                <a:srgbClr val="404040"/>
-              </a:solidFill>
-              <a:latin typeface="Trebuchet MS"/>
+              <a:latin typeface="Arial"/>
             </a:endParaRPr>
           </a:p>
           <a:p>
@@ -4486,18 +4149,12 @@
             </a:pPr>
             <a:r>
               <a:rPr b="0" lang="de-DE" sz="2000" spc="-1" strike="noStrike">
-                <a:solidFill>
-                  <a:srgbClr val="404040"/>
-                </a:solidFill>
-                <a:latin typeface="Trebuchet MS"/>
+                <a:latin typeface="Arial"/>
               </a:rPr>
               <a:t>Sixth Outline Level</a:t>
             </a:r>
             <a:endParaRPr b="0" lang="de-DE" sz="2000" spc="-1" strike="noStrike">
-              <a:solidFill>
-                <a:srgbClr val="404040"/>
-              </a:solidFill>
-              <a:latin typeface="Trebuchet MS"/>
+              <a:latin typeface="Arial"/>
             </a:endParaRPr>
           </a:p>
           <a:p>
@@ -4514,18 +4171,12 @@
             </a:pPr>
             <a:r>
               <a:rPr b="0" lang="de-DE" sz="2000" spc="-1" strike="noStrike">
-                <a:solidFill>
-                  <a:srgbClr val="404040"/>
-                </a:solidFill>
-                <a:latin typeface="Trebuchet MS"/>
+                <a:latin typeface="Arial"/>
               </a:rPr>
               <a:t>Seventh Outline Level</a:t>
             </a:r>
             <a:endParaRPr b="0" lang="de-DE" sz="2000" spc="-1" strike="noStrike">
-              <a:solidFill>
-                <a:srgbClr val="404040"/>
-              </a:solidFill>
-              <a:latin typeface="Trebuchet MS"/>
+              <a:latin typeface="Arial"/>
             </a:endParaRPr>
           </a:p>
         </p:txBody>
@@ -4576,28 +4227,28 @@
       </p:grpSpPr>
       <p:grpSp>
         <p:nvGrpSpPr>
-          <p:cNvPr id="63" name="Group 1"/>
+          <p:cNvPr id="60" name="Group 1"/>
           <p:cNvGrpSpPr/>
           <p:nvPr/>
         </p:nvGrpSpPr>
         <p:grpSpPr>
           <a:xfrm>
             <a:off x="-8640" y="-8640"/>
-            <a:ext cx="9169560" cy="6874920"/>
+            <a:ext cx="9169200" cy="6874560"/>
             <a:chOff x="-8640" y="-8640"/>
-            <a:chExt cx="9169560" cy="6874920"/>
+            <a:chExt cx="9169200" cy="6874560"/>
           </a:xfrm>
         </p:grpSpPr>
         <p:sp>
           <p:nvSpPr>
-            <p:cNvPr id="64" name="CustomShape 2"/>
+            <p:cNvPr id="61" name="CustomShape 2"/>
             <p:cNvSpPr/>
             <p:nvPr/>
           </p:nvSpPr>
           <p:spPr>
             <a:xfrm>
               <a:off x="-8640" y="4013280"/>
-              <a:ext cx="456840" cy="2853000"/>
+              <a:ext cx="456480" cy="2852640"/>
             </a:xfrm>
             <a:custGeom>
               <a:avLst/>
@@ -4655,7 +4306,7 @@
         </p:sp>
         <p:sp>
           <p:nvSpPr>
-            <p:cNvPr id="65" name="Line 3"/>
+            <p:cNvPr id="62" name="Line 3"/>
             <p:cNvSpPr/>
             <p:nvPr/>
           </p:nvSpPr>
@@ -4691,7 +4342,7 @@
         </p:sp>
         <p:sp>
           <p:nvSpPr>
-            <p:cNvPr id="66" name="Line 4"/>
+            <p:cNvPr id="63" name="Line 4"/>
             <p:cNvSpPr/>
             <p:nvPr/>
           </p:nvSpPr>
@@ -4727,14 +4378,14 @@
         </p:sp>
         <p:sp>
           <p:nvSpPr>
-            <p:cNvPr id="67" name="CustomShape 5"/>
+            <p:cNvPr id="64" name="CustomShape 5"/>
             <p:cNvSpPr/>
             <p:nvPr/>
           </p:nvSpPr>
           <p:spPr>
             <a:xfrm>
               <a:off x="6891840" y="0"/>
-              <a:ext cx="2269080" cy="6866280"/>
+              <a:ext cx="2268720" cy="6865920"/>
             </a:xfrm>
             <a:custGeom>
               <a:avLst/>
@@ -4795,14 +4446,14 @@
         </p:sp>
         <p:sp>
           <p:nvSpPr>
-            <p:cNvPr id="68" name="CustomShape 6"/>
+            <p:cNvPr id="65" name="CustomShape 6"/>
             <p:cNvSpPr/>
             <p:nvPr/>
           </p:nvSpPr>
           <p:spPr>
             <a:xfrm>
               <a:off x="7205040" y="-8640"/>
-              <a:ext cx="1947960" cy="6866280"/>
+              <a:ext cx="1947600" cy="6865920"/>
             </a:xfrm>
             <a:custGeom>
               <a:avLst/>
@@ -4863,14 +4514,14 @@
         </p:sp>
         <p:sp>
           <p:nvSpPr>
-            <p:cNvPr id="69" name="CustomShape 7"/>
+            <p:cNvPr id="66" name="CustomShape 7"/>
             <p:cNvSpPr/>
             <p:nvPr/>
           </p:nvSpPr>
           <p:spPr>
             <a:xfrm>
               <a:off x="6638040" y="3920040"/>
-              <a:ext cx="2513160" cy="2937600"/>
+              <a:ext cx="2512800" cy="2937240"/>
             </a:xfrm>
             <a:custGeom>
               <a:avLst/>
@@ -4928,14 +4579,14 @@
         </p:sp>
         <p:sp>
           <p:nvSpPr>
-            <p:cNvPr id="70" name="CustomShape 8"/>
+            <p:cNvPr id="67" name="CustomShape 8"/>
             <p:cNvSpPr/>
             <p:nvPr/>
           </p:nvSpPr>
           <p:spPr>
             <a:xfrm>
               <a:off x="7010280" y="-8640"/>
-              <a:ext cx="2142360" cy="6866280"/>
+              <a:ext cx="2142000" cy="6865920"/>
             </a:xfrm>
             <a:custGeom>
               <a:avLst/>
@@ -4995,14 +4646,14 @@
         </p:sp>
         <p:sp>
           <p:nvSpPr>
-            <p:cNvPr id="71" name="CustomShape 9"/>
+            <p:cNvPr id="68" name="CustomShape 9"/>
             <p:cNvSpPr/>
             <p:nvPr/>
           </p:nvSpPr>
           <p:spPr>
             <a:xfrm>
               <a:off x="8295840" y="-8640"/>
-              <a:ext cx="857160" cy="6866280"/>
+              <a:ext cx="856800" cy="6865920"/>
             </a:xfrm>
             <a:custGeom>
               <a:avLst/>
@@ -5065,14 +4716,14 @@
         </p:sp>
         <p:sp>
           <p:nvSpPr>
-            <p:cNvPr id="72" name="CustomShape 10"/>
+            <p:cNvPr id="69" name="CustomShape 10"/>
             <p:cNvSpPr/>
             <p:nvPr/>
           </p:nvSpPr>
           <p:spPr>
             <a:xfrm>
               <a:off x="8077320" y="-8640"/>
-              <a:ext cx="1066320" cy="6866280"/>
+              <a:ext cx="1065960" cy="6865920"/>
             </a:xfrm>
             <a:custGeom>
               <a:avLst/>
@@ -5133,14 +4784,14 @@
         </p:sp>
         <p:sp>
           <p:nvSpPr>
-            <p:cNvPr id="73" name="CustomShape 11"/>
+            <p:cNvPr id="70" name="CustomShape 11"/>
             <p:cNvSpPr/>
             <p:nvPr/>
           </p:nvSpPr>
           <p:spPr>
             <a:xfrm>
               <a:off x="8060400" y="4893840"/>
-              <a:ext cx="1093680" cy="1963800"/>
+              <a:ext cx="1093320" cy="1963440"/>
             </a:xfrm>
             <a:custGeom>
               <a:avLst/>
@@ -5199,7 +4850,7 @@
       </p:grpSp>
       <p:sp>
         <p:nvSpPr>
-          <p:cNvPr id="74" name="PlaceHolder 12"/>
+          <p:cNvPr id="71" name="PlaceHolder 12"/>
           <p:cNvSpPr>
             <a:spLocks noGrp="1"/>
           </p:cNvSpPr>
@@ -5209,42 +4860,32 @@
         </p:nvSpPr>
         <p:spPr>
           <a:xfrm>
-            <a:off x="609480" y="609480"/>
-            <a:ext cx="6347520" cy="1320480"/>
-          </a:xfrm>
-          <a:prstGeom prst="rect">
-            <a:avLst/>
-          </a:prstGeom>
-        </p:spPr>
-        <p:txBody>
-          <a:bodyPr/>
-          <a:p>
-            <a:pPr>
-              <a:lnSpc>
-                <a:spcPct val="100000"/>
-              </a:lnSpc>
-            </a:pPr>
-            <a:r>
-              <a:rPr b="0" lang="de-DE" sz="3600" spc="-1" strike="noStrike">
-                <a:solidFill>
-                  <a:srgbClr val="d34817"/>
-                </a:solidFill>
-                <a:latin typeface="Trebuchet MS"/>
-              </a:rPr>
-              <a:t>Titelmasterformat durch Klicken bearbeiten</a:t>
-            </a:r>
-            <a:endParaRPr b="0" lang="de-DE" sz="3600" spc="-1" strike="noStrike">
-              <a:solidFill>
-                <a:srgbClr val="000000"/>
-              </a:solidFill>
-              <a:latin typeface="Trebuchet MS"/>
-            </a:endParaRPr>
-          </a:p>
-        </p:txBody>
-      </p:sp>
-      <p:sp>
-        <p:nvSpPr>
-          <p:cNvPr id="75" name="PlaceHolder 13"/>
+            <a:off x="457200" y="273600"/>
+            <a:ext cx="8229240" cy="1144800"/>
+          </a:xfrm>
+          <a:prstGeom prst="rect">
+            <a:avLst/>
+          </a:prstGeom>
+        </p:spPr>
+        <p:txBody>
+          <a:bodyPr lIns="0" rIns="0" tIns="0" bIns="0" anchor="ctr"/>
+          <a:p>
+            <a:pPr algn="ctr"/>
+            <a:r>
+              <a:rPr b="0" lang="de-DE" sz="4400" spc="-1" strike="noStrike">
+                <a:latin typeface="Arial"/>
+              </a:rPr>
+              <a:t>Click to edit the title text format</a:t>
+            </a:r>
+            <a:endParaRPr b="0" lang="de-DE" sz="4400" spc="-1" strike="noStrike">
+              <a:latin typeface="Arial"/>
+            </a:endParaRPr>
+          </a:p>
+        </p:txBody>
+      </p:sp>
+      <p:sp>
+        <p:nvSpPr>
+          <p:cNvPr id="72" name="PlaceHolder 13"/>
           <p:cNvSpPr>
             <a:spLocks noGrp="1"/>
           </p:cNvSpPr>
@@ -5254,280 +4895,169 @@
         </p:nvSpPr>
         <p:spPr>
           <a:xfrm>
-            <a:off x="609480" y="2160720"/>
-            <a:ext cx="6347520" cy="3880440"/>
-          </a:xfrm>
-          <a:prstGeom prst="rect">
-            <a:avLst/>
-          </a:prstGeom>
-        </p:spPr>
-        <p:txBody>
-          <a:bodyPr/>
-          <a:p>
-            <a:pPr marL="343080" indent="-342720">
-              <a:lnSpc>
-                <a:spcPct val="100000"/>
-              </a:lnSpc>
+            <a:off x="457200" y="1604520"/>
+            <a:ext cx="8229240" cy="3977280"/>
+          </a:xfrm>
+          <a:prstGeom prst="rect">
+            <a:avLst/>
+          </a:prstGeom>
+        </p:spPr>
+        <p:txBody>
+          <a:bodyPr lIns="0" rIns="0" tIns="0" bIns="0">
+            <a:normAutofit/>
+          </a:bodyPr>
+          <a:p>
+            <a:pPr marL="432000" indent="-324000">
               <a:spcBef>
-                <a:spcPts val="1001"/>
+                <a:spcPts val="1417"/>
               </a:spcBef>
               <a:buClr>
-                <a:srgbClr val="d34817"/>
+                <a:srgbClr val="000000"/>
               </a:buClr>
-              <a:buSzPct val="80000"/>
-              <a:buFont typeface="Wingdings 3" charset="2"/>
-              <a:buChar char=""/>
-            </a:pPr>
-            <a:r>
-              <a:rPr b="0" lang="de-DE" sz="1800" spc="-1" strike="noStrike">
-                <a:solidFill>
-                  <a:srgbClr val="404040"/>
-                </a:solidFill>
-                <a:latin typeface="Trebuchet MS"/>
-              </a:rPr>
-              <a:t>Formatvorlagen des Textmasters bearbeiten</a:t>
-            </a:r>
-            <a:endParaRPr b="0" lang="de-DE" sz="1800" spc="-1" strike="noStrike">
-              <a:solidFill>
-                <a:srgbClr val="404040"/>
-              </a:solidFill>
-              <a:latin typeface="Trebuchet MS"/>
-            </a:endParaRPr>
-          </a:p>
-          <a:p>
-            <a:pPr lvl="1" marL="743040" indent="-285480">
-              <a:lnSpc>
-                <a:spcPct val="100000"/>
-              </a:lnSpc>
+              <a:buSzPct val="45000"/>
+              <a:buFont typeface="Wingdings" charset="2"/>
+              <a:buChar char=""/>
+            </a:pPr>
+            <a:r>
+              <a:rPr b="0" lang="de-DE" sz="3200" spc="-1" strike="noStrike">
+                <a:latin typeface="Arial"/>
+              </a:rPr>
+              <a:t>Click to edit the outline text format</a:t>
+            </a:r>
+            <a:endParaRPr b="0" lang="de-DE" sz="3200" spc="-1" strike="noStrike">
+              <a:latin typeface="Arial"/>
+            </a:endParaRPr>
+          </a:p>
+          <a:p>
+            <a:pPr lvl="1" marL="864000" indent="-324000">
               <a:spcBef>
-                <a:spcPts val="1001"/>
+                <a:spcPts val="1134"/>
               </a:spcBef>
               <a:buClr>
-                <a:srgbClr val="d34817"/>
+                <a:srgbClr val="000000"/>
               </a:buClr>
-              <a:buSzPct val="80000"/>
-              <a:buFont typeface="Wingdings 3" charset="2"/>
-              <a:buChar char=""/>
-            </a:pPr>
-            <a:r>
-              <a:rPr b="0" lang="de-DE" sz="1600" spc="-1" strike="noStrike">
-                <a:solidFill>
-                  <a:srgbClr val="404040"/>
-                </a:solidFill>
-                <a:latin typeface="Trebuchet MS"/>
-              </a:rPr>
-              <a:t>Zweite Ebene</a:t>
-            </a:r>
-            <a:endParaRPr b="0" lang="de-DE" sz="1600" spc="-1" strike="noStrike">
-              <a:solidFill>
-                <a:srgbClr val="404040"/>
-              </a:solidFill>
-              <a:latin typeface="Trebuchet MS"/>
-            </a:endParaRPr>
-          </a:p>
-          <a:p>
-            <a:pPr lvl="2" marL="1143000" indent="-228240">
-              <a:lnSpc>
-                <a:spcPct val="100000"/>
-              </a:lnSpc>
+              <a:buSzPct val="75000"/>
+              <a:buFont typeface="Symbol" charset="2"/>
+              <a:buChar char=""/>
+            </a:pPr>
+            <a:r>
+              <a:rPr b="0" lang="de-DE" sz="2800" spc="-1" strike="noStrike">
+                <a:latin typeface="Arial"/>
+              </a:rPr>
+              <a:t>Second Outline Level</a:t>
+            </a:r>
+            <a:endParaRPr b="0" lang="de-DE" sz="2800" spc="-1" strike="noStrike">
+              <a:latin typeface="Arial"/>
+            </a:endParaRPr>
+          </a:p>
+          <a:p>
+            <a:pPr lvl="2" marL="1296000" indent="-288000">
               <a:spcBef>
-                <a:spcPts val="1001"/>
+                <a:spcPts val="850"/>
               </a:spcBef>
               <a:buClr>
-                <a:srgbClr val="d34817"/>
+                <a:srgbClr val="000000"/>
               </a:buClr>
-              <a:buSzPct val="80000"/>
-              <a:buFont typeface="Wingdings 3" charset="2"/>
-              <a:buChar char=""/>
-            </a:pPr>
-            <a:r>
-              <a:rPr b="0" lang="de-DE" sz="1400" spc="-1" strike="noStrike">
-                <a:solidFill>
-                  <a:srgbClr val="404040"/>
-                </a:solidFill>
-                <a:latin typeface="Trebuchet MS"/>
-              </a:rPr>
-              <a:t>Dritte Ebene</a:t>
-            </a:r>
-            <a:endParaRPr b="0" lang="de-DE" sz="1400" spc="-1" strike="noStrike">
-              <a:solidFill>
-                <a:srgbClr val="404040"/>
-              </a:solidFill>
-              <a:latin typeface="Trebuchet MS"/>
-            </a:endParaRPr>
-          </a:p>
-          <a:p>
-            <a:pPr lvl="3" marL="1600200" indent="-228240">
-              <a:lnSpc>
-                <a:spcPct val="100000"/>
-              </a:lnSpc>
+              <a:buSzPct val="45000"/>
+              <a:buFont typeface="Wingdings" charset="2"/>
+              <a:buChar char=""/>
+            </a:pPr>
+            <a:r>
+              <a:rPr b="0" lang="de-DE" sz="2400" spc="-1" strike="noStrike">
+                <a:latin typeface="Arial"/>
+              </a:rPr>
+              <a:t>Third Outline Level</a:t>
+            </a:r>
+            <a:endParaRPr b="0" lang="de-DE" sz="2400" spc="-1" strike="noStrike">
+              <a:latin typeface="Arial"/>
+            </a:endParaRPr>
+          </a:p>
+          <a:p>
+            <a:pPr lvl="3" marL="1728000" indent="-216000">
               <a:spcBef>
-                <a:spcPts val="1001"/>
+                <a:spcPts val="567"/>
               </a:spcBef>
               <a:buClr>
-                <a:srgbClr val="d34817"/>
+                <a:srgbClr val="000000"/>
               </a:buClr>
-              <a:buSzPct val="80000"/>
-              <a:buFont typeface="Wingdings 3" charset="2"/>
-              <a:buChar char=""/>
-            </a:pPr>
-            <a:r>
-              <a:rPr b="0" lang="de-DE" sz="1200" spc="-1" strike="noStrike">
-                <a:solidFill>
-                  <a:srgbClr val="404040"/>
-                </a:solidFill>
-                <a:latin typeface="Trebuchet MS"/>
-              </a:rPr>
-              <a:t>Vierte Ebene</a:t>
-            </a:r>
-            <a:endParaRPr b="0" lang="de-DE" sz="1200" spc="-1" strike="noStrike">
-              <a:solidFill>
-                <a:srgbClr val="404040"/>
-              </a:solidFill>
-              <a:latin typeface="Trebuchet MS"/>
-            </a:endParaRPr>
-          </a:p>
-          <a:p>
-            <a:pPr lvl="4" marL="2057400" indent="-228240">
-              <a:lnSpc>
-                <a:spcPct val="100000"/>
-              </a:lnSpc>
+              <a:buSzPct val="75000"/>
+              <a:buFont typeface="Symbol" charset="2"/>
+              <a:buChar char=""/>
+            </a:pPr>
+            <a:r>
+              <a:rPr b="0" lang="de-DE" sz="2000" spc="-1" strike="noStrike">
+                <a:latin typeface="Arial"/>
+              </a:rPr>
+              <a:t>Fourth Outline Level</a:t>
+            </a:r>
+            <a:endParaRPr b="0" lang="de-DE" sz="2000" spc="-1" strike="noStrike">
+              <a:latin typeface="Arial"/>
+            </a:endParaRPr>
+          </a:p>
+          <a:p>
+            <a:pPr lvl="4" marL="2160000" indent="-216000">
               <a:spcBef>
-                <a:spcPts val="1001"/>
+                <a:spcPts val="283"/>
               </a:spcBef>
               <a:buClr>
-                <a:srgbClr val="d34817"/>
+                <a:srgbClr val="000000"/>
               </a:buClr>
-              <a:buSzPct val="80000"/>
-              <a:buFont typeface="Wingdings 3" charset="2"/>
-              <a:buChar char=""/>
-            </a:pPr>
-            <a:r>
-              <a:rPr b="0" lang="de-DE" sz="1200" spc="-1" strike="noStrike">
-                <a:solidFill>
-                  <a:srgbClr val="404040"/>
-                </a:solidFill>
-                <a:latin typeface="Trebuchet MS"/>
-              </a:rPr>
-              <a:t>Fünfte Ebene</a:t>
-            </a:r>
-            <a:endParaRPr b="0" lang="de-DE" sz="1200" spc="-1" strike="noStrike">
-              <a:solidFill>
-                <a:srgbClr val="404040"/>
-              </a:solidFill>
-              <a:latin typeface="Trebuchet MS"/>
-            </a:endParaRPr>
-          </a:p>
-        </p:txBody>
-      </p:sp>
-      <p:sp>
-        <p:nvSpPr>
-          <p:cNvPr id="76" name="PlaceHolder 14"/>
-          <p:cNvSpPr>
-            <a:spLocks noGrp="1"/>
-          </p:cNvSpPr>
-          <p:nvPr>
-            <p:ph type="dt"/>
-          </p:nvPr>
-        </p:nvSpPr>
-        <p:spPr>
-          <a:xfrm>
-            <a:off x="5405400" y="6041520"/>
-            <a:ext cx="683640" cy="364680"/>
-          </a:xfrm>
-          <a:prstGeom prst="rect">
-            <a:avLst/>
-          </a:prstGeom>
-        </p:spPr>
-        <p:txBody>
-          <a:bodyPr anchor="ctr"/>
-          <a:p>
-            <a:pPr algn="r">
-              <a:lnSpc>
-                <a:spcPct val="100000"/>
-              </a:lnSpc>
-            </a:pPr>
-            <a:fld id="{8EB2794D-53E3-46BB-B7D3-DC44F1FFEA2A}" type="datetime1">
-              <a:rPr b="0" lang="de-DE" sz="900" spc="-1" strike="noStrike">
-                <a:solidFill>
-                  <a:srgbClr val="8b8b8b"/>
-                </a:solidFill>
-                <a:latin typeface="Trebuchet MS"/>
-              </a:rPr>
-              <a:t>13.12.2018</a:t>
-            </a:fld>
-            <a:endParaRPr b="0" lang="de-DE" sz="900" spc="-1" strike="noStrike">
-              <a:latin typeface="Times New Roman"/>
-            </a:endParaRPr>
-          </a:p>
-        </p:txBody>
-      </p:sp>
-      <p:sp>
-        <p:nvSpPr>
-          <p:cNvPr id="77" name="PlaceHolder 15"/>
-          <p:cNvSpPr>
-            <a:spLocks noGrp="1"/>
-          </p:cNvSpPr>
-          <p:nvPr>
-            <p:ph type="ftr"/>
-          </p:nvPr>
-        </p:nvSpPr>
-        <p:spPr>
-          <a:xfrm>
-            <a:off x="609480" y="6041520"/>
-            <a:ext cx="4622760" cy="364680"/>
-          </a:xfrm>
-          <a:prstGeom prst="rect">
-            <a:avLst/>
-          </a:prstGeom>
-        </p:spPr>
-        <p:txBody>
-          <a:bodyPr anchor="ctr"/>
-          <a:p>
-            <a:endParaRPr b="0" lang="de-DE" sz="2400" spc="-1" strike="noStrike">
-              <a:latin typeface="Times New Roman"/>
-            </a:endParaRPr>
-          </a:p>
-        </p:txBody>
-      </p:sp>
-      <p:sp>
-        <p:nvSpPr>
-          <p:cNvPr id="78" name="PlaceHolder 16"/>
-          <p:cNvSpPr>
-            <a:spLocks noGrp="1"/>
-          </p:cNvSpPr>
-          <p:nvPr>
-            <p:ph type="sldNum"/>
-          </p:nvPr>
-        </p:nvSpPr>
-        <p:spPr>
-          <a:xfrm>
-            <a:off x="6444720" y="6041520"/>
-            <a:ext cx="512280" cy="364680"/>
-          </a:xfrm>
-          <a:prstGeom prst="rect">
-            <a:avLst/>
-          </a:prstGeom>
-        </p:spPr>
-        <p:txBody>
-          <a:bodyPr anchor="ctr"/>
-          <a:p>
-            <a:pPr algn="r">
-              <a:lnSpc>
-                <a:spcPct val="100000"/>
-              </a:lnSpc>
-            </a:pPr>
-            <a:fld id="{ABA5D9B0-1022-4C77-BB6F-FA7D12778FB2}" type="slidenum">
-              <a:rPr b="0" lang="de-DE" sz="900" spc="-1" strike="noStrike">
-                <a:solidFill>
-                  <a:srgbClr val="d34817"/>
-                </a:solidFill>
-                <a:latin typeface="Trebuchet MS"/>
-              </a:rPr>
-              <a:t>&lt;number&gt;</a:t>
-            </a:fld>
-            <a:endParaRPr b="0" lang="de-DE" sz="900" spc="-1" strike="noStrike">
-              <a:latin typeface="Times New Roman"/>
+              <a:buSzPct val="45000"/>
+              <a:buFont typeface="Wingdings" charset="2"/>
+              <a:buChar char=""/>
+            </a:pPr>
+            <a:r>
+              <a:rPr b="0" lang="de-DE" sz="2000" spc="-1" strike="noStrike">
+                <a:latin typeface="Arial"/>
+              </a:rPr>
+              <a:t>Fifth Outline Level</a:t>
+            </a:r>
+            <a:endParaRPr b="0" lang="de-DE" sz="2000" spc="-1" strike="noStrike">
+              <a:latin typeface="Arial"/>
+            </a:endParaRPr>
+          </a:p>
+          <a:p>
+            <a:pPr lvl="5" marL="2592000" indent="-216000">
+              <a:spcBef>
+                <a:spcPts val="283"/>
+              </a:spcBef>
+              <a:buClr>
+                <a:srgbClr val="000000"/>
+              </a:buClr>
+              <a:buSzPct val="45000"/>
+              <a:buFont typeface="Wingdings" charset="2"/>
+              <a:buChar char=""/>
+            </a:pPr>
+            <a:r>
+              <a:rPr b="0" lang="de-DE" sz="2000" spc="-1" strike="noStrike">
+                <a:latin typeface="Arial"/>
+              </a:rPr>
+              <a:t>Sixth Outline Level</a:t>
+            </a:r>
+            <a:endParaRPr b="0" lang="de-DE" sz="2000" spc="-1" strike="noStrike">
+              <a:latin typeface="Arial"/>
+            </a:endParaRPr>
+          </a:p>
+          <a:p>
+            <a:pPr lvl="6" marL="3024000" indent="-216000">
+              <a:spcBef>
+                <a:spcPts val="283"/>
+              </a:spcBef>
+              <a:buClr>
+                <a:srgbClr val="000000"/>
+              </a:buClr>
+              <a:buSzPct val="45000"/>
+              <a:buFont typeface="Wingdings" charset="2"/>
+              <a:buChar char=""/>
+            </a:pPr>
+            <a:r>
+              <a:rPr b="0" lang="de-DE" sz="2000" spc="-1" strike="noStrike">
+                <a:latin typeface="Arial"/>
+              </a:rPr>
+              <a:t>Seventh Outline Level</a:t>
+            </a:r>
+            <a:endParaRPr b="0" lang="de-DE" sz="2000" spc="-1" strike="noStrike">
+              <a:latin typeface="Arial"/>
             </a:endParaRPr>
           </a:p>
         </p:txBody>
@@ -5571,14 +5101,14 @@
       </p:grpSpPr>
       <p:sp>
         <p:nvSpPr>
-          <p:cNvPr id="115" name="TextShape 1"/>
-          <p:cNvSpPr txBox="1"/>
+          <p:cNvPr id="109" name="CustomShape 1"/>
+          <p:cNvSpPr/>
           <p:nvPr/>
         </p:nvSpPr>
         <p:spPr>
           <a:xfrm>
             <a:off x="1130760" y="2404440"/>
-            <a:ext cx="5826240" cy="1645920"/>
+            <a:ext cx="5825880" cy="1645560"/>
           </a:xfrm>
           <a:prstGeom prst="rect">
             <a:avLst/>
@@ -5588,8 +5118,14 @@
             <a:noFill/>
           </a:ln>
         </p:spPr>
-        <p:txBody>
-          <a:bodyPr anchor="b"/>
+        <p:style>
+          <a:lnRef idx="0"/>
+          <a:fillRef idx="0"/>
+          <a:effectRef idx="0"/>
+          <a:fontRef idx="minor"/>
+        </p:style>
+        <p:txBody>
+          <a:bodyPr lIns="90000" rIns="90000" tIns="45000" bIns="45000" anchor="b"/>
           <a:p>
             <a:pPr algn="r">
               <a:lnSpc>
@@ -5606,24 +5142,21 @@
               <a:t>Deminder</a:t>
             </a:r>
             <a:endParaRPr b="0" lang="de-DE" sz="5400" spc="-1" strike="noStrike">
-              <a:solidFill>
-                <a:srgbClr val="000000"/>
-              </a:solidFill>
-              <a:latin typeface="Trebuchet MS"/>
-            </a:endParaRPr>
-          </a:p>
-        </p:txBody>
-      </p:sp>
-      <p:sp>
-        <p:nvSpPr>
-          <p:cNvPr id="116" name="TextShape 2"/>
-          <p:cNvSpPr txBox="1"/>
+              <a:latin typeface="Arial"/>
+            </a:endParaRPr>
+          </a:p>
+        </p:txBody>
+      </p:sp>
+      <p:sp>
+        <p:nvSpPr>
+          <p:cNvPr id="110" name="CustomShape 2"/>
+          <p:cNvSpPr/>
           <p:nvPr/>
         </p:nvSpPr>
         <p:spPr>
           <a:xfrm>
             <a:off x="1130760" y="4050720"/>
-            <a:ext cx="5826240" cy="1096560"/>
+            <a:ext cx="5825880" cy="1096200"/>
           </a:xfrm>
           <a:prstGeom prst="rect">
             <a:avLst/>
@@ -5633,8 +5166,14 @@
             <a:noFill/>
           </a:ln>
         </p:spPr>
-        <p:txBody>
-          <a:bodyPr/>
+        <p:style>
+          <a:lnRef idx="0"/>
+          <a:fillRef idx="0"/>
+          <a:effectRef idx="0"/>
+          <a:fontRef idx="minor"/>
+        </p:style>
+        <p:txBody>
+          <a:bodyPr lIns="90000" rIns="90000" tIns="45000" bIns="45000"/>
           <a:p>
             <a:pPr algn="r">
               <a:lnSpc>
@@ -5661,14 +5200,14 @@
       </p:sp>
       <p:sp>
         <p:nvSpPr>
-          <p:cNvPr id="117" name="TextShape 3"/>
-          <p:cNvSpPr txBox="1"/>
+          <p:cNvPr id="111" name="CustomShape 3"/>
+          <p:cNvSpPr/>
           <p:nvPr/>
         </p:nvSpPr>
         <p:spPr>
           <a:xfrm>
             <a:off x="514080" y="6481440"/>
-            <a:ext cx="6347520" cy="364680"/>
+            <a:ext cx="6347160" cy="364320"/>
           </a:xfrm>
           <a:prstGeom prst="rect">
             <a:avLst/>
@@ -5678,8 +5217,14 @@
             <a:noFill/>
           </a:ln>
         </p:spPr>
-        <p:txBody>
-          <a:bodyPr anchor="ctr"/>
+        <p:style>
+          <a:lnRef idx="0"/>
+          <a:fillRef idx="0"/>
+          <a:effectRef idx="0"/>
+          <a:fontRef idx="minor"/>
+        </p:style>
+        <p:txBody>
+          <a:bodyPr lIns="90000" rIns="90000" tIns="45000" bIns="45000" anchor="ctr"/>
           <a:p>
             <a:pPr algn="r">
               <a:lnSpc>
@@ -5696,14 +5241,14 @@
               <a:t>Thomas Malina – Tillmann Nünninghof – Natalie Busam – Lea Wegner </a:t>
             </a:r>
             <a:endParaRPr b="0" lang="de-DE" sz="900" spc="-1" strike="noStrike">
-              <a:latin typeface="Times New Roman"/>
+              <a:latin typeface="Arial"/>
             </a:endParaRPr>
           </a:p>
         </p:txBody>
       </p:sp>
       <p:pic>
         <p:nvPicPr>
-          <p:cNvPr id="118" name="Grafik 6" descr=""/>
+          <p:cNvPr id="112" name="Grafik 6" descr=""/>
           <p:cNvPicPr/>
           <p:nvPr/>
         </p:nvPicPr>
@@ -5713,8 +5258,8 @@
         </p:blipFill>
         <p:spPr>
           <a:xfrm rot="1292400">
-            <a:off x="7693920" y="329400"/>
-            <a:ext cx="1098000" cy="1231200"/>
+            <a:off x="7693560" y="329400"/>
+            <a:ext cx="1097640" cy="1230840"/>
           </a:xfrm>
           <a:prstGeom prst="rect">
             <a:avLst/>
@@ -5783,14 +5328,14 @@
       </p:grpSpPr>
       <p:sp>
         <p:nvSpPr>
-          <p:cNvPr id="147" name="TextShape 1"/>
-          <p:cNvSpPr txBox="1"/>
+          <p:cNvPr id="141" name="CustomShape 1"/>
+          <p:cNvSpPr/>
           <p:nvPr/>
         </p:nvSpPr>
         <p:spPr>
           <a:xfrm>
             <a:off x="609480" y="609480"/>
-            <a:ext cx="6347520" cy="1320480"/>
+            <a:ext cx="6347160" cy="1320120"/>
           </a:xfrm>
           <a:prstGeom prst="rect">
             <a:avLst/>
@@ -5800,8 +5345,14 @@
             <a:noFill/>
           </a:ln>
         </p:spPr>
-        <p:txBody>
-          <a:bodyPr/>
+        <p:style>
+          <a:lnRef idx="0"/>
+          <a:fillRef idx="0"/>
+          <a:effectRef idx="0"/>
+          <a:fontRef idx="minor"/>
+        </p:style>
+        <p:txBody>
+          <a:bodyPr lIns="90000" rIns="90000" tIns="45000" bIns="45000"/>
           <a:p>
             <a:pPr>
               <a:lnSpc>
@@ -5815,27 +5366,33 @@
                 </a:solidFill>
                 <a:latin typeface="Trebuchet MS"/>
               </a:rPr>
-              <a:t>RUP and long-term planning</a:t>
+              <a:t> </a:t>
+            </a:r>
+            <a:r>
+              <a:rPr b="0" lang="de-DE" sz="3600" spc="-1" strike="noStrike">
+                <a:solidFill>
+                  <a:srgbClr val="d34817"/>
+                </a:solidFill>
+                <a:latin typeface="Trebuchet MS"/>
+              </a:rPr>
+              <a:t>Project Management</a:t>
             </a:r>
             <a:endParaRPr b="0" lang="de-DE" sz="3600" spc="-1" strike="noStrike">
-              <a:solidFill>
-                <a:srgbClr val="000000"/>
-              </a:solidFill>
-              <a:latin typeface="Trebuchet MS"/>
-            </a:endParaRPr>
-          </a:p>
-        </p:txBody>
-      </p:sp>
-      <p:sp>
-        <p:nvSpPr>
-          <p:cNvPr id="148" name="TextShape 2"/>
-          <p:cNvSpPr txBox="1"/>
+              <a:latin typeface="Arial"/>
+            </a:endParaRPr>
+          </a:p>
+        </p:txBody>
+      </p:sp>
+      <p:sp>
+        <p:nvSpPr>
+          <p:cNvPr id="142" name="CustomShape 2"/>
+          <p:cNvSpPr/>
           <p:nvPr/>
         </p:nvSpPr>
         <p:spPr>
           <a:xfrm>
             <a:off x="609480" y="2160720"/>
-            <a:ext cx="6347520" cy="3880440"/>
+            <a:ext cx="6347160" cy="3880080"/>
           </a:xfrm>
           <a:prstGeom prst="rect">
             <a:avLst/>
@@ -5845,10 +5402,16 @@
             <a:noFill/>
           </a:ln>
         </p:spPr>
-        <p:txBody>
-          <a:bodyPr/>
-          <a:p>
-            <a:pPr marL="343080" indent="-342720">
+        <p:style>
+          <a:lnRef idx="0"/>
+          <a:fillRef idx="0"/>
+          <a:effectRef idx="0"/>
+          <a:fontRef idx="minor"/>
+        </p:style>
+        <p:txBody>
+          <a:bodyPr lIns="90000" rIns="90000" tIns="45000" bIns="45000"/>
+          <a:p>
+            <a:pPr marL="343080" indent="-342360">
               <a:lnSpc>
                 <a:spcPct val="100000"/>
               </a:lnSpc>
@@ -5869,17 +5432,14 @@
                 </a:solidFill>
                 <a:latin typeface="Trebuchet MS"/>
               </a:rPr>
-              <a:t>Usage of RUP for clear roles of each member and structure</a:t>
+              <a:t>access our task list in our IDE, Android Studio</a:t>
             </a:r>
             <a:endParaRPr b="0" lang="de-DE" sz="1800" spc="-1" strike="noStrike">
-              <a:solidFill>
-                <a:srgbClr val="404040"/>
-              </a:solidFill>
-              <a:latin typeface="Trebuchet MS"/>
-            </a:endParaRPr>
-          </a:p>
-          <a:p>
-            <a:pPr marL="343080" indent="-342720">
+              <a:latin typeface="Arial"/>
+            </a:endParaRPr>
+          </a:p>
+          <a:p>
+            <a:pPr marL="343080" indent="-342360">
               <a:lnSpc>
                 <a:spcPct val="100000"/>
               </a:lnSpc>
@@ -5900,27 +5460,52 @@
                 </a:solidFill>
                 <a:latin typeface="Trebuchet MS"/>
               </a:rPr>
-              <a:t>Burndown to keep track of our progress</a:t>
+              <a:t>track the time one of our team members is working on a specific task</a:t>
             </a:r>
             <a:endParaRPr b="0" lang="de-DE" sz="1800" spc="-1" strike="noStrike">
-              <a:solidFill>
-                <a:srgbClr val="404040"/>
-              </a:solidFill>
-              <a:latin typeface="Trebuchet MS"/>
-            </a:endParaRPr>
-          </a:p>
-        </p:txBody>
-      </p:sp>
-      <p:sp>
-        <p:nvSpPr>
-          <p:cNvPr id="149" name="TextShape 3"/>
-          <p:cNvSpPr txBox="1"/>
+              <a:latin typeface="Arial"/>
+            </a:endParaRPr>
+          </a:p>
+          <a:p>
+            <a:pPr marL="343080" indent="-342360">
+              <a:lnSpc>
+                <a:spcPct val="100000"/>
+              </a:lnSpc>
+              <a:spcBef>
+                <a:spcPts val="1001"/>
+              </a:spcBef>
+              <a:buClr>
+                <a:srgbClr val="d34817"/>
+              </a:buClr>
+              <a:buSzPct val="80000"/>
+              <a:buFont typeface="Wingdings 3" charset="2"/>
+              <a:buChar char=""/>
+            </a:pPr>
+            <a:r>
+              <a:rPr b="0" lang="de-DE" sz="1800" spc="-1" strike="noStrike">
+                <a:solidFill>
+                  <a:srgbClr val="404040"/>
+                </a:solidFill>
+                <a:latin typeface="Trebuchet MS"/>
+              </a:rPr>
+              <a:t>Contributing to our git repository via Android Studio directly</a:t>
+            </a:r>
+            <a:endParaRPr b="0" lang="de-DE" sz="1800" spc="-1" strike="noStrike">
+              <a:latin typeface="Arial"/>
+            </a:endParaRPr>
+          </a:p>
+        </p:txBody>
+      </p:sp>
+      <p:sp>
+        <p:nvSpPr>
+          <p:cNvPr id="143" name="CustomShape 3"/>
+          <p:cNvSpPr/>
           <p:nvPr/>
         </p:nvSpPr>
         <p:spPr>
           <a:xfrm>
             <a:off x="514080" y="6481440"/>
-            <a:ext cx="6347520" cy="364680"/>
+            <a:ext cx="6347160" cy="364320"/>
           </a:xfrm>
           <a:prstGeom prst="rect">
             <a:avLst/>
@@ -5930,8 +5515,14 @@
             <a:noFill/>
           </a:ln>
         </p:spPr>
-        <p:txBody>
-          <a:bodyPr anchor="ctr"/>
+        <p:style>
+          <a:lnRef idx="0"/>
+          <a:fillRef idx="0"/>
+          <a:effectRef idx="0"/>
+          <a:fontRef idx="minor"/>
+        </p:style>
+        <p:txBody>
+          <a:bodyPr lIns="90000" rIns="90000" tIns="45000" bIns="45000" anchor="ctr"/>
           <a:p>
             <a:pPr algn="r">
               <a:lnSpc>
@@ -5948,7 +5539,7 @@
               <a:t>Thomas Malina – Tillmann Nünninghof – Natalie Busam – Lea Wegner </a:t>
             </a:r>
             <a:endParaRPr b="0" lang="de-DE" sz="900" spc="-1" strike="noStrike">
-              <a:latin typeface="Times New Roman"/>
+              <a:latin typeface="Arial"/>
             </a:endParaRPr>
           </a:p>
         </p:txBody>
@@ -6012,14 +5603,14 @@
       </p:grpSpPr>
       <p:sp>
         <p:nvSpPr>
-          <p:cNvPr id="150" name="TextShape 1"/>
-          <p:cNvSpPr txBox="1"/>
+          <p:cNvPr id="144" name="CustomShape 1"/>
+          <p:cNvSpPr/>
           <p:nvPr/>
         </p:nvSpPr>
         <p:spPr>
           <a:xfrm>
             <a:off x="609480" y="609480"/>
-            <a:ext cx="6347520" cy="1320480"/>
+            <a:ext cx="6347160" cy="1320120"/>
           </a:xfrm>
           <a:prstGeom prst="rect">
             <a:avLst/>
@@ -6029,8 +5620,14 @@
             <a:noFill/>
           </a:ln>
         </p:spPr>
-        <p:txBody>
-          <a:bodyPr/>
+        <p:style>
+          <a:lnRef idx="0"/>
+          <a:fillRef idx="0"/>
+          <a:effectRef idx="0"/>
+          <a:fontRef idx="minor"/>
+        </p:style>
+        <p:txBody>
+          <a:bodyPr lIns="90000" rIns="90000" tIns="45000" bIns="45000"/>
           <a:p>
             <a:pPr>
               <a:lnSpc>
@@ -6044,27 +5641,24 @@
                 </a:solidFill>
                 <a:latin typeface="Trebuchet MS"/>
               </a:rPr>
-              <a:t>Iterative Process</a:t>
+              <a:t>RUP and long-term planning</a:t>
             </a:r>
             <a:endParaRPr b="0" lang="de-DE" sz="3600" spc="-1" strike="noStrike">
-              <a:solidFill>
-                <a:srgbClr val="000000"/>
-              </a:solidFill>
-              <a:latin typeface="Trebuchet MS"/>
-            </a:endParaRPr>
-          </a:p>
-        </p:txBody>
-      </p:sp>
-      <p:sp>
-        <p:nvSpPr>
-          <p:cNvPr id="151" name="TextShape 2"/>
-          <p:cNvSpPr txBox="1"/>
+              <a:latin typeface="Arial"/>
+            </a:endParaRPr>
+          </a:p>
+        </p:txBody>
+      </p:sp>
+      <p:sp>
+        <p:nvSpPr>
+          <p:cNvPr id="145" name="CustomShape 2"/>
+          <p:cNvSpPr/>
           <p:nvPr/>
         </p:nvSpPr>
         <p:spPr>
           <a:xfrm>
             <a:off x="609480" y="2160720"/>
-            <a:ext cx="6347520" cy="3880440"/>
+            <a:ext cx="6347160" cy="3880080"/>
           </a:xfrm>
           <a:prstGeom prst="rect">
             <a:avLst/>
@@ -6074,10 +5668,16 @@
             <a:noFill/>
           </a:ln>
         </p:spPr>
-        <p:txBody>
-          <a:bodyPr/>
-          <a:p>
-            <a:pPr marL="343080" indent="-342720">
+        <p:style>
+          <a:lnRef idx="0"/>
+          <a:fillRef idx="0"/>
+          <a:effectRef idx="0"/>
+          <a:fontRef idx="minor"/>
+        </p:style>
+        <p:txBody>
+          <a:bodyPr lIns="90000" rIns="90000" tIns="45000" bIns="45000"/>
+          <a:p>
+            <a:pPr marL="343080" indent="-342360">
               <a:lnSpc>
                 <a:spcPct val="100000"/>
               </a:lnSpc>
@@ -6098,17 +5698,14 @@
                 </a:solidFill>
                 <a:latin typeface="Trebuchet MS"/>
               </a:rPr>
-              <a:t>Small Scrum tasks to complete a objective set for our sprint</a:t>
+              <a:t>Usage of RUP for clear roles of each member and structure</a:t>
             </a:r>
             <a:endParaRPr b="0" lang="de-DE" sz="1800" spc="-1" strike="noStrike">
-              <a:solidFill>
-                <a:srgbClr val="404040"/>
-              </a:solidFill>
-              <a:latin typeface="Trebuchet MS"/>
-            </a:endParaRPr>
-          </a:p>
-          <a:p>
-            <a:pPr marL="343080" indent="-342720">
+              <a:latin typeface="Arial"/>
+            </a:endParaRPr>
+          </a:p>
+          <a:p>
+            <a:pPr marL="343080" indent="-342360">
               <a:lnSpc>
                 <a:spcPct val="100000"/>
               </a:lnSpc>
@@ -6129,27 +5726,24 @@
                 </a:solidFill>
                 <a:latin typeface="Trebuchet MS"/>
               </a:rPr>
-              <a:t>Each task is complete on its own and contributes towards the sprint goal</a:t>
+              <a:t>Burndown to keep track of our progress</a:t>
             </a:r>
             <a:endParaRPr b="0" lang="de-DE" sz="1800" spc="-1" strike="noStrike">
-              <a:solidFill>
-                <a:srgbClr val="404040"/>
-              </a:solidFill>
-              <a:latin typeface="Trebuchet MS"/>
-            </a:endParaRPr>
-          </a:p>
-        </p:txBody>
-      </p:sp>
-      <p:sp>
-        <p:nvSpPr>
-          <p:cNvPr id="152" name="TextShape 3"/>
-          <p:cNvSpPr txBox="1"/>
+              <a:latin typeface="Arial"/>
+            </a:endParaRPr>
+          </a:p>
+        </p:txBody>
+      </p:sp>
+      <p:sp>
+        <p:nvSpPr>
+          <p:cNvPr id="146" name="CustomShape 3"/>
+          <p:cNvSpPr/>
           <p:nvPr/>
         </p:nvSpPr>
         <p:spPr>
           <a:xfrm>
             <a:off x="514080" y="6481440"/>
-            <a:ext cx="6347520" cy="364680"/>
+            <a:ext cx="6347160" cy="364320"/>
           </a:xfrm>
           <a:prstGeom prst="rect">
             <a:avLst/>
@@ -6159,8 +5753,14 @@
             <a:noFill/>
           </a:ln>
         </p:spPr>
-        <p:txBody>
-          <a:bodyPr anchor="ctr"/>
+        <p:style>
+          <a:lnRef idx="0"/>
+          <a:fillRef idx="0"/>
+          <a:effectRef idx="0"/>
+          <a:fontRef idx="minor"/>
+        </p:style>
+        <p:txBody>
+          <a:bodyPr lIns="90000" rIns="90000" tIns="45000" bIns="45000" anchor="ctr"/>
           <a:p>
             <a:pPr algn="r">
               <a:lnSpc>
@@ -6177,7 +5777,7 @@
               <a:t>Thomas Malina – Tillmann Nünninghof – Natalie Busam – Lea Wegner </a:t>
             </a:r>
             <a:endParaRPr b="0" lang="de-DE" sz="900" spc="-1" strike="noStrike">
-              <a:latin typeface="Times New Roman"/>
+              <a:latin typeface="Arial"/>
             </a:endParaRPr>
           </a:p>
         </p:txBody>
@@ -6241,14 +5841,14 @@
       </p:grpSpPr>
       <p:sp>
         <p:nvSpPr>
-          <p:cNvPr id="153" name="TextShape 1"/>
-          <p:cNvSpPr txBox="1"/>
+          <p:cNvPr id="147" name="CustomShape 1"/>
+          <p:cNvSpPr/>
           <p:nvPr/>
         </p:nvSpPr>
         <p:spPr>
           <a:xfrm>
             <a:off x="609480" y="609480"/>
-            <a:ext cx="6347520" cy="1320480"/>
+            <a:ext cx="6347160" cy="1320120"/>
           </a:xfrm>
           <a:prstGeom prst="rect">
             <a:avLst/>
@@ -6258,8 +5858,14 @@
             <a:noFill/>
           </a:ln>
         </p:spPr>
-        <p:txBody>
-          <a:bodyPr/>
+        <p:style>
+          <a:lnRef idx="0"/>
+          <a:fillRef idx="0"/>
+          <a:effectRef idx="0"/>
+          <a:fontRef idx="minor"/>
+        </p:style>
+        <p:txBody>
+          <a:bodyPr lIns="90000" rIns="90000" tIns="45000" bIns="45000"/>
           <a:p>
             <a:pPr>
               <a:lnSpc>
@@ -6276,17 +5882,14 @@
               <a:t>Cumulative Chart</a:t>
             </a:r>
             <a:endParaRPr b="0" lang="de-DE" sz="3600" spc="-1" strike="noStrike">
-              <a:solidFill>
-                <a:srgbClr val="000000"/>
-              </a:solidFill>
-              <a:latin typeface="Trebuchet MS"/>
+              <a:latin typeface="Arial"/>
             </a:endParaRPr>
           </a:p>
         </p:txBody>
       </p:sp>
       <p:pic>
         <p:nvPicPr>
-          <p:cNvPr id="154" name="" descr=""/>
+          <p:cNvPr id="148" name="" descr=""/>
           <p:cNvPicPr/>
           <p:nvPr/>
         </p:nvPicPr>
@@ -6297,7 +5900,7 @@
         <p:spPr>
           <a:xfrm>
             <a:off x="288000" y="1794960"/>
-            <a:ext cx="6821640" cy="4037040"/>
+            <a:ext cx="6821280" cy="4036680"/>
           </a:xfrm>
           <a:prstGeom prst="rect">
             <a:avLst/>
@@ -6366,14 +5969,14 @@
       </p:grpSpPr>
       <p:sp>
         <p:nvSpPr>
-          <p:cNvPr id="155" name="TextShape 1"/>
-          <p:cNvSpPr txBox="1"/>
+          <p:cNvPr id="149" name="CustomShape 1"/>
+          <p:cNvSpPr/>
           <p:nvPr/>
         </p:nvSpPr>
         <p:spPr>
           <a:xfrm>
             <a:off x="1130760" y="2404440"/>
-            <a:ext cx="5826240" cy="1645920"/>
+            <a:ext cx="5825880" cy="1645560"/>
           </a:xfrm>
           <a:prstGeom prst="rect">
             <a:avLst/>
@@ -6383,8 +5986,14 @@
             <a:noFill/>
           </a:ln>
         </p:spPr>
-        <p:txBody>
-          <a:bodyPr anchor="b"/>
+        <p:style>
+          <a:lnRef idx="0"/>
+          <a:fillRef idx="0"/>
+          <a:effectRef idx="0"/>
+          <a:fontRef idx="minor"/>
+        </p:style>
+        <p:txBody>
+          <a:bodyPr lIns="90000" rIns="90000" tIns="45000" bIns="45000" anchor="b"/>
           <a:p>
             <a:pPr algn="r">
               <a:lnSpc>
@@ -6401,24 +6010,21 @@
               <a:t>Technical ability</a:t>
             </a:r>
             <a:endParaRPr b="0" lang="de-DE" sz="5400" spc="-1" strike="noStrike">
-              <a:solidFill>
-                <a:srgbClr val="000000"/>
-              </a:solidFill>
-              <a:latin typeface="Trebuchet MS"/>
-            </a:endParaRPr>
-          </a:p>
-        </p:txBody>
-      </p:sp>
-      <p:sp>
-        <p:nvSpPr>
-          <p:cNvPr id="156" name="TextShape 2"/>
-          <p:cNvSpPr txBox="1"/>
+              <a:latin typeface="Arial"/>
+            </a:endParaRPr>
+          </a:p>
+        </p:txBody>
+      </p:sp>
+      <p:sp>
+        <p:nvSpPr>
+          <p:cNvPr id="150" name="CustomShape 2"/>
+          <p:cNvSpPr/>
           <p:nvPr/>
         </p:nvSpPr>
         <p:spPr>
           <a:xfrm>
             <a:off x="1130760" y="4050720"/>
-            <a:ext cx="5826240" cy="1096560"/>
+            <a:ext cx="5825880" cy="1096200"/>
           </a:xfrm>
           <a:prstGeom prst="rect">
             <a:avLst/>
@@ -6428,26 +6034,23 @@
             <a:noFill/>
           </a:ln>
         </p:spPr>
-        <p:txBody>
-          <a:bodyPr/>
-          <a:p>
-            <a:pPr algn="ctr"/>
-            <a:endParaRPr b="0" lang="de-DE" sz="3200" spc="-1" strike="noStrike">
-              <a:latin typeface="Arial"/>
-            </a:endParaRPr>
-          </a:p>
-        </p:txBody>
-      </p:sp>
-      <p:sp>
-        <p:nvSpPr>
-          <p:cNvPr id="157" name="TextShape 3"/>
-          <p:cNvSpPr txBox="1"/>
+        <p:style>
+          <a:lnRef idx="0"/>
+          <a:fillRef idx="0"/>
+          <a:effectRef idx="0"/>
+          <a:fontRef idx="minor"/>
+        </p:style>
+      </p:sp>
+      <p:sp>
+        <p:nvSpPr>
+          <p:cNvPr id="151" name="CustomShape 3"/>
+          <p:cNvSpPr/>
           <p:nvPr/>
         </p:nvSpPr>
         <p:spPr>
           <a:xfrm>
             <a:off x="514080" y="6481440"/>
-            <a:ext cx="6347520" cy="364680"/>
+            <a:ext cx="6347160" cy="364320"/>
           </a:xfrm>
           <a:prstGeom prst="rect">
             <a:avLst/>
@@ -6457,8 +6060,14 @@
             <a:noFill/>
           </a:ln>
         </p:spPr>
-        <p:txBody>
-          <a:bodyPr anchor="ctr"/>
+        <p:style>
+          <a:lnRef idx="0"/>
+          <a:fillRef idx="0"/>
+          <a:effectRef idx="0"/>
+          <a:fontRef idx="minor"/>
+        </p:style>
+        <p:txBody>
+          <a:bodyPr lIns="90000" rIns="90000" tIns="45000" bIns="45000" anchor="ctr"/>
           <a:p>
             <a:pPr algn="r">
               <a:lnSpc>
@@ -6475,14 +6084,14 @@
               <a:t>Thomas Malina – Tillmann Nünninghof – Natalie Busam – Lea Wegner </a:t>
             </a:r>
             <a:endParaRPr b="0" lang="de-DE" sz="900" spc="-1" strike="noStrike">
-              <a:latin typeface="Times New Roman"/>
+              <a:latin typeface="Arial"/>
             </a:endParaRPr>
           </a:p>
         </p:txBody>
       </p:sp>
       <p:pic>
         <p:nvPicPr>
-          <p:cNvPr id="158" name="Grafik 8" descr=""/>
+          <p:cNvPr id="152" name="Grafik 8" descr=""/>
           <p:cNvPicPr/>
           <p:nvPr/>
         </p:nvPicPr>
@@ -6492,8 +6101,8 @@
         </p:blipFill>
         <p:spPr>
           <a:xfrm rot="1292400">
-            <a:off x="7693920" y="329400"/>
-            <a:ext cx="1098000" cy="1231200"/>
+            <a:off x="7693560" y="329400"/>
+            <a:ext cx="1097640" cy="1230840"/>
           </a:xfrm>
           <a:prstGeom prst="rect">
             <a:avLst/>
@@ -6562,7 +6171,7 @@
       </p:grpSpPr>
       <p:pic>
         <p:nvPicPr>
-          <p:cNvPr id="159" name="Inhaltsplatzhalter 6" descr=""/>
+          <p:cNvPr id="153" name="Inhaltsplatzhalter 6" descr=""/>
           <p:cNvPicPr/>
           <p:nvPr/>
         </p:nvPicPr>
@@ -6573,7 +6182,7 @@
         <p:spPr>
           <a:xfrm>
             <a:off x="507240" y="798840"/>
-            <a:ext cx="7570080" cy="4312080"/>
+            <a:ext cx="7569720" cy="4311720"/>
           </a:xfrm>
           <a:prstGeom prst="rect">
             <a:avLst/>
@@ -6585,14 +6194,14 @@
       </p:pic>
       <p:sp>
         <p:nvSpPr>
-          <p:cNvPr id="160" name="TextShape 1"/>
-          <p:cNvSpPr txBox="1"/>
+          <p:cNvPr id="154" name="CustomShape 1"/>
+          <p:cNvSpPr/>
           <p:nvPr/>
         </p:nvSpPr>
         <p:spPr>
           <a:xfrm>
             <a:off x="514080" y="6481440"/>
-            <a:ext cx="6347520" cy="364680"/>
+            <a:ext cx="6347160" cy="364320"/>
           </a:xfrm>
           <a:prstGeom prst="rect">
             <a:avLst/>
@@ -6602,8 +6211,14 @@
             <a:noFill/>
           </a:ln>
         </p:spPr>
-        <p:txBody>
-          <a:bodyPr anchor="ctr"/>
+        <p:style>
+          <a:lnRef idx="0"/>
+          <a:fillRef idx="0"/>
+          <a:effectRef idx="0"/>
+          <a:fontRef idx="minor"/>
+        </p:style>
+        <p:txBody>
+          <a:bodyPr lIns="90000" rIns="90000" tIns="45000" bIns="45000" anchor="ctr"/>
           <a:p>
             <a:pPr algn="r">
               <a:lnSpc>
@@ -6620,7 +6235,7 @@
               <a:t>Thomas Malina – Tillmann Nünninghof – Natalie Busam – Lea Wegner </a:t>
             </a:r>
             <a:endParaRPr b="0" lang="de-DE" sz="900" spc="-1" strike="noStrike">
-              <a:latin typeface="Times New Roman"/>
+              <a:latin typeface="Arial"/>
             </a:endParaRPr>
           </a:p>
         </p:txBody>
@@ -6635,6 +6250,33 @@
       <p:transition spd="slow"/>
     </mc:Fallback>
   </mc:AlternateContent>
+  <p:timing>
+    <p:tnLst>
+      <p:par>
+        <p:cTn id="27" dur="indefinite" restart="never" nodeType="tmRoot">
+          <p:childTnLst>
+            <p:seq>
+              <p:cTn id="28" dur="indefinite" nodeType="mainSeq"/>
+              <p:prevCondLst>
+                <p:cond delay="0" evt="onPrev">
+                  <p:tgtEl>
+                    <p:sldTgt/>
+                  </p:tgtEl>
+                </p:cond>
+              </p:prevCondLst>
+              <p:nextCondLst>
+                <p:cond delay="0" evt="onNext">
+                  <p:tgtEl>
+                    <p:sldTgt/>
+                  </p:tgtEl>
+                </p:cond>
+              </p:nextCondLst>
+            </p:seq>
+          </p:childTnLst>
+        </p:cTn>
+      </p:par>
+    </p:tnLst>
+  </p:timing>
 </p:sld>
 </file>
 
@@ -6657,14 +6299,14 @@
       </p:grpSpPr>
       <p:sp>
         <p:nvSpPr>
-          <p:cNvPr id="161" name="TextShape 1"/>
-          <p:cNvSpPr txBox="1"/>
+          <p:cNvPr id="155" name="CustomShape 1"/>
+          <p:cNvSpPr/>
           <p:nvPr/>
         </p:nvSpPr>
         <p:spPr>
           <a:xfrm>
             <a:off x="609480" y="609480"/>
-            <a:ext cx="6347520" cy="1320480"/>
+            <a:ext cx="6347160" cy="1320120"/>
           </a:xfrm>
           <a:prstGeom prst="rect">
             <a:avLst/>
@@ -6674,8 +6316,14 @@
             <a:noFill/>
           </a:ln>
         </p:spPr>
-        <p:txBody>
-          <a:bodyPr/>
+        <p:style>
+          <a:lnRef idx="0"/>
+          <a:fillRef idx="0"/>
+          <a:effectRef idx="0"/>
+          <a:fontRef idx="minor"/>
+        </p:style>
+        <p:txBody>
+          <a:bodyPr lIns="90000" rIns="90000" tIns="45000" bIns="45000"/>
           <a:p>
             <a:pPr>
               <a:lnSpc>
@@ -6692,17 +6340,14 @@
               <a:t>Class diagram</a:t>
             </a:r>
             <a:endParaRPr b="0" lang="de-DE" sz="3600" spc="-1" strike="noStrike">
-              <a:solidFill>
-                <a:srgbClr val="000000"/>
-              </a:solidFill>
-              <a:latin typeface="Trebuchet MS"/>
+              <a:latin typeface="Arial"/>
             </a:endParaRPr>
           </a:p>
         </p:txBody>
       </p:sp>
       <p:pic>
         <p:nvPicPr>
-          <p:cNvPr id="162" name="Inhaltsplatzhalter 5" descr=""/>
+          <p:cNvPr id="156" name="Inhaltsplatzhalter 5" descr=""/>
           <p:cNvPicPr/>
           <p:nvPr/>
         </p:nvPicPr>
@@ -6713,7 +6358,7 @@
         <p:spPr>
           <a:xfrm>
             <a:off x="702360" y="1350360"/>
-            <a:ext cx="5943600" cy="5176080"/>
+            <a:ext cx="5943240" cy="5175720"/>
           </a:xfrm>
           <a:prstGeom prst="rect">
             <a:avLst/>
@@ -6725,14 +6370,14 @@
       </p:pic>
       <p:sp>
         <p:nvSpPr>
-          <p:cNvPr id="163" name="TextShape 2"/>
-          <p:cNvSpPr txBox="1"/>
+          <p:cNvPr id="157" name="CustomShape 2"/>
+          <p:cNvSpPr/>
           <p:nvPr/>
         </p:nvSpPr>
         <p:spPr>
           <a:xfrm>
             <a:off x="514080" y="6481440"/>
-            <a:ext cx="6347520" cy="364680"/>
+            <a:ext cx="6347160" cy="364320"/>
           </a:xfrm>
           <a:prstGeom prst="rect">
             <a:avLst/>
@@ -6742,8 +6387,14 @@
             <a:noFill/>
           </a:ln>
         </p:spPr>
-        <p:txBody>
-          <a:bodyPr anchor="ctr"/>
+        <p:style>
+          <a:lnRef idx="0"/>
+          <a:fillRef idx="0"/>
+          <a:effectRef idx="0"/>
+          <a:fontRef idx="minor"/>
+        </p:style>
+        <p:txBody>
+          <a:bodyPr lIns="90000" rIns="90000" tIns="45000" bIns="45000" anchor="ctr"/>
           <a:p>
             <a:pPr algn="r">
               <a:lnSpc>
@@ -6760,7 +6411,7 @@
               <a:t>Thomas Malina – Tillmann Nünninghof – Natalie Busam – Lea Wegner </a:t>
             </a:r>
             <a:endParaRPr b="0" lang="de-DE" sz="900" spc="-1" strike="noStrike">
-              <a:latin typeface="Times New Roman"/>
+              <a:latin typeface="Arial"/>
             </a:endParaRPr>
           </a:p>
         </p:txBody>
@@ -6775,6 +6426,33 @@
       <p:transition spd="slow"/>
     </mc:Fallback>
   </mc:AlternateContent>
+  <p:timing>
+    <p:tnLst>
+      <p:par>
+        <p:cTn id="29" dur="indefinite" restart="never" nodeType="tmRoot">
+          <p:childTnLst>
+            <p:seq>
+              <p:cTn id="30" dur="indefinite" nodeType="mainSeq"/>
+              <p:prevCondLst>
+                <p:cond delay="0" evt="onPrev">
+                  <p:tgtEl>
+                    <p:sldTgt/>
+                  </p:tgtEl>
+                </p:cond>
+              </p:prevCondLst>
+              <p:nextCondLst>
+                <p:cond delay="0" evt="onNext">
+                  <p:tgtEl>
+                    <p:sldTgt/>
+                  </p:tgtEl>
+                </p:cond>
+              </p:nextCondLst>
+            </p:seq>
+          </p:childTnLst>
+        </p:cTn>
+      </p:par>
+    </p:tnLst>
+  </p:timing>
 </p:sld>
 </file>
 
@@ -6797,14 +6475,14 @@
       </p:grpSpPr>
       <p:sp>
         <p:nvSpPr>
-          <p:cNvPr id="164" name="TextShape 1"/>
-          <p:cNvSpPr txBox="1"/>
+          <p:cNvPr id="158" name="CustomShape 1"/>
+          <p:cNvSpPr/>
           <p:nvPr/>
         </p:nvSpPr>
         <p:spPr>
           <a:xfrm>
             <a:off x="1130760" y="2404440"/>
-            <a:ext cx="5826240" cy="1645920"/>
+            <a:ext cx="5825880" cy="1645560"/>
           </a:xfrm>
           <a:prstGeom prst="rect">
             <a:avLst/>
@@ -6814,8 +6492,14 @@
             <a:noFill/>
           </a:ln>
         </p:spPr>
-        <p:txBody>
-          <a:bodyPr anchor="b"/>
+        <p:style>
+          <a:lnRef idx="0"/>
+          <a:fillRef idx="0"/>
+          <a:effectRef idx="0"/>
+          <a:fontRef idx="minor"/>
+        </p:style>
+        <p:txBody>
+          <a:bodyPr lIns="90000" rIns="90000" tIns="45000" bIns="45000" anchor="b"/>
           <a:p>
             <a:pPr algn="r">
               <a:lnSpc>
@@ -6832,24 +6516,21 @@
               <a:t>Quality </a:t>
             </a:r>
             <a:endParaRPr b="0" lang="de-DE" sz="5400" spc="-1" strike="noStrike">
-              <a:solidFill>
-                <a:srgbClr val="000000"/>
-              </a:solidFill>
-              <a:latin typeface="Trebuchet MS"/>
-            </a:endParaRPr>
-          </a:p>
-        </p:txBody>
-      </p:sp>
-      <p:sp>
-        <p:nvSpPr>
-          <p:cNvPr id="165" name="TextShape 2"/>
-          <p:cNvSpPr txBox="1"/>
+              <a:latin typeface="Arial"/>
+            </a:endParaRPr>
+          </a:p>
+        </p:txBody>
+      </p:sp>
+      <p:sp>
+        <p:nvSpPr>
+          <p:cNvPr id="159" name="CustomShape 2"/>
+          <p:cNvSpPr/>
           <p:nvPr/>
         </p:nvSpPr>
         <p:spPr>
           <a:xfrm>
             <a:off x="1130760" y="4050720"/>
-            <a:ext cx="5826240" cy="1096560"/>
+            <a:ext cx="5825880" cy="1096200"/>
           </a:xfrm>
           <a:prstGeom prst="rect">
             <a:avLst/>
@@ -6859,26 +6540,23 @@
             <a:noFill/>
           </a:ln>
         </p:spPr>
-        <p:txBody>
-          <a:bodyPr/>
-          <a:p>
-            <a:pPr algn="ctr"/>
-            <a:endParaRPr b="0" lang="de-DE" sz="3200" spc="-1" strike="noStrike">
-              <a:latin typeface="Arial"/>
-            </a:endParaRPr>
-          </a:p>
-        </p:txBody>
-      </p:sp>
-      <p:sp>
-        <p:nvSpPr>
-          <p:cNvPr id="166" name="TextShape 3"/>
-          <p:cNvSpPr txBox="1"/>
+        <p:style>
+          <a:lnRef idx="0"/>
+          <a:fillRef idx="0"/>
+          <a:effectRef idx="0"/>
+          <a:fontRef idx="minor"/>
+        </p:style>
+      </p:sp>
+      <p:sp>
+        <p:nvSpPr>
+          <p:cNvPr id="160" name="CustomShape 3"/>
+          <p:cNvSpPr/>
           <p:nvPr/>
         </p:nvSpPr>
         <p:spPr>
           <a:xfrm>
             <a:off x="514080" y="6481440"/>
-            <a:ext cx="6347520" cy="364680"/>
+            <a:ext cx="6347160" cy="364320"/>
           </a:xfrm>
           <a:prstGeom prst="rect">
             <a:avLst/>
@@ -6888,8 +6566,14 @@
             <a:noFill/>
           </a:ln>
         </p:spPr>
-        <p:txBody>
-          <a:bodyPr anchor="ctr"/>
+        <p:style>
+          <a:lnRef idx="0"/>
+          <a:fillRef idx="0"/>
+          <a:effectRef idx="0"/>
+          <a:fontRef idx="minor"/>
+        </p:style>
+        <p:txBody>
+          <a:bodyPr lIns="90000" rIns="90000" tIns="45000" bIns="45000" anchor="ctr"/>
           <a:p>
             <a:pPr algn="r">
               <a:lnSpc>
@@ -6906,14 +6590,14 @@
               <a:t>Thomas Malina – Tillmann Nünninghof – Natalie Busam – Lea Wegner </a:t>
             </a:r>
             <a:endParaRPr b="0" lang="de-DE" sz="900" spc="-1" strike="noStrike">
-              <a:latin typeface="Times New Roman"/>
+              <a:latin typeface="Arial"/>
             </a:endParaRPr>
           </a:p>
         </p:txBody>
       </p:sp>
       <p:pic>
         <p:nvPicPr>
-          <p:cNvPr id="167" name="Grafik 8" descr=""/>
+          <p:cNvPr id="161" name="Grafik 8" descr=""/>
           <p:cNvPicPr/>
           <p:nvPr/>
         </p:nvPicPr>
@@ -6923,8 +6607,8 @@
         </p:blipFill>
         <p:spPr>
           <a:xfrm rot="1292400">
-            <a:off x="7693920" y="329400"/>
-            <a:ext cx="1098000" cy="1231200"/>
+            <a:off x="7693560" y="329400"/>
+            <a:ext cx="1097640" cy="1230840"/>
           </a:xfrm>
           <a:prstGeom prst="rect">
             <a:avLst/>
@@ -6944,6 +6628,33 @@
       <p:transition spd="slow"/>
     </mc:Fallback>
   </mc:AlternateContent>
+  <p:timing>
+    <p:tnLst>
+      <p:par>
+        <p:cTn id="31" dur="indefinite" restart="never" nodeType="tmRoot">
+          <p:childTnLst>
+            <p:seq>
+              <p:cTn id="32" dur="indefinite" nodeType="mainSeq"/>
+              <p:prevCondLst>
+                <p:cond delay="0" evt="onPrev">
+                  <p:tgtEl>
+                    <p:sldTgt/>
+                  </p:tgtEl>
+                </p:cond>
+              </p:prevCondLst>
+              <p:nextCondLst>
+                <p:cond delay="0" evt="onNext">
+                  <p:tgtEl>
+                    <p:sldTgt/>
+                  </p:tgtEl>
+                </p:cond>
+              </p:nextCondLst>
+            </p:seq>
+          </p:childTnLst>
+        </p:cTn>
+      </p:par>
+    </p:tnLst>
+  </p:timing>
 </p:sld>
 </file>
 
@@ -6966,14 +6677,14 @@
       </p:grpSpPr>
       <p:sp>
         <p:nvSpPr>
-          <p:cNvPr id="168" name="TextShape 1"/>
-          <p:cNvSpPr txBox="1"/>
+          <p:cNvPr id="162" name="CustomShape 1"/>
+          <p:cNvSpPr/>
           <p:nvPr/>
         </p:nvSpPr>
         <p:spPr>
           <a:xfrm>
             <a:off x="609480" y="609480"/>
-            <a:ext cx="6347520" cy="1320480"/>
+            <a:ext cx="6347160" cy="1320120"/>
           </a:xfrm>
           <a:prstGeom prst="rect">
             <a:avLst/>
@@ -6983,8 +6694,14 @@
             <a:noFill/>
           </a:ln>
         </p:spPr>
-        <p:txBody>
-          <a:bodyPr/>
+        <p:style>
+          <a:lnRef idx="0"/>
+          <a:fillRef idx="0"/>
+          <a:effectRef idx="0"/>
+          <a:fontRef idx="minor"/>
+        </p:style>
+        <p:txBody>
+          <a:bodyPr lIns="90000" rIns="90000" tIns="45000" bIns="45000"/>
           <a:p>
             <a:pPr>
               <a:lnSpc>
@@ -7001,24 +6718,21 @@
               <a:t>Architecture </a:t>
             </a:r>
             <a:endParaRPr b="0" lang="de-DE" sz="3600" spc="-1" strike="noStrike">
-              <a:solidFill>
-                <a:srgbClr val="000000"/>
-              </a:solidFill>
-              <a:latin typeface="Trebuchet MS"/>
-            </a:endParaRPr>
-          </a:p>
-        </p:txBody>
-      </p:sp>
-      <p:sp>
-        <p:nvSpPr>
-          <p:cNvPr id="169" name="TextShape 2"/>
-          <p:cNvSpPr txBox="1"/>
+              <a:latin typeface="Arial"/>
+            </a:endParaRPr>
+          </a:p>
+        </p:txBody>
+      </p:sp>
+      <p:sp>
+        <p:nvSpPr>
+          <p:cNvPr id="163" name="CustomShape 2"/>
+          <p:cNvSpPr/>
           <p:nvPr/>
         </p:nvSpPr>
         <p:spPr>
           <a:xfrm>
             <a:off x="609480" y="2160720"/>
-            <a:ext cx="6347520" cy="3986280"/>
+            <a:ext cx="6347160" cy="3985920"/>
           </a:xfrm>
           <a:prstGeom prst="rect">
             <a:avLst/>
@@ -7028,12 +6742,18 @@
             <a:noFill/>
           </a:ln>
         </p:spPr>
-        <p:txBody>
-          <a:bodyPr>
+        <p:style>
+          <a:lnRef idx="0"/>
+          <a:fillRef idx="0"/>
+          <a:effectRef idx="0"/>
+          <a:fontRef idx="minor"/>
+        </p:style>
+        <p:txBody>
+          <a:bodyPr lIns="90000" rIns="90000" tIns="45000" bIns="45000">
             <a:normAutofit/>
           </a:bodyPr>
           <a:p>
-            <a:pPr marL="343080" indent="-342720">
+            <a:pPr marL="343080" indent="-342360">
               <a:lnSpc>
                 <a:spcPct val="100000"/>
               </a:lnSpc>
@@ -7057,14 +6777,11 @@
               <a:t>No server, only a client side which uses MVC</a:t>
             </a:r>
             <a:endParaRPr b="0" lang="de-DE" sz="1800" spc="-1" strike="noStrike">
-              <a:solidFill>
-                <a:srgbClr val="404040"/>
-              </a:solidFill>
-              <a:latin typeface="Trebuchet MS"/>
-            </a:endParaRPr>
-          </a:p>
-          <a:p>
-            <a:pPr marL="343080" indent="-342720">
+              <a:latin typeface="Arial"/>
+            </a:endParaRPr>
+          </a:p>
+          <a:p>
+            <a:pPr marL="343080" indent="-342360">
               <a:lnSpc>
                 <a:spcPct val="100000"/>
               </a:lnSpc>
@@ -7088,10 +6805,7 @@
               <a:t>Written in Java for android</a:t>
             </a:r>
             <a:endParaRPr b="0" lang="de-DE" sz="1800" spc="-1" strike="noStrike">
-              <a:solidFill>
-                <a:srgbClr val="404040"/>
-              </a:solidFill>
-              <a:latin typeface="Trebuchet MS"/>
+              <a:latin typeface="Arial"/>
             </a:endParaRPr>
           </a:p>
           <a:p>
@@ -7113,14 +6827,11 @@
               <a:t>Model View Controller</a:t>
             </a:r>
             <a:endParaRPr b="0" lang="de-DE" sz="1800" spc="-1" strike="noStrike">
-              <a:solidFill>
-                <a:srgbClr val="404040"/>
-              </a:solidFill>
-              <a:latin typeface="Trebuchet MS"/>
-            </a:endParaRPr>
-          </a:p>
-          <a:p>
-            <a:pPr marL="343080" indent="-342720">
+              <a:latin typeface="Arial"/>
+            </a:endParaRPr>
+          </a:p>
+          <a:p>
+            <a:pPr marL="343080" indent="-342360">
               <a:lnSpc>
                 <a:spcPct val="100000"/>
               </a:lnSpc>
@@ -7144,14 +6855,11 @@
               <a:t>Goal: seperate view from logic</a:t>
             </a:r>
             <a:endParaRPr b="0" lang="de-DE" sz="1800" spc="-1" strike="noStrike">
-              <a:solidFill>
-                <a:srgbClr val="404040"/>
-              </a:solidFill>
-              <a:latin typeface="Trebuchet MS"/>
-            </a:endParaRPr>
-          </a:p>
-          <a:p>
-            <a:pPr marL="343080" indent="-342720">
+              <a:latin typeface="Arial"/>
+            </a:endParaRPr>
+          </a:p>
+          <a:p>
+            <a:pPr marL="343080" indent="-342360">
               <a:lnSpc>
                 <a:spcPct val="100000"/>
               </a:lnSpc>
@@ -7185,14 +6893,11 @@
               <a:t>actions by the user</a:t>
             </a:r>
             <a:endParaRPr b="0" lang="de-DE" sz="1800" spc="-1" strike="noStrike">
-              <a:solidFill>
-                <a:srgbClr val="404040"/>
-              </a:solidFill>
-              <a:latin typeface="Trebuchet MS"/>
-            </a:endParaRPr>
-          </a:p>
-          <a:p>
-            <a:pPr marL="343080" indent="-342720">
+              <a:latin typeface="Arial"/>
+            </a:endParaRPr>
+          </a:p>
+          <a:p>
+            <a:pPr marL="343080" indent="-342360">
               <a:lnSpc>
                 <a:spcPct val="100000"/>
               </a:lnSpc>
@@ -7226,10 +6931,7 @@
               <a:t>displayed in the views</a:t>
             </a:r>
             <a:endParaRPr b="0" lang="de-DE" sz="1800" spc="-1" strike="noStrike">
-              <a:solidFill>
-                <a:srgbClr val="404040"/>
-              </a:solidFill>
-              <a:latin typeface="Trebuchet MS"/>
+              <a:latin typeface="Arial"/>
             </a:endParaRPr>
           </a:p>
           <a:p>
@@ -7251,14 +6953,11 @@
               <a:t>Data Storage</a:t>
             </a:r>
             <a:endParaRPr b="0" lang="de-DE" sz="1800" spc="-1" strike="noStrike">
-              <a:solidFill>
-                <a:srgbClr val="404040"/>
-              </a:solidFill>
-              <a:latin typeface="Trebuchet MS"/>
-            </a:endParaRPr>
-          </a:p>
-          <a:p>
-            <a:pPr marL="343080" indent="-342720">
+              <a:latin typeface="Arial"/>
+            </a:endParaRPr>
+          </a:p>
+          <a:p>
+            <a:pPr marL="343080" indent="-342360">
               <a:lnSpc>
                 <a:spcPct val="100000"/>
               </a:lnSpc>
@@ -7282,17 +6981,14 @@
               <a:t>Deadlines stored on the phone drive</a:t>
             </a:r>
             <a:endParaRPr b="0" lang="de-DE" sz="1800" spc="-1" strike="noStrike">
-              <a:solidFill>
-                <a:srgbClr val="404040"/>
-              </a:solidFill>
-              <a:latin typeface="Trebuchet MS"/>
+              <a:latin typeface="Arial"/>
             </a:endParaRPr>
           </a:p>
         </p:txBody>
       </p:sp>
       <p:pic>
         <p:nvPicPr>
-          <p:cNvPr id="170" name="Grafik 5" descr=""/>
+          <p:cNvPr id="164" name="Grafik 5" descr=""/>
           <p:cNvPicPr/>
           <p:nvPr/>
         </p:nvPicPr>
@@ -7303,7 +6999,7 @@
         <p:spPr>
           <a:xfrm>
             <a:off x="4599000" y="3024000"/>
-            <a:ext cx="2746800" cy="2362680"/>
+            <a:ext cx="2746440" cy="2362320"/>
           </a:xfrm>
           <a:prstGeom prst="rect">
             <a:avLst/>
@@ -7315,14 +7011,14 @@
       </p:pic>
       <p:sp>
         <p:nvSpPr>
-          <p:cNvPr id="171" name="TextShape 3"/>
-          <p:cNvSpPr txBox="1"/>
+          <p:cNvPr id="165" name="CustomShape 3"/>
+          <p:cNvSpPr/>
           <p:nvPr/>
         </p:nvSpPr>
         <p:spPr>
           <a:xfrm>
             <a:off x="514080" y="6481440"/>
-            <a:ext cx="6347520" cy="364680"/>
+            <a:ext cx="6347160" cy="364320"/>
           </a:xfrm>
           <a:prstGeom prst="rect">
             <a:avLst/>
@@ -7332,8 +7028,14 @@
             <a:noFill/>
           </a:ln>
         </p:spPr>
-        <p:txBody>
-          <a:bodyPr anchor="ctr"/>
+        <p:style>
+          <a:lnRef idx="0"/>
+          <a:fillRef idx="0"/>
+          <a:effectRef idx="0"/>
+          <a:fontRef idx="minor"/>
+        </p:style>
+        <p:txBody>
+          <a:bodyPr lIns="90000" rIns="90000" tIns="45000" bIns="45000" anchor="ctr"/>
           <a:p>
             <a:pPr algn="r">
               <a:lnSpc>
@@ -7350,7 +7052,7 @@
               <a:t>Thomas Malina – Tillmann Nünninghof – Natalie Busam – Lea Wegner </a:t>
             </a:r>
             <a:endParaRPr b="0" lang="de-DE" sz="900" spc="-1" strike="noStrike">
-              <a:latin typeface="Times New Roman"/>
+              <a:latin typeface="Arial"/>
             </a:endParaRPr>
           </a:p>
         </p:txBody>
@@ -7387,14 +7089,14 @@
       </p:grpSpPr>
       <p:sp>
         <p:nvSpPr>
-          <p:cNvPr id="172" name="TextShape 1"/>
-          <p:cNvSpPr txBox="1"/>
+          <p:cNvPr id="166" name="CustomShape 1"/>
+          <p:cNvSpPr/>
           <p:nvPr/>
         </p:nvSpPr>
         <p:spPr>
           <a:xfrm>
             <a:off x="609480" y="609480"/>
-            <a:ext cx="6347520" cy="1320480"/>
+            <a:ext cx="6347160" cy="1320120"/>
           </a:xfrm>
           <a:prstGeom prst="rect">
             <a:avLst/>
@@ -7404,8 +7106,14 @@
             <a:noFill/>
           </a:ln>
         </p:spPr>
-        <p:txBody>
-          <a:bodyPr/>
+        <p:style>
+          <a:lnRef idx="0"/>
+          <a:fillRef idx="0"/>
+          <a:effectRef idx="0"/>
+          <a:fontRef idx="minor"/>
+        </p:style>
+        <p:txBody>
+          <a:bodyPr lIns="90000" rIns="90000" tIns="45000" bIns="45000"/>
           <a:p>
             <a:pPr>
               <a:lnSpc>
@@ -7422,24 +7130,21 @@
               <a:t>Automation </a:t>
             </a:r>
             <a:endParaRPr b="0" lang="de-DE" sz="3600" spc="-1" strike="noStrike">
-              <a:solidFill>
-                <a:srgbClr val="000000"/>
-              </a:solidFill>
-              <a:latin typeface="Trebuchet MS"/>
-            </a:endParaRPr>
-          </a:p>
-        </p:txBody>
-      </p:sp>
-      <p:sp>
-        <p:nvSpPr>
-          <p:cNvPr id="173" name="TextShape 2"/>
-          <p:cNvSpPr txBox="1"/>
+              <a:latin typeface="Arial"/>
+            </a:endParaRPr>
+          </a:p>
+        </p:txBody>
+      </p:sp>
+      <p:sp>
+        <p:nvSpPr>
+          <p:cNvPr id="167" name="CustomShape 2"/>
+          <p:cNvSpPr/>
           <p:nvPr/>
         </p:nvSpPr>
         <p:spPr>
           <a:xfrm>
             <a:off x="609480" y="2160720"/>
-            <a:ext cx="6347520" cy="3880440"/>
+            <a:ext cx="6347160" cy="3880080"/>
           </a:xfrm>
           <a:prstGeom prst="rect">
             <a:avLst/>
@@ -7449,10 +7154,16 @@
             <a:noFill/>
           </a:ln>
         </p:spPr>
-        <p:txBody>
-          <a:bodyPr/>
-          <a:p>
-            <a:pPr marL="343080" indent="-342720">
+        <p:style>
+          <a:lnRef idx="0"/>
+          <a:fillRef idx="0"/>
+          <a:effectRef idx="0"/>
+          <a:fontRef idx="minor"/>
+        </p:style>
+        <p:txBody>
+          <a:bodyPr lIns="90000" rIns="90000" tIns="45000" bIns="45000"/>
+          <a:p>
+            <a:pPr marL="343080" indent="-342360">
               <a:lnSpc>
                 <a:spcPct val="100000"/>
               </a:lnSpc>
@@ -7476,14 +7187,11 @@
               <a:t>Automatic time tracking</a:t>
             </a:r>
             <a:endParaRPr b="0" lang="de-DE" sz="1800" spc="-1" strike="noStrike">
-              <a:solidFill>
-                <a:srgbClr val="404040"/>
-              </a:solidFill>
-              <a:latin typeface="Trebuchet MS"/>
-            </a:endParaRPr>
-          </a:p>
-          <a:p>
-            <a:pPr marL="343080" indent="-342720">
+              <a:latin typeface="Arial"/>
+            </a:endParaRPr>
+          </a:p>
+          <a:p>
+            <a:pPr marL="343080" indent="-342360">
               <a:lnSpc>
                 <a:spcPct val="100000"/>
               </a:lnSpc>
@@ -7507,14 +7215,11 @@
               <a:t>Automatic tests</a:t>
             </a:r>
             <a:endParaRPr b="0" lang="de-DE" sz="1800" spc="-1" strike="noStrike">
-              <a:solidFill>
-                <a:srgbClr val="404040"/>
-              </a:solidFill>
-              <a:latin typeface="Trebuchet MS"/>
-            </a:endParaRPr>
-          </a:p>
-          <a:p>
-            <a:pPr marL="343080" indent="-342720">
+              <a:latin typeface="Arial"/>
+            </a:endParaRPr>
+          </a:p>
+          <a:p>
+            <a:pPr marL="343080" indent="-342360">
               <a:lnSpc>
                 <a:spcPct val="100000"/>
               </a:lnSpc>
@@ -7538,24 +7243,21 @@
               <a:t>Automatic deployment</a:t>
             </a:r>
             <a:endParaRPr b="0" lang="de-DE" sz="1800" spc="-1" strike="noStrike">
-              <a:solidFill>
-                <a:srgbClr val="404040"/>
-              </a:solidFill>
-              <a:latin typeface="Trebuchet MS"/>
-            </a:endParaRPr>
-          </a:p>
-        </p:txBody>
-      </p:sp>
-      <p:sp>
-        <p:nvSpPr>
-          <p:cNvPr id="174" name="TextShape 3"/>
-          <p:cNvSpPr txBox="1"/>
+              <a:latin typeface="Arial"/>
+            </a:endParaRPr>
+          </a:p>
+        </p:txBody>
+      </p:sp>
+      <p:sp>
+        <p:nvSpPr>
+          <p:cNvPr id="168" name="CustomShape 3"/>
+          <p:cNvSpPr/>
           <p:nvPr/>
         </p:nvSpPr>
         <p:spPr>
           <a:xfrm>
             <a:off x="514080" y="6481440"/>
-            <a:ext cx="6347520" cy="364680"/>
+            <a:ext cx="6347160" cy="364320"/>
           </a:xfrm>
           <a:prstGeom prst="rect">
             <a:avLst/>
@@ -7565,8 +7267,14 @@
             <a:noFill/>
           </a:ln>
         </p:spPr>
-        <p:txBody>
-          <a:bodyPr anchor="ctr"/>
+        <p:style>
+          <a:lnRef idx="0"/>
+          <a:fillRef idx="0"/>
+          <a:effectRef idx="0"/>
+          <a:fontRef idx="minor"/>
+        </p:style>
+        <p:txBody>
+          <a:bodyPr lIns="90000" rIns="90000" tIns="45000" bIns="45000" anchor="ctr"/>
           <a:p>
             <a:pPr algn="r">
               <a:lnSpc>
@@ -7583,7 +7291,7 @@
               <a:t>Thomas Malina – Tillmann Nünninghof – Natalie Busam – Lea Wegner </a:t>
             </a:r>
             <a:endParaRPr b="0" lang="de-DE" sz="900" spc="-1" strike="noStrike">
-              <a:latin typeface="Times New Roman"/>
+              <a:latin typeface="Arial"/>
             </a:endParaRPr>
           </a:p>
         </p:txBody>
@@ -7620,14 +7328,14 @@
       </p:grpSpPr>
       <p:sp>
         <p:nvSpPr>
-          <p:cNvPr id="175" name="TextShape 1"/>
-          <p:cNvSpPr txBox="1"/>
+          <p:cNvPr id="169" name="CustomShape 1"/>
+          <p:cNvSpPr/>
           <p:nvPr/>
         </p:nvSpPr>
         <p:spPr>
           <a:xfrm>
             <a:off x="609480" y="609480"/>
-            <a:ext cx="6347520" cy="1320480"/>
+            <a:ext cx="6347160" cy="1320120"/>
           </a:xfrm>
           <a:prstGeom prst="rect">
             <a:avLst/>
@@ -7637,8 +7345,14 @@
             <a:noFill/>
           </a:ln>
         </p:spPr>
-        <p:txBody>
-          <a:bodyPr/>
+        <p:style>
+          <a:lnRef idx="0"/>
+          <a:fillRef idx="0"/>
+          <a:effectRef idx="0"/>
+          <a:fontRef idx="minor"/>
+        </p:style>
+        <p:txBody>
+          <a:bodyPr lIns="90000" rIns="90000" tIns="45000" bIns="45000"/>
           <a:p>
             <a:pPr>
               <a:lnSpc>
@@ -7655,24 +7369,21 @@
               <a:t>Testing</a:t>
             </a:r>
             <a:endParaRPr b="0" lang="de-DE" sz="3600" spc="-1" strike="noStrike">
-              <a:solidFill>
-                <a:srgbClr val="000000"/>
-              </a:solidFill>
-              <a:latin typeface="Trebuchet MS"/>
-            </a:endParaRPr>
-          </a:p>
-        </p:txBody>
-      </p:sp>
-      <p:sp>
-        <p:nvSpPr>
-          <p:cNvPr id="176" name="TextShape 2"/>
-          <p:cNvSpPr txBox="1"/>
+              <a:latin typeface="Arial"/>
+            </a:endParaRPr>
+          </a:p>
+        </p:txBody>
+      </p:sp>
+      <p:sp>
+        <p:nvSpPr>
+          <p:cNvPr id="170" name="CustomShape 2"/>
+          <p:cNvSpPr/>
           <p:nvPr/>
         </p:nvSpPr>
         <p:spPr>
           <a:xfrm>
             <a:off x="609480" y="2160720"/>
-            <a:ext cx="6347520" cy="3880440"/>
+            <a:ext cx="6347160" cy="3880080"/>
           </a:xfrm>
           <a:prstGeom prst="rect">
             <a:avLst/>
@@ -7682,10 +7393,16 @@
             <a:noFill/>
           </a:ln>
         </p:spPr>
-        <p:txBody>
-          <a:bodyPr/>
-          <a:p>
-            <a:pPr marL="343080" indent="-342720">
+        <p:style>
+          <a:lnRef idx="0"/>
+          <a:fillRef idx="0"/>
+          <a:effectRef idx="0"/>
+          <a:fontRef idx="minor"/>
+        </p:style>
+        <p:txBody>
+          <a:bodyPr lIns="90000" rIns="90000" tIns="45000" bIns="45000"/>
+          <a:p>
+            <a:pPr marL="343080" indent="-342360">
               <a:lnSpc>
                 <a:spcPct val="100000"/>
               </a:lnSpc>
@@ -7709,10 +7426,7 @@
               <a:t>Feature test with Espresso Framework</a:t>
             </a:r>
             <a:endParaRPr b="0" lang="de-DE" sz="1800" spc="-1" strike="noStrike">
-              <a:solidFill>
-                <a:srgbClr val="404040"/>
-              </a:solidFill>
-              <a:latin typeface="Trebuchet MS"/>
+              <a:latin typeface="Arial"/>
             </a:endParaRPr>
           </a:p>
           <a:p>
@@ -7725,24 +7439,21 @@
               </a:spcBef>
             </a:pPr>
             <a:endParaRPr b="0" lang="de-DE" sz="1800" spc="-1" strike="noStrike">
-              <a:solidFill>
-                <a:srgbClr val="404040"/>
-              </a:solidFill>
-              <a:latin typeface="Trebuchet MS"/>
-            </a:endParaRPr>
-          </a:p>
-        </p:txBody>
-      </p:sp>
-      <p:sp>
-        <p:nvSpPr>
-          <p:cNvPr id="177" name="TextShape 3"/>
-          <p:cNvSpPr txBox="1"/>
+              <a:latin typeface="Arial"/>
+            </a:endParaRPr>
+          </a:p>
+        </p:txBody>
+      </p:sp>
+      <p:sp>
+        <p:nvSpPr>
+          <p:cNvPr id="171" name="CustomShape 3"/>
+          <p:cNvSpPr/>
           <p:nvPr/>
         </p:nvSpPr>
         <p:spPr>
           <a:xfrm>
             <a:off x="514080" y="6481440"/>
-            <a:ext cx="6347520" cy="364680"/>
+            <a:ext cx="6347160" cy="364320"/>
           </a:xfrm>
           <a:prstGeom prst="rect">
             <a:avLst/>
@@ -7752,8 +7463,14 @@
             <a:noFill/>
           </a:ln>
         </p:spPr>
-        <p:txBody>
-          <a:bodyPr anchor="ctr"/>
+        <p:style>
+          <a:lnRef idx="0"/>
+          <a:fillRef idx="0"/>
+          <a:effectRef idx="0"/>
+          <a:fontRef idx="minor"/>
+        </p:style>
+        <p:txBody>
+          <a:bodyPr lIns="90000" rIns="90000" tIns="45000" bIns="45000" anchor="ctr"/>
           <a:p>
             <a:pPr algn="r">
               <a:lnSpc>
@@ -7770,14 +7487,14 @@
               <a:t>Thomas Malina – Tillmann Nünninghof – Natalie Busam – Lea Wegner </a:t>
             </a:r>
             <a:endParaRPr b="0" lang="de-DE" sz="900" spc="-1" strike="noStrike">
-              <a:latin typeface="Times New Roman"/>
+              <a:latin typeface="Arial"/>
             </a:endParaRPr>
           </a:p>
         </p:txBody>
       </p:sp>
       <p:pic>
         <p:nvPicPr>
-          <p:cNvPr id="178" name="Picture 1" descr="">
+          <p:cNvPr id="172" name="Picture 1" descr="">
             <a:hlinkClick r:id="" action="ppaction://media"/>
           </p:cNvPr>
           <p:cNvPicPr/>
@@ -7796,7 +7513,7 @@
         <p:spPr>
           <a:xfrm>
             <a:off x="671760" y="2670840"/>
-            <a:ext cx="5660640" cy="3185280"/>
+            <a:ext cx="5660280" cy="3184920"/>
           </a:xfrm>
           <a:prstGeom prst="rect">
             <a:avLst/>
@@ -7819,34 +7536,31 @@
   <p:timing>
     <p:tnLst>
       <p:par>
-        <p:cTn id="27" dur="indefinite" restart="never" nodeType="tmRoot">
+        <p:cTn id="33" dur="indefinite" restart="never" nodeType="tmRoot">
           <p:childTnLst>
             <p:seq>
-              <p:cTn id="28" restart="whenNotActive" nodeType="interactiveSeq" fill="hold">
+              <p:cTn id="34" restart="whenNotActive" nodeType="interactiveSeq" fill="hold">
                 <p:childTnLst>
                   <p:par>
-                    <p:cTn id="29" fill="hold">
-                      <p:stCondLst>
-                        <p:cond delay="0"/>
-                      </p:stCondLst>
+                    <p:cTn id="35" fill="hold">
                       <p:childTnLst>
                         <p:par>
-                          <p:cTn id="30" fill="hold">
+                          <p:cTn id="36" fill="hold">
                             <p:stCondLst>
                               <p:cond delay="0"/>
                             </p:stCondLst>
                             <p:childTnLst>
                               <p:par>
-                                <p:cTn id="31" nodeType="clickEffect" fill="hold" presetClass="mediacall">
+                                <p:cTn id="37" nodeType="clickEffect" fill="hold" presetClass="mediacall">
                                   <p:stCondLst>
                                     <p:cond delay="0"/>
                                   </p:stCondLst>
                                   <p:childTnLst>
                                     <p:cmd type="call" cmd="togglePause">
                                       <p:cBhvr>
-                                        <p:cTn id="32" dur="1" fill="hold"/>
+                                        <p:cTn id="38" dur="1" fill="hold"/>
                                         <p:tgtEl>
-                                          <p:spTgt spid="178"/>
+                                          <p:spTgt spid="172"/>
                                         </p:tgtEl>
                                       </p:cBhvr>
                                     </p:cmd>
@@ -7903,14 +7617,14 @@
       </p:grpSpPr>
       <p:sp>
         <p:nvSpPr>
-          <p:cNvPr id="119" name="TextShape 1"/>
-          <p:cNvSpPr txBox="1"/>
+          <p:cNvPr id="113" name="CustomShape 1"/>
+          <p:cNvSpPr/>
           <p:nvPr/>
         </p:nvSpPr>
         <p:spPr>
           <a:xfrm>
             <a:off x="609480" y="609480"/>
-            <a:ext cx="6347520" cy="1320480"/>
+            <a:ext cx="6347160" cy="1320120"/>
           </a:xfrm>
           <a:prstGeom prst="rect">
             <a:avLst/>
@@ -7920,8 +7634,14 @@
             <a:noFill/>
           </a:ln>
         </p:spPr>
-        <p:txBody>
-          <a:bodyPr>
+        <p:style>
+          <a:lnRef idx="0"/>
+          <a:fillRef idx="0"/>
+          <a:effectRef idx="0"/>
+          <a:fontRef idx="minor"/>
+        </p:style>
+        <p:txBody>
+          <a:bodyPr lIns="90000" rIns="90000" tIns="45000" bIns="45000">
             <a:normAutofit/>
           </a:bodyPr>
           <a:p>
@@ -7940,24 +7660,21 @@
               <a:t>Table of contents</a:t>
             </a:r>
             <a:endParaRPr b="0" lang="de-DE" sz="4400" spc="-1" strike="noStrike">
-              <a:solidFill>
-                <a:srgbClr val="000000"/>
-              </a:solidFill>
-              <a:latin typeface="Trebuchet MS"/>
-            </a:endParaRPr>
-          </a:p>
-        </p:txBody>
-      </p:sp>
-      <p:sp>
-        <p:nvSpPr>
-          <p:cNvPr id="120" name="TextShape 2"/>
-          <p:cNvSpPr txBox="1"/>
+              <a:latin typeface="Arial"/>
+            </a:endParaRPr>
+          </a:p>
+        </p:txBody>
+      </p:sp>
+      <p:sp>
+        <p:nvSpPr>
+          <p:cNvPr id="114" name="CustomShape 2"/>
+          <p:cNvSpPr/>
           <p:nvPr/>
         </p:nvSpPr>
         <p:spPr>
           <a:xfrm>
             <a:off x="609480" y="2160720"/>
-            <a:ext cx="6347520" cy="3880440"/>
+            <a:ext cx="6347160" cy="3880080"/>
           </a:xfrm>
           <a:prstGeom prst="rect">
             <a:avLst/>
@@ -7967,12 +7684,18 @@
             <a:noFill/>
           </a:ln>
         </p:spPr>
-        <p:txBody>
-          <a:bodyPr>
+        <p:style>
+          <a:lnRef idx="0"/>
+          <a:fillRef idx="0"/>
+          <a:effectRef idx="0"/>
+          <a:fontRef idx="minor"/>
+        </p:style>
+        <p:txBody>
+          <a:bodyPr lIns="90000" rIns="90000" tIns="45000" bIns="45000">
             <a:normAutofit/>
           </a:bodyPr>
           <a:p>
-            <a:pPr marL="343080" indent="-342720">
+            <a:pPr marL="343080" indent="-342360">
               <a:lnSpc>
                 <a:spcPct val="100000"/>
               </a:lnSpc>
@@ -7996,14 +7719,11 @@
               <a:t>Understand business need</a:t>
             </a:r>
             <a:endParaRPr b="0" lang="de-DE" sz="2400" spc="-1" strike="noStrike">
-              <a:solidFill>
-                <a:srgbClr val="404040"/>
-              </a:solidFill>
-              <a:latin typeface="Trebuchet MS"/>
-            </a:endParaRPr>
-          </a:p>
-          <a:p>
-            <a:pPr marL="343080" indent="-342720">
+              <a:latin typeface="Arial"/>
+            </a:endParaRPr>
+          </a:p>
+          <a:p>
+            <a:pPr marL="343080" indent="-342360">
               <a:lnSpc>
                 <a:spcPct val="100000"/>
               </a:lnSpc>
@@ -8027,14 +7747,11 @@
               <a:t>Technical Ability</a:t>
             </a:r>
             <a:endParaRPr b="0" lang="de-DE" sz="2400" spc="-1" strike="noStrike">
-              <a:solidFill>
-                <a:srgbClr val="404040"/>
-              </a:solidFill>
-              <a:latin typeface="Trebuchet MS"/>
-            </a:endParaRPr>
-          </a:p>
-          <a:p>
-            <a:pPr marL="343080" indent="-342720">
+              <a:latin typeface="Arial"/>
+            </a:endParaRPr>
+          </a:p>
+          <a:p>
+            <a:pPr marL="343080" indent="-342360">
               <a:lnSpc>
                 <a:spcPct val="100000"/>
               </a:lnSpc>
@@ -8058,24 +7775,21 @@
               <a:t>Quality</a:t>
             </a:r>
             <a:endParaRPr b="0" lang="de-DE" sz="2400" spc="-1" strike="noStrike">
-              <a:solidFill>
-                <a:srgbClr val="404040"/>
-              </a:solidFill>
-              <a:latin typeface="Trebuchet MS"/>
-            </a:endParaRPr>
-          </a:p>
-        </p:txBody>
-      </p:sp>
-      <p:sp>
-        <p:nvSpPr>
-          <p:cNvPr id="121" name="TextShape 3"/>
-          <p:cNvSpPr txBox="1"/>
+              <a:latin typeface="Arial"/>
+            </a:endParaRPr>
+          </a:p>
+        </p:txBody>
+      </p:sp>
+      <p:sp>
+        <p:nvSpPr>
+          <p:cNvPr id="115" name="CustomShape 3"/>
+          <p:cNvSpPr/>
           <p:nvPr/>
         </p:nvSpPr>
         <p:spPr>
           <a:xfrm>
             <a:off x="514080" y="6481440"/>
-            <a:ext cx="6347520" cy="364680"/>
+            <a:ext cx="6347160" cy="364320"/>
           </a:xfrm>
           <a:prstGeom prst="rect">
             <a:avLst/>
@@ -8085,8 +7799,14 @@
             <a:noFill/>
           </a:ln>
         </p:spPr>
-        <p:txBody>
-          <a:bodyPr anchor="ctr"/>
+        <p:style>
+          <a:lnRef idx="0"/>
+          <a:fillRef idx="0"/>
+          <a:effectRef idx="0"/>
+          <a:fontRef idx="minor"/>
+        </p:style>
+        <p:txBody>
+          <a:bodyPr lIns="90000" rIns="90000" tIns="45000" bIns="45000" anchor="ctr"/>
           <a:p>
             <a:pPr algn="r">
               <a:lnSpc>
@@ -8103,7 +7823,7 @@
               <a:t>Thomas Malina – Tillmann Nünninghof – Natalie Busam – Lea Wegner </a:t>
             </a:r>
             <a:endParaRPr b="0" lang="de-DE" sz="900" spc="-1" strike="noStrike">
-              <a:latin typeface="Times New Roman"/>
+              <a:latin typeface="Arial"/>
             </a:endParaRPr>
           </a:p>
         </p:txBody>
@@ -8167,14 +7887,14 @@
       </p:grpSpPr>
       <p:sp>
         <p:nvSpPr>
-          <p:cNvPr id="179" name="TextShape 1"/>
-          <p:cNvSpPr txBox="1"/>
+          <p:cNvPr id="173" name="CustomShape 1"/>
+          <p:cNvSpPr/>
           <p:nvPr/>
         </p:nvSpPr>
         <p:spPr>
           <a:xfrm>
             <a:off x="609480" y="609480"/>
-            <a:ext cx="6347520" cy="1320480"/>
+            <a:ext cx="6347160" cy="1320120"/>
           </a:xfrm>
           <a:prstGeom prst="rect">
             <a:avLst/>
@@ -8184,8 +7904,14 @@
             <a:noFill/>
           </a:ln>
         </p:spPr>
-        <p:txBody>
-          <a:bodyPr/>
+        <p:style>
+          <a:lnRef idx="0"/>
+          <a:fillRef idx="0"/>
+          <a:effectRef idx="0"/>
+          <a:fontRef idx="minor"/>
+        </p:style>
+        <p:txBody>
+          <a:bodyPr lIns="90000" rIns="90000" tIns="45000" bIns="45000"/>
           <a:p>
             <a:pPr>
               <a:lnSpc>
@@ -8211,24 +7937,21 @@
               <a:t>Future</a:t>
             </a:r>
             <a:endParaRPr b="0" lang="de-DE" sz="3600" spc="-1" strike="noStrike">
-              <a:solidFill>
-                <a:srgbClr val="000000"/>
-              </a:solidFill>
-              <a:latin typeface="Trebuchet MS"/>
-            </a:endParaRPr>
-          </a:p>
-        </p:txBody>
-      </p:sp>
-      <p:sp>
-        <p:nvSpPr>
-          <p:cNvPr id="180" name="TextShape 2"/>
-          <p:cNvSpPr txBox="1"/>
+              <a:latin typeface="Arial"/>
+            </a:endParaRPr>
+          </a:p>
+        </p:txBody>
+      </p:sp>
+      <p:sp>
+        <p:nvSpPr>
+          <p:cNvPr id="174" name="CustomShape 2"/>
+          <p:cNvSpPr/>
           <p:nvPr/>
         </p:nvSpPr>
         <p:spPr>
           <a:xfrm>
             <a:off x="609480" y="2160720"/>
-            <a:ext cx="6347520" cy="3880440"/>
+            <a:ext cx="6347160" cy="3880080"/>
           </a:xfrm>
           <a:prstGeom prst="rect">
             <a:avLst/>
@@ -8238,10 +7961,16 @@
             <a:noFill/>
           </a:ln>
         </p:spPr>
-        <p:txBody>
-          <a:bodyPr/>
-          <a:p>
-            <a:pPr marL="343080" indent="-342720">
+        <p:style>
+          <a:lnRef idx="0"/>
+          <a:fillRef idx="0"/>
+          <a:effectRef idx="0"/>
+          <a:fontRef idx="minor"/>
+        </p:style>
+        <p:txBody>
+          <a:bodyPr lIns="90000" rIns="90000" tIns="45000" bIns="45000"/>
+          <a:p>
+            <a:pPr marL="343080" indent="-342360">
               <a:lnSpc>
                 <a:spcPct val="100000"/>
               </a:lnSpc>
@@ -8265,14 +7994,11 @@
               <a:t>Widget</a:t>
             </a:r>
             <a:endParaRPr b="0" lang="de-DE" sz="1800" spc="-1" strike="noStrike">
-              <a:solidFill>
-                <a:srgbClr val="404040"/>
-              </a:solidFill>
-              <a:latin typeface="Trebuchet MS"/>
-            </a:endParaRPr>
-          </a:p>
-          <a:p>
-            <a:pPr marL="343080" indent="-342720">
+              <a:latin typeface="Arial"/>
+            </a:endParaRPr>
+          </a:p>
+          <a:p>
+            <a:pPr marL="343080" indent="-342360">
               <a:lnSpc>
                 <a:spcPct val="100000"/>
               </a:lnSpc>
@@ -8296,14 +8022,11 @@
               <a:t>Change settings</a:t>
             </a:r>
             <a:endParaRPr b="0" lang="de-DE" sz="1800" spc="-1" strike="noStrike">
-              <a:solidFill>
-                <a:srgbClr val="404040"/>
-              </a:solidFill>
-              <a:latin typeface="Trebuchet MS"/>
-            </a:endParaRPr>
-          </a:p>
-          <a:p>
-            <a:pPr marL="343080" indent="-342720">
+              <a:latin typeface="Arial"/>
+            </a:endParaRPr>
+          </a:p>
+          <a:p>
+            <a:pPr marL="343080" indent="-342360">
               <a:lnSpc>
                 <a:spcPct val="100000"/>
               </a:lnSpc>
@@ -8327,14 +8050,11 @@
               <a:t>Change deadline list order</a:t>
             </a:r>
             <a:endParaRPr b="0" lang="de-DE" sz="1800" spc="-1" strike="noStrike">
-              <a:solidFill>
-                <a:srgbClr val="404040"/>
-              </a:solidFill>
-              <a:latin typeface="Trebuchet MS"/>
-            </a:endParaRPr>
-          </a:p>
-          <a:p>
-            <a:pPr marL="343080" indent="-342720">
+              <a:latin typeface="Arial"/>
+            </a:endParaRPr>
+          </a:p>
+          <a:p>
+            <a:pPr marL="343080" indent="-342360">
               <a:lnSpc>
                 <a:spcPct val="100000"/>
               </a:lnSpc>
@@ -8358,10 +8078,7 @@
               <a:t>Share and import deadlines</a:t>
             </a:r>
             <a:endParaRPr b="0" lang="de-DE" sz="1800" spc="-1" strike="noStrike">
-              <a:solidFill>
-                <a:srgbClr val="404040"/>
-              </a:solidFill>
-              <a:latin typeface="Trebuchet MS"/>
+              <a:latin typeface="Arial"/>
             </a:endParaRPr>
           </a:p>
           <a:p>
@@ -8374,24 +8091,21 @@
               </a:spcBef>
             </a:pPr>
             <a:endParaRPr b="0" lang="de-DE" sz="1800" spc="-1" strike="noStrike">
-              <a:solidFill>
-                <a:srgbClr val="404040"/>
-              </a:solidFill>
-              <a:latin typeface="Trebuchet MS"/>
-            </a:endParaRPr>
-          </a:p>
-        </p:txBody>
-      </p:sp>
-      <p:sp>
-        <p:nvSpPr>
-          <p:cNvPr id="181" name="TextShape 3"/>
-          <p:cNvSpPr txBox="1"/>
+              <a:latin typeface="Arial"/>
+            </a:endParaRPr>
+          </a:p>
+        </p:txBody>
+      </p:sp>
+      <p:sp>
+        <p:nvSpPr>
+          <p:cNvPr id="175" name="CustomShape 3"/>
+          <p:cNvSpPr/>
           <p:nvPr/>
         </p:nvSpPr>
         <p:spPr>
           <a:xfrm>
             <a:off x="514080" y="6481440"/>
-            <a:ext cx="6347520" cy="364680"/>
+            <a:ext cx="6347160" cy="364320"/>
           </a:xfrm>
           <a:prstGeom prst="rect">
             <a:avLst/>
@@ -8401,8 +8115,14 @@
             <a:noFill/>
           </a:ln>
         </p:spPr>
-        <p:txBody>
-          <a:bodyPr anchor="ctr"/>
+        <p:style>
+          <a:lnRef idx="0"/>
+          <a:fillRef idx="0"/>
+          <a:effectRef idx="0"/>
+          <a:fontRef idx="minor"/>
+        </p:style>
+        <p:txBody>
+          <a:bodyPr lIns="90000" rIns="90000" tIns="45000" bIns="45000" anchor="ctr"/>
           <a:p>
             <a:pPr algn="r">
               <a:lnSpc>
@@ -8419,14 +8139,14 @@
               <a:t>Thomas Malina – Tillmann Nünninghof – Natalie Busam – Lea Wegner </a:t>
             </a:r>
             <a:endParaRPr b="0" lang="de-DE" sz="900" spc="-1" strike="noStrike">
-              <a:latin typeface="Times New Roman"/>
+              <a:latin typeface="Arial"/>
             </a:endParaRPr>
           </a:p>
         </p:txBody>
       </p:sp>
       <p:pic>
         <p:nvPicPr>
-          <p:cNvPr id="182" name="Grafik 6" descr=""/>
+          <p:cNvPr id="176" name="Grafik 6" descr=""/>
           <p:cNvPicPr/>
           <p:nvPr/>
         </p:nvPicPr>
@@ -8437,7 +8157,7 @@
         <p:spPr>
           <a:xfrm>
             <a:off x="3372480" y="4225680"/>
-            <a:ext cx="4520160" cy="2265840"/>
+            <a:ext cx="4519800" cy="2265480"/>
           </a:xfrm>
           <a:prstGeom prst="rect">
             <a:avLst/>
@@ -8479,14 +8199,14 @@
       </p:grpSpPr>
       <p:sp>
         <p:nvSpPr>
-          <p:cNvPr id="183" name="TextShape 1"/>
-          <p:cNvSpPr txBox="1"/>
+          <p:cNvPr id="177" name="CustomShape 1"/>
+          <p:cNvSpPr/>
           <p:nvPr/>
         </p:nvSpPr>
         <p:spPr>
           <a:xfrm>
             <a:off x="1130760" y="2404440"/>
-            <a:ext cx="5826240" cy="1645920"/>
+            <a:ext cx="5825880" cy="1645560"/>
           </a:xfrm>
           <a:prstGeom prst="rect">
             <a:avLst/>
@@ -8496,8 +8216,14 @@
             <a:noFill/>
           </a:ln>
         </p:spPr>
-        <p:txBody>
-          <a:bodyPr anchor="b"/>
+        <p:style>
+          <a:lnRef idx="0"/>
+          <a:fillRef idx="0"/>
+          <a:effectRef idx="0"/>
+          <a:fontRef idx="minor"/>
+        </p:style>
+        <p:txBody>
+          <a:bodyPr lIns="90000" rIns="90000" tIns="45000" bIns="45000" anchor="b"/>
           <a:p>
             <a:pPr algn="r">
               <a:lnSpc>
@@ -8514,24 +8240,21 @@
               <a:t>Thank you for your attention!</a:t>
             </a:r>
             <a:endParaRPr b="0" lang="de-DE" sz="5400" spc="-1" strike="noStrike">
-              <a:solidFill>
-                <a:srgbClr val="000000"/>
-              </a:solidFill>
-              <a:latin typeface="Trebuchet MS"/>
-            </a:endParaRPr>
-          </a:p>
-        </p:txBody>
-      </p:sp>
-      <p:sp>
-        <p:nvSpPr>
-          <p:cNvPr id="184" name="TextShape 2"/>
-          <p:cNvSpPr txBox="1"/>
+              <a:latin typeface="Arial"/>
+            </a:endParaRPr>
+          </a:p>
+        </p:txBody>
+      </p:sp>
+      <p:sp>
+        <p:nvSpPr>
+          <p:cNvPr id="178" name="CustomShape 2"/>
+          <p:cNvSpPr/>
           <p:nvPr/>
         </p:nvSpPr>
         <p:spPr>
           <a:xfrm>
             <a:off x="514080" y="6481440"/>
-            <a:ext cx="6347520" cy="364680"/>
+            <a:ext cx="6347160" cy="364320"/>
           </a:xfrm>
           <a:prstGeom prst="rect">
             <a:avLst/>
@@ -8541,8 +8264,14 @@
             <a:noFill/>
           </a:ln>
         </p:spPr>
-        <p:txBody>
-          <a:bodyPr anchor="ctr"/>
+        <p:style>
+          <a:lnRef idx="0"/>
+          <a:fillRef idx="0"/>
+          <a:effectRef idx="0"/>
+          <a:fontRef idx="minor"/>
+        </p:style>
+        <p:txBody>
+          <a:bodyPr lIns="90000" rIns="90000" tIns="45000" bIns="45000" anchor="ctr"/>
           <a:p>
             <a:pPr algn="r">
               <a:lnSpc>
@@ -8559,14 +8288,14 @@
               <a:t>Thomas Malina – Tillmann Nünninghof – Natalie Busam – Lea Wegner </a:t>
             </a:r>
             <a:endParaRPr b="0" lang="de-DE" sz="900" spc="-1" strike="noStrike">
-              <a:latin typeface="Times New Roman"/>
+              <a:latin typeface="Arial"/>
             </a:endParaRPr>
           </a:p>
         </p:txBody>
       </p:sp>
       <p:pic>
         <p:nvPicPr>
-          <p:cNvPr id="185" name="Grafik 6" descr=""/>
+          <p:cNvPr id="179" name="Grafik 6" descr=""/>
           <p:cNvPicPr/>
           <p:nvPr/>
         </p:nvPicPr>
@@ -8576,8 +8305,8 @@
         </p:blipFill>
         <p:spPr>
           <a:xfrm rot="1292400">
-            <a:off x="7693920" y="329400"/>
-            <a:ext cx="1098000" cy="1231200"/>
+            <a:off x="7693560" y="329400"/>
+            <a:ext cx="1097640" cy="1230840"/>
           </a:xfrm>
           <a:prstGeom prst="rect">
             <a:avLst/>
@@ -8589,14 +8318,14 @@
       </p:pic>
       <p:sp>
         <p:nvSpPr>
-          <p:cNvPr id="186" name="TextShape 3"/>
-          <p:cNvSpPr txBox="1"/>
+          <p:cNvPr id="180" name="CustomShape 3"/>
+          <p:cNvSpPr/>
           <p:nvPr/>
         </p:nvSpPr>
         <p:spPr>
           <a:xfrm>
             <a:off x="1130760" y="4050720"/>
-            <a:ext cx="5826240" cy="1096560"/>
+            <a:ext cx="5825880" cy="1096200"/>
           </a:xfrm>
           <a:prstGeom prst="rect">
             <a:avLst/>
@@ -8606,15 +8335,12 @@
             <a:noFill/>
           </a:ln>
         </p:spPr>
-        <p:txBody>
-          <a:bodyPr/>
-          <a:p>
-            <a:pPr algn="ctr"/>
-            <a:endParaRPr b="0" lang="de-DE" sz="3200" spc="-1" strike="noStrike">
-              <a:latin typeface="Arial"/>
-            </a:endParaRPr>
-          </a:p>
-        </p:txBody>
+        <p:style>
+          <a:lnRef idx="0"/>
+          <a:fillRef idx="0"/>
+          <a:effectRef idx="0"/>
+          <a:fontRef idx="minor"/>
+        </p:style>
       </p:sp>
     </p:spTree>
   </p:cSld>
@@ -8648,14 +8374,14 @@
       </p:grpSpPr>
       <p:sp>
         <p:nvSpPr>
-          <p:cNvPr id="122" name="TextShape 1"/>
-          <p:cNvSpPr txBox="1"/>
+          <p:cNvPr id="116" name="CustomShape 1"/>
+          <p:cNvSpPr/>
           <p:nvPr/>
         </p:nvSpPr>
         <p:spPr>
           <a:xfrm>
             <a:off x="1130760" y="2404440"/>
-            <a:ext cx="5826240" cy="1645920"/>
+            <a:ext cx="5825880" cy="1645560"/>
           </a:xfrm>
           <a:prstGeom prst="rect">
             <a:avLst/>
@@ -8665,8 +8391,14 @@
             <a:noFill/>
           </a:ln>
         </p:spPr>
-        <p:txBody>
-          <a:bodyPr anchor="b"/>
+        <p:style>
+          <a:lnRef idx="0"/>
+          <a:fillRef idx="0"/>
+          <a:effectRef idx="0"/>
+          <a:fontRef idx="minor"/>
+        </p:style>
+        <p:txBody>
+          <a:bodyPr lIns="90000" rIns="90000" tIns="45000" bIns="45000" anchor="b"/>
           <a:p>
             <a:pPr algn="r">
               <a:lnSpc>
@@ -8683,24 +8415,21 @@
               <a:t>Understand business need</a:t>
             </a:r>
             <a:endParaRPr b="0" lang="de-DE" sz="5400" spc="-1" strike="noStrike">
-              <a:solidFill>
-                <a:srgbClr val="000000"/>
-              </a:solidFill>
-              <a:latin typeface="Trebuchet MS"/>
-            </a:endParaRPr>
-          </a:p>
-        </p:txBody>
-      </p:sp>
-      <p:sp>
-        <p:nvSpPr>
-          <p:cNvPr id="123" name="TextShape 2"/>
-          <p:cNvSpPr txBox="1"/>
+              <a:latin typeface="Arial"/>
+            </a:endParaRPr>
+          </a:p>
+        </p:txBody>
+      </p:sp>
+      <p:sp>
+        <p:nvSpPr>
+          <p:cNvPr id="117" name="CustomShape 2"/>
+          <p:cNvSpPr/>
           <p:nvPr/>
         </p:nvSpPr>
         <p:spPr>
           <a:xfrm>
             <a:off x="1130760" y="4050720"/>
-            <a:ext cx="5826240" cy="1096560"/>
+            <a:ext cx="5825880" cy="1096200"/>
           </a:xfrm>
           <a:prstGeom prst="rect">
             <a:avLst/>
@@ -8710,26 +8439,23 @@
             <a:noFill/>
           </a:ln>
         </p:spPr>
-        <p:txBody>
-          <a:bodyPr/>
-          <a:p>
-            <a:pPr algn="ctr"/>
-            <a:endParaRPr b="0" lang="de-DE" sz="3200" spc="-1" strike="noStrike">
-              <a:latin typeface="Arial"/>
-            </a:endParaRPr>
-          </a:p>
-        </p:txBody>
-      </p:sp>
-      <p:sp>
-        <p:nvSpPr>
-          <p:cNvPr id="124" name="TextShape 3"/>
-          <p:cNvSpPr txBox="1"/>
+        <p:style>
+          <a:lnRef idx="0"/>
+          <a:fillRef idx="0"/>
+          <a:effectRef idx="0"/>
+          <a:fontRef idx="minor"/>
+        </p:style>
+      </p:sp>
+      <p:sp>
+        <p:nvSpPr>
+          <p:cNvPr id="118" name="CustomShape 3"/>
+          <p:cNvSpPr/>
           <p:nvPr/>
         </p:nvSpPr>
         <p:spPr>
           <a:xfrm>
             <a:off x="514080" y="6481440"/>
-            <a:ext cx="6347520" cy="364680"/>
+            <a:ext cx="6347160" cy="364320"/>
           </a:xfrm>
           <a:prstGeom prst="rect">
             <a:avLst/>
@@ -8739,8 +8465,14 @@
             <a:noFill/>
           </a:ln>
         </p:spPr>
-        <p:txBody>
-          <a:bodyPr anchor="ctr"/>
+        <p:style>
+          <a:lnRef idx="0"/>
+          <a:fillRef idx="0"/>
+          <a:effectRef idx="0"/>
+          <a:fontRef idx="minor"/>
+        </p:style>
+        <p:txBody>
+          <a:bodyPr lIns="90000" rIns="90000" tIns="45000" bIns="45000" anchor="ctr"/>
           <a:p>
             <a:pPr algn="r">
               <a:lnSpc>
@@ -8757,14 +8489,14 @@
               <a:t>Thomas Malina – Tillmann Nünninghof – Natalie Busam – Lea Wegner </a:t>
             </a:r>
             <a:endParaRPr b="0" lang="de-DE" sz="900" spc="-1" strike="noStrike">
-              <a:latin typeface="Times New Roman"/>
+              <a:latin typeface="Arial"/>
             </a:endParaRPr>
           </a:p>
         </p:txBody>
       </p:sp>
       <p:pic>
         <p:nvPicPr>
-          <p:cNvPr id="125" name="Grafik 6" descr=""/>
+          <p:cNvPr id="119" name="Grafik 6" descr=""/>
           <p:cNvPicPr/>
           <p:nvPr/>
         </p:nvPicPr>
@@ -8774,8 +8506,8 @@
         </p:blipFill>
         <p:spPr>
           <a:xfrm rot="1292400">
-            <a:off x="7693920" y="329400"/>
-            <a:ext cx="1098000" cy="1231200"/>
+            <a:off x="7693560" y="329400"/>
+            <a:ext cx="1097640" cy="1230840"/>
           </a:xfrm>
           <a:prstGeom prst="rect">
             <a:avLst/>
@@ -8844,14 +8576,14 @@
       </p:grpSpPr>
       <p:sp>
         <p:nvSpPr>
-          <p:cNvPr id="126" name="TextShape 1"/>
-          <p:cNvSpPr txBox="1"/>
+          <p:cNvPr id="120" name="CustomShape 1"/>
+          <p:cNvSpPr/>
           <p:nvPr/>
         </p:nvSpPr>
         <p:spPr>
           <a:xfrm>
             <a:off x="609480" y="609480"/>
-            <a:ext cx="6347520" cy="1320480"/>
+            <a:ext cx="6347160" cy="1320120"/>
           </a:xfrm>
           <a:prstGeom prst="rect">
             <a:avLst/>
@@ -8861,8 +8593,14 @@
             <a:noFill/>
           </a:ln>
         </p:spPr>
-        <p:txBody>
-          <a:bodyPr/>
+        <p:style>
+          <a:lnRef idx="0"/>
+          <a:fillRef idx="0"/>
+          <a:effectRef idx="0"/>
+          <a:fontRef idx="minor"/>
+        </p:style>
+        <p:txBody>
+          <a:bodyPr lIns="90000" rIns="90000" tIns="45000" bIns="45000"/>
           <a:p>
             <a:pPr>
               <a:lnSpc>
@@ -8879,17 +8617,14 @@
               <a:t>Vision</a:t>
             </a:r>
             <a:endParaRPr b="0" lang="de-DE" sz="3600" spc="-1" strike="noStrike">
-              <a:solidFill>
-                <a:srgbClr val="000000"/>
-              </a:solidFill>
-              <a:latin typeface="Trebuchet MS"/>
+              <a:latin typeface="Arial"/>
             </a:endParaRPr>
           </a:p>
         </p:txBody>
       </p:sp>
       <p:pic>
         <p:nvPicPr>
-          <p:cNvPr id="127" name="Inhaltsplatzhalter 8" descr=""/>
+          <p:cNvPr id="121" name="Inhaltsplatzhalter 8" descr=""/>
           <p:cNvPicPr/>
           <p:nvPr/>
         </p:nvPicPr>
@@ -8901,7 +8636,7 @@
         <p:spPr>
           <a:xfrm rot="21417600">
             <a:off x="525600" y="4303440"/>
-            <a:ext cx="2053800" cy="2392560"/>
+            <a:ext cx="2053440" cy="2392200"/>
           </a:xfrm>
           <a:prstGeom prst="rect">
             <a:avLst/>
@@ -8913,14 +8648,14 @@
       </p:pic>
       <p:sp>
         <p:nvSpPr>
-          <p:cNvPr id="128" name="CustomShape 2"/>
+          <p:cNvPr id="122" name="CustomShape 2"/>
           <p:cNvSpPr/>
           <p:nvPr/>
         </p:nvSpPr>
         <p:spPr>
           <a:xfrm>
             <a:off x="609480" y="1819800"/>
-            <a:ext cx="6795720" cy="2559240"/>
+            <a:ext cx="6795360" cy="2558880"/>
           </a:xfrm>
           <a:prstGeom prst="rect">
             <a:avLst/>
@@ -8939,7 +8674,7 @@
         <p:txBody>
           <a:bodyPr lIns="90000" rIns="90000" tIns="45000" bIns="45000"/>
           <a:p>
-            <a:pPr marL="285840" indent="-285480">
+            <a:pPr marL="285840" indent="-285120">
               <a:lnSpc>
                 <a:spcPct val="100000"/>
               </a:lnSpc>
@@ -8955,6 +8690,7 @@
                   <a:srgbClr val="000000"/>
                 </a:solidFill>
                 <a:latin typeface="Trebuchet MS"/>
+                <a:ea typeface="DejaVu Sans"/>
               </a:rPr>
               <a:t>Many deadlines to keep track off</a:t>
             </a:r>
@@ -8963,7 +8699,7 @@
             </a:endParaRPr>
           </a:p>
           <a:p>
-            <a:pPr marL="285840" indent="-285480">
+            <a:pPr marL="285840" indent="-285120">
               <a:lnSpc>
                 <a:spcPct val="100000"/>
               </a:lnSpc>
@@ -8979,6 +8715,7 @@
                   <a:srgbClr val="000000"/>
                 </a:solidFill>
                 <a:latin typeface="Trebuchet MS"/>
+                <a:ea typeface="DejaVu Sans"/>
               </a:rPr>
               <a:t>Exams, dates, papers you need to finish and e-mails you have to write</a:t>
             </a:r>
@@ -8987,7 +8724,7 @@
             </a:endParaRPr>
           </a:p>
           <a:p>
-            <a:pPr marL="285840" indent="-285480">
+            <a:pPr marL="285840" indent="-285120">
               <a:lnSpc>
                 <a:spcPct val="100000"/>
               </a:lnSpc>
@@ -9003,6 +8740,7 @@
                   <a:srgbClr val="000000"/>
                 </a:solidFill>
                 <a:latin typeface="Trebuchet MS"/>
+                <a:ea typeface="DejaVu Sans"/>
               </a:rPr>
               <a:t>Focus on important things</a:t>
             </a:r>
@@ -9021,7 +8759,7 @@
             </a:endParaRPr>
           </a:p>
           <a:p>
-            <a:pPr marL="285840" indent="-285480">
+            <a:pPr marL="285840" indent="-285120">
               <a:lnSpc>
                 <a:spcPct val="100000"/>
               </a:lnSpc>
@@ -9037,6 +8775,7 @@
                   <a:srgbClr val="000000"/>
                 </a:solidFill>
                 <a:latin typeface="Trebuchet MS"/>
+                <a:ea typeface="DejaVu Sans"/>
               </a:rPr>
               <a:t>Show an overview of your deadlines</a:t>
             </a:r>
@@ -9045,7 +8784,7 @@
             </a:endParaRPr>
           </a:p>
           <a:p>
-            <a:pPr marL="285840" indent="-285480">
+            <a:pPr marL="285840" indent="-285120">
               <a:lnSpc>
                 <a:spcPct val="100000"/>
               </a:lnSpc>
@@ -9061,6 +8800,7 @@
                   <a:srgbClr val="000000"/>
                 </a:solidFill>
                 <a:latin typeface="Trebuchet MS"/>
+                <a:ea typeface="DejaVu Sans"/>
               </a:rPr>
               <a:t>The ability to create, manage and delete deadlines and subtasks</a:t>
             </a:r>
@@ -9069,7 +8809,7 @@
             </a:endParaRPr>
           </a:p>
           <a:p>
-            <a:pPr marL="285840" indent="-285480">
+            <a:pPr marL="285840" indent="-285120">
               <a:lnSpc>
                 <a:spcPct val="100000"/>
               </a:lnSpc>
@@ -9085,6 +8825,7 @@
                   <a:srgbClr val="000000"/>
                 </a:solidFill>
                 <a:latin typeface="Trebuchet MS"/>
+                <a:ea typeface="DejaVu Sans"/>
               </a:rPr>
               <a:t>Subtask with check option</a:t>
             </a:r>
@@ -9096,14 +8837,14 @@
       </p:sp>
       <p:sp>
         <p:nvSpPr>
-          <p:cNvPr id="129" name="CustomShape 3"/>
+          <p:cNvPr id="123" name="CustomShape 3"/>
           <p:cNvSpPr/>
           <p:nvPr/>
         </p:nvSpPr>
         <p:spPr>
           <a:xfrm>
             <a:off x="2498760" y="4576680"/>
-            <a:ext cx="4023720" cy="1735560"/>
+            <a:ext cx="4023360" cy="1735200"/>
           </a:xfrm>
           <a:prstGeom prst="rect">
             <a:avLst/>
@@ -9122,7 +8863,7 @@
         <p:txBody>
           <a:bodyPr lIns="90000" rIns="90000" tIns="45000" bIns="45000"/>
           <a:p>
-            <a:pPr marL="285840" indent="-285480">
+            <a:pPr marL="285840" indent="-285120">
               <a:lnSpc>
                 <a:spcPct val="100000"/>
               </a:lnSpc>
@@ -9138,6 +8879,7 @@
                   <a:srgbClr val="000000"/>
                 </a:solidFill>
                 <a:latin typeface="Trebuchet MS"/>
+                <a:ea typeface="DejaVu Sans"/>
               </a:rPr>
               <a:t>Possibility to set deadlines as recurring</a:t>
             </a:r>
@@ -9146,7 +8888,7 @@
             </a:endParaRPr>
           </a:p>
           <a:p>
-            <a:pPr marL="285840" indent="-285480">
+            <a:pPr marL="285840" indent="-285120">
               <a:lnSpc>
                 <a:spcPct val="100000"/>
               </a:lnSpc>
@@ -9162,6 +8904,7 @@
                   <a:srgbClr val="000000"/>
                 </a:solidFill>
                 <a:latin typeface="Trebuchet MS"/>
+                <a:ea typeface="DejaVu Sans"/>
               </a:rPr>
               <a:t>Don‘t forget any important upcoming dates</a:t>
             </a:r>
@@ -9170,7 +8913,7 @@
             </a:endParaRPr>
           </a:p>
           <a:p>
-            <a:pPr marL="285840" indent="-285480">
+            <a:pPr marL="285840" indent="-285120">
               <a:lnSpc>
                 <a:spcPct val="100000"/>
               </a:lnSpc>
@@ -9186,6 +8929,7 @@
                   <a:srgbClr val="000000"/>
                 </a:solidFill>
                 <a:latin typeface="Trebuchet MS"/>
+                <a:ea typeface="DejaVu Sans"/>
               </a:rPr>
               <a:t>Organize and track your progress </a:t>
             </a:r>
@@ -9197,14 +8941,14 @@
       </p:sp>
       <p:sp>
         <p:nvSpPr>
-          <p:cNvPr id="130" name="TextShape 4"/>
-          <p:cNvSpPr txBox="1"/>
+          <p:cNvPr id="124" name="CustomShape 4"/>
+          <p:cNvSpPr/>
           <p:nvPr/>
         </p:nvSpPr>
         <p:spPr>
           <a:xfrm>
             <a:off x="514080" y="6481440"/>
-            <a:ext cx="6347520" cy="364680"/>
+            <a:ext cx="6347160" cy="364320"/>
           </a:xfrm>
           <a:prstGeom prst="rect">
             <a:avLst/>
@@ -9214,8 +8958,14 @@
             <a:noFill/>
           </a:ln>
         </p:spPr>
-        <p:txBody>
-          <a:bodyPr anchor="ctr"/>
+        <p:style>
+          <a:lnRef idx="0"/>
+          <a:fillRef idx="0"/>
+          <a:effectRef idx="0"/>
+          <a:fontRef idx="minor"/>
+        </p:style>
+        <p:txBody>
+          <a:bodyPr lIns="90000" rIns="90000" tIns="45000" bIns="45000" anchor="ctr"/>
           <a:p>
             <a:pPr algn="r">
               <a:lnSpc>
@@ -9232,7 +8982,7 @@
               <a:t>Thomas Malina – Tillmann Nünninghof – Natalie Busam – Lea Wegner </a:t>
             </a:r>
             <a:endParaRPr b="0" lang="de-DE" sz="900" spc="-1" strike="noStrike">
-              <a:latin typeface="Times New Roman"/>
+              <a:latin typeface="Arial"/>
             </a:endParaRPr>
           </a:p>
         </p:txBody>
@@ -9296,14 +9046,14 @@
       </p:grpSpPr>
       <p:sp>
         <p:nvSpPr>
-          <p:cNvPr id="131" name="TextShape 1"/>
-          <p:cNvSpPr txBox="1"/>
+          <p:cNvPr id="125" name="CustomShape 1"/>
+          <p:cNvSpPr/>
           <p:nvPr/>
         </p:nvSpPr>
         <p:spPr>
           <a:xfrm>
             <a:off x="609480" y="609480"/>
-            <a:ext cx="6347520" cy="1320480"/>
+            <a:ext cx="6347160" cy="1320120"/>
           </a:xfrm>
           <a:prstGeom prst="rect">
             <a:avLst/>
@@ -9313,8 +9063,14 @@
             <a:noFill/>
           </a:ln>
         </p:spPr>
-        <p:txBody>
-          <a:bodyPr/>
+        <p:style>
+          <a:lnRef idx="0"/>
+          <a:fillRef idx="0"/>
+          <a:effectRef idx="0"/>
+          <a:fontRef idx="minor"/>
+        </p:style>
+        <p:txBody>
+          <a:bodyPr lIns="90000" rIns="90000" tIns="45000" bIns="45000"/>
           <a:p>
             <a:pPr>
               <a:lnSpc>
@@ -9331,17 +9087,14 @@
               <a:t>Use cases</a:t>
             </a:r>
             <a:endParaRPr b="0" lang="de-DE" sz="3600" spc="-1" strike="noStrike">
-              <a:solidFill>
-                <a:srgbClr val="000000"/>
-              </a:solidFill>
-              <a:latin typeface="Trebuchet MS"/>
+              <a:latin typeface="Arial"/>
             </a:endParaRPr>
           </a:p>
         </p:txBody>
       </p:sp>
       <p:pic>
         <p:nvPicPr>
-          <p:cNvPr id="132" name="Inhaltsplatzhalter 5" descr=""/>
+          <p:cNvPr id="126" name="Inhaltsplatzhalter 5" descr=""/>
           <p:cNvPicPr/>
           <p:nvPr/>
         </p:nvPicPr>
@@ -9352,7 +9105,7 @@
         <p:spPr>
           <a:xfrm>
             <a:off x="741960" y="1485360"/>
-            <a:ext cx="5248080" cy="5000400"/>
+            <a:ext cx="5247720" cy="5000040"/>
           </a:xfrm>
           <a:prstGeom prst="rect">
             <a:avLst/>
@@ -9364,14 +9117,14 @@
       </p:pic>
       <p:sp>
         <p:nvSpPr>
-          <p:cNvPr id="133" name="TextShape 2"/>
-          <p:cNvSpPr txBox="1"/>
+          <p:cNvPr id="127" name="CustomShape 2"/>
+          <p:cNvSpPr/>
           <p:nvPr/>
         </p:nvSpPr>
         <p:spPr>
           <a:xfrm>
             <a:off x="514080" y="6481440"/>
-            <a:ext cx="6347520" cy="364680"/>
+            <a:ext cx="6347160" cy="364320"/>
           </a:xfrm>
           <a:prstGeom prst="rect">
             <a:avLst/>
@@ -9381,8 +9134,14 @@
             <a:noFill/>
           </a:ln>
         </p:spPr>
-        <p:txBody>
-          <a:bodyPr anchor="ctr"/>
+        <p:style>
+          <a:lnRef idx="0"/>
+          <a:fillRef idx="0"/>
+          <a:effectRef idx="0"/>
+          <a:fontRef idx="minor"/>
+        </p:style>
+        <p:txBody>
+          <a:bodyPr lIns="90000" rIns="90000" tIns="45000" bIns="45000" anchor="ctr"/>
           <a:p>
             <a:pPr algn="r">
               <a:lnSpc>
@@ -9399,7 +9158,7 @@
               <a:t>Thomas Malina – Tillmann Nünninghof – Natalie Busam – Lea Wegner </a:t>
             </a:r>
             <a:endParaRPr b="0" lang="de-DE" sz="900" spc="-1" strike="noStrike">
-              <a:latin typeface="Times New Roman"/>
+              <a:latin typeface="Arial"/>
             </a:endParaRPr>
           </a:p>
         </p:txBody>
@@ -9463,14 +9222,14 @@
       </p:grpSpPr>
       <p:sp>
         <p:nvSpPr>
-          <p:cNvPr id="134" name="TextShape 1"/>
-          <p:cNvSpPr txBox="1"/>
+          <p:cNvPr id="128" name="CustomShape 1"/>
+          <p:cNvSpPr/>
           <p:nvPr/>
         </p:nvSpPr>
         <p:spPr>
           <a:xfrm>
             <a:off x="609480" y="609480"/>
-            <a:ext cx="6347520" cy="1320480"/>
+            <a:ext cx="6347160" cy="1320120"/>
           </a:xfrm>
           <a:prstGeom prst="rect">
             <a:avLst/>
@@ -9480,8 +9239,14 @@
             <a:noFill/>
           </a:ln>
         </p:spPr>
-        <p:txBody>
-          <a:bodyPr>
+        <p:style>
+          <a:lnRef idx="0"/>
+          <a:fillRef idx="0"/>
+          <a:effectRef idx="0"/>
+          <a:fontRef idx="minor"/>
+        </p:style>
+        <p:txBody>
+          <a:bodyPr lIns="90000" rIns="90000" tIns="45000" bIns="45000">
             <a:normAutofit/>
           </a:bodyPr>
           <a:p>
@@ -9500,24 +9265,21 @@
               <a:t>Software Requirements Specification</a:t>
             </a:r>
             <a:endParaRPr b="0" lang="de-DE" sz="3600" spc="-1" strike="noStrike">
-              <a:solidFill>
-                <a:srgbClr val="000000"/>
-              </a:solidFill>
-              <a:latin typeface="Trebuchet MS"/>
-            </a:endParaRPr>
-          </a:p>
-        </p:txBody>
-      </p:sp>
-      <p:sp>
-        <p:nvSpPr>
-          <p:cNvPr id="135" name="TextShape 2"/>
-          <p:cNvSpPr txBox="1"/>
+              <a:latin typeface="Arial"/>
+            </a:endParaRPr>
+          </a:p>
+        </p:txBody>
+      </p:sp>
+      <p:sp>
+        <p:nvSpPr>
+          <p:cNvPr id="129" name="CustomShape 2"/>
+          <p:cNvSpPr/>
           <p:nvPr/>
         </p:nvSpPr>
         <p:spPr>
           <a:xfrm>
             <a:off x="609480" y="2160720"/>
-            <a:ext cx="6347520" cy="3880440"/>
+            <a:ext cx="6347160" cy="3880080"/>
           </a:xfrm>
           <a:prstGeom prst="rect">
             <a:avLst/>
@@ -9527,8 +9289,14 @@
             <a:noFill/>
           </a:ln>
         </p:spPr>
-        <p:txBody>
-          <a:bodyPr/>
+        <p:style>
+          <a:lnRef idx="0"/>
+          <a:fillRef idx="0"/>
+          <a:effectRef idx="0"/>
+          <a:fontRef idx="minor"/>
+        </p:style>
+        <p:txBody>
+          <a:bodyPr lIns="90000" rIns="90000" tIns="45000" bIns="45000"/>
           <a:p>
             <a:pPr>
               <a:lnSpc>
@@ -9557,14 +9325,11 @@
               <a:t>:</a:t>
             </a:r>
             <a:endParaRPr b="0" lang="de-DE" sz="1800" spc="-1" strike="noStrike">
-              <a:solidFill>
-                <a:srgbClr val="404040"/>
-              </a:solidFill>
-              <a:latin typeface="Trebuchet MS"/>
-            </a:endParaRPr>
-          </a:p>
-          <a:p>
-            <a:pPr marL="343080" indent="-342720">
+              <a:latin typeface="Arial"/>
+            </a:endParaRPr>
+          </a:p>
+          <a:p>
+            <a:pPr marL="343080" indent="-342360">
               <a:lnSpc>
                 <a:spcPct val="100000"/>
               </a:lnSpc>
@@ -9588,14 +9353,11 @@
               <a:t>remind the user of upcoming deadlines such as exams</a:t>
             </a:r>
             <a:endParaRPr b="0" lang="de-DE" sz="1800" spc="-1" strike="noStrike">
-              <a:solidFill>
-                <a:srgbClr val="404040"/>
-              </a:solidFill>
-              <a:latin typeface="Trebuchet MS"/>
-            </a:endParaRPr>
-          </a:p>
-          <a:p>
-            <a:pPr marL="343080" indent="-342720">
+              <a:latin typeface="Arial"/>
+            </a:endParaRPr>
+          </a:p>
+          <a:p>
+            <a:pPr marL="343080" indent="-342360">
               <a:lnSpc>
                 <a:spcPct val="100000"/>
               </a:lnSpc>
@@ -9619,10 +9381,7 @@
               <a:t>overview to show all your deadlines</a:t>
             </a:r>
             <a:endParaRPr b="0" lang="de-DE" sz="1800" spc="-1" strike="noStrike">
-              <a:solidFill>
-                <a:srgbClr val="404040"/>
-              </a:solidFill>
-              <a:latin typeface="Trebuchet MS"/>
+              <a:latin typeface="Arial"/>
             </a:endParaRPr>
           </a:p>
           <a:p>
@@ -9653,14 +9412,11 @@
               <a:t>:</a:t>
             </a:r>
             <a:endParaRPr b="0" lang="de-DE" sz="1800" spc="-1" strike="noStrike">
-              <a:solidFill>
-                <a:srgbClr val="404040"/>
-              </a:solidFill>
-              <a:latin typeface="Trebuchet MS"/>
-            </a:endParaRPr>
-          </a:p>
-          <a:p>
-            <a:pPr marL="343080" indent="-342720">
+              <a:latin typeface="Arial"/>
+            </a:endParaRPr>
+          </a:p>
+          <a:p>
+            <a:pPr marL="343080" indent="-342360">
               <a:lnSpc>
                 <a:spcPct val="100000"/>
               </a:lnSpc>
@@ -9684,14 +9440,11 @@
               <a:t>Create, edit, show, delete deadline</a:t>
             </a:r>
             <a:endParaRPr b="0" lang="de-DE" sz="1800" spc="-1" strike="noStrike">
-              <a:solidFill>
-                <a:srgbClr val="404040"/>
-              </a:solidFill>
-              <a:latin typeface="Trebuchet MS"/>
-            </a:endParaRPr>
-          </a:p>
-          <a:p>
-            <a:pPr marL="343080" indent="-342720">
+              <a:latin typeface="Arial"/>
+            </a:endParaRPr>
+          </a:p>
+          <a:p>
+            <a:pPr marL="343080" indent="-342360">
               <a:lnSpc>
                 <a:spcPct val="100000"/>
               </a:lnSpc>
@@ -9715,24 +9468,21 @@
               <a:t>Add, show and delete subtasks, mark subtasks as finished</a:t>
             </a:r>
             <a:endParaRPr b="0" lang="de-DE" sz="1800" spc="-1" strike="noStrike">
-              <a:solidFill>
-                <a:srgbClr val="404040"/>
-              </a:solidFill>
-              <a:latin typeface="Trebuchet MS"/>
-            </a:endParaRPr>
-          </a:p>
-        </p:txBody>
-      </p:sp>
-      <p:sp>
-        <p:nvSpPr>
-          <p:cNvPr id="136" name="TextShape 3"/>
-          <p:cNvSpPr txBox="1"/>
+              <a:latin typeface="Arial"/>
+            </a:endParaRPr>
+          </a:p>
+        </p:txBody>
+      </p:sp>
+      <p:sp>
+        <p:nvSpPr>
+          <p:cNvPr id="130" name="CustomShape 3"/>
+          <p:cNvSpPr/>
           <p:nvPr/>
         </p:nvSpPr>
         <p:spPr>
           <a:xfrm>
             <a:off x="514080" y="6481440"/>
-            <a:ext cx="6347520" cy="364680"/>
+            <a:ext cx="6347160" cy="364320"/>
           </a:xfrm>
           <a:prstGeom prst="rect">
             <a:avLst/>
@@ -9742,8 +9492,14 @@
             <a:noFill/>
           </a:ln>
         </p:spPr>
-        <p:txBody>
-          <a:bodyPr anchor="ctr"/>
+        <p:style>
+          <a:lnRef idx="0"/>
+          <a:fillRef idx="0"/>
+          <a:effectRef idx="0"/>
+          <a:fontRef idx="minor"/>
+        </p:style>
+        <p:txBody>
+          <a:bodyPr lIns="90000" rIns="90000" tIns="45000" bIns="45000" anchor="ctr"/>
           <a:p>
             <a:pPr algn="r">
               <a:lnSpc>
@@ -9760,7 +9516,7 @@
               <a:t>Thomas Malina – Tillmann Nünninghof – Natalie Busam – Lea Wegner </a:t>
             </a:r>
             <a:endParaRPr b="0" lang="de-DE" sz="900" spc="-1" strike="noStrike">
-              <a:latin typeface="Times New Roman"/>
+              <a:latin typeface="Arial"/>
             </a:endParaRPr>
           </a:p>
         </p:txBody>
@@ -9824,14 +9580,14 @@
       </p:grpSpPr>
       <p:sp>
         <p:nvSpPr>
-          <p:cNvPr id="137" name="TextShape 1"/>
-          <p:cNvSpPr txBox="1"/>
+          <p:cNvPr id="131" name="CustomShape 1"/>
+          <p:cNvSpPr/>
           <p:nvPr/>
         </p:nvSpPr>
         <p:spPr>
           <a:xfrm>
             <a:off x="609480" y="609480"/>
-            <a:ext cx="6347520" cy="1320480"/>
+            <a:ext cx="6347160" cy="1320120"/>
           </a:xfrm>
           <a:prstGeom prst="rect">
             <a:avLst/>
@@ -9841,8 +9597,14 @@
             <a:noFill/>
           </a:ln>
         </p:spPr>
-        <p:txBody>
-          <a:bodyPr/>
+        <p:style>
+          <a:lnRef idx="0"/>
+          <a:fillRef idx="0"/>
+          <a:effectRef idx="0"/>
+          <a:fontRef idx="minor"/>
+        </p:style>
+        <p:txBody>
+          <a:bodyPr lIns="90000" rIns="90000" tIns="45000" bIns="45000"/>
           <a:p>
             <a:pPr>
               <a:lnSpc>
@@ -9859,24 +9621,21 @@
               <a:t>Non-functionals</a:t>
             </a:r>
             <a:endParaRPr b="0" lang="de-DE" sz="3600" spc="-1" strike="noStrike">
-              <a:solidFill>
-                <a:srgbClr val="000000"/>
-              </a:solidFill>
-              <a:latin typeface="Trebuchet MS"/>
-            </a:endParaRPr>
-          </a:p>
-        </p:txBody>
-      </p:sp>
-      <p:sp>
-        <p:nvSpPr>
-          <p:cNvPr id="138" name="TextShape 2"/>
-          <p:cNvSpPr txBox="1"/>
+              <a:latin typeface="Arial"/>
+            </a:endParaRPr>
+          </a:p>
+        </p:txBody>
+      </p:sp>
+      <p:sp>
+        <p:nvSpPr>
+          <p:cNvPr id="132" name="CustomShape 2"/>
+          <p:cNvSpPr/>
           <p:nvPr/>
         </p:nvSpPr>
         <p:spPr>
           <a:xfrm>
             <a:off x="609480" y="2160720"/>
-            <a:ext cx="6347520" cy="3880440"/>
+            <a:ext cx="6347160" cy="3880080"/>
           </a:xfrm>
           <a:prstGeom prst="rect">
             <a:avLst/>
@@ -9886,8 +9645,14 @@
             <a:noFill/>
           </a:ln>
         </p:spPr>
-        <p:txBody>
-          <a:bodyPr/>
+        <p:style>
+          <a:lnRef idx="0"/>
+          <a:fillRef idx="0"/>
+          <a:effectRef idx="0"/>
+          <a:fontRef idx="minor"/>
+        </p:style>
+        <p:txBody>
+          <a:bodyPr lIns="90000" rIns="90000" tIns="45000" bIns="45000"/>
           <a:p>
             <a:pPr>
               <a:lnSpc>
@@ -9907,14 +9672,11 @@
               <a:t>Reliability</a:t>
             </a:r>
             <a:endParaRPr b="0" lang="de-DE" sz="1800" spc="-1" strike="noStrike">
-              <a:solidFill>
-                <a:srgbClr val="404040"/>
-              </a:solidFill>
-              <a:latin typeface="Trebuchet MS"/>
-            </a:endParaRPr>
-          </a:p>
-          <a:p>
-            <a:pPr marL="343080" indent="-342720">
+              <a:latin typeface="Arial"/>
+            </a:endParaRPr>
+          </a:p>
+          <a:p>
+            <a:pPr marL="343080" indent="-342360">
               <a:lnSpc>
                 <a:spcPct val="100000"/>
               </a:lnSpc>
@@ -9938,10 +9700,7 @@
               <a:t>Data is never lost or corrupted, acurate time, app always active</a:t>
             </a:r>
             <a:endParaRPr b="0" lang="de-DE" sz="1800" spc="-1" strike="noStrike">
-              <a:solidFill>
-                <a:srgbClr val="404040"/>
-              </a:solidFill>
-              <a:latin typeface="Trebuchet MS"/>
+              <a:latin typeface="Arial"/>
             </a:endParaRPr>
           </a:p>
           <a:p>
@@ -9963,14 +9722,11 @@
               <a:t>Performance</a:t>
             </a:r>
             <a:endParaRPr b="0" lang="de-DE" sz="1800" spc="-1" strike="noStrike">
-              <a:solidFill>
-                <a:srgbClr val="404040"/>
-              </a:solidFill>
-              <a:latin typeface="Trebuchet MS"/>
-            </a:endParaRPr>
-          </a:p>
-          <a:p>
-            <a:pPr marL="343080" indent="-342720">
+              <a:latin typeface="Arial"/>
+            </a:endParaRPr>
+          </a:p>
+          <a:p>
+            <a:pPr marL="343080" indent="-342360">
               <a:lnSpc>
                 <a:spcPct val="100000"/>
               </a:lnSpc>
@@ -9994,10 +9750,7 @@
               <a:t>Fast loading, asynchronus saving, low response time</a:t>
             </a:r>
             <a:endParaRPr b="0" lang="de-DE" sz="1800" spc="-1" strike="noStrike">
-              <a:solidFill>
-                <a:srgbClr val="404040"/>
-              </a:solidFill>
-              <a:latin typeface="Trebuchet MS"/>
+              <a:latin typeface="Arial"/>
             </a:endParaRPr>
           </a:p>
           <a:p>
@@ -10019,14 +9772,11 @@
               <a:t>Supportability</a:t>
             </a:r>
             <a:endParaRPr b="0" lang="de-DE" sz="1800" spc="-1" strike="noStrike">
-              <a:solidFill>
-                <a:srgbClr val="404040"/>
-              </a:solidFill>
-              <a:latin typeface="Trebuchet MS"/>
-            </a:endParaRPr>
-          </a:p>
-          <a:p>
-            <a:pPr marL="343080" indent="-342720">
+              <a:latin typeface="Arial"/>
+            </a:endParaRPr>
+          </a:p>
+          <a:p>
+            <a:pPr marL="343080" indent="-342360">
               <a:lnSpc>
                 <a:spcPct val="100000"/>
               </a:lnSpc>
@@ -10050,10 +9800,7 @@
               <a:t>Conventions, clear programm structure supporting modularity, clean code and commits</a:t>
             </a:r>
             <a:endParaRPr b="0" lang="de-DE" sz="1800" spc="-1" strike="noStrike">
-              <a:solidFill>
-                <a:srgbClr val="404040"/>
-              </a:solidFill>
-              <a:latin typeface="Trebuchet MS"/>
+              <a:latin typeface="Arial"/>
             </a:endParaRPr>
           </a:p>
           <a:p>
@@ -10075,14 +9822,11 @@
               <a:t>Design constraints</a:t>
             </a:r>
             <a:endParaRPr b="0" lang="de-DE" sz="1800" spc="-1" strike="noStrike">
-              <a:solidFill>
-                <a:srgbClr val="404040"/>
-              </a:solidFill>
-              <a:latin typeface="Trebuchet MS"/>
-            </a:endParaRPr>
-          </a:p>
-          <a:p>
-            <a:pPr marL="343080" indent="-342720">
+              <a:latin typeface="Arial"/>
+            </a:endParaRPr>
+          </a:p>
+          <a:p>
+            <a:pPr marL="343080" indent="-342360">
               <a:lnSpc>
                 <a:spcPct val="100000"/>
               </a:lnSpc>
@@ -10106,10 +9850,7 @@
               <a:t>Java, Android Studio, Git, YouTrack, Wordpress</a:t>
             </a:r>
             <a:endParaRPr b="0" lang="de-DE" sz="1800" spc="-1" strike="noStrike">
-              <a:solidFill>
-                <a:srgbClr val="404040"/>
-              </a:solidFill>
-              <a:latin typeface="Trebuchet MS"/>
+              <a:latin typeface="Arial"/>
             </a:endParaRPr>
           </a:p>
           <a:p>
@@ -10122,10 +9863,7 @@
               </a:spcBef>
             </a:pPr>
             <a:endParaRPr b="0" lang="de-DE" sz="1800" spc="-1" strike="noStrike">
-              <a:solidFill>
-                <a:srgbClr val="404040"/>
-              </a:solidFill>
-              <a:latin typeface="Trebuchet MS"/>
+              <a:latin typeface="Arial"/>
             </a:endParaRPr>
           </a:p>
           <a:p>
@@ -10138,10 +9876,7 @@
               </a:spcBef>
             </a:pPr>
             <a:endParaRPr b="0" lang="de-DE" sz="1800" spc="-1" strike="noStrike">
-              <a:solidFill>
-                <a:srgbClr val="404040"/>
-              </a:solidFill>
-              <a:latin typeface="Trebuchet MS"/>
+              <a:latin typeface="Arial"/>
             </a:endParaRPr>
           </a:p>
           <a:p>
@@ -10154,10 +9889,7 @@
               </a:spcBef>
             </a:pPr>
             <a:endParaRPr b="0" lang="de-DE" sz="1800" spc="-1" strike="noStrike">
-              <a:solidFill>
-                <a:srgbClr val="404040"/>
-              </a:solidFill>
-              <a:latin typeface="Trebuchet MS"/>
+              <a:latin typeface="Arial"/>
             </a:endParaRPr>
           </a:p>
           <a:p>
@@ -10170,24 +9902,21 @@
               </a:spcBef>
             </a:pPr>
             <a:endParaRPr b="0" lang="de-DE" sz="1800" spc="-1" strike="noStrike">
-              <a:solidFill>
-                <a:srgbClr val="404040"/>
-              </a:solidFill>
-              <a:latin typeface="Trebuchet MS"/>
-            </a:endParaRPr>
-          </a:p>
-        </p:txBody>
-      </p:sp>
-      <p:sp>
-        <p:nvSpPr>
-          <p:cNvPr id="139" name="TextShape 3"/>
-          <p:cNvSpPr txBox="1"/>
+              <a:latin typeface="Arial"/>
+            </a:endParaRPr>
+          </a:p>
+        </p:txBody>
+      </p:sp>
+      <p:sp>
+        <p:nvSpPr>
+          <p:cNvPr id="133" name="CustomShape 3"/>
+          <p:cNvSpPr/>
           <p:nvPr/>
         </p:nvSpPr>
         <p:spPr>
           <a:xfrm>
             <a:off x="514080" y="6481440"/>
-            <a:ext cx="6347520" cy="364680"/>
+            <a:ext cx="6347160" cy="364320"/>
           </a:xfrm>
           <a:prstGeom prst="rect">
             <a:avLst/>
@@ -10197,8 +9926,14 @@
             <a:noFill/>
           </a:ln>
         </p:spPr>
-        <p:txBody>
-          <a:bodyPr anchor="ctr"/>
+        <p:style>
+          <a:lnRef idx="0"/>
+          <a:fillRef idx="0"/>
+          <a:effectRef idx="0"/>
+          <a:fontRef idx="minor"/>
+        </p:style>
+        <p:txBody>
+          <a:bodyPr lIns="90000" rIns="90000" tIns="45000" bIns="45000" anchor="ctr"/>
           <a:p>
             <a:pPr algn="r">
               <a:lnSpc>
@@ -10215,7 +9950,7 @@
               <a:t>Thomas Malina – Tillmann Nünninghof – Natalie Busam – Lea Wegner </a:t>
             </a:r>
             <a:endParaRPr b="0" lang="de-DE" sz="900" spc="-1" strike="noStrike">
-              <a:latin typeface="Times New Roman"/>
+              <a:latin typeface="Arial"/>
             </a:endParaRPr>
           </a:p>
         </p:txBody>
@@ -10279,14 +10014,14 @@
       </p:grpSpPr>
       <p:sp>
         <p:nvSpPr>
-          <p:cNvPr id="140" name="TextShape 1"/>
-          <p:cNvSpPr txBox="1"/>
+          <p:cNvPr id="134" name="CustomShape 1"/>
+          <p:cNvSpPr/>
           <p:nvPr/>
         </p:nvSpPr>
         <p:spPr>
           <a:xfrm>
             <a:off x="609480" y="609480"/>
-            <a:ext cx="6347520" cy="1320480"/>
+            <a:ext cx="6347160" cy="1320120"/>
           </a:xfrm>
           <a:prstGeom prst="rect">
             <a:avLst/>
@@ -10296,8 +10031,14 @@
             <a:noFill/>
           </a:ln>
         </p:spPr>
-        <p:txBody>
-          <a:bodyPr/>
+        <p:style>
+          <a:lnRef idx="0"/>
+          <a:fillRef idx="0"/>
+          <a:effectRef idx="0"/>
+          <a:fontRef idx="minor"/>
+        </p:style>
+        <p:txBody>
+          <a:bodyPr lIns="90000" rIns="90000" tIns="45000" bIns="45000"/>
           <a:p>
             <a:pPr>
               <a:lnSpc>
@@ -10314,24 +10055,21 @@
               <a:t>Project Methodology</a:t>
             </a:r>
             <a:endParaRPr b="0" lang="de-DE" sz="3600" spc="-1" strike="noStrike">
-              <a:solidFill>
-                <a:srgbClr val="000000"/>
-              </a:solidFill>
-              <a:latin typeface="Trebuchet MS"/>
-            </a:endParaRPr>
-          </a:p>
-        </p:txBody>
-      </p:sp>
-      <p:sp>
-        <p:nvSpPr>
-          <p:cNvPr id="141" name="TextShape 2"/>
-          <p:cNvSpPr txBox="1"/>
+              <a:latin typeface="Arial"/>
+            </a:endParaRPr>
+          </a:p>
+        </p:txBody>
+      </p:sp>
+      <p:sp>
+        <p:nvSpPr>
+          <p:cNvPr id="135" name="CustomShape 2"/>
+          <p:cNvSpPr/>
           <p:nvPr/>
         </p:nvSpPr>
         <p:spPr>
           <a:xfrm>
             <a:off x="609480" y="2160720"/>
-            <a:ext cx="6347520" cy="3880440"/>
+            <a:ext cx="6347160" cy="3880080"/>
           </a:xfrm>
           <a:prstGeom prst="rect">
             <a:avLst/>
@@ -10341,8 +10079,14 @@
             <a:noFill/>
           </a:ln>
         </p:spPr>
-        <p:txBody>
-          <a:bodyPr>
+        <p:style>
+          <a:lnRef idx="0"/>
+          <a:fillRef idx="0"/>
+          <a:effectRef idx="0"/>
+          <a:fontRef idx="minor"/>
+        </p:style>
+        <p:txBody>
+          <a:bodyPr lIns="90000" rIns="90000" tIns="45000" bIns="45000">
             <a:normAutofit/>
           </a:bodyPr>
           <a:p>
@@ -10364,14 +10108,11 @@
               <a:t>Tool</a:t>
             </a:r>
             <a:endParaRPr b="0" lang="de-DE" sz="1800" spc="-1" strike="noStrike">
-              <a:solidFill>
-                <a:srgbClr val="404040"/>
-              </a:solidFill>
-              <a:latin typeface="Trebuchet MS"/>
-            </a:endParaRPr>
-          </a:p>
-          <a:p>
-            <a:pPr marL="343080" indent="-342720">
+              <a:latin typeface="Arial"/>
+            </a:endParaRPr>
+          </a:p>
+          <a:p>
+            <a:pPr marL="343080" indent="-342360">
               <a:lnSpc>
                 <a:spcPct val="100000"/>
               </a:lnSpc>
@@ -10395,10 +10136,7 @@
               <a:t>YouTrack </a:t>
             </a:r>
             <a:endParaRPr b="0" lang="de-DE" sz="1800" spc="-1" strike="noStrike">
-              <a:solidFill>
-                <a:srgbClr val="404040"/>
-              </a:solidFill>
-              <a:latin typeface="Trebuchet MS"/>
+              <a:latin typeface="Arial"/>
             </a:endParaRPr>
           </a:p>
           <a:p>
@@ -10420,14 +10158,11 @@
               <a:t>PM method</a:t>
             </a:r>
             <a:endParaRPr b="0" lang="de-DE" sz="1800" spc="-1" strike="noStrike">
-              <a:solidFill>
-                <a:srgbClr val="404040"/>
-              </a:solidFill>
-              <a:latin typeface="Trebuchet MS"/>
-            </a:endParaRPr>
-          </a:p>
-          <a:p>
-            <a:pPr marL="343080" indent="-342720">
+              <a:latin typeface="Arial"/>
+            </a:endParaRPr>
+          </a:p>
+          <a:p>
+            <a:pPr marL="343080" indent="-342360">
               <a:lnSpc>
                 <a:spcPct val="100000"/>
               </a:lnSpc>
@@ -10451,10 +10186,7 @@
               <a:t>Scrum</a:t>
             </a:r>
             <a:endParaRPr b="0" lang="de-DE" sz="1800" spc="-1" strike="noStrike">
-              <a:solidFill>
-                <a:srgbClr val="404040"/>
-              </a:solidFill>
-              <a:latin typeface="Trebuchet MS"/>
+              <a:latin typeface="Arial"/>
             </a:endParaRPr>
           </a:p>
           <a:p>
@@ -10476,14 +10208,11 @@
               <a:t>What is Scrum?</a:t>
             </a:r>
             <a:endParaRPr b="0" lang="de-DE" sz="1800" spc="-1" strike="noStrike">
-              <a:solidFill>
-                <a:srgbClr val="404040"/>
-              </a:solidFill>
-              <a:latin typeface="Trebuchet MS"/>
-            </a:endParaRPr>
-          </a:p>
-          <a:p>
-            <a:pPr marL="343080" indent="-342720">
+              <a:latin typeface="Arial"/>
+            </a:endParaRPr>
+          </a:p>
+          <a:p>
+            <a:pPr marL="343080" indent="-342360">
               <a:lnSpc>
                 <a:spcPct val="100000"/>
               </a:lnSpc>
@@ -10507,14 +10236,11 @@
               <a:t>breaks large processes down into small pieces in order to streamline efficiency</a:t>
             </a:r>
             <a:endParaRPr b="0" lang="de-DE" sz="1800" spc="-1" strike="noStrike">
-              <a:solidFill>
-                <a:srgbClr val="404040"/>
-              </a:solidFill>
-              <a:latin typeface="Trebuchet MS"/>
-            </a:endParaRPr>
-          </a:p>
-          <a:p>
-            <a:pPr marL="343080" indent="-342720">
+              <a:latin typeface="Arial"/>
+            </a:endParaRPr>
+          </a:p>
+          <a:p>
+            <a:pPr marL="343080" indent="-342360">
               <a:lnSpc>
                 <a:spcPct val="100000"/>
               </a:lnSpc>
@@ -10538,10 +10264,7 @@
               <a:t>Time-tracking</a:t>
             </a:r>
             <a:endParaRPr b="0" lang="de-DE" sz="1800" spc="-1" strike="noStrike">
-              <a:solidFill>
-                <a:srgbClr val="404040"/>
-              </a:solidFill>
-              <a:latin typeface="Trebuchet MS"/>
+              <a:latin typeface="Arial"/>
             </a:endParaRPr>
           </a:p>
           <a:p>
@@ -10563,14 +10286,11 @@
               <a:t>Advantages</a:t>
             </a:r>
             <a:endParaRPr b="0" lang="de-DE" sz="1800" spc="-1" strike="noStrike">
-              <a:solidFill>
-                <a:srgbClr val="404040"/>
-              </a:solidFill>
-              <a:latin typeface="Trebuchet MS"/>
-            </a:endParaRPr>
-          </a:p>
-          <a:p>
-            <a:pPr marL="343080" indent="-342720">
+              <a:latin typeface="Arial"/>
+            </a:endParaRPr>
+          </a:p>
+          <a:p>
+            <a:pPr marL="343080" indent="-342360">
               <a:lnSpc>
                 <a:spcPct val="100000"/>
               </a:lnSpc>
@@ -10594,24 +10314,21 @@
               <a:t>Very agile</a:t>
             </a:r>
             <a:endParaRPr b="0" lang="de-DE" sz="1800" spc="-1" strike="noStrike">
-              <a:solidFill>
-                <a:srgbClr val="404040"/>
-              </a:solidFill>
-              <a:latin typeface="Trebuchet MS"/>
-            </a:endParaRPr>
-          </a:p>
-        </p:txBody>
-      </p:sp>
-      <p:sp>
-        <p:nvSpPr>
-          <p:cNvPr id="142" name="TextShape 3"/>
-          <p:cNvSpPr txBox="1"/>
+              <a:latin typeface="Arial"/>
+            </a:endParaRPr>
+          </a:p>
+        </p:txBody>
+      </p:sp>
+      <p:sp>
+        <p:nvSpPr>
+          <p:cNvPr id="136" name="CustomShape 3"/>
+          <p:cNvSpPr/>
           <p:nvPr/>
         </p:nvSpPr>
         <p:spPr>
           <a:xfrm>
             <a:off x="514080" y="6481440"/>
-            <a:ext cx="6347520" cy="364680"/>
+            <a:ext cx="6347160" cy="364320"/>
           </a:xfrm>
           <a:prstGeom prst="rect">
             <a:avLst/>
@@ -10621,8 +10338,14 @@
             <a:noFill/>
           </a:ln>
         </p:spPr>
-        <p:txBody>
-          <a:bodyPr anchor="ctr"/>
+        <p:style>
+          <a:lnRef idx="0"/>
+          <a:fillRef idx="0"/>
+          <a:effectRef idx="0"/>
+          <a:fontRef idx="minor"/>
+        </p:style>
+        <p:txBody>
+          <a:bodyPr lIns="90000" rIns="90000" tIns="45000" bIns="45000" anchor="ctr"/>
           <a:p>
             <a:pPr algn="r">
               <a:lnSpc>
@@ -10639,26 +10362,26 @@
               <a:t>Thomas Malina – Tillmann Nünninghof – Natalie Busam – Lea Wegner </a:t>
             </a:r>
             <a:endParaRPr b="0" lang="de-DE" sz="900" spc="-1" strike="noStrike">
-              <a:latin typeface="Times New Roman"/>
+              <a:latin typeface="Arial"/>
             </a:endParaRPr>
           </a:p>
         </p:txBody>
       </p:sp>
       <p:pic>
         <p:nvPicPr>
-          <p:cNvPr id="143" name="Grafik 9" descr=""/>
+          <p:cNvPr id="137" name="Grafik 9" descr=""/>
           <p:cNvPicPr/>
           <p:nvPr/>
         </p:nvPicPr>
         <p:blipFill>
           <a:blip r:embed="rId1"/>
-          <a:srcRect l="21820" t="20328" r="21102" b="20806"/>
+          <a:srcRect l="21814" t="20328" r="21102" b="20806"/>
           <a:stretch/>
         </p:blipFill>
         <p:spPr>
           <a:xfrm>
             <a:off x="4882680" y="1422360"/>
-            <a:ext cx="2073960" cy="2139120"/>
+            <a:ext cx="2073600" cy="2138760"/>
           </a:xfrm>
           <a:prstGeom prst="rect">
             <a:avLst/>
@@ -10727,14 +10450,14 @@
       </p:grpSpPr>
       <p:sp>
         <p:nvSpPr>
-          <p:cNvPr id="144" name="TextShape 1"/>
-          <p:cNvSpPr txBox="1"/>
+          <p:cNvPr id="138" name="CustomShape 1"/>
+          <p:cNvSpPr/>
           <p:nvPr/>
         </p:nvSpPr>
         <p:spPr>
           <a:xfrm>
             <a:off x="609480" y="609480"/>
-            <a:ext cx="6347520" cy="1320480"/>
+            <a:ext cx="6347160" cy="1320120"/>
           </a:xfrm>
           <a:prstGeom prst="rect">
             <a:avLst/>
@@ -10744,8 +10467,14 @@
             <a:noFill/>
           </a:ln>
         </p:spPr>
-        <p:txBody>
-          <a:bodyPr/>
+        <p:style>
+          <a:lnRef idx="0"/>
+          <a:fillRef idx="0"/>
+          <a:effectRef idx="0"/>
+          <a:fontRef idx="minor"/>
+        </p:style>
+        <p:txBody>
+          <a:bodyPr lIns="90000" rIns="90000" tIns="45000" bIns="45000"/>
           <a:p>
             <a:pPr>
               <a:lnSpc>
@@ -10759,36 +10488,24 @@
                 </a:solidFill>
                 <a:latin typeface="Trebuchet MS"/>
               </a:rPr>
-              <a:t> </a:t>
-            </a:r>
-            <a:r>
-              <a:rPr b="0" lang="de-DE" sz="3600" spc="-1" strike="noStrike">
-                <a:solidFill>
-                  <a:srgbClr val="d34817"/>
-                </a:solidFill>
-                <a:latin typeface="Trebuchet MS"/>
-              </a:rPr>
-              <a:t>Project Management</a:t>
+              <a:t>Iterative Process</a:t>
             </a:r>
             <a:endParaRPr b="0" lang="de-DE" sz="3600" spc="-1" strike="noStrike">
-              <a:solidFill>
-                <a:srgbClr val="000000"/>
-              </a:solidFill>
-              <a:latin typeface="Trebuchet MS"/>
-            </a:endParaRPr>
-          </a:p>
-        </p:txBody>
-      </p:sp>
-      <p:sp>
-        <p:nvSpPr>
-          <p:cNvPr id="145" name="TextShape 2"/>
-          <p:cNvSpPr txBox="1"/>
+              <a:latin typeface="Arial"/>
+            </a:endParaRPr>
+          </a:p>
+        </p:txBody>
+      </p:sp>
+      <p:sp>
+        <p:nvSpPr>
+          <p:cNvPr id="139" name="CustomShape 2"/>
+          <p:cNvSpPr/>
           <p:nvPr/>
         </p:nvSpPr>
         <p:spPr>
           <a:xfrm>
             <a:off x="609480" y="2160720"/>
-            <a:ext cx="6347520" cy="3880440"/>
+            <a:ext cx="6347160" cy="3880080"/>
           </a:xfrm>
           <a:prstGeom prst="rect">
             <a:avLst/>
@@ -10798,10 +10515,16 @@
             <a:noFill/>
           </a:ln>
         </p:spPr>
-        <p:txBody>
-          <a:bodyPr/>
-          <a:p>
-            <a:pPr marL="343080" indent="-342720">
+        <p:style>
+          <a:lnRef idx="0"/>
+          <a:fillRef idx="0"/>
+          <a:effectRef idx="0"/>
+          <a:fontRef idx="minor"/>
+        </p:style>
+        <p:txBody>
+          <a:bodyPr lIns="90000" rIns="90000" tIns="45000" bIns="45000"/>
+          <a:p>
+            <a:pPr marL="343080" indent="-342360">
               <a:lnSpc>
                 <a:spcPct val="100000"/>
               </a:lnSpc>
@@ -10822,17 +10545,14 @@
                 </a:solidFill>
                 <a:latin typeface="Trebuchet MS"/>
               </a:rPr>
-              <a:t>access our task list in our IDE, Android Studio</a:t>
+              <a:t>Small Scrum tasks to complete a objective set for our sprint</a:t>
             </a:r>
             <a:endParaRPr b="0" lang="de-DE" sz="1800" spc="-1" strike="noStrike">
-              <a:solidFill>
-                <a:srgbClr val="404040"/>
-              </a:solidFill>
-              <a:latin typeface="Trebuchet MS"/>
-            </a:endParaRPr>
-          </a:p>
-          <a:p>
-            <a:pPr marL="343080" indent="-342720">
+              <a:latin typeface="Arial"/>
+            </a:endParaRPr>
+          </a:p>
+          <a:p>
+            <a:pPr marL="343080" indent="-342360">
               <a:lnSpc>
                 <a:spcPct val="100000"/>
               </a:lnSpc>
@@ -10853,58 +10573,24 @@
                 </a:solidFill>
                 <a:latin typeface="Trebuchet MS"/>
               </a:rPr>
-              <a:t>track the time one of our team members is working on a specific task</a:t>
+              <a:t>Each task is complete on its own and contributes towards the sprint goal</a:t>
             </a:r>
             <a:endParaRPr b="0" lang="de-DE" sz="1800" spc="-1" strike="noStrike">
-              <a:solidFill>
-                <a:srgbClr val="404040"/>
-              </a:solidFill>
-              <a:latin typeface="Trebuchet MS"/>
-            </a:endParaRPr>
-          </a:p>
-          <a:p>
-            <a:pPr marL="343080" indent="-342720">
-              <a:lnSpc>
-                <a:spcPct val="100000"/>
-              </a:lnSpc>
-              <a:spcBef>
-                <a:spcPts val="1001"/>
-              </a:spcBef>
-              <a:buClr>
-                <a:srgbClr val="d34817"/>
-              </a:buClr>
-              <a:buSzPct val="80000"/>
-              <a:buFont typeface="Wingdings 3" charset="2"/>
-              <a:buChar char=""/>
-            </a:pPr>
-            <a:r>
-              <a:rPr b="0" lang="de-DE" sz="1800" spc="-1" strike="noStrike">
-                <a:solidFill>
-                  <a:srgbClr val="404040"/>
-                </a:solidFill>
-                <a:latin typeface="Trebuchet MS"/>
-              </a:rPr>
-              <a:t>Contributing to our git repository via Android Studio directly</a:t>
-            </a:r>
-            <a:endParaRPr b="0" lang="de-DE" sz="1800" spc="-1" strike="noStrike">
-              <a:solidFill>
-                <a:srgbClr val="404040"/>
-              </a:solidFill>
-              <a:latin typeface="Trebuchet MS"/>
-            </a:endParaRPr>
-          </a:p>
-        </p:txBody>
-      </p:sp>
-      <p:sp>
-        <p:nvSpPr>
-          <p:cNvPr id="146" name="TextShape 3"/>
-          <p:cNvSpPr txBox="1"/>
+              <a:latin typeface="Arial"/>
+            </a:endParaRPr>
+          </a:p>
+        </p:txBody>
+      </p:sp>
+      <p:sp>
+        <p:nvSpPr>
+          <p:cNvPr id="140" name="CustomShape 3"/>
+          <p:cNvSpPr/>
           <p:nvPr/>
         </p:nvSpPr>
         <p:spPr>
           <a:xfrm>
             <a:off x="514080" y="6481440"/>
-            <a:ext cx="6347520" cy="364680"/>
+            <a:ext cx="6347160" cy="364320"/>
           </a:xfrm>
           <a:prstGeom prst="rect">
             <a:avLst/>
@@ -10914,8 +10600,14 @@
             <a:noFill/>
           </a:ln>
         </p:spPr>
-        <p:txBody>
-          <a:bodyPr anchor="ctr"/>
+        <p:style>
+          <a:lnRef idx="0"/>
+          <a:fillRef idx="0"/>
+          <a:effectRef idx="0"/>
+          <a:fontRef idx="minor"/>
+        </p:style>
+        <p:txBody>
+          <a:bodyPr lIns="90000" rIns="90000" tIns="45000" bIns="45000" anchor="ctr"/>
           <a:p>
             <a:pPr algn="r">
               <a:lnSpc>
@@ -10932,7 +10624,7 @@
               <a:t>Thomas Malina – Tillmann Nünninghof – Natalie Busam – Lea Wegner </a:t>
             </a:r>
             <a:endParaRPr b="0" lang="de-DE" sz="900" spc="-1" strike="noStrike">
-              <a:latin typeface="Times New Roman"/>
+              <a:latin typeface="Arial"/>
             </a:endParaRPr>
           </a:p>
         </p:txBody>
